--- a/Flux Introduction.pptx
+++ b/Flux Introduction.pptx
@@ -5,10 +5,10 @@
     <p:sldMasterId id="2147483648" r:id="rId1"/>
   </p:sldMasterIdLst>
   <p:notesMasterIdLst>
-    <p:notesMasterId r:id="rId22"/>
+    <p:notesMasterId r:id="rId27"/>
   </p:notesMasterIdLst>
   <p:handoutMasterIdLst>
-    <p:handoutMasterId r:id="rId23"/>
+    <p:handoutMasterId r:id="rId28"/>
   </p:handoutMasterIdLst>
   <p:sldIdLst>
     <p:sldId id="261" r:id="rId2"/>
@@ -19,18 +19,23 @@
     <p:sldId id="354" r:id="rId7"/>
     <p:sldId id="352" r:id="rId8"/>
     <p:sldId id="353" r:id="rId9"/>
-    <p:sldId id="360" r:id="rId10"/>
-    <p:sldId id="361" r:id="rId11"/>
-    <p:sldId id="362" r:id="rId12"/>
-    <p:sldId id="363" r:id="rId13"/>
-    <p:sldId id="356" r:id="rId14"/>
+    <p:sldId id="369" r:id="rId10"/>
+    <p:sldId id="374" r:id="rId11"/>
+    <p:sldId id="375" r:id="rId12"/>
+    <p:sldId id="376" r:id="rId13"/>
+    <p:sldId id="377" r:id="rId14"/>
     <p:sldId id="364" r:id="rId15"/>
     <p:sldId id="366" r:id="rId16"/>
-    <p:sldId id="365" r:id="rId17"/>
-    <p:sldId id="367" r:id="rId18"/>
-    <p:sldId id="368" r:id="rId19"/>
-    <p:sldId id="357" r:id="rId20"/>
-    <p:sldId id="359" r:id="rId21"/>
+    <p:sldId id="378" r:id="rId17"/>
+    <p:sldId id="365" r:id="rId18"/>
+    <p:sldId id="367" r:id="rId19"/>
+    <p:sldId id="373" r:id="rId20"/>
+    <p:sldId id="370" r:id="rId21"/>
+    <p:sldId id="371" r:id="rId22"/>
+    <p:sldId id="372" r:id="rId23"/>
+    <p:sldId id="379" r:id="rId24"/>
+    <p:sldId id="359" r:id="rId25"/>
+    <p:sldId id="380" r:id="rId26"/>
   </p:sldIdLst>
   <p:sldSz cx="9144000" cy="6858000" type="screen4x3"/>
   <p:notesSz cx="6858000" cy="9144000"/>
@@ -129,6 +134,22 @@
       </a:defRPr>
     </a:lvl9pPr>
   </p:defaultTextStyle>
+  <p:extLst>
+    <p:ext uri="{EFAFB233-063F-42B5-8137-9DF3F51BA10A}">
+      <p15:sldGuideLst xmlns:p15="http://schemas.microsoft.com/office/powerpoint/2012/main">
+        <p15:guide id="1" orient="horz" pos="3300">
+          <p15:clr>
+            <a:srgbClr val="A4A3A4"/>
+          </p15:clr>
+        </p15:guide>
+        <p15:guide id="2" pos="192">
+          <p15:clr>
+            <a:srgbClr val="A4A3A4"/>
+          </p15:clr>
+        </p15:guide>
+      </p15:sldGuideLst>
+    </p:ext>
+  </p:extLst>
 </p:presentation>
 </file>
 
@@ -215,7 +236,7 @@
             <a:fld id="{BB937446-253D-9247-BD46-8A12B019035C}" type="datetimeFigureOut">
               <a:rPr lang="de-DE" smtClean="0"/>
               <a:pPr/>
-              <a:t>17.08.15</a:t>
+              <a:t>18.08.2015</a:t>
             </a:fld>
             <a:endParaRPr lang="de-DE"/>
           </a:p>
@@ -382,7 +403,7 @@
             <a:fld id="{D03C3069-EAFB-4145-8E4B-04F54E649D99}" type="datetimeFigureOut">
               <a:rPr lang="de-DE" smtClean="0"/>
               <a:pPr/>
-              <a:t>17.08.15</a:t>
+              <a:t>18.08.2015</a:t>
             </a:fld>
             <a:endParaRPr lang="de-DE"/>
           </a:p>
@@ -3041,15 +3062,7 @@
           <a:p>
             <a:r>
               <a:rPr lang="de-DE" sz="2000" dirty="0" smtClean="0"/>
-              <a:t>Nils </a:t>
-            </a:r>
-            <a:r>
-              <a:rPr lang="de-DE" sz="2000" dirty="0" smtClean="0"/>
-              <a:t>Hartmann </a:t>
-            </a:r>
-            <a:r>
-              <a:rPr lang="de-DE" sz="2000" dirty="0" smtClean="0"/>
-              <a:t>(</a:t>
+              <a:t>Nils Hartmann (</a:t>
             </a:r>
             <a:r>
               <a:rPr lang="de-DE" sz="2000" dirty="0" err="1" smtClean="0"/>
@@ -3067,7 +3080,6 @@
               <a:rPr lang="de-DE" sz="2000" dirty="0" smtClean="0"/>
               <a:t>)</a:t>
             </a:r>
-            <a:endParaRPr lang="de-DE" sz="2000" dirty="0"/>
           </a:p>
         </p:txBody>
       </p:sp>
@@ -3120,7 +3132,7 @@
   <p:timing>
     <p:tnLst>
       <p:par>
-        <p:cTn xmlns:p14="http://schemas.microsoft.com/office/powerpoint/2010/main" id="1" dur="indefinite" restart="never" nodeType="tmRoot"/>
+        <p:cTn id="1" dur="indefinite" restart="never" nodeType="tmRoot"/>
       </p:par>
     </p:tnLst>
   </p:timing>
@@ -3156,98 +3168,90 @@
         </p:nvSpPr>
         <p:spPr>
           <a:xfrm>
-            <a:off x="315884" y="5445224"/>
-            <a:ext cx="8512232" cy="1192643"/>
+            <a:off x="315884" y="4200534"/>
+            <a:ext cx="8512232" cy="2437333"/>
           </a:xfrm>
         </p:spPr>
         <p:txBody>
-          <a:bodyPr/>
+          <a:bodyPr>
+            <a:noAutofit/>
+          </a:bodyPr>
           <a:lstStyle/>
           <a:p>
             <a:pPr marL="0" indent="0">
               <a:buNone/>
             </a:pPr>
             <a:r>
-              <a:rPr lang="de-DE" dirty="0" smtClean="0"/>
-              <a:t>...Action </a:t>
-            </a:r>
-            <a:r>
-              <a:rPr lang="de-DE" dirty="0" err="1" smtClean="0"/>
-              <a:t>can</a:t>
-            </a:r>
-            <a:r>
-              <a:rPr lang="de-DE" dirty="0" smtClean="0"/>
-              <a:t> </a:t>
-            </a:r>
-            <a:r>
-              <a:rPr lang="de-DE" dirty="0" err="1" smtClean="0"/>
-              <a:t>be</a:t>
-            </a:r>
-            <a:r>
-              <a:rPr lang="de-DE" dirty="0" smtClean="0"/>
-              <a:t> </a:t>
-            </a:r>
-            <a:r>
-              <a:rPr lang="de-DE" dirty="0" err="1" smtClean="0"/>
-              <a:t>dispatched</a:t>
-            </a:r>
-            <a:r>
-              <a:rPr lang="de-DE" dirty="0" smtClean="0"/>
-              <a:t> </a:t>
-            </a:r>
-            <a:r>
-              <a:rPr lang="de-DE" dirty="0" err="1" smtClean="0"/>
+              <a:rPr lang="de-DE" sz="3000" b="1" dirty="0" err="1" smtClean="0">
+                <a:solidFill>
+                  <a:srgbClr val="E84528"/>
+                </a:solidFill>
+              </a:rPr>
+              <a:t>ActionCreator</a:t>
+            </a:r>
+            <a:r>
+              <a:rPr lang="de-DE" sz="3000" b="1" dirty="0" smtClean="0">
+                <a:solidFill>
+                  <a:srgbClr val="E84528"/>
+                </a:solidFill>
+              </a:rPr>
+              <a:t> </a:t>
+            </a:r>
+            <a:r>
+              <a:rPr lang="de-DE" sz="3000" b="1" dirty="0" err="1" smtClean="0">
+                <a:solidFill>
+                  <a:srgbClr val="4E4D4D"/>
+                </a:solidFill>
+              </a:rPr>
+              <a:t>sends</a:t>
+            </a:r>
+            <a:r>
+              <a:rPr lang="de-DE" sz="3000" b="1" dirty="0" smtClean="0">
+                <a:solidFill>
+                  <a:srgbClr val="4E4D4D"/>
+                </a:solidFill>
+              </a:rPr>
+              <a:t> </a:t>
+            </a:r>
+            <a:r>
+              <a:rPr lang="de-DE" sz="3000" b="1" dirty="0" smtClean="0">
+                <a:solidFill>
+                  <a:srgbClr val="E84528"/>
+                </a:solidFill>
+              </a:rPr>
+              <a:t>Action</a:t>
+            </a:r>
+            <a:r>
+              <a:rPr lang="de-DE" sz="3000" b="1" dirty="0" smtClean="0">
+                <a:solidFill>
+                  <a:srgbClr val="4E4D4D"/>
+                </a:solidFill>
+              </a:rPr>
+              <a:t> </a:t>
+            </a:r>
+            <a:r>
+              <a:rPr lang="de-DE" sz="3000" b="1" dirty="0" err="1" smtClean="0">
+                <a:solidFill>
+                  <a:srgbClr val="4E4D4D"/>
+                </a:solidFill>
+              </a:rPr>
               <a:t>to</a:t>
             </a:r>
             <a:r>
-              <a:rPr lang="de-DE" dirty="0" smtClean="0"/>
-              <a:t> multiple </a:t>
-            </a:r>
-            <a:r>
-              <a:rPr lang="de-DE" dirty="0" err="1" smtClean="0"/>
-              <a:t>stores</a:t>
-            </a:r>
-            <a:endParaRPr lang="de-DE" dirty="0" smtClean="0"/>
-          </a:p>
-          <a:p>
-            <a:pPr marL="0" indent="0">
-              <a:buNone/>
-            </a:pPr>
-            <a:r>
-              <a:rPr lang="de-DE" dirty="0" smtClean="0"/>
-              <a:t>...A </a:t>
-            </a:r>
-            <a:r>
-              <a:rPr lang="de-DE" dirty="0" err="1" smtClean="0"/>
-              <a:t>component</a:t>
-            </a:r>
-            <a:r>
-              <a:rPr lang="de-DE" dirty="0" smtClean="0"/>
-              <a:t> </a:t>
-            </a:r>
-            <a:r>
-              <a:rPr lang="de-DE" dirty="0" err="1" smtClean="0"/>
-              <a:t>can</a:t>
-            </a:r>
-            <a:r>
-              <a:rPr lang="de-DE" dirty="0" smtClean="0"/>
-              <a:t> listen </a:t>
-            </a:r>
-            <a:r>
-              <a:rPr lang="de-DE" dirty="0" err="1" smtClean="0"/>
-              <a:t>to</a:t>
-            </a:r>
-            <a:r>
-              <a:rPr lang="de-DE" dirty="0" smtClean="0"/>
-              <a:t> multiple </a:t>
-            </a:r>
-            <a:r>
-              <a:rPr lang="de-DE" dirty="0" err="1" smtClean="0"/>
-              <a:t>stores</a:t>
-            </a:r>
-            <a:r>
-              <a:rPr lang="de-DE" dirty="0" smtClean="0"/>
-              <a:t>...</a:t>
+              <a:rPr lang="de-DE" sz="3000" b="1" dirty="0" smtClean="0">
+                <a:solidFill>
+                  <a:srgbClr val="4E4D4D"/>
+                </a:solidFill>
+              </a:rPr>
+              <a:t> </a:t>
+            </a:r>
+            <a:r>
+              <a:rPr lang="de-DE" sz="3000" b="1" dirty="0" smtClean="0">
+                <a:solidFill>
+                  <a:srgbClr val="4E4D4D"/>
+                </a:solidFill>
+              </a:rPr>
+              <a:t>Central Dispatcher</a:t>
             </a:r>
           </a:p>
           <a:p>
@@ -3277,7 +3281,11 @@
           <a:p>
             <a:r>
               <a:rPr lang="de-DE" dirty="0" smtClean="0"/>
-              <a:t>UNI-DIRECTIONAL DATA FLOW - EXAMPE 1</a:t>
+              <a:t>UNI-DIRECTIONAL DATA </a:t>
+            </a:r>
+            <a:r>
+              <a:rPr lang="de-DE" dirty="0" smtClean="0"/>
+              <a:t>FLOW - 2</a:t>
             </a:r>
             <a:endParaRPr lang="de-DE" dirty="0"/>
           </a:p>
@@ -3285,7 +3293,7 @@
       </p:sp>
       <p:pic>
         <p:nvPicPr>
-          <p:cNvPr id="4" name="Bild 3"/>
+          <p:cNvPr id="9" name="Bild 8"/>
           <p:cNvPicPr>
             <a:picLocks noChangeAspect="1"/>
           </p:cNvPicPr>
@@ -3299,18 +3307,359 @@
         </p:blipFill>
         <p:spPr>
           <a:xfrm>
-            <a:off x="392322" y="1371600"/>
-            <a:ext cx="8435794" cy="3785592"/>
+            <a:off x="993757" y="1052736"/>
+            <a:ext cx="7156487" cy="2448272"/>
           </a:xfrm>
           <a:prstGeom prst="rect">
             <a:avLst/>
           </a:prstGeom>
         </p:spPr>
       </p:pic>
+      <p:sp>
+        <p:nvSpPr>
+          <p:cNvPr id="4" name="Ellipse 3"/>
+          <p:cNvSpPr/>
+          <p:nvPr/>
+        </p:nvSpPr>
+        <p:spPr>
+          <a:xfrm>
+            <a:off x="467544" y="908720"/>
+            <a:ext cx="8280920" cy="1944216"/>
+          </a:xfrm>
+          <a:prstGeom prst="ellipse">
+            <a:avLst/>
+          </a:prstGeom>
+          <a:noFill/>
+        </p:spPr>
+        <p:style>
+          <a:lnRef idx="1">
+            <a:schemeClr val="accent1"/>
+          </a:lnRef>
+          <a:fillRef idx="3">
+            <a:schemeClr val="accent1"/>
+          </a:fillRef>
+          <a:effectRef idx="2">
+            <a:schemeClr val="accent1"/>
+          </a:effectRef>
+          <a:fontRef idx="minor">
+            <a:schemeClr val="lt1"/>
+          </a:fontRef>
+        </p:style>
+        <p:txBody>
+          <a:bodyPr rtlCol="0" anchor="ctr"/>
+          <a:lstStyle/>
+          <a:p>
+            <a:pPr algn="ctr"/>
+            <a:endParaRPr lang="de-DE"/>
+          </a:p>
+        </p:txBody>
+      </p:sp>
+      <p:sp>
+        <p:nvSpPr>
+          <p:cNvPr id="5" name="Rechteck 4"/>
+          <p:cNvSpPr/>
+          <p:nvPr/>
+        </p:nvSpPr>
+        <p:spPr>
+          <a:xfrm>
+            <a:off x="2195736" y="4725144"/>
+            <a:ext cx="4752528" cy="1840715"/>
+          </a:xfrm>
+          <a:prstGeom prst="rect">
+            <a:avLst/>
+          </a:prstGeom>
+          <a:solidFill>
+            <a:schemeClr val="bg1"/>
+          </a:solidFill>
+          <a:ln>
+            <a:noFill/>
+          </a:ln>
+          <a:effectLst>
+            <a:outerShdw blurRad="50800" dist="38100" dir="2700000" algn="tl" rotWithShape="0">
+              <a:prstClr val="black">
+                <a:alpha val="40000"/>
+              </a:prstClr>
+            </a:outerShdw>
+          </a:effectLst>
+        </p:spPr>
+        <p:style>
+          <a:lnRef idx="1">
+            <a:schemeClr val="accent1"/>
+          </a:lnRef>
+          <a:fillRef idx="3">
+            <a:schemeClr val="accent1"/>
+          </a:fillRef>
+          <a:effectRef idx="2">
+            <a:schemeClr val="accent1"/>
+          </a:effectRef>
+          <a:fontRef idx="minor">
+            <a:schemeClr val="lt1"/>
+          </a:fontRef>
+        </p:style>
+        <p:txBody>
+          <a:bodyPr rtlCol="0" anchor="t" anchorCtr="0"/>
+          <a:lstStyle/>
+          <a:p>
+            <a:r>
+              <a:rPr lang="de-DE" b="1" dirty="0" err="1" smtClean="0">
+                <a:solidFill>
+                  <a:srgbClr val="4E4D4D"/>
+                </a:solidFill>
+                <a:latin typeface="Courier New" panose="02070309020205020404" pitchFamily="49" charset="0"/>
+                <a:cs typeface="Courier New" panose="02070309020205020404" pitchFamily="49" charset="0"/>
+              </a:rPr>
+              <a:t>addUser</a:t>
+            </a:r>
+            <a:r>
+              <a:rPr lang="de-DE" b="1" dirty="0" smtClean="0">
+                <a:solidFill>
+                  <a:srgbClr val="4E4D4D"/>
+                </a:solidFill>
+                <a:latin typeface="Courier New" panose="02070309020205020404" pitchFamily="49" charset="0"/>
+                <a:cs typeface="Courier New" panose="02070309020205020404" pitchFamily="49" charset="0"/>
+              </a:rPr>
+              <a:t>(</a:t>
+            </a:r>
+            <a:r>
+              <a:rPr lang="de-DE" b="1" dirty="0" err="1" smtClean="0">
+                <a:solidFill>
+                  <a:srgbClr val="4E4D4D"/>
+                </a:solidFill>
+                <a:latin typeface="Courier New" panose="02070309020205020404" pitchFamily="49" charset="0"/>
+                <a:cs typeface="Courier New" panose="02070309020205020404" pitchFamily="49" charset="0"/>
+              </a:rPr>
+              <a:t>name</a:t>
+            </a:r>
+            <a:r>
+              <a:rPr lang="de-DE" b="1" dirty="0">
+                <a:solidFill>
+                  <a:srgbClr val="4E4D4D"/>
+                </a:solidFill>
+                <a:latin typeface="Courier New" panose="02070309020205020404" pitchFamily="49" charset="0"/>
+                <a:cs typeface="Courier New" panose="02070309020205020404" pitchFamily="49" charset="0"/>
+              </a:rPr>
+              <a:t>) {</a:t>
+            </a:r>
+          </a:p>
+          <a:p>
+            <a:r>
+              <a:rPr lang="de-DE" b="1" dirty="0">
+                <a:solidFill>
+                  <a:srgbClr val="4E4D4D"/>
+                </a:solidFill>
+                <a:latin typeface="Courier New" panose="02070309020205020404" pitchFamily="49" charset="0"/>
+                <a:cs typeface="Courier New" panose="02070309020205020404" pitchFamily="49" charset="0"/>
+              </a:rPr>
+              <a:t>	</a:t>
+            </a:r>
+            <a:r>
+              <a:rPr lang="de-DE" b="1" dirty="0" err="1">
+                <a:solidFill>
+                  <a:srgbClr val="4E4D4D"/>
+                </a:solidFill>
+                <a:latin typeface="Courier New" panose="02070309020205020404" pitchFamily="49" charset="0"/>
+                <a:cs typeface="Courier New" panose="02070309020205020404" pitchFamily="49" charset="0"/>
+              </a:rPr>
+              <a:t>Dispatcher.dispatch</a:t>
+            </a:r>
+            <a:r>
+              <a:rPr lang="de-DE" b="1" dirty="0">
+                <a:solidFill>
+                  <a:srgbClr val="4E4D4D"/>
+                </a:solidFill>
+                <a:latin typeface="Courier New" panose="02070309020205020404" pitchFamily="49" charset="0"/>
+                <a:cs typeface="Courier New" panose="02070309020205020404" pitchFamily="49" charset="0"/>
+              </a:rPr>
+              <a:t>({</a:t>
+            </a:r>
+          </a:p>
+          <a:p>
+            <a:r>
+              <a:rPr lang="de-DE" b="1" dirty="0">
+                <a:solidFill>
+                  <a:srgbClr val="4E4D4D"/>
+                </a:solidFill>
+                <a:latin typeface="Courier New" panose="02070309020205020404" pitchFamily="49" charset="0"/>
+                <a:cs typeface="Courier New" panose="02070309020205020404" pitchFamily="49" charset="0"/>
+              </a:rPr>
+              <a:t>		type: ‘USER_ADD_ACTION‘,</a:t>
+            </a:r>
+          </a:p>
+          <a:p>
+            <a:r>
+              <a:rPr lang="de-DE" b="1" dirty="0">
+                <a:solidFill>
+                  <a:srgbClr val="4E4D4D"/>
+                </a:solidFill>
+                <a:latin typeface="Courier New" panose="02070309020205020404" pitchFamily="49" charset="0"/>
+                <a:cs typeface="Courier New" panose="02070309020205020404" pitchFamily="49" charset="0"/>
+              </a:rPr>
+              <a:t>		</a:t>
+            </a:r>
+            <a:r>
+              <a:rPr lang="de-DE" b="1" dirty="0" err="1">
+                <a:solidFill>
+                  <a:srgbClr val="4E4D4D"/>
+                </a:solidFill>
+                <a:latin typeface="Courier New" panose="02070309020205020404" pitchFamily="49" charset="0"/>
+                <a:cs typeface="Courier New" panose="02070309020205020404" pitchFamily="49" charset="0"/>
+              </a:rPr>
+              <a:t>payload</a:t>
+            </a:r>
+            <a:r>
+              <a:rPr lang="de-DE" b="1" dirty="0">
+                <a:solidFill>
+                  <a:srgbClr val="4E4D4D"/>
+                </a:solidFill>
+                <a:latin typeface="Courier New" panose="02070309020205020404" pitchFamily="49" charset="0"/>
+                <a:cs typeface="Courier New" panose="02070309020205020404" pitchFamily="49" charset="0"/>
+              </a:rPr>
+              <a:t>: { </a:t>
+            </a:r>
+            <a:r>
+              <a:rPr lang="de-DE" b="1" dirty="0" err="1">
+                <a:solidFill>
+                  <a:srgbClr val="4E4D4D"/>
+                </a:solidFill>
+                <a:latin typeface="Courier New" panose="02070309020205020404" pitchFamily="49" charset="0"/>
+                <a:cs typeface="Courier New" panose="02070309020205020404" pitchFamily="49" charset="0"/>
+              </a:rPr>
+              <a:t>user</a:t>
+            </a:r>
+            <a:r>
+              <a:rPr lang="de-DE" b="1" dirty="0">
+                <a:solidFill>
+                  <a:srgbClr val="4E4D4D"/>
+                </a:solidFill>
+                <a:latin typeface="Courier New" panose="02070309020205020404" pitchFamily="49" charset="0"/>
+                <a:cs typeface="Courier New" panose="02070309020205020404" pitchFamily="49" charset="0"/>
+              </a:rPr>
+              <a:t>: </a:t>
+            </a:r>
+            <a:r>
+              <a:rPr lang="de-DE" b="1" dirty="0" err="1">
+                <a:solidFill>
+                  <a:srgbClr val="4E4D4D"/>
+                </a:solidFill>
+                <a:latin typeface="Courier New" panose="02070309020205020404" pitchFamily="49" charset="0"/>
+                <a:cs typeface="Courier New" panose="02070309020205020404" pitchFamily="49" charset="0"/>
+              </a:rPr>
+              <a:t>name</a:t>
+            </a:r>
+            <a:r>
+              <a:rPr lang="de-DE" b="1" dirty="0">
+                <a:solidFill>
+                  <a:srgbClr val="4E4D4D"/>
+                </a:solidFill>
+                <a:latin typeface="Courier New" panose="02070309020205020404" pitchFamily="49" charset="0"/>
+                <a:cs typeface="Courier New" panose="02070309020205020404" pitchFamily="49" charset="0"/>
+              </a:rPr>
+              <a:t> }</a:t>
+            </a:r>
+          </a:p>
+          <a:p>
+            <a:r>
+              <a:rPr lang="de-DE" b="1" dirty="0">
+                <a:solidFill>
+                  <a:srgbClr val="4E4D4D"/>
+                </a:solidFill>
+                <a:latin typeface="Courier New" panose="02070309020205020404" pitchFamily="49" charset="0"/>
+                <a:cs typeface="Courier New" panose="02070309020205020404" pitchFamily="49" charset="0"/>
+              </a:rPr>
+              <a:t>	});</a:t>
+            </a:r>
+          </a:p>
+          <a:p>
+            <a:r>
+              <a:rPr lang="de-DE" b="1" dirty="0">
+                <a:solidFill>
+                  <a:srgbClr val="4E4D4D"/>
+                </a:solidFill>
+                <a:latin typeface="Courier New" panose="02070309020205020404" pitchFamily="49" charset="0"/>
+                <a:cs typeface="Courier New" panose="02070309020205020404" pitchFamily="49" charset="0"/>
+              </a:rPr>
+              <a:t>}</a:t>
+            </a:r>
+          </a:p>
+          <a:p>
+            <a:pPr algn="ctr"/>
+            <a:endParaRPr lang="de-DE" dirty="0"/>
+          </a:p>
+        </p:txBody>
+      </p:sp>
+      <p:sp>
+        <p:nvSpPr>
+          <p:cNvPr id="7" name="Rechteck 6"/>
+          <p:cNvSpPr/>
+          <p:nvPr/>
+        </p:nvSpPr>
+        <p:spPr>
+          <a:xfrm>
+            <a:off x="4078441" y="6190693"/>
+            <a:ext cx="2941831" cy="369332"/>
+          </a:xfrm>
+          <a:prstGeom prst="rect">
+            <a:avLst/>
+          </a:prstGeom>
+        </p:spPr>
+        <p:txBody>
+          <a:bodyPr wrap="none">
+            <a:spAutoFit/>
+          </a:bodyPr>
+          <a:lstStyle/>
+          <a:p>
+            <a:r>
+              <a:rPr lang="de-DE" b="1" dirty="0" smtClean="0">
+                <a:solidFill>
+                  <a:schemeClr val="bg1">
+                    <a:lumMod val="50000"/>
+                  </a:schemeClr>
+                </a:solidFill>
+                <a:latin typeface="Courier New" panose="02070309020205020404" pitchFamily="49" charset="0"/>
+                <a:cs typeface="Courier New" panose="02070309020205020404" pitchFamily="49" charset="0"/>
+              </a:rPr>
+              <a:t>(</a:t>
+            </a:r>
+            <a:r>
+              <a:rPr lang="de-DE" b="1" dirty="0" err="1" smtClean="0">
+                <a:solidFill>
+                  <a:schemeClr val="bg1">
+                    <a:lumMod val="50000"/>
+                  </a:schemeClr>
+                </a:solidFill>
+                <a:latin typeface="Courier New" panose="02070309020205020404" pitchFamily="49" charset="0"/>
+                <a:cs typeface="Courier New" panose="02070309020205020404" pitchFamily="49" charset="0"/>
+              </a:rPr>
+              <a:t>UserActionsCreator</a:t>
+            </a:r>
+            <a:r>
+              <a:rPr lang="de-DE" b="1" dirty="0" smtClean="0">
+                <a:solidFill>
+                  <a:schemeClr val="bg1">
+                    <a:lumMod val="50000"/>
+                  </a:schemeClr>
+                </a:solidFill>
+                <a:latin typeface="Courier New" panose="02070309020205020404" pitchFamily="49" charset="0"/>
+                <a:cs typeface="Courier New" panose="02070309020205020404" pitchFamily="49" charset="0"/>
+              </a:rPr>
+              <a:t>)</a:t>
+            </a:r>
+            <a:endParaRPr lang="de-DE" b="1" dirty="0">
+              <a:solidFill>
+                <a:schemeClr val="bg1">
+                  <a:lumMod val="50000"/>
+                </a:schemeClr>
+              </a:solidFill>
+              <a:latin typeface="Courier New" panose="02070309020205020404" pitchFamily="49" charset="0"/>
+              <a:cs typeface="Courier New" panose="02070309020205020404" pitchFamily="49" charset="0"/>
+            </a:endParaRPr>
+          </a:p>
+        </p:txBody>
+      </p:sp>
     </p:spTree>
     <p:extLst>
       <p:ext uri="{BB962C8B-B14F-4D97-AF65-F5344CB8AC3E}">
-        <p14:creationId xmlns:p14="http://schemas.microsoft.com/office/powerpoint/2010/main" val="3040353003"/>
+        <p14:creationId xmlns:p14="http://schemas.microsoft.com/office/powerpoint/2010/main" val="2428882175"/>
       </p:ext>
     </p:extLst>
   </p:cSld>
@@ -3320,7 +3669,7 @@
   <p:timing>
     <p:tnLst>
       <p:par>
-        <p:cTn xmlns:p14="http://schemas.microsoft.com/office/powerpoint/2010/main" id="1" dur="indefinite" restart="never" nodeType="tmRoot"/>
+        <p:cTn id="1" dur="indefinite" restart="never" nodeType="tmRoot"/>
       </p:par>
     </p:tnLst>
   </p:timing>
@@ -3356,60 +3705,82 @@
         </p:nvSpPr>
         <p:spPr>
           <a:xfrm>
-            <a:off x="315884" y="5445224"/>
-            <a:ext cx="8512232" cy="1192643"/>
+            <a:off x="315884" y="4200534"/>
+            <a:ext cx="8512232" cy="2437333"/>
           </a:xfrm>
         </p:spPr>
         <p:txBody>
-          <a:bodyPr/>
+          <a:bodyPr>
+            <a:normAutofit/>
+          </a:bodyPr>
           <a:lstStyle/>
           <a:p>
             <a:pPr marL="0" indent="0">
               <a:buNone/>
             </a:pPr>
             <a:r>
-              <a:rPr lang="de-DE" dirty="0" smtClean="0"/>
-              <a:t>...</a:t>
-            </a:r>
-            <a:r>
-              <a:rPr lang="de-DE" dirty="0" err="1" smtClean="0"/>
-              <a:t>Multipe</a:t>
-            </a:r>
-            <a:r>
-              <a:rPr lang="de-DE" dirty="0" smtClean="0"/>
-              <a:t> </a:t>
-            </a:r>
-            <a:r>
-              <a:rPr lang="de-DE" dirty="0" err="1" smtClean="0"/>
-              <a:t>components</a:t>
-            </a:r>
-            <a:r>
-              <a:rPr lang="de-DE" dirty="0" smtClean="0"/>
-              <a:t> </a:t>
-            </a:r>
-            <a:r>
-              <a:rPr lang="de-DE" dirty="0" err="1" smtClean="0"/>
-              <a:t>can</a:t>
-            </a:r>
-            <a:r>
-              <a:rPr lang="de-DE" dirty="0" smtClean="0"/>
-              <a:t> listen </a:t>
-            </a:r>
-            <a:r>
-              <a:rPr lang="de-DE" dirty="0" err="1" smtClean="0"/>
+              <a:rPr lang="de-DE" b="1" dirty="0" smtClean="0">
+                <a:solidFill>
+                  <a:srgbClr val="4E4D4D"/>
+                </a:solidFill>
+              </a:rPr>
+              <a:t>Dispatcher</a:t>
+            </a:r>
+            <a:r>
+              <a:rPr lang="de-DE" b="1" dirty="0" smtClean="0">
+                <a:solidFill>
+                  <a:srgbClr val="3F51B5"/>
+                </a:solidFill>
+              </a:rPr>
+              <a:t> </a:t>
+            </a:r>
+            <a:r>
+              <a:rPr lang="de-DE" b="1" dirty="0" err="1" smtClean="0"/>
+              <a:t>forwards</a:t>
+            </a:r>
+            <a:r>
+              <a:rPr lang="de-DE" b="1" dirty="0" smtClean="0"/>
+              <a:t> </a:t>
+            </a:r>
+            <a:r>
+              <a:rPr lang="de-DE" b="1" dirty="0" err="1" smtClean="0"/>
+              <a:t>the</a:t>
+            </a:r>
+            <a:r>
+              <a:rPr lang="de-DE" b="1" dirty="0" smtClean="0"/>
+              <a:t> </a:t>
+            </a:r>
+            <a:r>
+              <a:rPr lang="de-DE" b="1" dirty="0" smtClean="0">
+                <a:solidFill>
+                  <a:srgbClr val="E84528"/>
+                </a:solidFill>
+              </a:rPr>
+              <a:t>Action </a:t>
+            </a:r>
+            <a:r>
+              <a:rPr lang="de-DE" b="1" dirty="0" err="1" smtClean="0">
+                <a:solidFill>
+                  <a:srgbClr val="4E4D4D"/>
+                </a:solidFill>
+              </a:rPr>
               <a:t>to</a:t>
             </a:r>
             <a:r>
-              <a:rPr lang="de-DE" dirty="0" smtClean="0"/>
-              <a:t> same </a:t>
-            </a:r>
-            <a:r>
-              <a:rPr lang="de-DE" dirty="0" err="1" smtClean="0"/>
-              <a:t>store</a:t>
-            </a:r>
-            <a:r>
-              <a:rPr lang="de-DE" dirty="0" smtClean="0"/>
-              <a:t>...</a:t>
+              <a:rPr lang="de-DE" b="1" dirty="0" smtClean="0">
+                <a:solidFill>
+                  <a:srgbClr val="4E4D4D"/>
+                </a:solidFill>
+              </a:rPr>
+              <a:t> </a:t>
+            </a:r>
+            <a:r>
+              <a:rPr lang="de-DE" b="1" dirty="0" smtClean="0">
+                <a:solidFill>
+                  <a:srgbClr val="089D57"/>
+                </a:solidFill>
+              </a:rPr>
+              <a:t>Store</a:t>
             </a:r>
           </a:p>
           <a:p>
@@ -3439,7 +3810,11 @@
           <a:p>
             <a:r>
               <a:rPr lang="de-DE" dirty="0" smtClean="0"/>
-              <a:t>UNI-DIRECTIONAL DATA FLOW - EXAMPLE 2</a:t>
+              <a:t>UNI-DIRECTIONAL DATA </a:t>
+            </a:r>
+            <a:r>
+              <a:rPr lang="de-DE" dirty="0" smtClean="0"/>
+              <a:t>FLOW - 3</a:t>
             </a:r>
             <a:endParaRPr lang="de-DE" dirty="0"/>
           </a:p>
@@ -3447,7 +3822,7 @@
       </p:sp>
       <p:pic>
         <p:nvPicPr>
-          <p:cNvPr id="6" name="Bild 5"/>
+          <p:cNvPr id="9" name="Bild 8"/>
           <p:cNvPicPr>
             <a:picLocks noChangeAspect="1"/>
           </p:cNvPicPr>
@@ -3461,18 +3836,57 @@
         </p:blipFill>
         <p:spPr>
           <a:xfrm>
-            <a:off x="315884" y="1124744"/>
-            <a:ext cx="8532440" cy="2726407"/>
+            <a:off x="993757" y="1052736"/>
+            <a:ext cx="7156487" cy="2448272"/>
           </a:xfrm>
           <a:prstGeom prst="rect">
             <a:avLst/>
           </a:prstGeom>
         </p:spPr>
       </p:pic>
+      <p:sp>
+        <p:nvSpPr>
+          <p:cNvPr id="4" name="Ellipse 3"/>
+          <p:cNvSpPr/>
+          <p:nvPr/>
+        </p:nvSpPr>
+        <p:spPr>
+          <a:xfrm>
+            <a:off x="467544" y="908720"/>
+            <a:ext cx="8280920" cy="1944216"/>
+          </a:xfrm>
+          <a:prstGeom prst="ellipse">
+            <a:avLst/>
+          </a:prstGeom>
+          <a:noFill/>
+        </p:spPr>
+        <p:style>
+          <a:lnRef idx="1">
+            <a:schemeClr val="accent1"/>
+          </a:lnRef>
+          <a:fillRef idx="3">
+            <a:schemeClr val="accent1"/>
+          </a:fillRef>
+          <a:effectRef idx="2">
+            <a:schemeClr val="accent1"/>
+          </a:effectRef>
+          <a:fontRef idx="minor">
+            <a:schemeClr val="lt1"/>
+          </a:fontRef>
+        </p:style>
+        <p:txBody>
+          <a:bodyPr rtlCol="0" anchor="ctr"/>
+          <a:lstStyle/>
+          <a:p>
+            <a:pPr algn="ctr"/>
+            <a:endParaRPr lang="de-DE"/>
+          </a:p>
+        </p:txBody>
+      </p:sp>
     </p:spTree>
     <p:extLst>
       <p:ext uri="{BB962C8B-B14F-4D97-AF65-F5344CB8AC3E}">
-        <p14:creationId xmlns:p14="http://schemas.microsoft.com/office/powerpoint/2010/main" val="1867321764"/>
+        <p14:creationId xmlns:p14="http://schemas.microsoft.com/office/powerpoint/2010/main" val="1290592453"/>
       </p:ext>
     </p:extLst>
   </p:cSld>
@@ -3482,7 +3896,7 @@
   <p:timing>
     <p:tnLst>
       <p:par>
-        <p:cTn xmlns:p14="http://schemas.microsoft.com/office/powerpoint/2010/main" id="1" dur="indefinite" restart="never" nodeType="tmRoot"/>
+        <p:cTn id="1" dur="indefinite" restart="never" nodeType="tmRoot"/>
       </p:par>
     </p:tnLst>
   </p:timing>
@@ -3518,13 +3932,13 @@
         </p:nvSpPr>
         <p:spPr>
           <a:xfrm>
-            <a:off x="315884" y="5445224"/>
-            <a:ext cx="8512232" cy="1192643"/>
+            <a:off x="315884" y="4200534"/>
+            <a:ext cx="8512232" cy="2756858"/>
           </a:xfrm>
         </p:spPr>
         <p:txBody>
           <a:bodyPr>
-            <a:normAutofit fontScale="85000" lnSpcReduction="20000"/>
+            <a:noAutofit/>
           </a:bodyPr>
           <a:lstStyle/>
           <a:p>
@@ -3532,92 +3946,106 @@
               <a:buNone/>
             </a:pPr>
             <a:r>
-              <a:rPr lang="de-DE" dirty="0" smtClean="0"/>
-              <a:t>...“</a:t>
-            </a:r>
-            <a:r>
-              <a:rPr lang="de-DE" dirty="0" err="1" smtClean="0"/>
-              <a:t>external</a:t>
-            </a:r>
-            <a:r>
-              <a:rPr lang="de-DE" dirty="0" smtClean="0"/>
-              <a:t> </a:t>
-            </a:r>
-            <a:r>
-              <a:rPr lang="de-DE" dirty="0" err="1" smtClean="0"/>
-              <a:t>events</a:t>
-            </a:r>
-            <a:r>
-              <a:rPr lang="de-DE" dirty="0" smtClean="0"/>
-              <a:t>“ (e.g. </a:t>
-            </a:r>
-            <a:r>
-              <a:rPr lang="de-DE" dirty="0" err="1" smtClean="0"/>
-              <a:t>response</a:t>
-            </a:r>
-            <a:r>
-              <a:rPr lang="de-DE" dirty="0" smtClean="0"/>
-              <a:t> </a:t>
-            </a:r>
-            <a:r>
-              <a:rPr lang="de-DE" dirty="0" err="1" smtClean="0"/>
-              <a:t>from</a:t>
-            </a:r>
-            <a:r>
-              <a:rPr lang="de-DE" dirty="0" smtClean="0"/>
-              <a:t> </a:t>
-            </a:r>
-            <a:r>
-              <a:rPr lang="de-DE" dirty="0" err="1" smtClean="0"/>
-              <a:t>server</a:t>
-            </a:r>
-            <a:r>
-              <a:rPr lang="de-DE" dirty="0" smtClean="0"/>
-              <a:t>) </a:t>
-            </a:r>
-            <a:r>
-              <a:rPr lang="de-DE" dirty="0" err="1" smtClean="0"/>
-              <a:t>can</a:t>
-            </a:r>
-            <a:r>
-              <a:rPr lang="de-DE" dirty="0" smtClean="0"/>
-              <a:t> </a:t>
-            </a:r>
-            <a:r>
-              <a:rPr lang="de-DE" dirty="0" err="1" smtClean="0"/>
-              <a:t>trigger</a:t>
-            </a:r>
-            <a:r>
-              <a:rPr lang="de-DE" dirty="0" smtClean="0"/>
-              <a:t> </a:t>
-            </a:r>
-            <a:r>
-              <a:rPr lang="de-DE" dirty="0" err="1" smtClean="0"/>
-              <a:t>actions</a:t>
-            </a:r>
-            <a:endParaRPr lang="de-DE" dirty="0" smtClean="0"/>
-          </a:p>
-          <a:p>
-            <a:r>
-              <a:rPr lang="de-DE" dirty="0" smtClean="0"/>
-              <a:t>Flow </a:t>
-            </a:r>
-            <a:r>
-              <a:rPr lang="de-DE" dirty="0" err="1" smtClean="0"/>
-              <a:t>is</a:t>
-            </a:r>
-            <a:r>
-              <a:rPr lang="de-DE" dirty="0" smtClean="0"/>
-              <a:t> still </a:t>
-            </a:r>
-            <a:r>
-              <a:rPr lang="de-DE" dirty="0" err="1" smtClean="0"/>
-              <a:t>the</a:t>
-            </a:r>
-            <a:r>
-              <a:rPr lang="de-DE" dirty="0" smtClean="0"/>
-              <a:t> same</a:t>
-            </a:r>
+              <a:rPr lang="de-DE" sz="3000" b="1" dirty="0" smtClean="0">
+                <a:solidFill>
+                  <a:srgbClr val="089D57"/>
+                </a:solidFill>
+              </a:rPr>
+              <a:t>Store</a:t>
+            </a:r>
+            <a:r>
+              <a:rPr lang="de-DE" sz="3000" b="1" dirty="0">
+                <a:solidFill>
+                  <a:srgbClr val="4E4D4D"/>
+                </a:solidFill>
+              </a:rPr>
+              <a:t> </a:t>
+            </a:r>
+            <a:r>
+              <a:rPr lang="de-DE" sz="3000" b="1" dirty="0" err="1" smtClean="0">
+                <a:solidFill>
+                  <a:srgbClr val="4E4D4D"/>
+                </a:solidFill>
+              </a:rPr>
+              <a:t>processes</a:t>
+            </a:r>
+            <a:r>
+              <a:rPr lang="de-DE" sz="3000" b="1" dirty="0" smtClean="0">
+                <a:solidFill>
+                  <a:srgbClr val="4E4D4D"/>
+                </a:solidFill>
+              </a:rPr>
+              <a:t> </a:t>
+            </a:r>
+            <a:r>
+              <a:rPr lang="de-DE" sz="3000" b="1" dirty="0" smtClean="0">
+                <a:solidFill>
+                  <a:srgbClr val="E84528"/>
+                </a:solidFill>
+              </a:rPr>
+              <a:t>Action </a:t>
+            </a:r>
+            <a:r>
+              <a:rPr lang="de-DE" sz="3000" b="1" dirty="0" err="1" smtClean="0">
+                <a:solidFill>
+                  <a:srgbClr val="4E4D4D"/>
+                </a:solidFill>
+              </a:rPr>
+              <a:t>and</a:t>
+            </a:r>
+            <a:r>
+              <a:rPr lang="de-DE" sz="3000" b="1" dirty="0" smtClean="0">
+                <a:solidFill>
+                  <a:srgbClr val="4E4D4D"/>
+                </a:solidFill>
+              </a:rPr>
+              <a:t> </a:t>
+            </a:r>
+            <a:r>
+              <a:rPr lang="de-DE" sz="3000" b="1" dirty="0" err="1" smtClean="0">
+                <a:solidFill>
+                  <a:srgbClr val="4E4D4D"/>
+                </a:solidFill>
+              </a:rPr>
+              <a:t>emits</a:t>
+            </a:r>
+            <a:r>
+              <a:rPr lang="de-DE" sz="3000" b="1" dirty="0" smtClean="0">
+                <a:solidFill>
+                  <a:srgbClr val="4E4D4D"/>
+                </a:solidFill>
+              </a:rPr>
+              <a:t> a </a:t>
+            </a:r>
+            <a:r>
+              <a:rPr lang="de-DE" sz="3000" b="1" dirty="0" err="1" smtClean="0">
+                <a:solidFill>
+                  <a:srgbClr val="4E4D4D"/>
+                </a:solidFill>
+              </a:rPr>
+              <a:t>change</a:t>
+            </a:r>
+            <a:r>
+              <a:rPr lang="de-DE" sz="3000" b="1" dirty="0" smtClean="0">
+                <a:solidFill>
+                  <a:srgbClr val="4E4D4D"/>
+                </a:solidFill>
+              </a:rPr>
+              <a:t> </a:t>
+            </a:r>
+            <a:r>
+              <a:rPr lang="de-DE" sz="3000" b="1" dirty="0" err="1" smtClean="0">
+                <a:solidFill>
+                  <a:srgbClr val="4E4D4D"/>
+                </a:solidFill>
+              </a:rPr>
+              <a:t>event</a:t>
+            </a:r>
+            <a:endParaRPr lang="de-DE" sz="3000" b="1" dirty="0" smtClean="0">
+              <a:solidFill>
+                <a:srgbClr val="4E4D4D"/>
+              </a:solidFill>
+            </a:endParaRPr>
           </a:p>
           <a:p>
             <a:pPr marL="0" indent="0">
@@ -3646,7 +4074,11 @@
           <a:p>
             <a:r>
               <a:rPr lang="de-DE" dirty="0" smtClean="0"/>
-              <a:t>UNI-DIRECTIONAL DATA FLOW - EXAMPLE 3</a:t>
+              <a:t>UNI-DIRECTIONAL DATA </a:t>
+            </a:r>
+            <a:r>
+              <a:rPr lang="de-DE" dirty="0" smtClean="0"/>
+              <a:t>FLOW - 4</a:t>
             </a:r>
             <a:endParaRPr lang="de-DE" dirty="0"/>
           </a:p>
@@ -3654,7 +4086,7 @@
       </p:sp>
       <p:pic>
         <p:nvPicPr>
-          <p:cNvPr id="5" name="Bild 4"/>
+          <p:cNvPr id="9" name="Bild 8"/>
           <p:cNvPicPr>
             <a:picLocks noChangeAspect="1"/>
           </p:cNvPicPr>
@@ -3668,18 +4100,397 @@
         </p:blipFill>
         <p:spPr>
           <a:xfrm>
-            <a:off x="683568" y="879793"/>
-            <a:ext cx="7416824" cy="4298496"/>
+            <a:off x="993757" y="1052736"/>
+            <a:ext cx="7156487" cy="2448272"/>
           </a:xfrm>
           <a:prstGeom prst="rect">
             <a:avLst/>
           </a:prstGeom>
         </p:spPr>
       </p:pic>
+      <p:sp>
+        <p:nvSpPr>
+          <p:cNvPr id="4" name="Ellipse 3"/>
+          <p:cNvSpPr/>
+          <p:nvPr/>
+        </p:nvSpPr>
+        <p:spPr>
+          <a:xfrm>
+            <a:off x="467544" y="908720"/>
+            <a:ext cx="8280920" cy="1944216"/>
+          </a:xfrm>
+          <a:prstGeom prst="ellipse">
+            <a:avLst/>
+          </a:prstGeom>
+          <a:noFill/>
+        </p:spPr>
+        <p:style>
+          <a:lnRef idx="1">
+            <a:schemeClr val="accent1"/>
+          </a:lnRef>
+          <a:fillRef idx="3">
+            <a:schemeClr val="accent1"/>
+          </a:fillRef>
+          <a:effectRef idx="2">
+            <a:schemeClr val="accent1"/>
+          </a:effectRef>
+          <a:fontRef idx="minor">
+            <a:schemeClr val="lt1"/>
+          </a:fontRef>
+        </p:style>
+        <p:txBody>
+          <a:bodyPr rtlCol="0" anchor="ctr"/>
+          <a:lstStyle/>
+          <a:p>
+            <a:pPr algn="ctr"/>
+            <a:endParaRPr lang="de-DE"/>
+          </a:p>
+        </p:txBody>
+      </p:sp>
+      <p:sp>
+        <p:nvSpPr>
+          <p:cNvPr id="7" name="Rechteck 6"/>
+          <p:cNvSpPr/>
+          <p:nvPr/>
+        </p:nvSpPr>
+        <p:spPr>
+          <a:xfrm>
+            <a:off x="1439652" y="4848606"/>
+            <a:ext cx="6264696" cy="1840715"/>
+          </a:xfrm>
+          <a:prstGeom prst="rect">
+            <a:avLst/>
+          </a:prstGeom>
+          <a:solidFill>
+            <a:schemeClr val="bg1"/>
+          </a:solidFill>
+          <a:ln>
+            <a:noFill/>
+          </a:ln>
+          <a:effectLst>
+            <a:outerShdw blurRad="50800" dist="38100" dir="2700000" algn="tl" rotWithShape="0">
+              <a:prstClr val="black">
+                <a:alpha val="40000"/>
+              </a:prstClr>
+            </a:outerShdw>
+          </a:effectLst>
+        </p:spPr>
+        <p:style>
+          <a:lnRef idx="1">
+            <a:schemeClr val="accent1"/>
+          </a:lnRef>
+          <a:fillRef idx="3">
+            <a:schemeClr val="accent1"/>
+          </a:fillRef>
+          <a:effectRef idx="2">
+            <a:schemeClr val="accent1"/>
+          </a:effectRef>
+          <a:fontRef idx="minor">
+            <a:schemeClr val="lt1"/>
+          </a:fontRef>
+        </p:style>
+        <p:txBody>
+          <a:bodyPr rtlCol="0" anchor="t" anchorCtr="0"/>
+          <a:lstStyle/>
+          <a:p>
+            <a:r>
+              <a:rPr lang="de-DE" b="1" dirty="0" err="1">
+                <a:solidFill>
+                  <a:srgbClr val="4E4D4D"/>
+                </a:solidFill>
+                <a:latin typeface="Courier New" panose="02070309020205020404" pitchFamily="49" charset="0"/>
+                <a:cs typeface="Courier New" panose="02070309020205020404" pitchFamily="49" charset="0"/>
+              </a:rPr>
+              <a:t>handleAction</a:t>
+            </a:r>
+            <a:r>
+              <a:rPr lang="de-DE" b="1" dirty="0">
+                <a:solidFill>
+                  <a:srgbClr val="4E4D4D"/>
+                </a:solidFill>
+                <a:latin typeface="Courier New" panose="02070309020205020404" pitchFamily="49" charset="0"/>
+                <a:cs typeface="Courier New" panose="02070309020205020404" pitchFamily="49" charset="0"/>
+              </a:rPr>
+              <a:t>(</a:t>
+            </a:r>
+            <a:r>
+              <a:rPr lang="de-DE" b="1" dirty="0" err="1">
+                <a:solidFill>
+                  <a:srgbClr val="E84528"/>
+                </a:solidFill>
+                <a:latin typeface="Courier New" panose="02070309020205020404" pitchFamily="49" charset="0"/>
+                <a:cs typeface="Courier New" panose="02070309020205020404" pitchFamily="49" charset="0"/>
+              </a:rPr>
+              <a:t>action</a:t>
+            </a:r>
+            <a:r>
+              <a:rPr lang="de-DE" b="1" dirty="0">
+                <a:solidFill>
+                  <a:srgbClr val="4E4D4D"/>
+                </a:solidFill>
+                <a:latin typeface="Courier New" panose="02070309020205020404" pitchFamily="49" charset="0"/>
+                <a:cs typeface="Courier New" panose="02070309020205020404" pitchFamily="49" charset="0"/>
+              </a:rPr>
+              <a:t>){</a:t>
+            </a:r>
+          </a:p>
+          <a:p>
+            <a:r>
+              <a:rPr lang="de-DE" b="1" dirty="0">
+                <a:solidFill>
+                  <a:srgbClr val="4E4D4D"/>
+                </a:solidFill>
+                <a:latin typeface="Courier New" panose="02070309020205020404" pitchFamily="49" charset="0"/>
+                <a:cs typeface="Courier New" panose="02070309020205020404" pitchFamily="49" charset="0"/>
+              </a:rPr>
+              <a:t>	</a:t>
+            </a:r>
+            <a:r>
+              <a:rPr lang="de-DE" b="1" dirty="0" err="1">
+                <a:solidFill>
+                  <a:srgbClr val="4E4D4D"/>
+                </a:solidFill>
+                <a:latin typeface="Courier New" panose="02070309020205020404" pitchFamily="49" charset="0"/>
+                <a:cs typeface="Courier New" panose="02070309020205020404" pitchFamily="49" charset="0"/>
+              </a:rPr>
+              <a:t>if</a:t>
+            </a:r>
+            <a:r>
+              <a:rPr lang="de-DE" b="1" dirty="0">
+                <a:solidFill>
+                  <a:srgbClr val="4E4D4D"/>
+                </a:solidFill>
+                <a:latin typeface="Courier New" panose="02070309020205020404" pitchFamily="49" charset="0"/>
+                <a:cs typeface="Courier New" panose="02070309020205020404" pitchFamily="49" charset="0"/>
+              </a:rPr>
+              <a:t> (</a:t>
+            </a:r>
+            <a:r>
+              <a:rPr lang="de-DE" b="1" dirty="0" err="1">
+                <a:solidFill>
+                  <a:srgbClr val="E84528"/>
+                </a:solidFill>
+                <a:latin typeface="Courier New" panose="02070309020205020404" pitchFamily="49" charset="0"/>
+                <a:cs typeface="Courier New" panose="02070309020205020404" pitchFamily="49" charset="0"/>
+              </a:rPr>
+              <a:t>action</a:t>
+            </a:r>
+            <a:r>
+              <a:rPr lang="de-DE" b="1" dirty="0" err="1">
+                <a:solidFill>
+                  <a:srgbClr val="4E4D4D"/>
+                </a:solidFill>
+                <a:latin typeface="Courier New" panose="02070309020205020404" pitchFamily="49" charset="0"/>
+                <a:cs typeface="Courier New" panose="02070309020205020404" pitchFamily="49" charset="0"/>
+              </a:rPr>
+              <a:t>.type</a:t>
+            </a:r>
+            <a:r>
+              <a:rPr lang="de-DE" b="1" dirty="0">
+                <a:solidFill>
+                  <a:srgbClr val="4E4D4D"/>
+                </a:solidFill>
+                <a:latin typeface="Courier New" panose="02070309020205020404" pitchFamily="49" charset="0"/>
+                <a:cs typeface="Courier New" panose="02070309020205020404" pitchFamily="49" charset="0"/>
+              </a:rPr>
+              <a:t>===‘USER_ADD_ACTION‘) {</a:t>
+            </a:r>
+          </a:p>
+          <a:p>
+            <a:r>
+              <a:rPr lang="de-DE" b="1" dirty="0">
+                <a:solidFill>
+                  <a:srgbClr val="4E4D4D"/>
+                </a:solidFill>
+                <a:latin typeface="Courier New" panose="02070309020205020404" pitchFamily="49" charset="0"/>
+                <a:cs typeface="Courier New" panose="02070309020205020404" pitchFamily="49" charset="0"/>
+              </a:rPr>
+              <a:t>		</a:t>
+            </a:r>
+            <a:r>
+              <a:rPr lang="de-DE" b="1" dirty="0" err="1">
+                <a:solidFill>
+                  <a:srgbClr val="4E4D4D"/>
+                </a:solidFill>
+                <a:latin typeface="Courier New" panose="02070309020205020404" pitchFamily="49" charset="0"/>
+                <a:cs typeface="Courier New" panose="02070309020205020404" pitchFamily="49" charset="0"/>
+              </a:rPr>
+              <a:t>this.users.push</a:t>
+            </a:r>
+            <a:r>
+              <a:rPr lang="de-DE" b="1" dirty="0">
+                <a:solidFill>
+                  <a:srgbClr val="4E4D4D"/>
+                </a:solidFill>
+                <a:latin typeface="Courier New" panose="02070309020205020404" pitchFamily="49" charset="0"/>
+                <a:cs typeface="Courier New" panose="02070309020205020404" pitchFamily="49" charset="0"/>
+              </a:rPr>
+              <a:t>(</a:t>
+            </a:r>
+            <a:r>
+              <a:rPr lang="de-DE" b="1" dirty="0" err="1">
+                <a:solidFill>
+                  <a:srgbClr val="E84528"/>
+                </a:solidFill>
+                <a:latin typeface="Courier New" panose="02070309020205020404" pitchFamily="49" charset="0"/>
+                <a:cs typeface="Courier New" panose="02070309020205020404" pitchFamily="49" charset="0"/>
+              </a:rPr>
+              <a:t>action</a:t>
+            </a:r>
+            <a:r>
+              <a:rPr lang="de-DE" b="1" dirty="0" err="1">
+                <a:solidFill>
+                  <a:srgbClr val="4E4D4D"/>
+                </a:solidFill>
+                <a:latin typeface="Courier New" panose="02070309020205020404" pitchFamily="49" charset="0"/>
+                <a:cs typeface="Courier New" panose="02070309020205020404" pitchFamily="49" charset="0"/>
+              </a:rPr>
+              <a:t>.payload.user</a:t>
+            </a:r>
+            <a:r>
+              <a:rPr lang="de-DE" b="1" dirty="0">
+                <a:solidFill>
+                  <a:srgbClr val="4E4D4D"/>
+                </a:solidFill>
+                <a:latin typeface="Courier New" panose="02070309020205020404" pitchFamily="49" charset="0"/>
+                <a:cs typeface="Courier New" panose="02070309020205020404" pitchFamily="49" charset="0"/>
+              </a:rPr>
+              <a:t>); 		</a:t>
+            </a:r>
+            <a:r>
+              <a:rPr lang="de-DE" b="1" dirty="0" err="1">
+                <a:solidFill>
+                  <a:srgbClr val="4E4D4D"/>
+                </a:solidFill>
+                <a:latin typeface="Courier New" panose="02070309020205020404" pitchFamily="49" charset="0"/>
+                <a:cs typeface="Courier New" panose="02070309020205020404" pitchFamily="49" charset="0"/>
+              </a:rPr>
+              <a:t>emitStoreChangeEvent</a:t>
+            </a:r>
+            <a:r>
+              <a:rPr lang="de-DE" b="1" dirty="0">
+                <a:solidFill>
+                  <a:srgbClr val="4E4D4D"/>
+                </a:solidFill>
+                <a:latin typeface="Courier New" panose="02070309020205020404" pitchFamily="49" charset="0"/>
+                <a:cs typeface="Courier New" panose="02070309020205020404" pitchFamily="49" charset="0"/>
+              </a:rPr>
+              <a:t>();</a:t>
+            </a:r>
+          </a:p>
+          <a:p>
+            <a:r>
+              <a:rPr lang="de-DE" b="1" dirty="0">
+                <a:solidFill>
+                  <a:srgbClr val="4E4D4D"/>
+                </a:solidFill>
+                <a:latin typeface="Courier New" panose="02070309020205020404" pitchFamily="49" charset="0"/>
+                <a:cs typeface="Courier New" panose="02070309020205020404" pitchFamily="49" charset="0"/>
+              </a:rPr>
+              <a:t>	}</a:t>
+            </a:r>
+          </a:p>
+          <a:p>
+            <a:r>
+              <a:rPr lang="de-DE" b="1" dirty="0">
+                <a:solidFill>
+                  <a:srgbClr val="4E4D4D"/>
+                </a:solidFill>
+                <a:latin typeface="Courier New" panose="02070309020205020404" pitchFamily="49" charset="0"/>
+                <a:cs typeface="Courier New" panose="02070309020205020404" pitchFamily="49" charset="0"/>
+              </a:rPr>
+              <a:t>}</a:t>
+            </a:r>
+            <a:endParaRPr lang="de-DE" b="1" dirty="0">
+              <a:solidFill>
+                <a:srgbClr val="089D57"/>
+              </a:solidFill>
+              <a:latin typeface="Courier New" panose="02070309020205020404" pitchFamily="49" charset="0"/>
+              <a:cs typeface="Courier New" panose="02070309020205020404" pitchFamily="49" charset="0"/>
+            </a:endParaRPr>
+          </a:p>
+          <a:p>
+            <a:pPr algn="ctr"/>
+            <a:endParaRPr lang="de-DE" dirty="0"/>
+          </a:p>
+        </p:txBody>
+      </p:sp>
+      <p:sp>
+        <p:nvSpPr>
+          <p:cNvPr id="6" name="Rechteck 5"/>
+          <p:cNvSpPr/>
+          <p:nvPr/>
+        </p:nvSpPr>
+        <p:spPr>
+          <a:xfrm>
+            <a:off x="6111253" y="6372036"/>
+            <a:ext cx="1701107" cy="369332"/>
+          </a:xfrm>
+          <a:prstGeom prst="rect">
+            <a:avLst/>
+          </a:prstGeom>
+          <a:ln w="6350">
+            <a:noFill/>
+          </a:ln>
+        </p:spPr>
+        <p:txBody>
+          <a:bodyPr wrap="none">
+            <a:spAutoFit/>
+          </a:bodyPr>
+          <a:lstStyle/>
+          <a:p>
+            <a:r>
+              <a:rPr lang="de-DE" b="1" dirty="0" smtClean="0">
+                <a:solidFill>
+                  <a:schemeClr val="bg1">
+                    <a:lumMod val="50000"/>
+                  </a:schemeClr>
+                </a:solidFill>
+                <a:latin typeface="Courier New" panose="02070309020205020404" pitchFamily="49" charset="0"/>
+                <a:cs typeface="Courier New" panose="02070309020205020404" pitchFamily="49" charset="0"/>
+              </a:rPr>
+              <a:t>(</a:t>
+            </a:r>
+            <a:r>
+              <a:rPr lang="de-DE" b="1" dirty="0" err="1" smtClean="0">
+                <a:solidFill>
+                  <a:schemeClr val="bg1">
+                    <a:lumMod val="50000"/>
+                  </a:schemeClr>
+                </a:solidFill>
+                <a:latin typeface="Courier New" panose="02070309020205020404" pitchFamily="49" charset="0"/>
+                <a:cs typeface="Courier New" panose="02070309020205020404" pitchFamily="49" charset="0"/>
+              </a:rPr>
+              <a:t>UserStore</a:t>
+            </a:r>
+            <a:r>
+              <a:rPr lang="de-DE" b="1" dirty="0" smtClean="0">
+                <a:solidFill>
+                  <a:schemeClr val="bg1">
+                    <a:lumMod val="50000"/>
+                  </a:schemeClr>
+                </a:solidFill>
+                <a:latin typeface="Courier New" panose="02070309020205020404" pitchFamily="49" charset="0"/>
+                <a:cs typeface="Courier New" panose="02070309020205020404" pitchFamily="49" charset="0"/>
+              </a:rPr>
+              <a:t>)</a:t>
+            </a:r>
+            <a:endParaRPr lang="de-DE" b="1" dirty="0">
+              <a:solidFill>
+                <a:schemeClr val="bg1">
+                  <a:lumMod val="50000"/>
+                </a:schemeClr>
+              </a:solidFill>
+              <a:latin typeface="Courier New" panose="02070309020205020404" pitchFamily="49" charset="0"/>
+              <a:cs typeface="Courier New" panose="02070309020205020404" pitchFamily="49" charset="0"/>
+            </a:endParaRPr>
+          </a:p>
+        </p:txBody>
+      </p:sp>
     </p:spTree>
     <p:extLst>
       <p:ext uri="{BB962C8B-B14F-4D97-AF65-F5344CB8AC3E}">
-        <p14:creationId xmlns:p14="http://schemas.microsoft.com/office/powerpoint/2010/main" val="3982852540"/>
+        <p14:creationId xmlns:p14="http://schemas.microsoft.com/office/powerpoint/2010/main" val="1397920135"/>
       </p:ext>
     </p:extLst>
   </p:cSld>
@@ -3689,7 +4500,7 @@
   <p:timing>
     <p:tnLst>
       <p:par>
-        <p:cTn xmlns:p14="http://schemas.microsoft.com/office/powerpoint/2010/main" id="1" dur="indefinite" restart="never" nodeType="tmRoot"/>
+        <p:cTn id="1" dur="indefinite" restart="never" nodeType="tmRoot"/>
       </p:par>
     </p:tnLst>
   </p:timing>
@@ -3723,254 +4534,130 @@
             <p:ph idx="1"/>
           </p:nvPr>
         </p:nvSpPr>
-        <p:spPr/>
+        <p:spPr>
+          <a:xfrm>
+            <a:off x="315884" y="4200534"/>
+            <a:ext cx="8512232" cy="2437333"/>
+          </a:xfrm>
+        </p:spPr>
         <p:txBody>
-          <a:bodyPr/>
+          <a:bodyPr>
+            <a:noAutofit/>
+          </a:bodyPr>
           <a:lstStyle/>
           <a:p>
             <a:pPr marL="0" indent="0">
               <a:buNone/>
             </a:pPr>
-            <a:endParaRPr lang="de-DE" sz="2800" b="1" dirty="0" smtClean="0"/>
-          </a:p>
-          <a:p>
-            <a:pPr marL="0" indent="0">
-              <a:buNone/>
-            </a:pPr>
-            <a:r>
-              <a:rPr lang="de-DE" sz="2800" b="1" dirty="0" err="1" smtClean="0"/>
+            <a:r>
+              <a:rPr lang="de-DE" sz="3000" b="1" dirty="0" err="1" smtClean="0">
+                <a:solidFill>
+                  <a:srgbClr val="3F51B5"/>
+                </a:solidFill>
+              </a:rPr>
               <a:t>Component</a:t>
             </a:r>
             <a:r>
-              <a:rPr lang="de-DE" sz="2800" b="1" dirty="0" smtClean="0"/>
-              <a:t> </a:t>
-            </a:r>
-            <a:r>
-              <a:rPr lang="de-DE" sz="2800" b="1" dirty="0" err="1" smtClean="0"/>
-              <a:t>triggers</a:t>
-            </a:r>
-            <a:r>
-              <a:rPr lang="de-DE" sz="2800" b="1" dirty="0" smtClean="0"/>
-              <a:t> </a:t>
-            </a:r>
-            <a:r>
-              <a:rPr lang="de-DE" sz="2800" b="1" dirty="0" err="1" smtClean="0"/>
-              <a:t>action</a:t>
-            </a:r>
-            <a:endParaRPr lang="de-DE" sz="2800" b="1" dirty="0"/>
-          </a:p>
-          <a:p>
-            <a:pPr marL="0" indent="0">
-              <a:buNone/>
-            </a:pPr>
-            <a:r>
-              <a:rPr lang="de-DE" sz="2800" b="1" dirty="0" err="1" smtClean="0"/>
-              <a:t>passed</a:t>
-            </a:r>
-            <a:r>
-              <a:rPr lang="de-DE" sz="2800" b="1" dirty="0" smtClean="0"/>
-              <a:t> </a:t>
-            </a:r>
-            <a:r>
-              <a:rPr lang="de-DE" sz="2800" b="1" dirty="0" err="1" smtClean="0"/>
-              <a:t>to</a:t>
-            </a:r>
-            <a:r>
-              <a:rPr lang="de-DE" sz="2800" b="1" dirty="0" smtClean="0"/>
-              <a:t> </a:t>
-            </a:r>
-            <a:r>
-              <a:rPr lang="de-DE" sz="2800" b="1" dirty="0" err="1" smtClean="0"/>
-              <a:t>dispatcher</a:t>
-            </a:r>
-            <a:r>
-              <a:rPr lang="de-DE" sz="2800" b="1" dirty="0" smtClean="0"/>
-              <a:t> </a:t>
-            </a:r>
-          </a:p>
-          <a:p>
-            <a:pPr marL="0" indent="0">
-              <a:buNone/>
-            </a:pPr>
-            <a:r>
-              <a:rPr lang="de-DE" sz="2800" b="1" dirty="0" smtClean="0"/>
-              <a:t>Dispatcher </a:t>
-            </a:r>
-            <a:r>
-              <a:rPr lang="de-DE" sz="2800" b="1" dirty="0" err="1" smtClean="0"/>
-              <a:t>dispatches</a:t>
-            </a:r>
-            <a:r>
-              <a:rPr lang="de-DE" sz="2800" b="1" dirty="0" smtClean="0"/>
-              <a:t> </a:t>
-            </a:r>
-            <a:r>
-              <a:rPr lang="de-DE" sz="2800" b="1" dirty="0" err="1" smtClean="0"/>
-              <a:t>to</a:t>
-            </a:r>
-            <a:r>
-              <a:rPr lang="de-DE" sz="2800" b="1" dirty="0" smtClean="0"/>
-              <a:t> </a:t>
-            </a:r>
-            <a:r>
-              <a:rPr lang="de-DE" sz="2800" b="1" dirty="0" err="1" smtClean="0"/>
-              <a:t>store</a:t>
-            </a:r>
-            <a:endParaRPr lang="de-DE" sz="2800" b="1" dirty="0" smtClean="0"/>
-          </a:p>
-          <a:p>
-            <a:pPr marL="0" indent="0">
-              <a:buNone/>
-            </a:pPr>
-            <a:r>
-              <a:rPr lang="de-DE" sz="2800" b="1" dirty="0" smtClean="0"/>
-              <a:t>Store </a:t>
-            </a:r>
-            <a:r>
-              <a:rPr lang="de-DE" sz="2800" b="1" dirty="0" err="1" smtClean="0"/>
-              <a:t>selectes</a:t>
-            </a:r>
-            <a:r>
-              <a:rPr lang="de-DE" sz="2800" b="1" dirty="0" smtClean="0"/>
-              <a:t> </a:t>
-            </a:r>
-            <a:r>
-              <a:rPr lang="de-DE" sz="2800" b="1" dirty="0" err="1" smtClean="0"/>
-              <a:t>if</a:t>
-            </a:r>
-            <a:r>
-              <a:rPr lang="de-DE" sz="2800" b="1" dirty="0" smtClean="0"/>
-              <a:t> </a:t>
-            </a:r>
-            <a:r>
-              <a:rPr lang="de-DE" sz="2800" b="1" dirty="0" err="1" smtClean="0"/>
-              <a:t>action</a:t>
-            </a:r>
-            <a:r>
-              <a:rPr lang="de-DE" sz="2800" b="1" dirty="0" smtClean="0"/>
-              <a:t> </a:t>
-            </a:r>
-            <a:r>
-              <a:rPr lang="de-DE" sz="2800" b="1" dirty="0" err="1" smtClean="0"/>
-              <a:t>is</a:t>
-            </a:r>
-            <a:r>
-              <a:rPr lang="de-DE" sz="2800" b="1" dirty="0" smtClean="0"/>
-              <a:t> relevant </a:t>
-            </a:r>
-            <a:r>
-              <a:rPr lang="de-DE" sz="2800" b="1" dirty="0" err="1" smtClean="0"/>
-              <a:t>or</a:t>
-            </a:r>
-            <a:r>
-              <a:rPr lang="de-DE" sz="2800" b="1" dirty="0" smtClean="0"/>
-              <a:t> not </a:t>
-            </a:r>
-            <a:r>
-              <a:rPr lang="de-DE" sz="2800" b="1" dirty="0" err="1" smtClean="0"/>
+              <a:rPr lang="de-DE" sz="3000" b="1" dirty="0" smtClean="0">
+                <a:solidFill>
+                  <a:srgbClr val="3F51B5"/>
+                </a:solidFill>
+              </a:rPr>
+              <a:t> </a:t>
+            </a:r>
+            <a:r>
+              <a:rPr lang="de-DE" sz="3000" b="1" dirty="0" err="1" smtClean="0">
+                <a:solidFill>
+                  <a:srgbClr val="4E4D4D"/>
+                </a:solidFill>
+              </a:rPr>
+              <a:t>receives</a:t>
+            </a:r>
+            <a:r>
+              <a:rPr lang="de-DE" sz="3000" b="1" dirty="0" smtClean="0">
+                <a:solidFill>
+                  <a:srgbClr val="4E4D4D"/>
+                </a:solidFill>
+              </a:rPr>
+              <a:t> </a:t>
+            </a:r>
+            <a:r>
+              <a:rPr lang="de-DE" sz="3000" b="1" dirty="0" err="1" smtClean="0">
+                <a:solidFill>
+                  <a:srgbClr val="4E4D4D"/>
+                </a:solidFill>
+              </a:rPr>
+              <a:t>event</a:t>
+            </a:r>
+            <a:r>
+              <a:rPr lang="de-DE" sz="3000" b="1" dirty="0" smtClean="0">
+                <a:solidFill>
+                  <a:srgbClr val="4E4D4D"/>
+                </a:solidFill>
+              </a:rPr>
+              <a:t> </a:t>
+            </a:r>
+            <a:r>
+              <a:rPr lang="de-DE" sz="3000" b="1" dirty="0" err="1" smtClean="0">
+                <a:solidFill>
+                  <a:srgbClr val="4E4D4D"/>
+                </a:solidFill>
+              </a:rPr>
               <a:t>and</a:t>
             </a:r>
             <a:r>
-              <a:rPr lang="de-DE" sz="2800" b="1" dirty="0" smtClean="0"/>
-              <a:t> </a:t>
-            </a:r>
-            <a:r>
-              <a:rPr lang="de-DE" sz="2800" b="1" dirty="0" err="1" smtClean="0"/>
-              <a:t>executes</a:t>
-            </a:r>
-            <a:r>
-              <a:rPr lang="de-DE" sz="2800" b="1" dirty="0" smtClean="0"/>
-              <a:t> </a:t>
-            </a:r>
-            <a:r>
-              <a:rPr lang="de-DE" sz="2800" b="1" dirty="0" err="1" smtClean="0"/>
-              <a:t>business</a:t>
-            </a:r>
-            <a:r>
-              <a:rPr lang="de-DE" sz="2800" b="1" dirty="0" smtClean="0"/>
-              <a:t> </a:t>
-            </a:r>
-            <a:r>
-              <a:rPr lang="de-DE" sz="2800" b="1" dirty="0" err="1" smtClean="0"/>
-              <a:t>action</a:t>
-            </a:r>
-            <a:r>
-              <a:rPr lang="de-DE" sz="2800" b="1" dirty="0" smtClean="0"/>
-              <a:t>, </a:t>
-            </a:r>
-            <a:r>
-              <a:rPr lang="de-DE" sz="2800" b="1" dirty="0" err="1" smtClean="0"/>
-              <a:t>emits</a:t>
-            </a:r>
-            <a:r>
-              <a:rPr lang="de-DE" sz="2800" b="1" dirty="0" smtClean="0"/>
-              <a:t> </a:t>
-            </a:r>
-            <a:r>
-              <a:rPr lang="de-DE" sz="2800" b="1" dirty="0" err="1" smtClean="0"/>
-              <a:t>change</a:t>
-            </a:r>
-            <a:r>
-              <a:rPr lang="de-DE" sz="2800" b="1" dirty="0" smtClean="0"/>
-              <a:t> </a:t>
-            </a:r>
-            <a:r>
-              <a:rPr lang="de-DE" sz="2800" b="1" dirty="0" err="1" smtClean="0"/>
-              <a:t>event</a:t>
-            </a:r>
-            <a:endParaRPr lang="de-DE" sz="2800" b="1" dirty="0" smtClean="0"/>
-          </a:p>
-          <a:p>
-            <a:pPr marL="0" indent="0">
-              <a:buNone/>
-            </a:pPr>
-            <a:r>
-              <a:rPr lang="de-DE" sz="2800" b="1" dirty="0" err="1" smtClean="0"/>
-              <a:t>Component</a:t>
-            </a:r>
-            <a:r>
-              <a:rPr lang="de-DE" sz="2800" b="1" dirty="0" smtClean="0"/>
-              <a:t> </a:t>
-            </a:r>
-            <a:r>
-              <a:rPr lang="de-DE" sz="2800" b="1" dirty="0" err="1" smtClean="0"/>
-              <a:t>listens</a:t>
-            </a:r>
-            <a:r>
-              <a:rPr lang="de-DE" sz="2800" b="1" dirty="0" smtClean="0"/>
-              <a:t> </a:t>
-            </a:r>
-            <a:r>
-              <a:rPr lang="de-DE" sz="2800" b="1" dirty="0" err="1" smtClean="0"/>
-              <a:t>to</a:t>
-            </a:r>
-            <a:r>
-              <a:rPr lang="de-DE" sz="2800" b="1" dirty="0" smtClean="0"/>
-              <a:t> </a:t>
-            </a:r>
-            <a:r>
-              <a:rPr lang="de-DE" sz="2800" b="1" dirty="0" err="1" smtClean="0"/>
-              <a:t>store</a:t>
-            </a:r>
-            <a:endParaRPr lang="de-DE" sz="2800" b="1" dirty="0" smtClean="0"/>
-          </a:p>
-          <a:p>
-            <a:pPr marL="0" indent="0">
-              <a:buNone/>
-            </a:pPr>
-            <a:endParaRPr lang="de-DE" sz="2800" dirty="0" smtClean="0"/>
-          </a:p>
-          <a:p>
-            <a:endParaRPr lang="de-DE" sz="2800" dirty="0" smtClean="0"/>
-          </a:p>
-          <a:p>
-            <a:endParaRPr lang="de-DE" sz="2800" dirty="0"/>
-          </a:p>
-          <a:p>
-            <a:pPr marL="0" indent="0">
-              <a:buNone/>
-            </a:pPr>
-            <a:endParaRPr lang="de-DE" dirty="0" smtClean="0"/>
+              <a:rPr lang="de-DE" sz="3000" b="1" dirty="0" smtClean="0">
+                <a:solidFill>
+                  <a:srgbClr val="4E4D4D"/>
+                </a:solidFill>
+              </a:rPr>
+              <a:t> </a:t>
+            </a:r>
+            <a:r>
+              <a:rPr lang="de-DE" sz="3000" b="1" dirty="0" err="1" smtClean="0">
+                <a:solidFill>
+                  <a:srgbClr val="4E4D4D"/>
+                </a:solidFill>
+              </a:rPr>
+              <a:t>updates</a:t>
+            </a:r>
+            <a:r>
+              <a:rPr lang="de-DE" sz="3000" b="1" dirty="0" smtClean="0">
+                <a:solidFill>
+                  <a:srgbClr val="4E4D4D"/>
+                </a:solidFill>
+              </a:rPr>
+              <a:t> </a:t>
+            </a:r>
+            <a:r>
+              <a:rPr lang="de-DE" sz="3000" b="1" dirty="0" err="1" smtClean="0">
+                <a:solidFill>
+                  <a:srgbClr val="4E4D4D"/>
+                </a:solidFill>
+              </a:rPr>
+              <a:t>its</a:t>
+            </a:r>
+            <a:r>
+              <a:rPr lang="de-DE" sz="3000" b="1" dirty="0" smtClean="0">
+                <a:solidFill>
+                  <a:srgbClr val="4E4D4D"/>
+                </a:solidFill>
+              </a:rPr>
+              <a:t> </a:t>
+            </a:r>
+            <a:r>
+              <a:rPr lang="de-DE" sz="3000" b="1" dirty="0" err="1" smtClean="0">
+                <a:solidFill>
+                  <a:srgbClr val="4E4D4D"/>
+                </a:solidFill>
+              </a:rPr>
+              <a:t>state</a:t>
+            </a:r>
+            <a:endParaRPr lang="de-DE" sz="3000" b="1" dirty="0" smtClean="0">
+              <a:solidFill>
+                <a:srgbClr val="4E4D4D"/>
+              </a:solidFill>
+            </a:endParaRPr>
           </a:p>
         </p:txBody>
       </p:sp>
@@ -3993,16 +4680,278 @@
           <a:p>
             <a:r>
               <a:rPr lang="de-DE" dirty="0" smtClean="0"/>
-              <a:t>Durchlauf - 1</a:t>
+              <a:t>UNI-DIRECTIONAL DATA </a:t>
+            </a:r>
+            <a:r>
+              <a:rPr lang="de-DE" dirty="0" smtClean="0"/>
+              <a:t>FLOW - 5</a:t>
             </a:r>
             <a:endParaRPr lang="de-DE" dirty="0"/>
+          </a:p>
+        </p:txBody>
+      </p:sp>
+      <p:pic>
+        <p:nvPicPr>
+          <p:cNvPr id="9" name="Bild 8"/>
+          <p:cNvPicPr>
+            <a:picLocks noChangeAspect="1"/>
+          </p:cNvPicPr>
+          <p:nvPr/>
+        </p:nvPicPr>
+        <p:blipFill>
+          <a:blip r:embed="rId2"/>
+          <a:stretch>
+            <a:fillRect/>
+          </a:stretch>
+        </p:blipFill>
+        <p:spPr>
+          <a:xfrm>
+            <a:off x="993757" y="1052736"/>
+            <a:ext cx="7156487" cy="2448272"/>
+          </a:xfrm>
+          <a:prstGeom prst="rect">
+            <a:avLst/>
+          </a:prstGeom>
+        </p:spPr>
+      </p:pic>
+      <p:sp>
+        <p:nvSpPr>
+          <p:cNvPr id="4" name="Ellipse 3"/>
+          <p:cNvSpPr/>
+          <p:nvPr/>
+        </p:nvSpPr>
+        <p:spPr>
+          <a:xfrm>
+            <a:off x="467544" y="908720"/>
+            <a:ext cx="8280920" cy="2880320"/>
+          </a:xfrm>
+          <a:prstGeom prst="ellipse">
+            <a:avLst/>
+          </a:prstGeom>
+          <a:noFill/>
+        </p:spPr>
+        <p:style>
+          <a:lnRef idx="1">
+            <a:schemeClr val="accent1"/>
+          </a:lnRef>
+          <a:fillRef idx="3">
+            <a:schemeClr val="accent1"/>
+          </a:fillRef>
+          <a:effectRef idx="2">
+            <a:schemeClr val="accent1"/>
+          </a:effectRef>
+          <a:fontRef idx="minor">
+            <a:schemeClr val="lt1"/>
+          </a:fontRef>
+        </p:style>
+        <p:txBody>
+          <a:bodyPr rtlCol="0" anchor="ctr"/>
+          <a:lstStyle/>
+          <a:p>
+            <a:pPr algn="ctr"/>
+            <a:endParaRPr lang="de-DE"/>
+          </a:p>
+        </p:txBody>
+      </p:sp>
+      <p:sp>
+        <p:nvSpPr>
+          <p:cNvPr id="6" name="Rechteck 5"/>
+          <p:cNvSpPr/>
+          <p:nvPr/>
+        </p:nvSpPr>
+        <p:spPr>
+          <a:xfrm>
+            <a:off x="1756917" y="4946935"/>
+            <a:ext cx="5630167" cy="1572644"/>
+          </a:xfrm>
+          <a:prstGeom prst="rect">
+            <a:avLst/>
+          </a:prstGeom>
+          <a:solidFill>
+            <a:schemeClr val="bg1"/>
+          </a:solidFill>
+          <a:ln>
+            <a:noFill/>
+          </a:ln>
+          <a:effectLst>
+            <a:outerShdw blurRad="50800" dist="38100" dir="2700000" algn="tl" rotWithShape="0">
+              <a:prstClr val="black">
+                <a:alpha val="40000"/>
+              </a:prstClr>
+            </a:outerShdw>
+          </a:effectLst>
+        </p:spPr>
+        <p:style>
+          <a:lnRef idx="1">
+            <a:schemeClr val="accent1"/>
+          </a:lnRef>
+          <a:fillRef idx="3">
+            <a:schemeClr val="accent1"/>
+          </a:fillRef>
+          <a:effectRef idx="2">
+            <a:schemeClr val="accent1"/>
+          </a:effectRef>
+          <a:fontRef idx="minor">
+            <a:schemeClr val="lt1"/>
+          </a:fontRef>
+        </p:style>
+        <p:txBody>
+          <a:bodyPr rtlCol="0" anchor="t" anchorCtr="0"/>
+          <a:lstStyle/>
+          <a:p>
+            <a:r>
+              <a:rPr lang="de-DE" b="1" dirty="0" err="1">
+                <a:solidFill>
+                  <a:srgbClr val="4E4D4D"/>
+                </a:solidFill>
+                <a:latin typeface="Courier New" panose="02070309020205020404" pitchFamily="49" charset="0"/>
+                <a:cs typeface="Courier New" panose="02070309020205020404" pitchFamily="49" charset="0"/>
+              </a:rPr>
+              <a:t>onUserStoreChange</a:t>
+            </a:r>
+            <a:r>
+              <a:rPr lang="de-DE" b="1" dirty="0">
+                <a:solidFill>
+                  <a:srgbClr val="4E4D4D"/>
+                </a:solidFill>
+                <a:latin typeface="Courier New" panose="02070309020205020404" pitchFamily="49" charset="0"/>
+                <a:cs typeface="Courier New" panose="02070309020205020404" pitchFamily="49" charset="0"/>
+              </a:rPr>
+              <a:t>() {</a:t>
+            </a:r>
+          </a:p>
+          <a:p>
+            <a:r>
+              <a:rPr lang="de-DE" b="1" dirty="0">
+                <a:solidFill>
+                  <a:srgbClr val="4E4D4D"/>
+                </a:solidFill>
+                <a:latin typeface="Courier New" panose="02070309020205020404" pitchFamily="49" charset="0"/>
+                <a:cs typeface="Courier New" panose="02070309020205020404" pitchFamily="49" charset="0"/>
+              </a:rPr>
+              <a:t>	</a:t>
+            </a:r>
+            <a:r>
+              <a:rPr lang="de-DE" b="1" dirty="0" err="1">
+                <a:solidFill>
+                  <a:srgbClr val="4E4D4D"/>
+                </a:solidFill>
+                <a:latin typeface="Courier New" panose="02070309020205020404" pitchFamily="49" charset="0"/>
+                <a:cs typeface="Courier New" panose="02070309020205020404" pitchFamily="49" charset="0"/>
+              </a:rPr>
+              <a:t>this.setState</a:t>
+            </a:r>
+            <a:r>
+              <a:rPr lang="de-DE" b="1" dirty="0">
+                <a:solidFill>
+                  <a:srgbClr val="4E4D4D"/>
+                </a:solidFill>
+                <a:latin typeface="Courier New" panose="02070309020205020404" pitchFamily="49" charset="0"/>
+                <a:cs typeface="Courier New" panose="02070309020205020404" pitchFamily="49" charset="0"/>
+              </a:rPr>
+              <a:t>(</a:t>
+            </a:r>
+          </a:p>
+          <a:p>
+            <a:r>
+              <a:rPr lang="de-DE" b="1" dirty="0">
+                <a:solidFill>
+                  <a:srgbClr val="4E4D4D"/>
+                </a:solidFill>
+                <a:latin typeface="Courier New" panose="02070309020205020404" pitchFamily="49" charset="0"/>
+                <a:cs typeface="Courier New" panose="02070309020205020404" pitchFamily="49" charset="0"/>
+              </a:rPr>
+              <a:t>		{</a:t>
+            </a:r>
+            <a:r>
+              <a:rPr lang="de-DE" b="1" dirty="0" err="1">
+                <a:solidFill>
+                  <a:srgbClr val="4E4D4D"/>
+                </a:solidFill>
+                <a:latin typeface="Courier New" panose="02070309020205020404" pitchFamily="49" charset="0"/>
+                <a:cs typeface="Courier New" panose="02070309020205020404" pitchFamily="49" charset="0"/>
+              </a:rPr>
+              <a:t>users</a:t>
+            </a:r>
+            <a:r>
+              <a:rPr lang="de-DE" b="1" dirty="0">
+                <a:solidFill>
+                  <a:srgbClr val="4E4D4D"/>
+                </a:solidFill>
+                <a:latin typeface="Courier New" panose="02070309020205020404" pitchFamily="49" charset="0"/>
+                <a:cs typeface="Courier New" panose="02070309020205020404" pitchFamily="49" charset="0"/>
+              </a:rPr>
+              <a:t>: </a:t>
+            </a:r>
+            <a:r>
+              <a:rPr lang="de-DE" b="1" dirty="0" err="1">
+                <a:solidFill>
+                  <a:srgbClr val="089D57"/>
+                </a:solidFill>
+                <a:latin typeface="Courier New" panose="02070309020205020404" pitchFamily="49" charset="0"/>
+                <a:cs typeface="Courier New" panose="02070309020205020404" pitchFamily="49" charset="0"/>
+              </a:rPr>
+              <a:t>UserStore</a:t>
+            </a:r>
+            <a:r>
+              <a:rPr lang="de-DE" b="1" dirty="0" err="1">
+                <a:solidFill>
+                  <a:srgbClr val="4E4D4D"/>
+                </a:solidFill>
+                <a:latin typeface="Courier New" panose="02070309020205020404" pitchFamily="49" charset="0"/>
+                <a:cs typeface="Courier New" panose="02070309020205020404" pitchFamily="49" charset="0"/>
+              </a:rPr>
+              <a:t>.getAllUsers</a:t>
+            </a:r>
+            <a:r>
+              <a:rPr lang="de-DE" b="1" dirty="0">
+                <a:solidFill>
+                  <a:srgbClr val="4E4D4D"/>
+                </a:solidFill>
+                <a:latin typeface="Courier New" panose="02070309020205020404" pitchFamily="49" charset="0"/>
+                <a:cs typeface="Courier New" panose="02070309020205020404" pitchFamily="49" charset="0"/>
+              </a:rPr>
+              <a:t>();}</a:t>
+            </a:r>
+          </a:p>
+          <a:p>
+            <a:r>
+              <a:rPr lang="de-DE" b="1" dirty="0">
+                <a:solidFill>
+                  <a:srgbClr val="4E4D4D"/>
+                </a:solidFill>
+                <a:latin typeface="Courier New" panose="02070309020205020404" pitchFamily="49" charset="0"/>
+                <a:cs typeface="Courier New" panose="02070309020205020404" pitchFamily="49" charset="0"/>
+              </a:rPr>
+              <a:t>	);</a:t>
+            </a:r>
+          </a:p>
+          <a:p>
+            <a:r>
+              <a:rPr lang="de-DE" b="1" dirty="0">
+                <a:solidFill>
+                  <a:srgbClr val="4E4D4D"/>
+                </a:solidFill>
+                <a:latin typeface="Courier New" panose="02070309020205020404" pitchFamily="49" charset="0"/>
+                <a:cs typeface="Courier New" panose="02070309020205020404" pitchFamily="49" charset="0"/>
+              </a:rPr>
+              <a:t>}</a:t>
+            </a:r>
+          </a:p>
+          <a:p>
+            <a:pPr algn="ctr"/>
+            <a:endParaRPr lang="de-DE" dirty="0">
+              <a:solidFill>
+                <a:srgbClr val="4E4D4D"/>
+              </a:solidFill>
+            </a:endParaRPr>
           </a:p>
         </p:txBody>
       </p:sp>
     </p:spTree>
     <p:extLst>
       <p:ext uri="{BB962C8B-B14F-4D97-AF65-F5344CB8AC3E}">
-        <p14:creationId xmlns:p14="http://schemas.microsoft.com/office/powerpoint/2010/main" val="1210753067"/>
+        <p14:creationId xmlns:p14="http://schemas.microsoft.com/office/powerpoint/2010/main" val="3254608633"/>
       </p:ext>
     </p:extLst>
   </p:cSld>
@@ -4012,7 +4961,7 @@
   <p:timing>
     <p:tnLst>
       <p:par>
-        <p:cTn xmlns:p14="http://schemas.microsoft.com/office/powerpoint/2010/main" id="1" dur="indefinite" restart="never" nodeType="tmRoot"/>
+        <p:cTn id="1" dur="indefinite" restart="never" nodeType="tmRoot"/>
       </p:par>
     </p:tnLst>
   </p:timing>
@@ -4118,7 +5067,7 @@
   <p:timing>
     <p:tnLst>
       <p:par>
-        <p:cTn xmlns:p14="http://schemas.microsoft.com/office/powerpoint/2010/main" id="1" dur="indefinite" restart="never" nodeType="tmRoot"/>
+        <p:cTn id="1" dur="indefinite" restart="never" nodeType="tmRoot"/>
       </p:par>
     </p:tnLst>
   </p:timing>
@@ -4155,7 +5104,7 @@
         <p:spPr/>
         <p:txBody>
           <a:bodyPr>
-            <a:normAutofit fontScale="92500" lnSpcReduction="20000"/>
+            <a:normAutofit/>
           </a:bodyPr>
           <a:lstStyle/>
           <a:p>
@@ -4212,20 +5161,20 @@
           </a:p>
           <a:p>
             <a:r>
+              <a:rPr lang="de-DE" sz="2800" dirty="0" smtClean="0"/>
+              <a:t>Listens </a:t>
+            </a:r>
+            <a:r>
               <a:rPr lang="de-DE" sz="2800" dirty="0" err="1" smtClean="0"/>
-              <a:t>Creates</a:t>
+              <a:t>to</a:t>
             </a:r>
             <a:r>
               <a:rPr lang="de-DE" sz="2800" dirty="0" smtClean="0"/>
-              <a:t> an </a:t>
-            </a:r>
-            <a:r>
-              <a:rPr lang="de-DE" sz="2800" dirty="0" smtClean="0">
-                <a:solidFill>
-                  <a:srgbClr val="2196F3"/>
-                </a:solidFill>
-              </a:rPr>
-              <a:t>Action</a:t>
+              <a:t> </a:t>
+            </a:r>
+            <a:r>
+              <a:rPr lang="de-DE" sz="2800" dirty="0" err="1" smtClean="0"/>
+              <a:t>one</a:t>
             </a:r>
             <a:r>
               <a:rPr lang="de-DE" sz="2800" dirty="0" smtClean="0"/>
@@ -4233,262 +5182,198 @@
             </a:r>
             <a:r>
               <a:rPr lang="de-DE" sz="2800" dirty="0" err="1" smtClean="0"/>
-              <a:t>using</a:t>
+              <a:t>or</a:t>
             </a:r>
             <a:r>
               <a:rPr lang="de-DE" sz="2800" dirty="0" smtClean="0"/>
-              <a:t> an </a:t>
-            </a:r>
-            <a:r>
-              <a:rPr lang="de-DE" sz="2800" dirty="0" err="1" smtClean="0">
-                <a:solidFill>
-                  <a:srgbClr val="2196F3"/>
-                </a:solidFill>
-              </a:rPr>
-              <a:t>ActionCreator</a:t>
-            </a:r>
-            <a:endParaRPr lang="de-DE" sz="2800" dirty="0" smtClean="0">
-              <a:solidFill>
-                <a:srgbClr val="2196F3"/>
-              </a:solidFill>
-            </a:endParaRPr>
+              <a:t> </a:t>
+            </a:r>
+            <a:r>
+              <a:rPr lang="de-DE" sz="2800" dirty="0" err="1" smtClean="0"/>
+              <a:t>more</a:t>
+            </a:r>
+            <a:r>
+              <a:rPr lang="de-DE" sz="2800" dirty="0" smtClean="0"/>
+              <a:t> Stores</a:t>
+            </a:r>
+          </a:p>
+          <a:p>
+            <a:r>
+              <a:rPr lang="de-DE" sz="2800" dirty="0" err="1" smtClean="0"/>
+              <a:t>Derives</a:t>
+            </a:r>
+            <a:r>
+              <a:rPr lang="de-DE" sz="2800" dirty="0" smtClean="0"/>
+              <a:t> </a:t>
+            </a:r>
+            <a:r>
+              <a:rPr lang="de-DE" sz="2800" dirty="0" err="1" smtClean="0"/>
+              <a:t>its</a:t>
+            </a:r>
+            <a:r>
+              <a:rPr lang="de-DE" sz="2800" dirty="0" smtClean="0"/>
+              <a:t> </a:t>
+            </a:r>
+            <a:r>
+              <a:rPr lang="de-DE" sz="2800" dirty="0" err="1" smtClean="0"/>
+              <a:t>state</a:t>
+            </a:r>
+            <a:r>
+              <a:rPr lang="de-DE" sz="2800" dirty="0" smtClean="0"/>
+              <a:t> </a:t>
+            </a:r>
+            <a:r>
+              <a:rPr lang="de-DE" sz="2800" dirty="0" err="1" smtClean="0"/>
+              <a:t>from</a:t>
+            </a:r>
+            <a:r>
+              <a:rPr lang="de-DE" sz="2800" dirty="0" smtClean="0"/>
+              <a:t> Store</a:t>
+            </a:r>
+          </a:p>
+          <a:p>
+            <a:pPr lvl="1"/>
+            <a:r>
+              <a:rPr lang="de-DE" sz="2400" dirty="0" smtClean="0"/>
+              <a:t>Update </a:t>
+            </a:r>
+            <a:r>
+              <a:rPr lang="de-DE" sz="2400" dirty="0" err="1" smtClean="0"/>
+              <a:t>children</a:t>
+            </a:r>
+            <a:r>
+              <a:rPr lang="de-DE" sz="2400" dirty="0" smtClean="0"/>
+              <a:t> </a:t>
+            </a:r>
+            <a:r>
+              <a:rPr lang="de-DE" sz="2400" dirty="0" err="1" smtClean="0"/>
+              <a:t>from</a:t>
+            </a:r>
+            <a:r>
+              <a:rPr lang="de-DE" sz="2400" dirty="0" smtClean="0"/>
+              <a:t> </a:t>
+            </a:r>
+            <a:r>
+              <a:rPr lang="de-DE" sz="2400" dirty="0" err="1" smtClean="0"/>
+              <a:t>render</a:t>
+            </a:r>
+            <a:r>
+              <a:rPr lang="de-DE" sz="2400" dirty="0" smtClean="0"/>
+              <a:t>() </a:t>
+            </a:r>
+            <a:r>
+              <a:rPr lang="de-DE" sz="2400" dirty="0" err="1" smtClean="0"/>
+              <a:t>method</a:t>
+            </a:r>
+            <a:r>
+              <a:rPr lang="de-DE" sz="2400" dirty="0" smtClean="0"/>
+              <a:t> </a:t>
+            </a:r>
           </a:p>
           <a:p>
             <a:pPr marL="0" indent="0">
               <a:buNone/>
             </a:pPr>
-            <a:r>
-              <a:rPr lang="de-DE" sz="2800" b="1" dirty="0" smtClean="0"/>
-              <a:t>Action</a:t>
-            </a:r>
-          </a:p>
-          <a:p>
-            <a:r>
-              <a:rPr lang="de-DE" sz="2800" dirty="0" err="1" smtClean="0"/>
-              <a:t>Contains</a:t>
-            </a:r>
-            <a:r>
-              <a:rPr lang="de-DE" sz="2800" dirty="0" smtClean="0"/>
-              <a:t> an </a:t>
-            </a:r>
-            <a:r>
-              <a:rPr lang="de-DE" sz="2800" dirty="0" err="1" smtClean="0"/>
-              <a:t>id</a:t>
-            </a:r>
-            <a:r>
-              <a:rPr lang="de-DE" sz="2800" dirty="0"/>
-              <a:t> </a:t>
-            </a:r>
-            <a:r>
-              <a:rPr lang="de-DE" sz="2800" dirty="0" err="1" smtClean="0"/>
-              <a:t>identifiy</a:t>
-            </a:r>
-            <a:r>
-              <a:rPr lang="de-DE" sz="2800" dirty="0" smtClean="0"/>
-              <a:t> „type“ </a:t>
-            </a:r>
-            <a:r>
-              <a:rPr lang="de-DE" sz="2800" dirty="0" err="1" smtClean="0"/>
-              <a:t>of</a:t>
-            </a:r>
-            <a:r>
-              <a:rPr lang="de-DE" sz="2800" dirty="0" smtClean="0"/>
-              <a:t> </a:t>
-            </a:r>
-            <a:r>
-              <a:rPr lang="de-DE" sz="2800" dirty="0" err="1" smtClean="0"/>
-              <a:t>action</a:t>
-            </a:r>
-            <a:endParaRPr lang="de-DE" sz="2800" dirty="0" smtClean="0"/>
-          </a:p>
-          <a:p>
-            <a:r>
-              <a:rPr lang="de-DE" sz="2800" dirty="0" err="1" smtClean="0"/>
-              <a:t>Contains</a:t>
-            </a:r>
-            <a:r>
-              <a:rPr lang="de-DE" sz="2800" dirty="0" smtClean="0"/>
-              <a:t> </a:t>
-            </a:r>
-            <a:r>
-              <a:rPr lang="de-DE" sz="2800" dirty="0" err="1" smtClean="0"/>
-              <a:t>information</a:t>
-            </a:r>
-            <a:r>
-              <a:rPr lang="de-DE" sz="2800" dirty="0" smtClean="0"/>
-              <a:t> </a:t>
-            </a:r>
-            <a:r>
-              <a:rPr lang="de-DE" sz="2800" dirty="0" err="1" smtClean="0"/>
-              <a:t>what</a:t>
-            </a:r>
-            <a:r>
-              <a:rPr lang="de-DE" sz="2800" dirty="0" smtClean="0"/>
-              <a:t> happend</a:t>
-            </a:r>
-          </a:p>
-          <a:p>
-            <a:r>
-              <a:rPr lang="de-DE" sz="2800" dirty="0" smtClean="0"/>
-              <a:t>Explizit </a:t>
-            </a:r>
-          </a:p>
-          <a:p>
-            <a:pPr marL="0" indent="0">
-              <a:buNone/>
-            </a:pPr>
-            <a:endParaRPr lang="de-DE" sz="2800" dirty="0" smtClean="0"/>
-          </a:p>
-          <a:p>
-            <a:pPr marL="0" indent="0">
-              <a:buNone/>
-            </a:pPr>
-            <a:r>
-              <a:rPr lang="de-DE" sz="2800" dirty="0" err="1" smtClean="0"/>
-              <a:t>ActionCreator</a:t>
-            </a:r>
-            <a:endParaRPr lang="de-DE" sz="2800" dirty="0" smtClean="0"/>
-          </a:p>
-          <a:p>
-            <a:r>
-              <a:rPr lang="de-DE" sz="2800" dirty="0" smtClean="0"/>
-              <a:t>Factory </a:t>
-            </a:r>
-            <a:r>
-              <a:rPr lang="de-DE" sz="2800" dirty="0" err="1" smtClean="0"/>
-              <a:t>for</a:t>
-            </a:r>
-            <a:r>
-              <a:rPr lang="de-DE" sz="2800" dirty="0" smtClean="0"/>
-              <a:t> </a:t>
-            </a:r>
-            <a:r>
-              <a:rPr lang="de-DE" sz="2800" dirty="0" smtClean="0">
-                <a:solidFill>
-                  <a:srgbClr val="2196F3"/>
-                </a:solidFill>
-              </a:rPr>
-              <a:t>Actions</a:t>
-            </a:r>
-          </a:p>
-          <a:p>
-            <a:r>
-              <a:rPr lang="de-DE" sz="2800" dirty="0" err="1" smtClean="0"/>
-              <a:t>Ensures</a:t>
-            </a:r>
-            <a:r>
-              <a:rPr lang="de-DE" sz="2800" dirty="0" smtClean="0"/>
-              <a:t> </a:t>
-            </a:r>
-            <a:r>
-              <a:rPr lang="de-DE" sz="2800" dirty="0" err="1" smtClean="0"/>
-              <a:t>integrity</a:t>
-            </a:r>
-            <a:r>
-              <a:rPr lang="de-DE" sz="2800" dirty="0" smtClean="0"/>
-              <a:t> </a:t>
-            </a:r>
-            <a:r>
-              <a:rPr lang="de-DE" sz="2800" dirty="0" err="1" smtClean="0"/>
-              <a:t>of</a:t>
-            </a:r>
-            <a:r>
-              <a:rPr lang="de-DE" sz="2800" dirty="0" smtClean="0"/>
-              <a:t> </a:t>
-            </a:r>
-            <a:r>
-              <a:rPr lang="de-DE" sz="2800" dirty="0" err="1" smtClean="0"/>
-              <a:t>action</a:t>
-            </a:r>
-            <a:r>
-              <a:rPr lang="de-DE" sz="2800" dirty="0" smtClean="0"/>
-              <a:t> </a:t>
-            </a:r>
-            <a:r>
-              <a:rPr lang="de-DE" sz="2800" dirty="0" err="1" smtClean="0"/>
-              <a:t>object</a:t>
-            </a:r>
-            <a:r>
-              <a:rPr lang="de-DE" sz="2800" dirty="0" smtClean="0"/>
-              <a:t>, </a:t>
-            </a:r>
-            <a:r>
-              <a:rPr lang="de-DE" sz="2800" dirty="0" err="1" smtClean="0"/>
-              <a:t>add</a:t>
-            </a:r>
-            <a:r>
-              <a:rPr lang="de-DE" sz="2800" dirty="0" smtClean="0"/>
-              <a:t> Action-</a:t>
-            </a:r>
-            <a:r>
-              <a:rPr lang="de-DE" sz="2800" dirty="0" err="1" smtClean="0"/>
-              <a:t>Id</a:t>
-            </a:r>
-            <a:endParaRPr lang="de-DE" sz="2800" dirty="0" smtClean="0"/>
-          </a:p>
-          <a:p>
-            <a:r>
-              <a:rPr lang="de-DE" sz="2800" dirty="0" err="1" smtClean="0"/>
-              <a:t>Semantic</a:t>
-            </a:r>
-            <a:r>
-              <a:rPr lang="de-DE" sz="2800" dirty="0" smtClean="0"/>
-              <a:t> </a:t>
-            </a:r>
-            <a:r>
-              <a:rPr lang="de-DE" sz="2800" dirty="0" err="1" smtClean="0"/>
-              <a:t>methods</a:t>
-            </a:r>
-            <a:r>
-              <a:rPr lang="de-DE" sz="2800" dirty="0" smtClean="0"/>
-              <a:t> (</a:t>
-            </a:r>
-            <a:r>
-              <a:rPr lang="de-DE" sz="2800" dirty="0" err="1" smtClean="0">
-                <a:latin typeface="Courier New"/>
-                <a:cs typeface="Courier New"/>
-              </a:rPr>
-              <a:t>addContact</a:t>
-            </a:r>
-            <a:r>
-              <a:rPr lang="de-DE" sz="2800" dirty="0" smtClean="0"/>
-              <a:t>)</a:t>
-            </a:r>
-          </a:p>
-          <a:p>
-            <a:r>
-              <a:rPr lang="de-DE" sz="2800" dirty="0" smtClean="0"/>
-              <a:t>Pass </a:t>
-            </a:r>
-            <a:r>
-              <a:rPr lang="de-DE" sz="2800" dirty="0" err="1" smtClean="0"/>
-              <a:t>action</a:t>
-            </a:r>
-            <a:r>
-              <a:rPr lang="de-DE" sz="2800" dirty="0" smtClean="0"/>
-              <a:t> </a:t>
-            </a:r>
-            <a:r>
-              <a:rPr lang="de-DE" sz="2800" dirty="0" err="1" smtClean="0"/>
-              <a:t>to</a:t>
-            </a:r>
-            <a:r>
-              <a:rPr lang="de-DE" sz="2800" dirty="0" smtClean="0"/>
-              <a:t> </a:t>
-            </a:r>
-            <a:r>
-              <a:rPr lang="de-DE" sz="2800" dirty="0" smtClean="0">
-                <a:solidFill>
-                  <a:srgbClr val="2196F3"/>
-                </a:solidFill>
-              </a:rPr>
-              <a:t>Dispatcher</a:t>
-            </a:r>
             <a:endParaRPr lang="de-DE" sz="2800" dirty="0">
               <a:solidFill>
                 <a:srgbClr val="2196F3"/>
               </a:solidFill>
             </a:endParaRPr>
+          </a:p>
+          <a:p>
+            <a:pPr marL="0" indent="0">
+              <a:buNone/>
+            </a:pPr>
+            <a:endParaRPr lang="de-DE" sz="2800" b="1" dirty="0" smtClean="0"/>
+          </a:p>
+          <a:p>
+            <a:pPr marL="0" indent="0">
+              <a:buNone/>
+            </a:pPr>
+            <a:r>
+              <a:rPr lang="de-DE" sz="2800" b="1" dirty="0" smtClean="0"/>
+              <a:t>Controller </a:t>
+            </a:r>
+            <a:r>
+              <a:rPr lang="de-DE" sz="2800" b="1" dirty="0" err="1" smtClean="0"/>
+              <a:t>Component</a:t>
+            </a:r>
+            <a:endParaRPr lang="de-DE" sz="2800" b="1" dirty="0" smtClean="0"/>
+          </a:p>
+          <a:p>
+            <a:r>
+              <a:rPr lang="de-DE" sz="2800" dirty="0" smtClean="0"/>
+              <a:t>Top-level </a:t>
+            </a:r>
+            <a:r>
+              <a:rPr lang="de-DE" sz="2800" dirty="0" err="1" smtClean="0"/>
+              <a:t>component</a:t>
+            </a:r>
+            <a:r>
+              <a:rPr lang="de-DE" sz="2800" dirty="0" smtClean="0"/>
+              <a:t> </a:t>
+            </a:r>
+            <a:r>
+              <a:rPr lang="de-DE" sz="2800" dirty="0" err="1" smtClean="0"/>
+              <a:t>should</a:t>
+            </a:r>
+            <a:r>
+              <a:rPr lang="de-DE" sz="2800" dirty="0" smtClean="0"/>
+              <a:t> </a:t>
+            </a:r>
+            <a:r>
+              <a:rPr lang="de-DE" sz="2800" dirty="0" err="1" smtClean="0"/>
+              <a:t>be</a:t>
+            </a:r>
+            <a:r>
+              <a:rPr lang="de-DE" sz="2800" dirty="0" smtClean="0"/>
+              <a:t> </a:t>
+            </a:r>
+            <a:r>
+              <a:rPr lang="de-DE" sz="2800" dirty="0" err="1" smtClean="0"/>
+              <a:t>the</a:t>
+            </a:r>
+            <a:r>
+              <a:rPr lang="de-DE" sz="2800" dirty="0" smtClean="0"/>
+              <a:t> </a:t>
+            </a:r>
+            <a:r>
+              <a:rPr lang="de-DE" sz="2800" dirty="0" err="1" smtClean="0"/>
+              <a:t>only</a:t>
+            </a:r>
+            <a:r>
+              <a:rPr lang="de-DE" sz="2800" dirty="0" smtClean="0"/>
+              <a:t> </a:t>
+            </a:r>
+            <a:r>
+              <a:rPr lang="de-DE" sz="2800" dirty="0" err="1" smtClean="0"/>
+              <a:t>component</a:t>
+            </a:r>
+            <a:r>
+              <a:rPr lang="de-DE" sz="2800" dirty="0" smtClean="0"/>
+              <a:t> </a:t>
+            </a:r>
+            <a:r>
+              <a:rPr lang="de-DE" sz="2800" dirty="0" err="1" smtClean="0"/>
+              <a:t>interacting</a:t>
+            </a:r>
+            <a:r>
+              <a:rPr lang="de-DE" sz="2800" dirty="0" smtClean="0"/>
+              <a:t> </a:t>
+            </a:r>
+            <a:r>
+              <a:rPr lang="de-DE" sz="2800" dirty="0" err="1" smtClean="0"/>
+              <a:t>with</a:t>
+            </a:r>
+            <a:r>
+              <a:rPr lang="de-DE" sz="2800" dirty="0" smtClean="0"/>
+              <a:t> </a:t>
+            </a:r>
+            <a:r>
+              <a:rPr lang="de-DE" sz="2800" dirty="0" err="1" smtClean="0"/>
+              <a:t>Flux</a:t>
+            </a:r>
+            <a:endParaRPr lang="de-DE" sz="2800" dirty="0" smtClean="0"/>
           </a:p>
           <a:p>
             <a:pPr marL="0" indent="0">
@@ -4517,9 +5402,58 @@
           <a:p>
             <a:r>
               <a:rPr lang="de-DE" dirty="0" smtClean="0"/>
-              <a:t>COMPONENT - TRIGGERING AN ACTION</a:t>
+              <a:t>COMPONENT</a:t>
             </a:r>
             <a:endParaRPr lang="de-DE" dirty="0"/>
+          </a:p>
+        </p:txBody>
+      </p:sp>
+      <p:sp>
+        <p:nvSpPr>
+          <p:cNvPr id="4" name="Textfeld 3"/>
+          <p:cNvSpPr txBox="1"/>
+          <p:nvPr/>
+        </p:nvSpPr>
+        <p:spPr>
+          <a:xfrm>
+            <a:off x="6588224" y="1916832"/>
+            <a:ext cx="1728192" cy="1477328"/>
+          </a:xfrm>
+          <a:prstGeom prst="rect">
+            <a:avLst/>
+          </a:prstGeom>
+          <a:noFill/>
+        </p:spPr>
+        <p:txBody>
+          <a:bodyPr wrap="square" rtlCol="0">
+            <a:spAutoFit/>
+          </a:bodyPr>
+          <a:lstStyle/>
+          <a:p>
+            <a:r>
+              <a:rPr lang="de-DE" dirty="0" smtClean="0">
+                <a:solidFill>
+                  <a:srgbClr val="FF0000"/>
+                </a:solidFill>
+              </a:rPr>
+              <a:t>Grafik: </a:t>
+            </a:r>
+            <a:r>
+              <a:rPr lang="de-DE" dirty="0" err="1" smtClean="0">
+                <a:solidFill>
+                  <a:srgbClr val="FF0000"/>
+                </a:solidFill>
+              </a:rPr>
+              <a:t>Componente</a:t>
+            </a:r>
+            <a:r>
+              <a:rPr lang="de-DE" dirty="0" smtClean="0">
+                <a:solidFill>
+                  <a:srgbClr val="FF0000"/>
+                </a:solidFill>
+              </a:rPr>
+              <a:t> verschickt Action und horcht auf Store</a:t>
+            </a:r>
           </a:p>
         </p:txBody>
       </p:sp>
@@ -4536,7 +5470,7 @@
   <p:timing>
     <p:tnLst>
       <p:par>
-        <p:cTn xmlns:p14="http://schemas.microsoft.com/office/powerpoint/2010/main" id="1" dur="indefinite" restart="never" nodeType="tmRoot"/>
+        <p:cTn id="1" dur="indefinite" restart="never" nodeType="tmRoot"/>
       </p:par>
     </p:tnLst>
   </p:timing>
@@ -4572,12 +5506,350 @@
         </p:nvSpPr>
         <p:spPr/>
         <p:txBody>
-          <a:bodyPr/>
+          <a:bodyPr>
+            <a:normAutofit fontScale="92500" lnSpcReduction="10000"/>
+          </a:bodyPr>
           <a:lstStyle/>
           <a:p>
+            <a:pPr marL="0" indent="0">
+              <a:buNone/>
+            </a:pPr>
+            <a:r>
+              <a:rPr lang="de-DE" sz="2800" b="1" dirty="0" smtClean="0"/>
+              <a:t>Action</a:t>
+            </a:r>
+            <a:endParaRPr lang="de-DE" sz="2800" b="1" dirty="0" smtClean="0"/>
+          </a:p>
+          <a:p>
+            <a:r>
+              <a:rPr lang="de-DE" sz="2800" dirty="0" err="1" smtClean="0"/>
+              <a:t>Represents</a:t>
+            </a:r>
             <a:r>
               <a:rPr lang="de-DE" sz="2800" dirty="0" smtClean="0"/>
-              <a:t>Forwards Actions </a:t>
+              <a:t> </a:t>
+            </a:r>
+            <a:r>
+              <a:rPr lang="de-DE" sz="2800" i="1" dirty="0" err="1" smtClean="0"/>
+              <a:t>semantic</a:t>
+            </a:r>
+            <a:r>
+              <a:rPr lang="de-DE" sz="2800" dirty="0" smtClean="0"/>
+              <a:t> </a:t>
+            </a:r>
+            <a:r>
+              <a:rPr lang="de-DE" sz="2800" dirty="0" err="1" smtClean="0"/>
+              <a:t>event</a:t>
+            </a:r>
+            <a:r>
+              <a:rPr lang="de-DE" sz="2800" dirty="0" smtClean="0"/>
+              <a:t> happend in </a:t>
+            </a:r>
+            <a:r>
+              <a:rPr lang="de-DE" sz="2800" dirty="0" err="1" smtClean="0"/>
+              <a:t>the</a:t>
+            </a:r>
+            <a:r>
+              <a:rPr lang="de-DE" sz="2800" dirty="0" smtClean="0"/>
+              <a:t> </a:t>
+            </a:r>
+            <a:r>
+              <a:rPr lang="de-DE" sz="2800" dirty="0" err="1" smtClean="0"/>
+              <a:t>app</a:t>
+            </a:r>
+            <a:endParaRPr lang="de-DE" sz="2800" dirty="0" smtClean="0"/>
+          </a:p>
+          <a:p>
+            <a:r>
+              <a:rPr lang="de-DE" sz="2800" dirty="0" err="1" smtClean="0"/>
+              <a:t>Has</a:t>
+            </a:r>
+            <a:r>
+              <a:rPr lang="de-DE" sz="2800" dirty="0" smtClean="0"/>
+              <a:t> an </a:t>
+            </a:r>
+            <a:r>
+              <a:rPr lang="de-DE" sz="2800" dirty="0" err="1" smtClean="0"/>
+              <a:t>identifying</a:t>
+            </a:r>
+            <a:r>
+              <a:rPr lang="de-DE" sz="2800" dirty="0" smtClean="0"/>
+              <a:t> „type</a:t>
+            </a:r>
+            <a:r>
+              <a:rPr lang="de-DE" sz="2800" dirty="0" smtClean="0"/>
+              <a:t>“ </a:t>
+            </a:r>
+            <a:r>
+              <a:rPr lang="de-DE" sz="2800" dirty="0" smtClean="0"/>
+              <a:t>(USER_ADDED)</a:t>
+            </a:r>
+            <a:endParaRPr lang="de-DE" sz="2800" dirty="0" smtClean="0"/>
+          </a:p>
+          <a:p>
+            <a:r>
+              <a:rPr lang="de-DE" sz="2800" dirty="0" err="1" smtClean="0"/>
+              <a:t>Contains</a:t>
+            </a:r>
+            <a:r>
+              <a:rPr lang="de-DE" sz="2800" dirty="0" smtClean="0"/>
+              <a:t> </a:t>
+            </a:r>
+            <a:r>
+              <a:rPr lang="de-DE" sz="2800" dirty="0" err="1" smtClean="0"/>
+              <a:t>information</a:t>
+            </a:r>
+            <a:r>
+              <a:rPr lang="de-DE" sz="2800" dirty="0" smtClean="0"/>
+              <a:t> </a:t>
+            </a:r>
+            <a:r>
+              <a:rPr lang="de-DE" sz="2800" dirty="0" err="1" smtClean="0"/>
+              <a:t>what</a:t>
+            </a:r>
+            <a:r>
+              <a:rPr lang="de-DE" sz="2800" dirty="0" smtClean="0"/>
+              <a:t> </a:t>
+            </a:r>
+            <a:r>
+              <a:rPr lang="de-DE" sz="2800" dirty="0" smtClean="0"/>
+              <a:t>happend (Name </a:t>
+            </a:r>
+            <a:r>
+              <a:rPr lang="de-DE" sz="2800" dirty="0" err="1" smtClean="0"/>
+              <a:t>of</a:t>
+            </a:r>
+            <a:r>
+              <a:rPr lang="de-DE" sz="2800" dirty="0" smtClean="0"/>
+              <a:t> </a:t>
+            </a:r>
+            <a:r>
+              <a:rPr lang="de-DE" sz="2800" dirty="0" err="1" smtClean="0"/>
+              <a:t>new</a:t>
+            </a:r>
+            <a:r>
+              <a:rPr lang="de-DE" sz="2800" dirty="0" smtClean="0"/>
+              <a:t> </a:t>
+            </a:r>
+            <a:r>
+              <a:rPr lang="de-DE" sz="2800" dirty="0" err="1" smtClean="0"/>
+              <a:t>user</a:t>
+            </a:r>
+            <a:r>
+              <a:rPr lang="de-DE" sz="2800" dirty="0" smtClean="0"/>
+              <a:t>)</a:t>
+            </a:r>
+          </a:p>
+          <a:p>
+            <a:r>
+              <a:rPr lang="de-DE" sz="2800" dirty="0" smtClean="0"/>
+              <a:t>Can </a:t>
+            </a:r>
+            <a:r>
+              <a:rPr lang="de-DE" sz="2800" dirty="0" err="1" smtClean="0"/>
+              <a:t>be</a:t>
+            </a:r>
+            <a:r>
+              <a:rPr lang="de-DE" sz="2800" dirty="0" smtClean="0"/>
+              <a:t> </a:t>
+            </a:r>
+            <a:r>
+              <a:rPr lang="de-DE" sz="2800" dirty="0" err="1" smtClean="0"/>
+              <a:t>triggered</a:t>
+            </a:r>
+            <a:r>
+              <a:rPr lang="de-DE" sz="2800" dirty="0" smtClean="0"/>
+              <a:t> </a:t>
+            </a:r>
+            <a:r>
+              <a:rPr lang="de-DE" sz="2800" dirty="0" err="1" smtClean="0"/>
+              <a:t>by</a:t>
+            </a:r>
+            <a:r>
+              <a:rPr lang="de-DE" sz="2800" dirty="0" smtClean="0"/>
+              <a:t> Components </a:t>
+            </a:r>
+            <a:r>
+              <a:rPr lang="de-DE" sz="2800" dirty="0" err="1" smtClean="0"/>
+              <a:t>or</a:t>
+            </a:r>
+            <a:r>
+              <a:rPr lang="de-DE" sz="2800" dirty="0" smtClean="0"/>
+              <a:t> </a:t>
+            </a:r>
+            <a:r>
+              <a:rPr lang="de-DE" sz="2800" dirty="0" err="1" smtClean="0"/>
+              <a:t>external</a:t>
+            </a:r>
+            <a:r>
+              <a:rPr lang="de-DE" sz="2800" dirty="0" smtClean="0"/>
+              <a:t> </a:t>
+            </a:r>
+            <a:r>
+              <a:rPr lang="de-DE" sz="2800" dirty="0" err="1" smtClean="0"/>
+              <a:t>events</a:t>
+            </a:r>
+            <a:endParaRPr lang="de-DE" sz="2800" dirty="0" smtClean="0"/>
+          </a:p>
+          <a:p>
+            <a:pPr lvl="1"/>
+            <a:r>
+              <a:rPr lang="de-DE" sz="2400" dirty="0" smtClean="0"/>
+              <a:t>An </a:t>
+            </a:r>
+            <a:r>
+              <a:rPr lang="de-DE" sz="2400" dirty="0"/>
+              <a:t>A</a:t>
+            </a:r>
+            <a:r>
+              <a:rPr lang="de-DE" sz="2400" dirty="0" smtClean="0"/>
+              <a:t>ction </a:t>
+            </a:r>
+            <a:r>
+              <a:rPr lang="de-DE" sz="2400" dirty="0" err="1" smtClean="0"/>
+              <a:t>cannot</a:t>
+            </a:r>
+            <a:r>
+              <a:rPr lang="de-DE" sz="2400" dirty="0" smtClean="0"/>
+              <a:t> </a:t>
+            </a:r>
+            <a:r>
+              <a:rPr lang="de-DE" sz="2400" dirty="0" err="1" smtClean="0"/>
+              <a:t>trigger</a:t>
+            </a:r>
+            <a:r>
+              <a:rPr lang="de-DE" sz="2400" dirty="0" smtClean="0"/>
+              <a:t> </a:t>
+            </a:r>
+            <a:r>
+              <a:rPr lang="de-DE" sz="2400" dirty="0" err="1" smtClean="0"/>
+              <a:t>Another</a:t>
+            </a:r>
+            <a:r>
+              <a:rPr lang="de-DE" sz="2400" dirty="0" smtClean="0"/>
+              <a:t> </a:t>
+            </a:r>
+            <a:r>
+              <a:rPr lang="de-DE" sz="2400" dirty="0" err="1" smtClean="0"/>
+              <a:t>action</a:t>
+            </a:r>
+            <a:endParaRPr lang="de-DE" sz="2400" dirty="0" smtClean="0"/>
+          </a:p>
+          <a:p>
+            <a:pPr marL="0" indent="0">
+              <a:buNone/>
+            </a:pPr>
+            <a:endParaRPr lang="de-DE" sz="2800" dirty="0" smtClean="0"/>
+          </a:p>
+          <a:p>
+            <a:pPr marL="0" indent="0">
+              <a:buNone/>
+            </a:pPr>
+            <a:r>
+              <a:rPr lang="de-DE" sz="2800" b="1" dirty="0" err="1" smtClean="0"/>
+              <a:t>ActionCreator</a:t>
+            </a:r>
+            <a:endParaRPr lang="de-DE" sz="2800" b="1" dirty="0" smtClean="0"/>
+          </a:p>
+          <a:p>
+            <a:r>
+              <a:rPr lang="de-DE" sz="2800" dirty="0" smtClean="0"/>
+              <a:t>Factory </a:t>
+            </a:r>
+            <a:r>
+              <a:rPr lang="de-DE" sz="2800" dirty="0" err="1" smtClean="0"/>
+              <a:t>for</a:t>
+            </a:r>
+            <a:r>
+              <a:rPr lang="de-DE" sz="2800" dirty="0" smtClean="0"/>
+              <a:t> Actions</a:t>
+            </a:r>
+            <a:endParaRPr lang="de-DE" sz="2800" dirty="0" smtClean="0">
+              <a:solidFill>
+                <a:srgbClr val="2196F3"/>
+              </a:solidFill>
+            </a:endParaRPr>
+          </a:p>
+          <a:p>
+            <a:r>
+              <a:rPr lang="de-DE" sz="2800" dirty="0" err="1" smtClean="0"/>
+              <a:t>Ensures</a:t>
+            </a:r>
+            <a:r>
+              <a:rPr lang="de-DE" sz="2800" dirty="0" smtClean="0"/>
+              <a:t> </a:t>
+            </a:r>
+            <a:r>
+              <a:rPr lang="de-DE" sz="2800" dirty="0" err="1" smtClean="0"/>
+              <a:t>integrity</a:t>
+            </a:r>
+            <a:r>
+              <a:rPr lang="de-DE" sz="2800" dirty="0" smtClean="0"/>
+              <a:t> </a:t>
+            </a:r>
+            <a:r>
+              <a:rPr lang="de-DE" sz="2800" dirty="0" err="1" smtClean="0"/>
+              <a:t>of</a:t>
+            </a:r>
+            <a:r>
+              <a:rPr lang="de-DE" sz="2800" dirty="0" smtClean="0"/>
+              <a:t> </a:t>
+            </a:r>
+            <a:r>
+              <a:rPr lang="de-DE" sz="2800" dirty="0" err="1" smtClean="0"/>
+              <a:t>action</a:t>
+            </a:r>
+            <a:r>
+              <a:rPr lang="de-DE" sz="2800" dirty="0" smtClean="0"/>
+              <a:t> </a:t>
+            </a:r>
+            <a:r>
+              <a:rPr lang="de-DE" sz="2800" dirty="0" err="1" smtClean="0"/>
+              <a:t>object</a:t>
+            </a:r>
+            <a:r>
+              <a:rPr lang="de-DE" sz="2800" dirty="0" smtClean="0"/>
+              <a:t>, </a:t>
+            </a:r>
+          </a:p>
+          <a:p>
+            <a:r>
+              <a:rPr lang="de-DE" sz="2800" dirty="0" err="1" smtClean="0"/>
+              <a:t>Semantic</a:t>
+            </a:r>
+            <a:r>
+              <a:rPr lang="de-DE" sz="2800" dirty="0" smtClean="0"/>
+              <a:t> </a:t>
+            </a:r>
+            <a:r>
+              <a:rPr lang="de-DE" sz="2800" dirty="0" err="1" smtClean="0"/>
+              <a:t>methods</a:t>
+            </a:r>
+            <a:r>
+              <a:rPr lang="de-DE" sz="2800" dirty="0" smtClean="0"/>
+              <a:t> (</a:t>
+            </a:r>
+            <a:r>
+              <a:rPr lang="de-DE" sz="2800" dirty="0" err="1" smtClean="0">
+                <a:latin typeface="Courier New"/>
+                <a:cs typeface="Courier New"/>
+              </a:rPr>
+              <a:t>addUser</a:t>
+            </a:r>
+            <a:r>
+              <a:rPr lang="de-DE" sz="2800" dirty="0" smtClean="0"/>
+              <a:t>)</a:t>
+            </a:r>
+            <a:endParaRPr lang="de-DE" sz="2800" dirty="0" smtClean="0"/>
+          </a:p>
+          <a:p>
+            <a:r>
+              <a:rPr lang="de-DE" sz="2800" dirty="0" smtClean="0"/>
+              <a:t>Pass </a:t>
+            </a:r>
+            <a:r>
+              <a:rPr lang="de-DE" sz="2800" dirty="0" smtClean="0"/>
+              <a:t>Action </a:t>
             </a:r>
             <a:r>
               <a:rPr lang="de-DE" sz="2800" dirty="0" err="1" smtClean="0"/>
@@ -4585,123 +5857,13 @@
             </a:r>
             <a:r>
               <a:rPr lang="de-DE" sz="2800" dirty="0" smtClean="0"/>
-              <a:t> all </a:t>
-            </a:r>
-            <a:r>
-              <a:rPr lang="de-DE" sz="2800" dirty="0" err="1" smtClean="0"/>
-              <a:t>known</a:t>
-            </a:r>
-            <a:r>
-              <a:rPr lang="de-DE" sz="2800" dirty="0" smtClean="0"/>
-              <a:t> </a:t>
-            </a:r>
-            <a:r>
-              <a:rPr lang="de-DE" sz="2800" dirty="0" smtClean="0">
-                <a:solidFill>
-                  <a:srgbClr val="2196F3"/>
-                </a:solidFill>
-              </a:rPr>
-              <a:t>Stores</a:t>
-            </a:r>
-          </a:p>
-          <a:p>
-            <a:r>
-              <a:rPr lang="de-DE" sz="2800" dirty="0" err="1" smtClean="0"/>
-              <a:t>Only</a:t>
-            </a:r>
-            <a:r>
-              <a:rPr lang="de-DE" sz="2800" dirty="0" smtClean="0"/>
-              <a:t> </a:t>
-            </a:r>
-            <a:r>
-              <a:rPr lang="de-DE" sz="2800" dirty="0" err="1" smtClean="0"/>
-              <a:t>one</a:t>
-            </a:r>
-            <a:r>
-              <a:rPr lang="de-DE" sz="2800" dirty="0" smtClean="0"/>
-              <a:t> Dispatcher in </a:t>
-            </a:r>
-            <a:r>
-              <a:rPr lang="de-DE" sz="2800" dirty="0" err="1" smtClean="0"/>
-              <a:t>your</a:t>
-            </a:r>
-            <a:r>
-              <a:rPr lang="de-DE" sz="2800" dirty="0" smtClean="0"/>
-              <a:t> </a:t>
-            </a:r>
-            <a:r>
-              <a:rPr lang="de-DE" sz="2800" dirty="0" err="1" smtClean="0"/>
-              <a:t>application</a:t>
-            </a:r>
-            <a:r>
-              <a:rPr lang="de-DE" sz="2800" dirty="0" smtClean="0"/>
-              <a:t> (singleton)</a:t>
-            </a:r>
-          </a:p>
-          <a:p>
-            <a:r>
-              <a:rPr lang="de-DE" sz="2800" dirty="0" smtClean="0"/>
-              <a:t>Stores </a:t>
-            </a:r>
-            <a:r>
-              <a:rPr lang="de-DE" sz="2800" dirty="0" err="1" smtClean="0"/>
-              <a:t>register</a:t>
-            </a:r>
-            <a:r>
-              <a:rPr lang="de-DE" sz="2800" dirty="0" smtClean="0"/>
-              <a:t> </a:t>
-            </a:r>
-            <a:r>
-              <a:rPr lang="de-DE" sz="2800" dirty="0" err="1" smtClean="0"/>
-              <a:t>themself</a:t>
-            </a:r>
-            <a:r>
-              <a:rPr lang="de-DE" sz="2800" dirty="0" smtClean="0"/>
-              <a:t> </a:t>
-            </a:r>
-            <a:r>
-              <a:rPr lang="de-DE" sz="2800" dirty="0" err="1" smtClean="0"/>
-              <a:t>with</a:t>
-            </a:r>
-            <a:r>
-              <a:rPr lang="de-DE" sz="2800" dirty="0" smtClean="0"/>
-              <a:t> a Callback </a:t>
-            </a:r>
-            <a:r>
-              <a:rPr lang="de-DE" sz="2800" dirty="0" err="1" smtClean="0"/>
-              <a:t>at</a:t>
-            </a:r>
-            <a:r>
-              <a:rPr lang="de-DE" sz="2800" dirty="0" smtClean="0"/>
-              <a:t> </a:t>
-            </a:r>
-            <a:r>
-              <a:rPr lang="de-DE" sz="2800" dirty="0" err="1" smtClean="0"/>
-              <a:t>the</a:t>
-            </a:r>
-            <a:r>
-              <a:rPr lang="de-DE" sz="2800" dirty="0" smtClean="0"/>
-              <a:t> </a:t>
-            </a:r>
-            <a:r>
-              <a:rPr lang="de-DE" sz="2800" dirty="0" err="1" smtClean="0"/>
-              <a:t>central</a:t>
-            </a:r>
-            <a:r>
-              <a:rPr lang="de-DE" sz="2800" dirty="0" smtClean="0"/>
-              <a:t> </a:t>
-            </a:r>
-            <a:r>
-              <a:rPr lang="de-DE" sz="2800" dirty="0" err="1" smtClean="0"/>
-              <a:t>dispatcher</a:t>
-            </a:r>
-            <a:endParaRPr lang="de-DE" sz="2800" dirty="0" smtClean="0"/>
-          </a:p>
-          <a:p>
-            <a:pPr marL="457200" lvl="1" indent="0">
-              <a:buNone/>
-            </a:pPr>
-            <a:endParaRPr lang="de-DE" sz="2400" dirty="0"/>
+              <a:t> Dispatcher</a:t>
+            </a:r>
+            <a:endParaRPr lang="de-DE" sz="2800" dirty="0">
+              <a:solidFill>
+                <a:srgbClr val="2196F3"/>
+              </a:solidFill>
+            </a:endParaRPr>
           </a:p>
           <a:p>
             <a:pPr marL="0" indent="0">
@@ -4730,7 +5892,15 @@
           <a:p>
             <a:r>
               <a:rPr lang="de-DE" dirty="0" smtClean="0"/>
-              <a:t>DISPATCHER</a:t>
+              <a:t>ACTION </a:t>
+            </a:r>
+            <a:r>
+              <a:rPr lang="de-DE" dirty="0" err="1" smtClean="0"/>
+              <a:t>and</a:t>
+            </a:r>
+            <a:r>
+              <a:rPr lang="de-DE" dirty="0" smtClean="0"/>
+              <a:t> ACTIONCREATOR</a:t>
             </a:r>
             <a:endParaRPr lang="de-DE" dirty="0"/>
           </a:p>
@@ -4739,7 +5909,7 @@
     </p:spTree>
     <p:extLst>
       <p:ext uri="{BB962C8B-B14F-4D97-AF65-F5344CB8AC3E}">
-        <p14:creationId xmlns:p14="http://schemas.microsoft.com/office/powerpoint/2010/main" val="3706840885"/>
+        <p14:creationId xmlns:p14="http://schemas.microsoft.com/office/powerpoint/2010/main" val="3065601695"/>
       </p:ext>
     </p:extLst>
   </p:cSld>
@@ -4749,7 +5919,7 @@
   <p:timing>
     <p:tnLst>
       <p:par>
-        <p:cTn xmlns:p14="http://schemas.microsoft.com/office/powerpoint/2010/main" id="1" dur="indefinite" restart="never" nodeType="tmRoot"/>
+        <p:cTn id="1" dur="indefinite" restart="never" nodeType="tmRoot"/>
       </p:par>
     </p:tnLst>
   </p:timing>
@@ -4789,75 +5959,23 @@
           <a:lstStyle/>
           <a:p>
             <a:r>
+              <a:rPr lang="de-DE" sz="2800" dirty="0" smtClean="0"/>
+              <a:t>Technical </a:t>
+            </a:r>
+            <a:r>
               <a:rPr lang="de-DE" sz="2800" dirty="0" err="1" smtClean="0"/>
-              <a:t>Contains</a:t>
-            </a:r>
+              <a:t>component</a:t>
+            </a:r>
+            <a:endParaRPr lang="de-DE" sz="2800" dirty="0" smtClean="0"/>
+          </a:p>
+          <a:p>
             <a:r>
               <a:rPr lang="de-DE" sz="2800" dirty="0" smtClean="0"/>
-              <a:t> </a:t>
-            </a:r>
-            <a:r>
-              <a:rPr lang="de-DE" sz="2800" dirty="0" err="1" smtClean="0"/>
-              <a:t>the</a:t>
+              <a:t>Forwards </a:t>
             </a:r>
             <a:r>
               <a:rPr lang="de-DE" sz="2800" dirty="0" smtClean="0"/>
-              <a:t> </a:t>
-            </a:r>
-            <a:r>
-              <a:rPr lang="de-DE" sz="2800" dirty="0" err="1" smtClean="0"/>
-              <a:t>business</a:t>
-            </a:r>
-            <a:r>
-              <a:rPr lang="de-DE" sz="2800" dirty="0" smtClean="0"/>
-              <a:t> </a:t>
-            </a:r>
-            <a:r>
-              <a:rPr lang="de-DE" sz="2800" dirty="0" err="1" smtClean="0"/>
-              <a:t>logic</a:t>
-            </a:r>
-            <a:r>
-              <a:rPr lang="de-DE" sz="2800" dirty="0" smtClean="0"/>
-              <a:t> </a:t>
-            </a:r>
-            <a:r>
-              <a:rPr lang="de-DE" sz="2800" dirty="0" err="1" smtClean="0"/>
-              <a:t>for</a:t>
-            </a:r>
-            <a:r>
-              <a:rPr lang="de-DE" sz="2800" dirty="0" smtClean="0"/>
-              <a:t> a </a:t>
-            </a:r>
-            <a:r>
-              <a:rPr lang="de-DE" sz="2800" dirty="0" err="1" smtClean="0"/>
-              <a:t>specific</a:t>
-            </a:r>
-            <a:r>
-              <a:rPr lang="de-DE" sz="2800" dirty="0" smtClean="0"/>
-              <a:t> </a:t>
-            </a:r>
-            <a:r>
-              <a:rPr lang="de-DE" sz="2800" dirty="0" err="1" smtClean="0"/>
-              <a:t>domain</a:t>
-            </a:r>
-            <a:endParaRPr lang="de-DE" sz="2800" dirty="0" smtClean="0"/>
-          </a:p>
-          <a:p>
-            <a:r>
-              <a:rPr lang="de-DE" sz="2800" dirty="0" err="1" smtClean="0"/>
-              <a:t>No</a:t>
-            </a:r>
-            <a:r>
-              <a:rPr lang="de-DE" sz="2800" dirty="0" smtClean="0"/>
-              <a:t> </a:t>
-            </a:r>
-            <a:r>
-              <a:rPr lang="de-DE" sz="2800" dirty="0" err="1" smtClean="0"/>
-              <a:t>need</a:t>
-            </a:r>
-            <a:r>
-              <a:rPr lang="de-DE" sz="2800" dirty="0" smtClean="0"/>
-              <a:t> </a:t>
+              <a:t>Actions </a:t>
             </a:r>
             <a:r>
               <a:rPr lang="de-DE" sz="2800" dirty="0" err="1" smtClean="0"/>
@@ -4868,32 +5986,31 @@
               <a:t> </a:t>
             </a:r>
             <a:r>
+              <a:rPr lang="de-DE" sz="2800" i="1" dirty="0" smtClean="0"/>
+              <a:t>all</a:t>
+            </a:r>
+            <a:r>
+              <a:rPr lang="de-DE" sz="2800" dirty="0" smtClean="0"/>
+              <a:t> </a:t>
+            </a:r>
+            <a:r>
               <a:rPr lang="de-DE" sz="2800" dirty="0" err="1" smtClean="0"/>
-              <a:t>be</a:t>
+              <a:t>known</a:t>
             </a:r>
             <a:r>
               <a:rPr lang="de-DE" sz="2800" dirty="0" smtClean="0"/>
-              <a:t> </a:t>
-            </a:r>
+              <a:t> Stores</a:t>
+            </a:r>
+            <a:endParaRPr lang="de-DE" sz="2800" dirty="0" smtClean="0">
+              <a:solidFill>
+                <a:srgbClr val="2196F3"/>
+              </a:solidFill>
+            </a:endParaRPr>
+          </a:p>
+          <a:p>
             <a:r>
               <a:rPr lang="de-DE" sz="2800" dirty="0" err="1" smtClean="0"/>
-              <a:t>tight</a:t>
-            </a:r>
-            <a:r>
-              <a:rPr lang="de-DE" sz="2800" dirty="0" smtClean="0"/>
-              <a:t> </a:t>
-            </a:r>
-            <a:r>
-              <a:rPr lang="de-DE" sz="2800" dirty="0" err="1" smtClean="0"/>
-              <a:t>to</a:t>
-            </a:r>
-            <a:r>
-              <a:rPr lang="de-DE" sz="2800" dirty="0" smtClean="0"/>
-              <a:t> </a:t>
-            </a:r>
-            <a:r>
-              <a:rPr lang="de-DE" sz="2800" dirty="0" err="1" smtClean="0"/>
-              <a:t>exactly</a:t>
+              <a:t>Only</a:t>
             </a:r>
             <a:r>
               <a:rPr lang="de-DE" sz="2800" dirty="0" smtClean="0"/>
@@ -4905,155 +6022,24 @@
             </a:r>
             <a:r>
               <a:rPr lang="de-DE" sz="2800" dirty="0" smtClean="0"/>
-              <a:t> </a:t>
+              <a:t> Dispatcher in </a:t>
             </a:r>
             <a:r>
               <a:rPr lang="de-DE" sz="2800" dirty="0" err="1" smtClean="0"/>
-              <a:t>object</a:t>
-            </a:r>
-            <a:endParaRPr lang="de-DE" sz="2800" dirty="0" smtClean="0"/>
-          </a:p>
-          <a:p>
+              <a:t>your</a:t>
+            </a:r>
+            <a:r>
+              <a:rPr lang="de-DE" sz="2800" dirty="0" smtClean="0"/>
+              <a:t> </a:t>
+            </a:r>
             <a:r>
               <a:rPr lang="de-DE" sz="2800" dirty="0" err="1" smtClean="0"/>
-              <a:t>Conntect</a:t>
+              <a:t>application</a:t>
             </a:r>
             <a:r>
               <a:rPr lang="de-DE" sz="2800" dirty="0" smtClean="0"/>
-              <a:t> </a:t>
-            </a:r>
-            <a:r>
-              <a:rPr lang="de-DE" sz="2800" dirty="0" err="1" smtClean="0"/>
-              <a:t>to</a:t>
-            </a:r>
-            <a:r>
-              <a:rPr lang="de-DE" sz="2800" dirty="0" smtClean="0"/>
-              <a:t> </a:t>
-            </a:r>
-            <a:r>
-              <a:rPr lang="de-DE" sz="2800" dirty="0" err="1" smtClean="0"/>
-              <a:t>the</a:t>
-            </a:r>
-            <a:r>
-              <a:rPr lang="de-DE" sz="2800" dirty="0" smtClean="0"/>
-              <a:t> </a:t>
-            </a:r>
-            <a:r>
-              <a:rPr lang="de-DE" sz="2800" dirty="0" err="1" smtClean="0"/>
-              <a:t>dispatcher</a:t>
-            </a:r>
-            <a:r>
-              <a:rPr lang="de-DE" sz="2800" dirty="0" smtClean="0"/>
-              <a:t> via </a:t>
-            </a:r>
-            <a:r>
-              <a:rPr lang="de-DE" sz="2800" dirty="0" err="1" smtClean="0"/>
-              <a:t>callback</a:t>
-            </a:r>
-            <a:r>
-              <a:rPr lang="de-DE" sz="2800" dirty="0" smtClean="0"/>
-              <a:t> </a:t>
-            </a:r>
-            <a:r>
-              <a:rPr lang="de-DE" sz="2800" dirty="0" err="1" smtClean="0"/>
-              <a:t>method</a:t>
-            </a:r>
-            <a:endParaRPr lang="de-DE" sz="2800" dirty="0" smtClean="0"/>
-          </a:p>
-          <a:p>
-            <a:r>
-              <a:rPr lang="de-DE" sz="2800" dirty="0" err="1" smtClean="0"/>
-              <a:t>Process</a:t>
-            </a:r>
-            <a:r>
-              <a:rPr lang="de-DE" sz="2800" dirty="0" smtClean="0"/>
-              <a:t> </a:t>
-            </a:r>
-            <a:r>
-              <a:rPr lang="de-DE" sz="2800" dirty="0" err="1" smtClean="0"/>
-              <a:t>only</a:t>
-            </a:r>
-            <a:r>
-              <a:rPr lang="de-DE" sz="2800" dirty="0" smtClean="0"/>
-              <a:t> </a:t>
-            </a:r>
-            <a:r>
-              <a:rPr lang="de-DE" sz="2800" dirty="0" err="1" smtClean="0"/>
-              <a:t>actions</a:t>
-            </a:r>
-            <a:r>
-              <a:rPr lang="de-DE" sz="2800" dirty="0" smtClean="0"/>
-              <a:t> </a:t>
-            </a:r>
-            <a:r>
-              <a:rPr lang="de-DE" sz="2800" dirty="0" err="1" smtClean="0"/>
-              <a:t>they</a:t>
-            </a:r>
-            <a:r>
-              <a:rPr lang="de-DE" sz="2800" dirty="0" smtClean="0"/>
-              <a:t> </a:t>
-            </a:r>
-            <a:r>
-              <a:rPr lang="de-DE" sz="2800" dirty="0" err="1" smtClean="0"/>
-              <a:t>are</a:t>
-            </a:r>
-            <a:r>
-              <a:rPr lang="de-DE" sz="2800" dirty="0" smtClean="0"/>
-              <a:t> </a:t>
-            </a:r>
-            <a:r>
-              <a:rPr lang="de-DE" sz="2800" dirty="0" err="1" smtClean="0"/>
-              <a:t>interessted</a:t>
-            </a:r>
-            <a:r>
-              <a:rPr lang="de-DE" sz="2800" dirty="0" smtClean="0"/>
-              <a:t> in</a:t>
-            </a:r>
-          </a:p>
-          <a:p>
-            <a:r>
-              <a:rPr lang="de-DE" sz="2800" dirty="0" err="1" smtClean="0"/>
-              <a:t>Emit</a:t>
-            </a:r>
-            <a:r>
-              <a:rPr lang="de-DE" sz="2800" dirty="0" smtClean="0"/>
-              <a:t> </a:t>
-            </a:r>
-            <a:r>
-              <a:rPr lang="de-DE" sz="2800" dirty="0" err="1" smtClean="0"/>
-              <a:t>events</a:t>
-            </a:r>
-            <a:r>
-              <a:rPr lang="de-DE" sz="2800" dirty="0" smtClean="0"/>
-              <a:t> after </a:t>
-            </a:r>
-            <a:r>
-              <a:rPr lang="de-DE" sz="2800" dirty="0" err="1" smtClean="0"/>
-              <a:t>changing</a:t>
-            </a:r>
-            <a:r>
-              <a:rPr lang="de-DE" sz="2800" dirty="0" smtClean="0"/>
-              <a:t> </a:t>
-            </a:r>
-            <a:r>
-              <a:rPr lang="de-DE" sz="2800" dirty="0" err="1" smtClean="0"/>
-              <a:t>their</a:t>
-            </a:r>
-            <a:r>
-              <a:rPr lang="de-DE" sz="2800" dirty="0" smtClean="0"/>
-              <a:t> </a:t>
-            </a:r>
-            <a:r>
-              <a:rPr lang="de-DE" sz="2800" dirty="0" err="1" smtClean="0"/>
-              <a:t>state</a:t>
-            </a:r>
-            <a:endParaRPr lang="de-DE" sz="2800" dirty="0" smtClean="0"/>
-          </a:p>
-          <a:p>
-            <a:endParaRPr lang="de-DE" sz="2800" dirty="0" smtClean="0"/>
-          </a:p>
-          <a:p>
-            <a:endParaRPr lang="de-DE" sz="2800" dirty="0" smtClean="0"/>
+              <a:t> (singleton)</a:t>
+            </a:r>
           </a:p>
           <a:p>
             <a:pPr marL="457200" lvl="1" indent="0">
@@ -5088,7 +6074,217 @@
           <a:p>
             <a:r>
               <a:rPr lang="de-DE" dirty="0" smtClean="0"/>
-              <a:t>STORE</a:t>
+              <a:t>DISPATCHER</a:t>
+            </a:r>
+            <a:endParaRPr lang="de-DE" dirty="0"/>
+          </a:p>
+        </p:txBody>
+      </p:sp>
+      <p:sp>
+        <p:nvSpPr>
+          <p:cNvPr id="4" name="Rechteck 3"/>
+          <p:cNvSpPr/>
+          <p:nvPr/>
+        </p:nvSpPr>
+        <p:spPr>
+          <a:xfrm>
+            <a:off x="683568" y="3789040"/>
+            <a:ext cx="2376264" cy="864096"/>
+          </a:xfrm>
+          <a:prstGeom prst="rect">
+            <a:avLst/>
+          </a:prstGeom>
+        </p:spPr>
+        <p:style>
+          <a:lnRef idx="1">
+            <a:schemeClr val="accent1"/>
+          </a:lnRef>
+          <a:fillRef idx="3">
+            <a:schemeClr val="accent1"/>
+          </a:fillRef>
+          <a:effectRef idx="2">
+            <a:schemeClr val="accent1"/>
+          </a:effectRef>
+          <a:fontRef idx="minor">
+            <a:schemeClr val="lt1"/>
+          </a:fontRef>
+        </p:style>
+        <p:txBody>
+          <a:bodyPr rtlCol="0" anchor="ctr"/>
+          <a:lstStyle/>
+          <a:p>
+            <a:pPr algn="ctr"/>
+            <a:r>
+              <a:rPr lang="de-DE" dirty="0" smtClean="0"/>
+              <a:t>Action</a:t>
+            </a:r>
+            <a:endParaRPr lang="de-DE" dirty="0"/>
+          </a:p>
+        </p:txBody>
+      </p:sp>
+      <p:sp>
+        <p:nvSpPr>
+          <p:cNvPr id="5" name="Rechteck 4"/>
+          <p:cNvSpPr/>
+          <p:nvPr/>
+        </p:nvSpPr>
+        <p:spPr>
+          <a:xfrm>
+            <a:off x="3427516" y="2780928"/>
+            <a:ext cx="2448272" cy="3240360"/>
+          </a:xfrm>
+          <a:prstGeom prst="rect">
+            <a:avLst/>
+          </a:prstGeom>
+        </p:spPr>
+        <p:style>
+          <a:lnRef idx="1">
+            <a:schemeClr val="accent1"/>
+          </a:lnRef>
+          <a:fillRef idx="3">
+            <a:schemeClr val="accent1"/>
+          </a:fillRef>
+          <a:effectRef idx="2">
+            <a:schemeClr val="accent1"/>
+          </a:effectRef>
+          <a:fontRef idx="minor">
+            <a:schemeClr val="lt1"/>
+          </a:fontRef>
+        </p:style>
+        <p:txBody>
+          <a:bodyPr rtlCol="0" anchor="ctr"/>
+          <a:lstStyle/>
+          <a:p>
+            <a:pPr algn="ctr"/>
+            <a:r>
+              <a:rPr lang="de-DE" dirty="0" smtClean="0"/>
+              <a:t>Dispatcher</a:t>
+            </a:r>
+            <a:endParaRPr lang="de-DE" dirty="0"/>
+          </a:p>
+        </p:txBody>
+      </p:sp>
+      <p:sp>
+        <p:nvSpPr>
+          <p:cNvPr id="6" name="Rechteck 5"/>
+          <p:cNvSpPr/>
+          <p:nvPr/>
+        </p:nvSpPr>
+        <p:spPr>
+          <a:xfrm>
+            <a:off x="6372200" y="2924944"/>
+            <a:ext cx="2304256" cy="864096"/>
+          </a:xfrm>
+          <a:prstGeom prst="rect">
+            <a:avLst/>
+          </a:prstGeom>
+        </p:spPr>
+        <p:style>
+          <a:lnRef idx="1">
+            <a:schemeClr val="accent1"/>
+          </a:lnRef>
+          <a:fillRef idx="3">
+            <a:schemeClr val="accent1"/>
+          </a:fillRef>
+          <a:effectRef idx="2">
+            <a:schemeClr val="accent1"/>
+          </a:effectRef>
+          <a:fontRef idx="minor">
+            <a:schemeClr val="lt1"/>
+          </a:fontRef>
+        </p:style>
+        <p:txBody>
+          <a:bodyPr rtlCol="0" anchor="ctr"/>
+          <a:lstStyle/>
+          <a:p>
+            <a:pPr algn="ctr"/>
+            <a:r>
+              <a:rPr lang="de-DE" dirty="0" smtClean="0"/>
+              <a:t>Store 1</a:t>
+            </a:r>
+            <a:endParaRPr lang="de-DE" dirty="0"/>
+          </a:p>
+        </p:txBody>
+      </p:sp>
+      <p:sp>
+        <p:nvSpPr>
+          <p:cNvPr id="7" name="Rechteck 6"/>
+          <p:cNvSpPr/>
+          <p:nvPr/>
+        </p:nvSpPr>
+        <p:spPr>
+          <a:xfrm>
+            <a:off x="6372200" y="3941440"/>
+            <a:ext cx="2304256" cy="864096"/>
+          </a:xfrm>
+          <a:prstGeom prst="rect">
+            <a:avLst/>
+          </a:prstGeom>
+        </p:spPr>
+        <p:style>
+          <a:lnRef idx="1">
+            <a:schemeClr val="accent1"/>
+          </a:lnRef>
+          <a:fillRef idx="3">
+            <a:schemeClr val="accent1"/>
+          </a:fillRef>
+          <a:effectRef idx="2">
+            <a:schemeClr val="accent1"/>
+          </a:effectRef>
+          <a:fontRef idx="minor">
+            <a:schemeClr val="lt1"/>
+          </a:fontRef>
+        </p:style>
+        <p:txBody>
+          <a:bodyPr rtlCol="0" anchor="ctr"/>
+          <a:lstStyle/>
+          <a:p>
+            <a:pPr algn="ctr"/>
+            <a:r>
+              <a:rPr lang="de-DE" dirty="0" smtClean="0"/>
+              <a:t>Store 2</a:t>
+            </a:r>
+            <a:endParaRPr lang="de-DE" dirty="0"/>
+          </a:p>
+        </p:txBody>
+      </p:sp>
+      <p:sp>
+        <p:nvSpPr>
+          <p:cNvPr id="8" name="Rechteck 7"/>
+          <p:cNvSpPr/>
+          <p:nvPr/>
+        </p:nvSpPr>
+        <p:spPr>
+          <a:xfrm>
+            <a:off x="6372200" y="4935500"/>
+            <a:ext cx="2304256" cy="864096"/>
+          </a:xfrm>
+          <a:prstGeom prst="rect">
+            <a:avLst/>
+          </a:prstGeom>
+        </p:spPr>
+        <p:style>
+          <a:lnRef idx="1">
+            <a:schemeClr val="accent1"/>
+          </a:lnRef>
+          <a:fillRef idx="3">
+            <a:schemeClr val="accent1"/>
+          </a:fillRef>
+          <a:effectRef idx="2">
+            <a:schemeClr val="accent1"/>
+          </a:effectRef>
+          <a:fontRef idx="minor">
+            <a:schemeClr val="lt1"/>
+          </a:fontRef>
+        </p:style>
+        <p:txBody>
+          <a:bodyPr rtlCol="0" anchor="ctr"/>
+          <a:lstStyle/>
+          <a:p>
+            <a:pPr algn="ctr"/>
+            <a:r>
+              <a:rPr lang="de-DE" dirty="0" smtClean="0"/>
+              <a:t>Store 3</a:t>
             </a:r>
             <a:endParaRPr lang="de-DE" dirty="0"/>
           </a:p>
@@ -5097,7 +6293,7 @@
     </p:spTree>
     <p:extLst>
       <p:ext uri="{BB962C8B-B14F-4D97-AF65-F5344CB8AC3E}">
-        <p14:creationId xmlns:p14="http://schemas.microsoft.com/office/powerpoint/2010/main" val="1909461063"/>
+        <p14:creationId xmlns:p14="http://schemas.microsoft.com/office/powerpoint/2010/main" val="3706840885"/>
       </p:ext>
     </p:extLst>
   </p:cSld>
@@ -5107,7 +6303,7 @@
   <p:timing>
     <p:tnLst>
       <p:par>
-        <p:cTn xmlns:p14="http://schemas.microsoft.com/office/powerpoint/2010/main" id="1" dur="indefinite" restart="never" nodeType="tmRoot"/>
+        <p:cTn id="1" dur="indefinite" restart="never" nodeType="tmRoot"/>
       </p:par>
     </p:tnLst>
   </p:timing>
@@ -5147,225 +6343,255 @@
           <a:lstStyle/>
           <a:p>
             <a:r>
+              <a:rPr lang="de-DE" sz="2800" dirty="0" err="1" smtClean="0"/>
+              <a:t>Contains</a:t>
+            </a:r>
+            <a:r>
               <a:rPr lang="de-DE" sz="2800" dirty="0" smtClean="0"/>
-              <a:t>Register </a:t>
+              <a:t> </a:t>
             </a:r>
             <a:r>
               <a:rPr lang="de-DE" sz="2800" dirty="0" err="1" smtClean="0"/>
-              <a:t>itself</a:t>
+              <a:t>the</a:t>
             </a:r>
             <a:r>
               <a:rPr lang="de-DE" sz="2800" dirty="0" smtClean="0"/>
               <a:t> </a:t>
             </a:r>
             <a:r>
+              <a:rPr lang="de-DE" sz="2800" b="1" dirty="0" err="1" smtClean="0"/>
+              <a:t>business</a:t>
+            </a:r>
+            <a:r>
+              <a:rPr lang="de-DE" sz="2800" b="1" dirty="0" smtClean="0"/>
+              <a:t> </a:t>
+            </a:r>
+            <a:r>
+              <a:rPr lang="de-DE" sz="2800" b="1" dirty="0" err="1" smtClean="0"/>
+              <a:t>logic</a:t>
+            </a:r>
+            <a:r>
+              <a:rPr lang="de-DE" sz="2800" b="1" dirty="0" smtClean="0"/>
+              <a:t> </a:t>
+            </a:r>
+            <a:r>
               <a:rPr lang="de-DE" sz="2800" dirty="0" err="1" smtClean="0"/>
-              <a:t>at</a:t>
+              <a:t>for</a:t>
             </a:r>
             <a:r>
               <a:rPr lang="de-DE" sz="2800" dirty="0" smtClean="0"/>
-              <a:t> relevant </a:t>
+              <a:t> a </a:t>
             </a:r>
             <a:r>
               <a:rPr lang="de-DE" sz="2800" dirty="0" err="1" smtClean="0"/>
-              <a:t>stores</a:t>
+              <a:t>specific</a:t>
+            </a:r>
+            <a:r>
+              <a:rPr lang="de-DE" sz="2800" dirty="0" smtClean="0"/>
+              <a:t> </a:t>
+            </a:r>
+            <a:r>
+              <a:rPr lang="de-DE" sz="2800" dirty="0" err="1" smtClean="0"/>
+              <a:t>domain</a:t>
             </a:r>
             <a:endParaRPr lang="de-DE" sz="2800" dirty="0" smtClean="0"/>
           </a:p>
           <a:p>
             <a:r>
-              <a:rPr lang="de-DE" sz="2800" dirty="0" err="1"/>
-              <a:t>Receive</a:t>
-            </a:r>
-            <a:r>
-              <a:rPr lang="de-DE" sz="2800" dirty="0"/>
-              <a:t> </a:t>
-            </a:r>
-            <a:r>
-              <a:rPr lang="de-DE" sz="2800" dirty="0" err="1"/>
+              <a:rPr lang="de-DE" sz="2800" dirty="0" err="1" smtClean="0"/>
+              <a:t>Conntect</a:t>
+            </a:r>
+            <a:r>
+              <a:rPr lang="de-DE" sz="2800" dirty="0" smtClean="0"/>
+              <a:t> </a:t>
+            </a:r>
+            <a:r>
+              <a:rPr lang="de-DE" sz="2800" dirty="0" err="1" smtClean="0"/>
+              <a:t>to</a:t>
+            </a:r>
+            <a:r>
+              <a:rPr lang="de-DE" sz="2800" dirty="0" smtClean="0"/>
+              <a:t> </a:t>
+            </a:r>
+            <a:r>
+              <a:rPr lang="de-DE" sz="2800" dirty="0" err="1" smtClean="0"/>
+              <a:t>the</a:t>
+            </a:r>
+            <a:r>
+              <a:rPr lang="de-DE" sz="2800" dirty="0" smtClean="0"/>
+              <a:t> </a:t>
+            </a:r>
+            <a:r>
+              <a:rPr lang="de-DE" sz="2800" dirty="0" err="1" smtClean="0"/>
+              <a:t>central</a:t>
+            </a:r>
+            <a:r>
+              <a:rPr lang="de-DE" sz="2800" dirty="0" smtClean="0"/>
+              <a:t> Dispatcher </a:t>
+            </a:r>
+            <a:r>
+              <a:rPr lang="de-DE" sz="2800" dirty="0" smtClean="0"/>
+              <a:t>via </a:t>
+            </a:r>
+            <a:r>
+              <a:rPr lang="de-DE" sz="2800" dirty="0" err="1" smtClean="0"/>
+              <a:t>callback</a:t>
+            </a:r>
+            <a:r>
+              <a:rPr lang="de-DE" sz="2800" dirty="0" smtClean="0"/>
+              <a:t> </a:t>
+            </a:r>
+            <a:r>
+              <a:rPr lang="de-DE" sz="2800" dirty="0" err="1" smtClean="0"/>
+              <a:t>method</a:t>
+            </a:r>
+            <a:endParaRPr lang="de-DE" sz="2800" dirty="0" smtClean="0"/>
+          </a:p>
+          <a:p>
+            <a:r>
+              <a:rPr lang="de-DE" sz="2800" dirty="0" err="1" smtClean="0"/>
+              <a:t>Process</a:t>
+            </a:r>
+            <a:r>
+              <a:rPr lang="de-DE" sz="2800" dirty="0" smtClean="0"/>
+              <a:t> </a:t>
+            </a:r>
+            <a:r>
+              <a:rPr lang="de-DE" sz="2800" dirty="0" err="1" smtClean="0"/>
+              <a:t>only</a:t>
+            </a:r>
+            <a:r>
+              <a:rPr lang="de-DE" sz="2800" dirty="0" smtClean="0"/>
+              <a:t> </a:t>
+            </a:r>
+            <a:r>
+              <a:rPr lang="de-DE" sz="2800" dirty="0" smtClean="0"/>
+              <a:t>Actions </a:t>
+            </a:r>
+            <a:r>
+              <a:rPr lang="de-DE" sz="2800" dirty="0" err="1" smtClean="0"/>
+              <a:t>they</a:t>
+            </a:r>
+            <a:r>
+              <a:rPr lang="de-DE" sz="2800" dirty="0" smtClean="0"/>
+              <a:t> </a:t>
+            </a:r>
+            <a:r>
+              <a:rPr lang="de-DE" sz="2800" dirty="0" err="1" smtClean="0"/>
+              <a:t>are</a:t>
+            </a:r>
+            <a:r>
+              <a:rPr lang="de-DE" sz="2800" dirty="0" smtClean="0"/>
+              <a:t> </a:t>
+            </a:r>
+            <a:r>
+              <a:rPr lang="de-DE" sz="2800" dirty="0" err="1" smtClean="0"/>
+              <a:t>interessted</a:t>
+            </a:r>
+            <a:r>
+              <a:rPr lang="de-DE" sz="2800" dirty="0" smtClean="0"/>
+              <a:t> </a:t>
+            </a:r>
+            <a:r>
+              <a:rPr lang="de-DE" sz="2800" dirty="0" smtClean="0"/>
+              <a:t>in (</a:t>
+            </a:r>
+            <a:r>
+              <a:rPr lang="de-DE" sz="2800" dirty="0" err="1" smtClean="0"/>
+              <a:t>eg</a:t>
+            </a:r>
+            <a:r>
+              <a:rPr lang="de-DE" sz="2800" dirty="0" smtClean="0"/>
+              <a:t> </a:t>
+            </a:r>
+            <a:r>
+              <a:rPr lang="de-DE" sz="2800" dirty="0" err="1" smtClean="0"/>
+              <a:t>filter</a:t>
+            </a:r>
+            <a:r>
+              <a:rPr lang="de-DE" sz="2800" dirty="0" smtClean="0"/>
+              <a:t> </a:t>
+            </a:r>
+            <a:r>
+              <a:rPr lang="de-DE" sz="2800" dirty="0" err="1" smtClean="0"/>
+              <a:t>by</a:t>
+            </a:r>
+            <a:r>
+              <a:rPr lang="de-DE" sz="2800" dirty="0" smtClean="0"/>
+              <a:t> type)</a:t>
+            </a:r>
+            <a:endParaRPr lang="de-DE" sz="2800" dirty="0" smtClean="0"/>
+          </a:p>
+          <a:p>
+            <a:r>
+              <a:rPr lang="de-DE" sz="2800" dirty="0" err="1" smtClean="0"/>
+              <a:t>Emit</a:t>
+            </a:r>
+            <a:r>
+              <a:rPr lang="de-DE" sz="2800" dirty="0" smtClean="0"/>
+              <a:t> </a:t>
+            </a:r>
+            <a:r>
+              <a:rPr lang="de-DE" sz="2800" dirty="0" err="1" smtClean="0"/>
               <a:t>events</a:t>
             </a:r>
             <a:r>
-              <a:rPr lang="de-DE" sz="2800" dirty="0"/>
-              <a:t> </a:t>
-            </a:r>
-            <a:r>
-              <a:rPr lang="de-DE" sz="2800" dirty="0" err="1"/>
-              <a:t>from</a:t>
-            </a:r>
-            <a:r>
-              <a:rPr lang="de-DE" sz="2800" dirty="0"/>
-              <a:t> </a:t>
-            </a:r>
-            <a:r>
-              <a:rPr lang="de-DE" sz="2800" dirty="0" err="1"/>
-              <a:t>stores</a:t>
-            </a:r>
-            <a:r>
-              <a:rPr lang="de-DE" sz="2800" dirty="0"/>
-              <a:t> </a:t>
-            </a:r>
-            <a:r>
-              <a:rPr lang="de-DE" sz="2800" dirty="0" err="1"/>
-              <a:t>and</a:t>
-            </a:r>
-            <a:r>
-              <a:rPr lang="de-DE" sz="2800" dirty="0"/>
-              <a:t> update </a:t>
-            </a:r>
-            <a:r>
-              <a:rPr lang="de-DE" sz="2800" dirty="0" err="1"/>
+              <a:rPr lang="de-DE" sz="2800" dirty="0" smtClean="0"/>
+              <a:t> after </a:t>
+            </a:r>
+            <a:r>
+              <a:rPr lang="de-DE" sz="2800" dirty="0" err="1" smtClean="0"/>
+              <a:t>changing</a:t>
+            </a:r>
+            <a:r>
+              <a:rPr lang="de-DE" sz="2800" dirty="0" smtClean="0"/>
+              <a:t> </a:t>
+            </a:r>
+            <a:r>
+              <a:rPr lang="de-DE" sz="2800" dirty="0" err="1" smtClean="0"/>
               <a:t>their</a:t>
             </a:r>
             <a:r>
-              <a:rPr lang="de-DE" sz="2800" dirty="0"/>
-              <a:t> </a:t>
-            </a:r>
-            <a:r>
-              <a:rPr lang="de-DE" sz="2800" dirty="0" err="1"/>
+              <a:rPr lang="de-DE" sz="2800" dirty="0" smtClean="0"/>
+              <a:t> </a:t>
+            </a:r>
+            <a:r>
+              <a:rPr lang="de-DE" sz="2800" dirty="0" err="1" smtClean="0"/>
               <a:t>state</a:t>
             </a:r>
-            <a:r>
-              <a:rPr lang="de-DE" sz="2800" dirty="0"/>
-              <a:t> </a:t>
-            </a:r>
-            <a:r>
-              <a:rPr lang="de-DE" sz="2800" dirty="0" err="1"/>
-              <a:t>accordingly</a:t>
-            </a:r>
-            <a:endParaRPr lang="de-DE" sz="2800" dirty="0"/>
-          </a:p>
-          <a:p>
-            <a:r>
-              <a:rPr lang="de-DE" sz="2800" dirty="0" err="1"/>
-              <a:t>forward</a:t>
-            </a:r>
-            <a:r>
-              <a:rPr lang="de-DE" sz="2800" dirty="0"/>
-              <a:t> </a:t>
-            </a:r>
-            <a:r>
-              <a:rPr lang="de-DE" sz="2800" dirty="0" err="1"/>
-              <a:t>state</a:t>
-            </a:r>
-            <a:r>
-              <a:rPr lang="de-DE" sz="2800" dirty="0"/>
-              <a:t>/</a:t>
-            </a:r>
-            <a:r>
-              <a:rPr lang="de-DE" sz="2800" dirty="0" err="1"/>
-              <a:t>properties</a:t>
-            </a:r>
-            <a:r>
-              <a:rPr lang="de-DE" sz="2800" dirty="0"/>
-              <a:t> </a:t>
-            </a:r>
-            <a:r>
-              <a:rPr lang="de-DE" sz="2800" dirty="0" err="1"/>
+            <a:endParaRPr lang="de-DE" sz="2800" dirty="0" smtClean="0"/>
+          </a:p>
+          <a:p>
+            <a:pPr lvl="1"/>
+            <a:r>
+              <a:rPr lang="de-DE" sz="2400" dirty="0" err="1" smtClean="0"/>
+              <a:t>Allow</a:t>
+            </a:r>
+            <a:r>
+              <a:rPr lang="de-DE" sz="2400" dirty="0" smtClean="0"/>
+              <a:t> Components </a:t>
+            </a:r>
+            <a:r>
+              <a:rPr lang="de-DE" sz="2400" dirty="0" err="1" smtClean="0"/>
               <a:t>to</a:t>
             </a:r>
             <a:r>
-              <a:rPr lang="de-DE" sz="2800" dirty="0"/>
-              <a:t> </a:t>
-            </a:r>
-            <a:r>
-              <a:rPr lang="de-DE" sz="2800" dirty="0" err="1"/>
-              <a:t>child</a:t>
-            </a:r>
-            <a:r>
-              <a:rPr lang="de-DE" sz="2800" dirty="0"/>
-              <a:t> </a:t>
-            </a:r>
-            <a:r>
-              <a:rPr lang="de-DE" sz="2800" dirty="0" err="1"/>
-              <a:t>components</a:t>
-            </a:r>
-            <a:endParaRPr lang="de-DE" sz="2800" dirty="0"/>
-          </a:p>
-          <a:p>
-            <a:endParaRPr lang="de-DE" sz="2800" dirty="0" smtClean="0"/>
-          </a:p>
-          <a:p>
-            <a:pPr marL="0" indent="0">
-              <a:buNone/>
-            </a:pPr>
-            <a:r>
-              <a:rPr lang="de-DE" sz="2800" b="1" dirty="0" smtClean="0">
-                <a:solidFill>
-                  <a:srgbClr val="2196F3"/>
-                </a:solidFill>
-              </a:rPr>
-              <a:t>Controller </a:t>
-            </a:r>
-            <a:r>
-              <a:rPr lang="de-DE" sz="2800" b="1" dirty="0" err="1" smtClean="0">
-                <a:solidFill>
-                  <a:srgbClr val="2196F3"/>
-                </a:solidFill>
-              </a:rPr>
-              <a:t>components</a:t>
-            </a:r>
-            <a:endParaRPr lang="de-DE" sz="2800" b="1" dirty="0">
-              <a:solidFill>
-                <a:srgbClr val="2196F3"/>
-              </a:solidFill>
-            </a:endParaRPr>
-          </a:p>
-          <a:p>
-            <a:r>
-              <a:rPr lang="de-DE" sz="2800" b="1" dirty="0" err="1" smtClean="0"/>
-              <a:t>Only</a:t>
-            </a:r>
-            <a:r>
-              <a:rPr lang="de-DE" sz="2800" b="1" dirty="0" smtClean="0"/>
-              <a:t> top-level </a:t>
-            </a:r>
-            <a:r>
-              <a:rPr lang="de-DE" sz="2800" b="1" dirty="0" err="1" smtClean="0"/>
-              <a:t>components</a:t>
-            </a:r>
-            <a:r>
-              <a:rPr lang="de-DE" sz="2800" b="1" dirty="0" smtClean="0"/>
-              <a:t> </a:t>
-            </a:r>
-            <a:r>
-              <a:rPr lang="de-DE" sz="2800" b="1" dirty="0" err="1" smtClean="0"/>
-              <a:t>should</a:t>
-            </a:r>
-            <a:r>
-              <a:rPr lang="de-DE" sz="2800" b="1" dirty="0" smtClean="0"/>
-              <a:t> </a:t>
-            </a:r>
-            <a:r>
-              <a:rPr lang="de-DE" sz="2800" b="1" dirty="0" err="1" smtClean="0"/>
-              <a:t>interact</a:t>
-            </a:r>
-            <a:r>
-              <a:rPr lang="de-DE" sz="2800" b="1" dirty="0" smtClean="0"/>
-              <a:t> </a:t>
-            </a:r>
-            <a:r>
-              <a:rPr lang="de-DE" sz="2800" b="1" dirty="0" err="1" smtClean="0"/>
-              <a:t>with</a:t>
-            </a:r>
-            <a:r>
-              <a:rPr lang="de-DE" sz="2800" b="1" dirty="0" smtClean="0"/>
-              <a:t> </a:t>
-            </a:r>
-            <a:r>
-              <a:rPr lang="de-DE" sz="2800" b="1" dirty="0" err="1" smtClean="0"/>
-              <a:t>stores</a:t>
-            </a:r>
-            <a:endParaRPr lang="de-DE" sz="2800" b="1" dirty="0" smtClean="0"/>
-          </a:p>
-          <a:p>
-            <a:endParaRPr lang="de-DE" sz="2800" dirty="0"/>
-          </a:p>
-          <a:p>
-            <a:endParaRPr lang="de-DE" sz="2800" dirty="0" smtClean="0"/>
-          </a:p>
-          <a:p>
-            <a:endParaRPr lang="de-DE" sz="2800" dirty="0" smtClean="0"/>
+              <a:rPr lang="de-DE" sz="2400" dirty="0" smtClean="0"/>
+              <a:t> </a:t>
+            </a:r>
+            <a:r>
+              <a:rPr lang="de-DE" sz="2400" dirty="0" err="1" smtClean="0"/>
+              <a:t>react</a:t>
+            </a:r>
+            <a:r>
+              <a:rPr lang="de-DE" sz="2400" dirty="0" smtClean="0"/>
+              <a:t> on </a:t>
+            </a:r>
+            <a:r>
+              <a:rPr lang="de-DE" sz="2400" dirty="0" err="1" smtClean="0"/>
+              <a:t>change</a:t>
+            </a:r>
+            <a:endParaRPr lang="de-DE" sz="2400" dirty="0" smtClean="0"/>
           </a:p>
           <a:p>
             <a:endParaRPr lang="de-DE" sz="2800" dirty="0" smtClean="0"/>
@@ -5406,16 +6632,165 @@
           <a:p>
             <a:r>
               <a:rPr lang="de-DE" dirty="0" smtClean="0"/>
-              <a:t>COMPONENT - REACTING TO STORE CHANGE</a:t>
+              <a:t>STORE</a:t>
             </a:r>
             <a:endParaRPr lang="de-DE" dirty="0"/>
+          </a:p>
+        </p:txBody>
+      </p:sp>
+      <p:sp>
+        <p:nvSpPr>
+          <p:cNvPr id="4" name="Textfeld 3"/>
+          <p:cNvSpPr txBox="1"/>
+          <p:nvPr/>
+        </p:nvSpPr>
+        <p:spPr>
+          <a:xfrm>
+            <a:off x="1259632" y="4365104"/>
+            <a:ext cx="3528392" cy="2308324"/>
+          </a:xfrm>
+          <a:prstGeom prst="rect">
+            <a:avLst/>
+          </a:prstGeom>
+          <a:noFill/>
+        </p:spPr>
+        <p:txBody>
+          <a:bodyPr wrap="square" rtlCol="0">
+            <a:spAutoFit/>
+          </a:bodyPr>
+          <a:lstStyle/>
+          <a:p>
+            <a:r>
+              <a:rPr lang="de-DE" dirty="0" smtClean="0"/>
+              <a:t>Dummy </a:t>
+            </a:r>
+            <a:r>
+              <a:rPr lang="de-DE" dirty="0" err="1" smtClean="0"/>
+              <a:t>code</a:t>
+            </a:r>
+            <a:r>
+              <a:rPr lang="de-DE" dirty="0" smtClean="0"/>
+              <a:t>: </a:t>
+            </a:r>
+            <a:r>
+              <a:rPr lang="de-DE" dirty="0" err="1" smtClean="0"/>
+              <a:t>UserStore</a:t>
+            </a:r>
+            <a:r>
+              <a:rPr lang="de-DE" dirty="0" smtClean="0"/>
+              <a:t>: </a:t>
+            </a:r>
+          </a:p>
+          <a:p>
+            <a:r>
+              <a:rPr lang="de-DE" dirty="0" err="1" smtClean="0"/>
+              <a:t>onAction</a:t>
+            </a:r>
+            <a:r>
+              <a:rPr lang="de-DE" dirty="0" smtClean="0"/>
+              <a:t>(</a:t>
+            </a:r>
+            <a:r>
+              <a:rPr lang="de-DE" dirty="0" err="1" smtClean="0"/>
+              <a:t>action</a:t>
+            </a:r>
+            <a:r>
+              <a:rPr lang="de-DE" dirty="0" smtClean="0"/>
+              <a:t>) {</a:t>
+            </a:r>
+          </a:p>
+          <a:p>
+            <a:r>
+              <a:rPr lang="de-DE" dirty="0" err="1" smtClean="0"/>
+              <a:t>swtich</a:t>
+            </a:r>
+            <a:r>
+              <a:rPr lang="de-DE" dirty="0" smtClean="0"/>
+              <a:t> (</a:t>
+            </a:r>
+            <a:r>
+              <a:rPr lang="de-DE" dirty="0" err="1" smtClean="0"/>
+              <a:t>action.type</a:t>
+            </a:r>
+            <a:r>
+              <a:rPr lang="de-DE" dirty="0" smtClean="0"/>
+              <a:t>) {</a:t>
+            </a:r>
+          </a:p>
+          <a:p>
+            <a:r>
+              <a:rPr lang="de-DE" dirty="0"/>
+              <a:t> </a:t>
+            </a:r>
+            <a:r>
+              <a:rPr lang="de-DE" dirty="0" smtClean="0"/>
+              <a:t> </a:t>
+            </a:r>
+            <a:r>
+              <a:rPr lang="de-DE" dirty="0" err="1" smtClean="0"/>
+              <a:t>case</a:t>
+            </a:r>
+            <a:r>
+              <a:rPr lang="de-DE" dirty="0" smtClean="0"/>
+              <a:t> USER_ADDED:</a:t>
+            </a:r>
+          </a:p>
+          <a:p>
+            <a:r>
+              <a:rPr lang="de-DE" dirty="0"/>
+              <a:t> </a:t>
+            </a:r>
+            <a:r>
+              <a:rPr lang="de-DE" dirty="0" smtClean="0"/>
+              <a:t>  </a:t>
+            </a:r>
+            <a:r>
+              <a:rPr lang="de-DE" dirty="0" err="1" smtClean="0"/>
+              <a:t>this.users.push</a:t>
+            </a:r>
+            <a:r>
+              <a:rPr lang="de-DE" dirty="0" smtClean="0"/>
+              <a:t>([</a:t>
+            </a:r>
+            <a:r>
+              <a:rPr lang="de-DE" dirty="0" err="1" smtClean="0"/>
+              <a:t>user</a:t>
+            </a:r>
+            <a:r>
+              <a:rPr lang="de-DE" dirty="0" smtClean="0"/>
+              <a:t>: </a:t>
+            </a:r>
+            <a:r>
+              <a:rPr lang="de-DE" dirty="0" err="1" smtClean="0"/>
+              <a:t>action.user</a:t>
+            </a:r>
+            <a:r>
+              <a:rPr lang="de-DE" dirty="0" smtClean="0"/>
+              <a:t>]);</a:t>
+            </a:r>
+          </a:p>
+          <a:p>
+            <a:r>
+              <a:rPr lang="de-DE" dirty="0" err="1" smtClean="0"/>
+              <a:t>emitChangeEvent</a:t>
+            </a:r>
+            <a:r>
+              <a:rPr lang="de-DE" dirty="0" smtClean="0"/>
+              <a:t>();</a:t>
+            </a:r>
+          </a:p>
+          <a:p>
+            <a:r>
+              <a:rPr lang="de-DE" dirty="0"/>
+              <a:t>}</a:t>
+            </a:r>
           </a:p>
         </p:txBody>
       </p:sp>
     </p:spTree>
     <p:extLst>
       <p:ext uri="{BB962C8B-B14F-4D97-AF65-F5344CB8AC3E}">
-        <p14:creationId xmlns:p14="http://schemas.microsoft.com/office/powerpoint/2010/main" val="3515794860"/>
+        <p14:creationId xmlns:p14="http://schemas.microsoft.com/office/powerpoint/2010/main" val="1909461063"/>
       </p:ext>
     </p:extLst>
   </p:cSld>
@@ -5425,7 +6800,7 @@
   <p:timing>
     <p:tnLst>
       <p:par>
-        <p:cTn xmlns:p14="http://schemas.microsoft.com/office/powerpoint/2010/main" id="1" dur="indefinite" restart="never" nodeType="tmRoot"/>
+        <p:cTn id="1" dur="indefinite" restart="never" nodeType="tmRoot"/>
       </p:par>
     </p:tnLst>
   </p:timing>
@@ -5459,272 +6834,48 @@
             <p:ph idx="1"/>
           </p:nvPr>
         </p:nvSpPr>
-        <p:spPr/>
+        <p:spPr>
+          <a:xfrm>
+            <a:off x="315884" y="5733256"/>
+            <a:ext cx="8512232" cy="904611"/>
+          </a:xfrm>
+        </p:spPr>
         <p:txBody>
-          <a:bodyPr/>
+          <a:bodyPr>
+            <a:normAutofit/>
+          </a:bodyPr>
           <a:lstStyle/>
           <a:p>
             <a:pPr marL="0" indent="0">
               <a:buNone/>
             </a:pPr>
             <a:r>
-              <a:rPr lang="de-DE" sz="2800" b="1" dirty="0" smtClean="0"/>
-              <a:t>Controller Components</a:t>
-            </a:r>
-          </a:p>
-          <a:p>
-            <a:r>
-              <a:rPr lang="de-DE" sz="2800" dirty="0" smtClean="0"/>
-              <a:t>(</a:t>
-            </a:r>
-            <a:r>
-              <a:rPr lang="de-DE" sz="2800" dirty="0" err="1" smtClean="0"/>
-              <a:t>Only</a:t>
-            </a:r>
-            <a:r>
-              <a:rPr lang="de-DE" sz="2800" dirty="0" smtClean="0"/>
-              <a:t>) Top-level </a:t>
-            </a:r>
-            <a:r>
-              <a:rPr lang="de-DE" sz="2800" dirty="0" err="1" smtClean="0"/>
-              <a:t>component</a:t>
-            </a:r>
-            <a:r>
-              <a:rPr lang="de-DE" sz="2800" dirty="0" smtClean="0"/>
-              <a:t> </a:t>
-            </a:r>
-            <a:r>
-              <a:rPr lang="de-DE" sz="2800" dirty="0" err="1" smtClean="0"/>
-              <a:t>connected</a:t>
-            </a:r>
-            <a:r>
-              <a:rPr lang="de-DE" sz="2800" dirty="0" smtClean="0"/>
-              <a:t> </a:t>
-            </a:r>
-            <a:r>
-              <a:rPr lang="de-DE" sz="2800" dirty="0" err="1" smtClean="0"/>
-              <a:t>to</a:t>
-            </a:r>
-            <a:r>
-              <a:rPr lang="de-DE" sz="2800" dirty="0" smtClean="0"/>
-              <a:t> </a:t>
-            </a:r>
-            <a:r>
-              <a:rPr lang="de-DE" sz="2800" dirty="0" err="1" smtClean="0"/>
-              <a:t>stores</a:t>
-            </a:r>
-            <a:endParaRPr lang="de-DE" sz="2800" dirty="0" smtClean="0"/>
-          </a:p>
-          <a:p>
-            <a:r>
-              <a:rPr lang="de-DE" sz="2800" dirty="0" smtClean="0"/>
-              <a:t>Pass down </a:t>
-            </a:r>
-            <a:r>
-              <a:rPr lang="de-DE" sz="2800" dirty="0" err="1" smtClean="0"/>
-              <a:t>information</a:t>
-            </a:r>
-            <a:r>
-              <a:rPr lang="de-DE" sz="2800" dirty="0" smtClean="0"/>
-              <a:t> </a:t>
-            </a:r>
-            <a:r>
-              <a:rPr lang="de-DE" sz="2800" dirty="0" err="1" smtClean="0"/>
-              <a:t>from</a:t>
-            </a:r>
-            <a:r>
-              <a:rPr lang="de-DE" sz="2800" dirty="0" smtClean="0"/>
-              <a:t> </a:t>
-            </a:r>
-            <a:r>
-              <a:rPr lang="de-DE" sz="2800" dirty="0" err="1" smtClean="0"/>
-              <a:t>stores</a:t>
-            </a:r>
-            <a:r>
-              <a:rPr lang="de-DE" sz="2800" dirty="0" smtClean="0"/>
-              <a:t> </a:t>
-            </a:r>
-            <a:r>
-              <a:rPr lang="de-DE" sz="2800" dirty="0" err="1" smtClean="0"/>
-              <a:t>to</a:t>
-            </a:r>
-            <a:r>
-              <a:rPr lang="de-DE" sz="2800" dirty="0" smtClean="0"/>
-              <a:t> </a:t>
-            </a:r>
-            <a:r>
-              <a:rPr lang="de-DE" sz="2800" dirty="0" err="1" smtClean="0"/>
-              <a:t>children</a:t>
-            </a:r>
-            <a:endParaRPr lang="de-DE" sz="2800" dirty="0" smtClean="0"/>
+              <a:rPr lang="de-DE" b="1" dirty="0" err="1" smtClean="0"/>
+              <a:t>Very</a:t>
+            </a:r>
+            <a:r>
+              <a:rPr lang="de-DE" b="1" dirty="0" smtClean="0"/>
+              <a:t> flexible</a:t>
+            </a:r>
+            <a:r>
+              <a:rPr lang="de-DE" b="1" dirty="0"/>
+              <a:t> </a:t>
+            </a:r>
+            <a:r>
+              <a:rPr lang="de-DE" b="1" dirty="0" err="1" smtClean="0"/>
+              <a:t>scenarios</a:t>
+            </a:r>
+            <a:r>
+              <a:rPr lang="de-DE" b="1" dirty="0" smtClean="0"/>
+              <a:t>…</a:t>
+            </a:r>
+            <a:endParaRPr lang="de-DE" b="1" dirty="0" smtClean="0"/>
           </a:p>
           <a:p>
             <a:pPr marL="0" indent="0">
               <a:buNone/>
             </a:pPr>
-            <a:r>
-              <a:rPr lang="de-DE" sz="2800" b="1" dirty="0" smtClean="0"/>
-              <a:t>Action </a:t>
-            </a:r>
-            <a:r>
-              <a:rPr lang="de-DE" sz="2800" b="1" dirty="0" err="1" smtClean="0"/>
-              <a:t>creators</a:t>
-            </a:r>
-            <a:endParaRPr lang="de-DE" sz="2800" b="1" dirty="0" smtClean="0"/>
-          </a:p>
-          <a:p>
-            <a:r>
-              <a:rPr lang="de-DE" sz="2800" dirty="0" smtClean="0"/>
-              <a:t>Factory </a:t>
-            </a:r>
-            <a:r>
-              <a:rPr lang="de-DE" sz="2800" dirty="0" err="1" smtClean="0"/>
-              <a:t>methods</a:t>
-            </a:r>
-            <a:r>
-              <a:rPr lang="de-DE" sz="2800" dirty="0" smtClean="0"/>
-              <a:t> </a:t>
-            </a:r>
-            <a:r>
-              <a:rPr lang="de-DE" sz="2800" dirty="0" err="1" smtClean="0"/>
-              <a:t>for</a:t>
-            </a:r>
-            <a:r>
-              <a:rPr lang="de-DE" sz="2800" dirty="0" smtClean="0"/>
-              <a:t> </a:t>
-            </a:r>
-            <a:r>
-              <a:rPr lang="de-DE" sz="2800" dirty="0" err="1" smtClean="0"/>
-              <a:t>actions</a:t>
-            </a:r>
-            <a:endParaRPr lang="de-DE" sz="2800" dirty="0" smtClean="0"/>
-          </a:p>
-          <a:p>
-            <a:r>
-              <a:rPr lang="de-DE" sz="2800" dirty="0" err="1" smtClean="0"/>
-              <a:t>Make</a:t>
-            </a:r>
-            <a:r>
-              <a:rPr lang="de-DE" sz="2800" dirty="0" smtClean="0"/>
-              <a:t> </a:t>
-            </a:r>
-            <a:r>
-              <a:rPr lang="de-DE" sz="2800" dirty="0" err="1" smtClean="0"/>
-              <a:t>sure</a:t>
-            </a:r>
-            <a:r>
-              <a:rPr lang="de-DE" sz="2800" dirty="0" smtClean="0"/>
-              <a:t> </a:t>
-            </a:r>
-            <a:r>
-              <a:rPr lang="de-DE" sz="2800" dirty="0" err="1" smtClean="0"/>
-              <a:t>action</a:t>
-            </a:r>
-            <a:r>
-              <a:rPr lang="de-DE" sz="2800" dirty="0" smtClean="0"/>
-              <a:t> </a:t>
-            </a:r>
-            <a:r>
-              <a:rPr lang="de-DE" sz="2800" dirty="0" err="1" smtClean="0"/>
-              <a:t>has</a:t>
-            </a:r>
-            <a:r>
-              <a:rPr lang="de-DE" sz="2800" dirty="0" smtClean="0"/>
-              <a:t> </a:t>
-            </a:r>
-            <a:r>
-              <a:rPr lang="de-DE" sz="2800" dirty="0" err="1" smtClean="0"/>
-              <a:t>appropriate</a:t>
-            </a:r>
-            <a:r>
-              <a:rPr lang="de-DE" sz="2800" dirty="0" smtClean="0"/>
-              <a:t> </a:t>
-            </a:r>
-            <a:r>
-              <a:rPr lang="de-DE" sz="2800" dirty="0" err="1" smtClean="0"/>
-              <a:t>format</a:t>
-            </a:r>
-            <a:endParaRPr lang="de-DE" sz="2800" dirty="0"/>
-          </a:p>
-          <a:p>
-            <a:r>
-              <a:rPr lang="de-DE" sz="2800" dirty="0" smtClean="0"/>
-              <a:t>Can </a:t>
-            </a:r>
-            <a:r>
-              <a:rPr lang="de-DE" sz="2800" dirty="0" err="1" smtClean="0"/>
-              <a:t>be</a:t>
-            </a:r>
-            <a:r>
-              <a:rPr lang="de-DE" sz="2800" dirty="0" smtClean="0"/>
-              <a:t> </a:t>
-            </a:r>
-            <a:r>
-              <a:rPr lang="de-DE" sz="2800" dirty="0" err="1" smtClean="0"/>
-              <a:t>used</a:t>
-            </a:r>
-            <a:r>
-              <a:rPr lang="de-DE" sz="2800" dirty="0" smtClean="0"/>
-              <a:t> </a:t>
-            </a:r>
-            <a:r>
-              <a:rPr lang="de-DE" sz="2800" dirty="0" err="1" smtClean="0"/>
-              <a:t>to</a:t>
-            </a:r>
-            <a:r>
-              <a:rPr lang="de-DE" sz="2800" dirty="0" smtClean="0"/>
-              <a:t> </a:t>
-            </a:r>
-            <a:r>
-              <a:rPr lang="de-DE" sz="2800" dirty="0" err="1" smtClean="0"/>
-              <a:t>add</a:t>
-            </a:r>
-            <a:r>
-              <a:rPr lang="de-DE" sz="2800" dirty="0" smtClean="0"/>
-              <a:t> ACTION_ID </a:t>
-            </a:r>
-          </a:p>
-          <a:p>
-            <a:r>
-              <a:rPr lang="de-DE" sz="2800" dirty="0" smtClean="0"/>
-              <a:t>Pass </a:t>
-            </a:r>
-            <a:r>
-              <a:rPr lang="de-DE" sz="2800" dirty="0" err="1" smtClean="0"/>
-              <a:t>action</a:t>
-            </a:r>
-            <a:r>
-              <a:rPr lang="de-DE" sz="2800" dirty="0" smtClean="0"/>
-              <a:t> </a:t>
-            </a:r>
-            <a:r>
-              <a:rPr lang="de-DE" sz="2800" dirty="0" err="1" smtClean="0"/>
-              <a:t>to</a:t>
-            </a:r>
-            <a:r>
-              <a:rPr lang="de-DE" sz="2800" dirty="0" smtClean="0"/>
-              <a:t> </a:t>
-            </a:r>
-            <a:r>
-              <a:rPr lang="de-DE" sz="2800" dirty="0" err="1" smtClean="0"/>
-              <a:t>dispatcher</a:t>
-            </a:r>
-            <a:endParaRPr lang="de-DE" sz="2800" dirty="0" smtClean="0"/>
-          </a:p>
-          <a:p>
-            <a:endParaRPr lang="de-DE" sz="2800" dirty="0" smtClean="0"/>
-          </a:p>
-          <a:p>
-            <a:endParaRPr lang="de-DE" sz="2800" dirty="0" smtClean="0"/>
-          </a:p>
-          <a:p>
-            <a:endParaRPr lang="de-DE" sz="2800" dirty="0"/>
-          </a:p>
-          <a:p>
-            <a:pPr marL="0" indent="0">
-              <a:buNone/>
-            </a:pPr>
-            <a:endParaRPr lang="de-DE" dirty="0" smtClean="0"/>
+            <a:endParaRPr lang="de-DE" dirty="0"/>
           </a:p>
         </p:txBody>
       </p:sp>
@@ -5747,24 +6898,44 @@
           <a:p>
             <a:r>
               <a:rPr lang="de-DE" dirty="0" smtClean="0"/>
-              <a:t>More </a:t>
-            </a:r>
-            <a:r>
-              <a:rPr lang="de-DE" dirty="0" err="1" smtClean="0"/>
-              <a:t>Flux</a:t>
-            </a:r>
-            <a:r>
-              <a:rPr lang="de-DE" dirty="0" smtClean="0"/>
-              <a:t>...</a:t>
+              <a:t>UNI-DIRECTIONAL DATA </a:t>
+            </a:r>
+            <a:r>
+              <a:rPr lang="de-DE" dirty="0" smtClean="0"/>
+              <a:t>FLOW - EXAMPLES</a:t>
             </a:r>
             <a:endParaRPr lang="de-DE" dirty="0"/>
           </a:p>
         </p:txBody>
       </p:sp>
+      <p:pic>
+        <p:nvPicPr>
+          <p:cNvPr id="9" name="Bild 8"/>
+          <p:cNvPicPr>
+            <a:picLocks noChangeAspect="1"/>
+          </p:cNvPicPr>
+          <p:nvPr/>
+        </p:nvPicPr>
+        <p:blipFill>
+          <a:blip r:embed="rId2"/>
+          <a:stretch>
+            <a:fillRect/>
+          </a:stretch>
+        </p:blipFill>
+        <p:spPr>
+          <a:xfrm>
+            <a:off x="179512" y="1853100"/>
+            <a:ext cx="8812959" cy="3014960"/>
+          </a:xfrm>
+          <a:prstGeom prst="rect">
+            <a:avLst/>
+          </a:prstGeom>
+        </p:spPr>
+      </p:pic>
     </p:spTree>
     <p:extLst>
       <p:ext uri="{BB962C8B-B14F-4D97-AF65-F5344CB8AC3E}">
-        <p14:creationId xmlns:p14="http://schemas.microsoft.com/office/powerpoint/2010/main" val="354292667"/>
+        <p14:creationId xmlns:p14="http://schemas.microsoft.com/office/powerpoint/2010/main" val="2995986788"/>
       </p:ext>
     </p:extLst>
   </p:cSld>
@@ -5774,7 +6945,7 @@
   <p:timing>
     <p:tnLst>
       <p:par>
-        <p:cTn xmlns:p14="http://schemas.microsoft.com/office/powerpoint/2010/main" id="1" dur="indefinite" restart="never" nodeType="tmRoot"/>
+        <p:cTn id="1" dur="indefinite" restart="never" nodeType="tmRoot"/>
       </p:par>
     </p:tnLst>
   </p:timing>
@@ -6310,7 +7481,7 @@
   <p:timing>
     <p:tnLst>
       <p:par>
-        <p:cTn xmlns:p14="http://schemas.microsoft.com/office/powerpoint/2010/main" id="1" dur="indefinite" restart="never" nodeType="tmRoot"/>
+        <p:cTn id="1" dur="indefinite" restart="never" nodeType="tmRoot"/>
       </p:par>
     </p:tnLst>
   </p:timing>
@@ -6344,7 +7515,12 @@
             <p:ph idx="1"/>
           </p:nvPr>
         </p:nvSpPr>
-        <p:spPr/>
+        <p:spPr>
+          <a:xfrm>
+            <a:off x="315884" y="5445224"/>
+            <a:ext cx="8512232" cy="1192643"/>
+          </a:xfrm>
+        </p:spPr>
         <p:txBody>
           <a:bodyPr/>
           <a:lstStyle/>
@@ -6352,99 +7528,94 @@
             <a:pPr marL="0" indent="0">
               <a:buNone/>
             </a:pPr>
-            <a:endParaRPr lang="de-DE" sz="2800" b="1" dirty="0" smtClean="0"/>
+            <a:r>
+              <a:rPr lang="de-DE" dirty="0" smtClean="0"/>
+              <a:t>...Action </a:t>
+            </a:r>
+            <a:r>
+              <a:rPr lang="de-DE" dirty="0" err="1" smtClean="0"/>
+              <a:t>can</a:t>
+            </a:r>
+            <a:r>
+              <a:rPr lang="de-DE" dirty="0" smtClean="0"/>
+              <a:t> </a:t>
+            </a:r>
+            <a:r>
+              <a:rPr lang="de-DE" dirty="0" err="1" smtClean="0"/>
+              <a:t>be</a:t>
+            </a:r>
+            <a:r>
+              <a:rPr lang="de-DE" dirty="0" smtClean="0"/>
+              <a:t> </a:t>
+            </a:r>
+            <a:r>
+              <a:rPr lang="de-DE" dirty="0" err="1" smtClean="0"/>
+              <a:t>dispatched</a:t>
+            </a:r>
+            <a:r>
+              <a:rPr lang="de-DE" dirty="0" smtClean="0"/>
+              <a:t> </a:t>
+            </a:r>
+            <a:r>
+              <a:rPr lang="de-DE" dirty="0" err="1" smtClean="0"/>
+              <a:t>to</a:t>
+            </a:r>
+            <a:r>
+              <a:rPr lang="de-DE" dirty="0" smtClean="0"/>
+              <a:t> multiple </a:t>
+            </a:r>
+            <a:r>
+              <a:rPr lang="de-DE" dirty="0" err="1" smtClean="0"/>
+              <a:t>stores</a:t>
+            </a:r>
+            <a:endParaRPr lang="de-DE" dirty="0" smtClean="0"/>
           </a:p>
           <a:p>
             <a:pPr marL="0" indent="0">
               <a:buNone/>
             </a:pPr>
             <a:r>
-              <a:rPr lang="de-DE" sz="2800" b="1" dirty="0" smtClean="0"/>
-              <a:t>Lots </a:t>
-            </a:r>
-            <a:r>
-              <a:rPr lang="de-DE" sz="2800" b="1" dirty="0" err="1" smtClean="0"/>
-              <a:t>of</a:t>
-            </a:r>
-            <a:r>
-              <a:rPr lang="de-DE" sz="2800" b="1" dirty="0" smtClean="0"/>
-              <a:t> </a:t>
-            </a:r>
-            <a:r>
-              <a:rPr lang="de-DE" sz="2800" b="1" dirty="0" err="1" smtClean="0"/>
-              <a:t>new</a:t>
-            </a:r>
-            <a:r>
-              <a:rPr lang="de-DE" sz="2800" b="1" dirty="0" smtClean="0"/>
-              <a:t> </a:t>
-            </a:r>
-            <a:r>
-              <a:rPr lang="de-DE" sz="2800" b="1" dirty="0" err="1" smtClean="0"/>
-              <a:t>vocabular</a:t>
-            </a:r>
-            <a:endParaRPr lang="de-DE" sz="2800" b="1" dirty="0" smtClean="0"/>
-          </a:p>
-          <a:p>
-            <a:r>
-              <a:rPr lang="de-DE" sz="2800" dirty="0" err="1" smtClean="0"/>
-              <a:t>eg</a:t>
-            </a:r>
-            <a:r>
-              <a:rPr lang="de-DE" sz="2800" dirty="0" smtClean="0"/>
-              <a:t>: </a:t>
-            </a:r>
-            <a:r>
-              <a:rPr lang="de-DE" sz="2800" dirty="0" err="1" smtClean="0"/>
-              <a:t>what</a:t>
-            </a:r>
-            <a:r>
-              <a:rPr lang="de-DE" sz="2800" dirty="0" smtClean="0"/>
-              <a:t> </a:t>
-            </a:r>
-            <a:r>
-              <a:rPr lang="de-DE" sz="2800" dirty="0" err="1" smtClean="0"/>
-              <a:t>is</a:t>
-            </a:r>
-            <a:r>
-              <a:rPr lang="de-DE" sz="2800" dirty="0" smtClean="0"/>
-              <a:t> </a:t>
-            </a:r>
-            <a:r>
-              <a:rPr lang="de-DE" sz="2800" dirty="0" err="1" smtClean="0"/>
-              <a:t>the</a:t>
-            </a:r>
-            <a:r>
-              <a:rPr lang="de-DE" sz="2800" dirty="0" smtClean="0"/>
-              <a:t> </a:t>
-            </a:r>
-            <a:r>
-              <a:rPr lang="de-DE" sz="2800" dirty="0" err="1" smtClean="0"/>
-              <a:t>shape</a:t>
-            </a:r>
-            <a:r>
-              <a:rPr lang="de-DE" sz="2800" dirty="0" smtClean="0"/>
-              <a:t> </a:t>
-            </a:r>
-            <a:r>
-              <a:rPr lang="de-DE" sz="2800" dirty="0" err="1" smtClean="0"/>
-              <a:t>of</a:t>
-            </a:r>
-            <a:r>
-              <a:rPr lang="de-DE" sz="2800" dirty="0" smtClean="0"/>
-              <a:t> a Store?</a:t>
-            </a:r>
-          </a:p>
-          <a:p>
-            <a:endParaRPr lang="de-DE" sz="2800" dirty="0" smtClean="0"/>
-          </a:p>
-          <a:p>
-            <a:endParaRPr lang="de-DE" sz="2800" dirty="0"/>
+              <a:rPr lang="de-DE" dirty="0" smtClean="0"/>
+              <a:t>...A </a:t>
+            </a:r>
+            <a:r>
+              <a:rPr lang="de-DE" dirty="0" err="1" smtClean="0"/>
+              <a:t>component</a:t>
+            </a:r>
+            <a:r>
+              <a:rPr lang="de-DE" dirty="0" smtClean="0"/>
+              <a:t> </a:t>
+            </a:r>
+            <a:r>
+              <a:rPr lang="de-DE" dirty="0" err="1" smtClean="0"/>
+              <a:t>can</a:t>
+            </a:r>
+            <a:r>
+              <a:rPr lang="de-DE" dirty="0" smtClean="0"/>
+              <a:t> listen </a:t>
+            </a:r>
+            <a:r>
+              <a:rPr lang="de-DE" dirty="0" err="1" smtClean="0"/>
+              <a:t>to</a:t>
+            </a:r>
+            <a:r>
+              <a:rPr lang="de-DE" dirty="0" smtClean="0"/>
+              <a:t> multiple </a:t>
+            </a:r>
+            <a:r>
+              <a:rPr lang="de-DE" dirty="0" err="1" smtClean="0"/>
+              <a:t>stores</a:t>
+            </a:r>
+            <a:r>
+              <a:rPr lang="de-DE" dirty="0" smtClean="0"/>
+              <a:t>...</a:t>
+            </a:r>
           </a:p>
           <a:p>
             <a:pPr marL="0" indent="0">
               <a:buNone/>
             </a:pPr>
-            <a:endParaRPr lang="de-DE" dirty="0" smtClean="0"/>
+            <a:endParaRPr lang="de-DE" dirty="0"/>
           </a:p>
         </p:txBody>
       </p:sp>
@@ -6467,6 +7638,867 @@
           <a:p>
             <a:r>
               <a:rPr lang="de-DE" dirty="0" smtClean="0"/>
+              <a:t>UNI-DIRECTIONAL DATA FLOW - EXAMPLE 1</a:t>
+            </a:r>
+            <a:endParaRPr lang="de-DE" dirty="0"/>
+          </a:p>
+        </p:txBody>
+      </p:sp>
+      <p:pic>
+        <p:nvPicPr>
+          <p:cNvPr id="4" name="Bild 3"/>
+          <p:cNvPicPr>
+            <a:picLocks noChangeAspect="1"/>
+          </p:cNvPicPr>
+          <p:nvPr/>
+        </p:nvPicPr>
+        <p:blipFill>
+          <a:blip r:embed="rId2"/>
+          <a:stretch>
+            <a:fillRect/>
+          </a:stretch>
+        </p:blipFill>
+        <p:spPr>
+          <a:xfrm>
+            <a:off x="392322" y="1371600"/>
+            <a:ext cx="8435794" cy="3785592"/>
+          </a:xfrm>
+          <a:prstGeom prst="rect">
+            <a:avLst/>
+          </a:prstGeom>
+        </p:spPr>
+      </p:pic>
+    </p:spTree>
+    <p:extLst>
+      <p:ext uri="{BB962C8B-B14F-4D97-AF65-F5344CB8AC3E}">
+        <p14:creationId xmlns:p14="http://schemas.microsoft.com/office/powerpoint/2010/main" val="2277398810"/>
+      </p:ext>
+    </p:extLst>
+  </p:cSld>
+  <p:clrMapOvr>
+    <a:masterClrMapping/>
+  </p:clrMapOvr>
+  <p:timing>
+    <p:tnLst>
+      <p:par>
+        <p:cTn id="1" dur="indefinite" restart="never" nodeType="tmRoot"/>
+      </p:par>
+    </p:tnLst>
+  </p:timing>
+</p:sld>
+</file>
+
+<file path=ppt/slides/slide21.xml><?xml version="1.0" encoding="utf-8"?>
+<p:sld xmlns:a="http://schemas.openxmlformats.org/drawingml/2006/main" xmlns:r="http://schemas.openxmlformats.org/officeDocument/2006/relationships" xmlns:p="http://schemas.openxmlformats.org/presentationml/2006/main">
+  <p:cSld>
+    <p:spTree>
+      <p:nvGrpSpPr>
+        <p:cNvPr id="1" name=""/>
+        <p:cNvGrpSpPr/>
+        <p:nvPr/>
+      </p:nvGrpSpPr>
+      <p:grpSpPr>
+        <a:xfrm>
+          <a:off x="0" y="0"/>
+          <a:ext cx="0" cy="0"/>
+          <a:chOff x="0" y="0"/>
+          <a:chExt cx="0" cy="0"/>
+        </a:xfrm>
+      </p:grpSpPr>
+      <p:sp>
+        <p:nvSpPr>
+          <p:cNvPr id="2" name="Inhaltsplatzhalter 1"/>
+          <p:cNvSpPr>
+            <a:spLocks noGrp="1"/>
+          </p:cNvSpPr>
+          <p:nvPr>
+            <p:ph idx="1"/>
+          </p:nvPr>
+        </p:nvSpPr>
+        <p:spPr>
+          <a:xfrm>
+            <a:off x="315884" y="5445224"/>
+            <a:ext cx="8512232" cy="1192643"/>
+          </a:xfrm>
+        </p:spPr>
+        <p:txBody>
+          <a:bodyPr/>
+          <a:lstStyle/>
+          <a:p>
+            <a:pPr marL="0" indent="0">
+              <a:buNone/>
+            </a:pPr>
+            <a:r>
+              <a:rPr lang="de-DE" dirty="0" smtClean="0"/>
+              <a:t>...</a:t>
+            </a:r>
+            <a:r>
+              <a:rPr lang="de-DE" dirty="0" err="1" smtClean="0"/>
+              <a:t>Multipe</a:t>
+            </a:r>
+            <a:r>
+              <a:rPr lang="de-DE" dirty="0" smtClean="0"/>
+              <a:t> </a:t>
+            </a:r>
+            <a:r>
+              <a:rPr lang="de-DE" dirty="0" err="1" smtClean="0"/>
+              <a:t>components</a:t>
+            </a:r>
+            <a:r>
+              <a:rPr lang="de-DE" dirty="0" smtClean="0"/>
+              <a:t> </a:t>
+            </a:r>
+            <a:r>
+              <a:rPr lang="de-DE" dirty="0" err="1" smtClean="0"/>
+              <a:t>can</a:t>
+            </a:r>
+            <a:r>
+              <a:rPr lang="de-DE" dirty="0" smtClean="0"/>
+              <a:t> listen </a:t>
+            </a:r>
+            <a:r>
+              <a:rPr lang="de-DE" dirty="0" err="1" smtClean="0"/>
+              <a:t>to</a:t>
+            </a:r>
+            <a:r>
+              <a:rPr lang="de-DE" dirty="0" smtClean="0"/>
+              <a:t> same </a:t>
+            </a:r>
+            <a:r>
+              <a:rPr lang="de-DE" dirty="0" err="1" smtClean="0"/>
+              <a:t>store</a:t>
+            </a:r>
+            <a:r>
+              <a:rPr lang="de-DE" dirty="0" smtClean="0"/>
+              <a:t>, </a:t>
+            </a:r>
+            <a:r>
+              <a:rPr lang="de-DE" dirty="0" err="1" smtClean="0"/>
+              <a:t>working</a:t>
+            </a:r>
+            <a:r>
+              <a:rPr lang="de-DE" dirty="0" smtClean="0"/>
+              <a:t> on same </a:t>
+            </a:r>
+            <a:r>
+              <a:rPr lang="de-DE" dirty="0" err="1" smtClean="0"/>
+              <a:t>domain</a:t>
+            </a:r>
+            <a:r>
+              <a:rPr lang="de-DE" dirty="0" smtClean="0"/>
+              <a:t> „</a:t>
+            </a:r>
+            <a:r>
+              <a:rPr lang="de-DE" dirty="0" err="1" smtClean="0"/>
+              <a:t>model</a:t>
+            </a:r>
+            <a:r>
+              <a:rPr lang="de-DE" dirty="0" smtClean="0"/>
+              <a:t>“...</a:t>
+            </a:r>
+            <a:endParaRPr lang="de-DE" dirty="0" smtClean="0"/>
+          </a:p>
+          <a:p>
+            <a:pPr marL="0" indent="0">
+              <a:buNone/>
+            </a:pPr>
+            <a:endParaRPr lang="de-DE" dirty="0"/>
+          </a:p>
+        </p:txBody>
+      </p:sp>
+      <p:sp>
+        <p:nvSpPr>
+          <p:cNvPr id="3" name="Titel 2"/>
+          <p:cNvSpPr>
+            <a:spLocks noGrp="1"/>
+          </p:cNvSpPr>
+          <p:nvPr>
+            <p:ph type="title"/>
+          </p:nvPr>
+        </p:nvSpPr>
+        <p:spPr/>
+        <p:txBody>
+          <a:bodyPr>
+            <a:normAutofit fontScale="90000"/>
+          </a:bodyPr>
+          <a:lstStyle/>
+          <a:p>
+            <a:r>
+              <a:rPr lang="de-DE" dirty="0" smtClean="0"/>
+              <a:t>UNI-DIRECTIONAL DATA FLOW - EXAMPLE 2</a:t>
+            </a:r>
+            <a:endParaRPr lang="de-DE" dirty="0"/>
+          </a:p>
+        </p:txBody>
+      </p:sp>
+      <p:pic>
+        <p:nvPicPr>
+          <p:cNvPr id="6" name="Bild 5"/>
+          <p:cNvPicPr>
+            <a:picLocks noChangeAspect="1"/>
+          </p:cNvPicPr>
+          <p:nvPr/>
+        </p:nvPicPr>
+        <p:blipFill>
+          <a:blip r:embed="rId2"/>
+          <a:stretch>
+            <a:fillRect/>
+          </a:stretch>
+        </p:blipFill>
+        <p:spPr>
+          <a:xfrm>
+            <a:off x="315884" y="1124744"/>
+            <a:ext cx="8532440" cy="2726407"/>
+          </a:xfrm>
+          <a:prstGeom prst="rect">
+            <a:avLst/>
+          </a:prstGeom>
+        </p:spPr>
+      </p:pic>
+    </p:spTree>
+    <p:extLst>
+      <p:ext uri="{BB962C8B-B14F-4D97-AF65-F5344CB8AC3E}">
+        <p14:creationId xmlns:p14="http://schemas.microsoft.com/office/powerpoint/2010/main" val="2052492781"/>
+      </p:ext>
+    </p:extLst>
+  </p:cSld>
+  <p:clrMapOvr>
+    <a:masterClrMapping/>
+  </p:clrMapOvr>
+  <p:timing>
+    <p:tnLst>
+      <p:par>
+        <p:cTn id="1" dur="indefinite" restart="never" nodeType="tmRoot"/>
+      </p:par>
+    </p:tnLst>
+  </p:timing>
+</p:sld>
+</file>
+
+<file path=ppt/slides/slide22.xml><?xml version="1.0" encoding="utf-8"?>
+<p:sld xmlns:a="http://schemas.openxmlformats.org/drawingml/2006/main" xmlns:r="http://schemas.openxmlformats.org/officeDocument/2006/relationships" xmlns:p="http://schemas.openxmlformats.org/presentationml/2006/main">
+  <p:cSld>
+    <p:spTree>
+      <p:nvGrpSpPr>
+        <p:cNvPr id="1" name=""/>
+        <p:cNvGrpSpPr/>
+        <p:nvPr/>
+      </p:nvGrpSpPr>
+      <p:grpSpPr>
+        <a:xfrm>
+          <a:off x="0" y="0"/>
+          <a:ext cx="0" cy="0"/>
+          <a:chOff x="0" y="0"/>
+          <a:chExt cx="0" cy="0"/>
+        </a:xfrm>
+      </p:grpSpPr>
+      <p:sp>
+        <p:nvSpPr>
+          <p:cNvPr id="2" name="Inhaltsplatzhalter 1"/>
+          <p:cNvSpPr>
+            <a:spLocks noGrp="1"/>
+          </p:cNvSpPr>
+          <p:nvPr>
+            <p:ph idx="1"/>
+          </p:nvPr>
+        </p:nvSpPr>
+        <p:spPr>
+          <a:xfrm>
+            <a:off x="315884" y="5445224"/>
+            <a:ext cx="8512232" cy="1192643"/>
+          </a:xfrm>
+        </p:spPr>
+        <p:txBody>
+          <a:bodyPr>
+            <a:normAutofit fontScale="85000" lnSpcReduction="20000"/>
+          </a:bodyPr>
+          <a:lstStyle/>
+          <a:p>
+            <a:pPr marL="0" indent="0">
+              <a:buNone/>
+            </a:pPr>
+            <a:r>
+              <a:rPr lang="de-DE" dirty="0" smtClean="0"/>
+              <a:t>...“</a:t>
+            </a:r>
+            <a:r>
+              <a:rPr lang="de-DE" dirty="0" err="1" smtClean="0"/>
+              <a:t>external</a:t>
+            </a:r>
+            <a:r>
+              <a:rPr lang="de-DE" dirty="0" smtClean="0"/>
+              <a:t> </a:t>
+            </a:r>
+            <a:r>
+              <a:rPr lang="de-DE" dirty="0" err="1" smtClean="0"/>
+              <a:t>events</a:t>
+            </a:r>
+            <a:r>
+              <a:rPr lang="de-DE" dirty="0" smtClean="0"/>
+              <a:t>“ (e.g. </a:t>
+            </a:r>
+            <a:r>
+              <a:rPr lang="de-DE" dirty="0" err="1" smtClean="0"/>
+              <a:t>response</a:t>
+            </a:r>
+            <a:r>
+              <a:rPr lang="de-DE" dirty="0" smtClean="0"/>
+              <a:t> </a:t>
+            </a:r>
+            <a:r>
+              <a:rPr lang="de-DE" dirty="0" err="1" smtClean="0"/>
+              <a:t>from</a:t>
+            </a:r>
+            <a:r>
+              <a:rPr lang="de-DE" dirty="0" smtClean="0"/>
+              <a:t> </a:t>
+            </a:r>
+            <a:r>
+              <a:rPr lang="de-DE" dirty="0" err="1" smtClean="0"/>
+              <a:t>server</a:t>
+            </a:r>
+            <a:r>
+              <a:rPr lang="de-DE" dirty="0" smtClean="0"/>
+              <a:t>) </a:t>
+            </a:r>
+            <a:r>
+              <a:rPr lang="de-DE" dirty="0" err="1" smtClean="0"/>
+              <a:t>can</a:t>
+            </a:r>
+            <a:r>
+              <a:rPr lang="de-DE" dirty="0" smtClean="0"/>
+              <a:t> </a:t>
+            </a:r>
+            <a:r>
+              <a:rPr lang="de-DE" dirty="0" err="1" smtClean="0"/>
+              <a:t>trigger</a:t>
+            </a:r>
+            <a:r>
+              <a:rPr lang="de-DE" dirty="0" smtClean="0"/>
+              <a:t> </a:t>
+            </a:r>
+            <a:r>
+              <a:rPr lang="de-DE" dirty="0" err="1" smtClean="0"/>
+              <a:t>actions</a:t>
+            </a:r>
+            <a:endParaRPr lang="de-DE" dirty="0" smtClean="0"/>
+          </a:p>
+          <a:p>
+            <a:r>
+              <a:rPr lang="de-DE" dirty="0" smtClean="0"/>
+              <a:t>Flow </a:t>
+            </a:r>
+            <a:r>
+              <a:rPr lang="de-DE" dirty="0" err="1" smtClean="0"/>
+              <a:t>is</a:t>
+            </a:r>
+            <a:r>
+              <a:rPr lang="de-DE" dirty="0" smtClean="0"/>
+              <a:t> still </a:t>
+            </a:r>
+            <a:r>
+              <a:rPr lang="de-DE" dirty="0" err="1" smtClean="0"/>
+              <a:t>the</a:t>
+            </a:r>
+            <a:r>
+              <a:rPr lang="de-DE" dirty="0" smtClean="0"/>
+              <a:t> same</a:t>
+            </a:r>
+          </a:p>
+          <a:p>
+            <a:pPr marL="0" indent="0">
+              <a:buNone/>
+            </a:pPr>
+            <a:endParaRPr lang="de-DE" dirty="0"/>
+          </a:p>
+        </p:txBody>
+      </p:sp>
+      <p:sp>
+        <p:nvSpPr>
+          <p:cNvPr id="3" name="Titel 2"/>
+          <p:cNvSpPr>
+            <a:spLocks noGrp="1"/>
+          </p:cNvSpPr>
+          <p:nvPr>
+            <p:ph type="title"/>
+          </p:nvPr>
+        </p:nvSpPr>
+        <p:spPr/>
+        <p:txBody>
+          <a:bodyPr>
+            <a:normAutofit fontScale="90000"/>
+          </a:bodyPr>
+          <a:lstStyle/>
+          <a:p>
+            <a:r>
+              <a:rPr lang="de-DE" dirty="0" smtClean="0"/>
+              <a:t>UNI-DIRECTIONAL DATA FLOW - EXAMPLE 3</a:t>
+            </a:r>
+            <a:endParaRPr lang="de-DE" dirty="0"/>
+          </a:p>
+        </p:txBody>
+      </p:sp>
+      <p:pic>
+        <p:nvPicPr>
+          <p:cNvPr id="5" name="Bild 4"/>
+          <p:cNvPicPr>
+            <a:picLocks noChangeAspect="1"/>
+          </p:cNvPicPr>
+          <p:nvPr/>
+        </p:nvPicPr>
+        <p:blipFill>
+          <a:blip r:embed="rId2"/>
+          <a:stretch>
+            <a:fillRect/>
+          </a:stretch>
+        </p:blipFill>
+        <p:spPr>
+          <a:xfrm>
+            <a:off x="683568" y="879793"/>
+            <a:ext cx="7416824" cy="4298496"/>
+          </a:xfrm>
+          <a:prstGeom prst="rect">
+            <a:avLst/>
+          </a:prstGeom>
+        </p:spPr>
+      </p:pic>
+    </p:spTree>
+    <p:extLst>
+      <p:ext uri="{BB962C8B-B14F-4D97-AF65-F5344CB8AC3E}">
+        <p14:creationId xmlns:p14="http://schemas.microsoft.com/office/powerpoint/2010/main" val="601394464"/>
+      </p:ext>
+    </p:extLst>
+  </p:cSld>
+  <p:clrMapOvr>
+    <a:masterClrMapping/>
+  </p:clrMapOvr>
+  <p:timing>
+    <p:tnLst>
+      <p:par>
+        <p:cTn id="1" dur="indefinite" restart="never" nodeType="tmRoot"/>
+      </p:par>
+    </p:tnLst>
+  </p:timing>
+</p:sld>
+</file>
+
+<file path=ppt/slides/slide23.xml><?xml version="1.0" encoding="utf-8"?>
+<p:sld xmlns:a="http://schemas.openxmlformats.org/drawingml/2006/main" xmlns:r="http://schemas.openxmlformats.org/officeDocument/2006/relationships" xmlns:p="http://schemas.openxmlformats.org/presentationml/2006/main">
+  <p:cSld>
+    <p:spTree>
+      <p:nvGrpSpPr>
+        <p:cNvPr id="1" name=""/>
+        <p:cNvGrpSpPr/>
+        <p:nvPr/>
+      </p:nvGrpSpPr>
+      <p:grpSpPr>
+        <a:xfrm>
+          <a:off x="0" y="0"/>
+          <a:ext cx="0" cy="0"/>
+          <a:chOff x="0" y="0"/>
+          <a:chExt cx="0" cy="0"/>
+        </a:xfrm>
+      </p:grpSpPr>
+      <p:sp>
+        <p:nvSpPr>
+          <p:cNvPr id="2" name="Inhaltsplatzhalter 1"/>
+          <p:cNvSpPr>
+            <a:spLocks noGrp="1"/>
+          </p:cNvSpPr>
+          <p:nvPr>
+            <p:ph idx="1"/>
+          </p:nvPr>
+        </p:nvSpPr>
+        <p:spPr>
+          <a:xfrm>
+            <a:off x="315884" y="5445224"/>
+            <a:ext cx="8512232" cy="1192643"/>
+          </a:xfrm>
+        </p:spPr>
+        <p:txBody>
+          <a:bodyPr>
+            <a:normAutofit fontScale="85000" lnSpcReduction="20000"/>
+          </a:bodyPr>
+          <a:lstStyle/>
+          <a:p>
+            <a:pPr marL="0" indent="0">
+              <a:buNone/>
+            </a:pPr>
+            <a:r>
+              <a:rPr lang="de-DE" dirty="0" smtClean="0"/>
+              <a:t>...“</a:t>
+            </a:r>
+            <a:r>
+              <a:rPr lang="de-DE" dirty="0" err="1" smtClean="0"/>
+              <a:t>external</a:t>
+            </a:r>
+            <a:r>
+              <a:rPr lang="de-DE" dirty="0" smtClean="0"/>
+              <a:t> </a:t>
+            </a:r>
+            <a:r>
+              <a:rPr lang="de-DE" dirty="0" err="1" smtClean="0"/>
+              <a:t>events</a:t>
+            </a:r>
+            <a:r>
+              <a:rPr lang="de-DE" dirty="0" smtClean="0"/>
+              <a:t>“ (e.g. </a:t>
+            </a:r>
+            <a:r>
+              <a:rPr lang="de-DE" dirty="0" err="1" smtClean="0"/>
+              <a:t>response</a:t>
+            </a:r>
+            <a:r>
+              <a:rPr lang="de-DE" dirty="0" smtClean="0"/>
+              <a:t> </a:t>
+            </a:r>
+            <a:r>
+              <a:rPr lang="de-DE" dirty="0" err="1" smtClean="0"/>
+              <a:t>from</a:t>
+            </a:r>
+            <a:r>
+              <a:rPr lang="de-DE" dirty="0" smtClean="0"/>
+              <a:t> </a:t>
+            </a:r>
+            <a:r>
+              <a:rPr lang="de-DE" dirty="0" err="1" smtClean="0"/>
+              <a:t>server</a:t>
+            </a:r>
+            <a:r>
+              <a:rPr lang="de-DE" dirty="0" smtClean="0"/>
+              <a:t>) </a:t>
+            </a:r>
+            <a:r>
+              <a:rPr lang="de-DE" dirty="0" err="1" smtClean="0"/>
+              <a:t>can</a:t>
+            </a:r>
+            <a:r>
+              <a:rPr lang="de-DE" dirty="0" smtClean="0"/>
+              <a:t> </a:t>
+            </a:r>
+            <a:r>
+              <a:rPr lang="de-DE" dirty="0" err="1" smtClean="0"/>
+              <a:t>trigger</a:t>
+            </a:r>
+            <a:r>
+              <a:rPr lang="de-DE" dirty="0" smtClean="0"/>
+              <a:t> </a:t>
+            </a:r>
+            <a:r>
+              <a:rPr lang="de-DE" dirty="0" err="1" smtClean="0"/>
+              <a:t>actions</a:t>
+            </a:r>
+            <a:endParaRPr lang="de-DE" dirty="0" smtClean="0"/>
+          </a:p>
+          <a:p>
+            <a:r>
+              <a:rPr lang="de-DE" dirty="0" smtClean="0"/>
+              <a:t>Flow </a:t>
+            </a:r>
+            <a:r>
+              <a:rPr lang="de-DE" dirty="0" err="1" smtClean="0"/>
+              <a:t>is</a:t>
+            </a:r>
+            <a:r>
+              <a:rPr lang="de-DE" dirty="0" smtClean="0"/>
+              <a:t> still </a:t>
+            </a:r>
+            <a:r>
+              <a:rPr lang="de-DE" dirty="0" err="1" smtClean="0"/>
+              <a:t>the</a:t>
+            </a:r>
+            <a:r>
+              <a:rPr lang="de-DE" dirty="0" smtClean="0"/>
+              <a:t> same</a:t>
+            </a:r>
+          </a:p>
+          <a:p>
+            <a:pPr marL="0" indent="0">
+              <a:buNone/>
+            </a:pPr>
+            <a:endParaRPr lang="de-DE" dirty="0"/>
+          </a:p>
+        </p:txBody>
+      </p:sp>
+      <p:sp>
+        <p:nvSpPr>
+          <p:cNvPr id="3" name="Titel 2"/>
+          <p:cNvSpPr>
+            <a:spLocks noGrp="1"/>
+          </p:cNvSpPr>
+          <p:nvPr>
+            <p:ph type="title"/>
+          </p:nvPr>
+        </p:nvSpPr>
+        <p:spPr/>
+        <p:txBody>
+          <a:bodyPr>
+            <a:normAutofit fontScale="90000"/>
+          </a:bodyPr>
+          <a:lstStyle/>
+          <a:p>
+            <a:r>
+              <a:rPr lang="de-DE" dirty="0" smtClean="0"/>
+              <a:t>UNI-DIRECTIONAL DATA FLOW - EXAMPLE 3</a:t>
+            </a:r>
+            <a:endParaRPr lang="de-DE" dirty="0"/>
+          </a:p>
+        </p:txBody>
+      </p:sp>
+      <p:pic>
+        <p:nvPicPr>
+          <p:cNvPr id="5" name="Bild 4"/>
+          <p:cNvPicPr>
+            <a:picLocks noChangeAspect="1"/>
+          </p:cNvPicPr>
+          <p:nvPr/>
+        </p:nvPicPr>
+        <p:blipFill>
+          <a:blip r:embed="rId2"/>
+          <a:stretch>
+            <a:fillRect/>
+          </a:stretch>
+        </p:blipFill>
+        <p:spPr>
+          <a:xfrm>
+            <a:off x="683568" y="879793"/>
+            <a:ext cx="7416824" cy="4298496"/>
+          </a:xfrm>
+          <a:prstGeom prst="rect">
+            <a:avLst/>
+          </a:prstGeom>
+        </p:spPr>
+      </p:pic>
+    </p:spTree>
+    <p:extLst>
+      <p:ext uri="{BB962C8B-B14F-4D97-AF65-F5344CB8AC3E}">
+        <p14:creationId xmlns:p14="http://schemas.microsoft.com/office/powerpoint/2010/main" val="1407086859"/>
+      </p:ext>
+    </p:extLst>
+  </p:cSld>
+  <p:clrMapOvr>
+    <a:masterClrMapping/>
+  </p:clrMapOvr>
+  <p:timing>
+    <p:tnLst>
+      <p:par>
+        <p:cTn id="1" dur="indefinite" restart="never" nodeType="tmRoot"/>
+      </p:par>
+    </p:tnLst>
+  </p:timing>
+</p:sld>
+</file>
+
+<file path=ppt/slides/slide24.xml><?xml version="1.0" encoding="utf-8"?>
+<p:sld xmlns:a="http://schemas.openxmlformats.org/drawingml/2006/main" xmlns:r="http://schemas.openxmlformats.org/officeDocument/2006/relationships" xmlns:p="http://schemas.openxmlformats.org/presentationml/2006/main">
+  <p:cSld>
+    <p:spTree>
+      <p:nvGrpSpPr>
+        <p:cNvPr id="1" name=""/>
+        <p:cNvGrpSpPr/>
+        <p:nvPr/>
+      </p:nvGrpSpPr>
+      <p:grpSpPr>
+        <a:xfrm>
+          <a:off x="0" y="0"/>
+          <a:ext cx="0" cy="0"/>
+          <a:chOff x="0" y="0"/>
+          <a:chExt cx="0" cy="0"/>
+        </a:xfrm>
+      </p:grpSpPr>
+      <p:sp>
+        <p:nvSpPr>
+          <p:cNvPr id="2" name="Inhaltsplatzhalter 1"/>
+          <p:cNvSpPr>
+            <a:spLocks noGrp="1"/>
+          </p:cNvSpPr>
+          <p:nvPr>
+            <p:ph idx="1"/>
+          </p:nvPr>
+        </p:nvSpPr>
+        <p:spPr/>
+        <p:txBody>
+          <a:bodyPr/>
+          <a:lstStyle/>
+          <a:p>
+            <a:pPr marL="0" indent="0">
+              <a:buNone/>
+            </a:pPr>
+            <a:endParaRPr lang="de-DE" sz="2800" b="1" dirty="0" smtClean="0"/>
+          </a:p>
+          <a:p>
+            <a:pPr marL="0" indent="0">
+              <a:buNone/>
+            </a:pPr>
+            <a:r>
+              <a:rPr lang="de-DE" sz="2800" b="1" dirty="0" err="1" smtClean="0"/>
+              <a:t>Defined</a:t>
+            </a:r>
+            <a:r>
+              <a:rPr lang="de-DE" sz="2800" b="1" dirty="0" smtClean="0"/>
+              <a:t> </a:t>
+            </a:r>
+            <a:r>
+              <a:rPr lang="de-DE" sz="2800" b="1" dirty="0" err="1" smtClean="0"/>
+              <a:t>flow</a:t>
+            </a:r>
+            <a:r>
+              <a:rPr lang="de-DE" sz="2800" b="1" dirty="0" smtClean="0"/>
+              <a:t> </a:t>
+            </a:r>
+            <a:r>
+              <a:rPr lang="de-DE" sz="2800" b="1" dirty="0" err="1" smtClean="0"/>
+              <a:t>of</a:t>
+            </a:r>
+            <a:r>
+              <a:rPr lang="de-DE" sz="2800" b="1" dirty="0" smtClean="0"/>
+              <a:t> </a:t>
+            </a:r>
+            <a:r>
+              <a:rPr lang="de-DE" sz="2800" b="1" dirty="0" err="1" smtClean="0"/>
+              <a:t>data</a:t>
+            </a:r>
+            <a:endParaRPr lang="de-DE" sz="2800" b="1" dirty="0" smtClean="0"/>
+          </a:p>
+          <a:p>
+            <a:r>
+              <a:rPr lang="de-DE" sz="2800" dirty="0" smtClean="0"/>
+              <a:t>Easy </a:t>
+            </a:r>
+            <a:r>
+              <a:rPr lang="de-DE" sz="2800" dirty="0" err="1" smtClean="0"/>
+              <a:t>to</a:t>
+            </a:r>
+            <a:r>
+              <a:rPr lang="de-DE" sz="2800" dirty="0" smtClean="0"/>
+              <a:t> </a:t>
+            </a:r>
+            <a:r>
+              <a:rPr lang="de-DE" sz="2800" dirty="0" err="1" smtClean="0"/>
+              <a:t>track</a:t>
+            </a:r>
+            <a:endParaRPr lang="de-DE" sz="2800" dirty="0" smtClean="0"/>
+          </a:p>
+          <a:p>
+            <a:r>
+              <a:rPr lang="de-DE" sz="2800" dirty="0" err="1" smtClean="0"/>
+              <a:t>Recordable</a:t>
+            </a:r>
+            <a:endParaRPr lang="de-DE" sz="2800" dirty="0" smtClean="0"/>
+          </a:p>
+          <a:p>
+            <a:pPr marL="0" indent="0">
+              <a:buNone/>
+            </a:pPr>
+            <a:r>
+              <a:rPr lang="de-DE" sz="2800" b="1" dirty="0" smtClean="0"/>
+              <a:t>Lots </a:t>
+            </a:r>
+            <a:r>
+              <a:rPr lang="de-DE" sz="2800" b="1" dirty="0" err="1" smtClean="0"/>
+              <a:t>of</a:t>
+            </a:r>
+            <a:r>
+              <a:rPr lang="de-DE" sz="2800" b="1" dirty="0" smtClean="0"/>
+              <a:t> </a:t>
+            </a:r>
+            <a:r>
+              <a:rPr lang="de-DE" sz="2800" b="1" dirty="0" err="1" smtClean="0"/>
+              <a:t>new</a:t>
+            </a:r>
+            <a:r>
+              <a:rPr lang="de-DE" sz="2800" b="1" dirty="0" smtClean="0"/>
+              <a:t> </a:t>
+            </a:r>
+            <a:r>
+              <a:rPr lang="de-DE" sz="2800" b="1" dirty="0" err="1" smtClean="0"/>
+              <a:t>vocabular</a:t>
+            </a:r>
+            <a:endParaRPr lang="de-DE" sz="2800" b="1" dirty="0" smtClean="0"/>
+          </a:p>
+          <a:p>
+            <a:r>
+              <a:rPr lang="de-DE" sz="2800" dirty="0" err="1" smtClean="0"/>
+              <a:t>eg</a:t>
+            </a:r>
+            <a:r>
+              <a:rPr lang="de-DE" sz="2800" dirty="0" smtClean="0"/>
+              <a:t>: </a:t>
+            </a:r>
+            <a:r>
+              <a:rPr lang="de-DE" sz="2800" dirty="0" err="1" smtClean="0"/>
+              <a:t>what</a:t>
+            </a:r>
+            <a:r>
+              <a:rPr lang="de-DE" sz="2800" dirty="0" smtClean="0"/>
+              <a:t> </a:t>
+            </a:r>
+            <a:r>
+              <a:rPr lang="de-DE" sz="2800" dirty="0" err="1" smtClean="0"/>
+              <a:t>is</a:t>
+            </a:r>
+            <a:r>
+              <a:rPr lang="de-DE" sz="2800" dirty="0" smtClean="0"/>
+              <a:t> </a:t>
+            </a:r>
+            <a:r>
+              <a:rPr lang="de-DE" sz="2800" dirty="0" err="1" smtClean="0"/>
+              <a:t>the</a:t>
+            </a:r>
+            <a:r>
+              <a:rPr lang="de-DE" sz="2800" dirty="0" smtClean="0"/>
+              <a:t> </a:t>
+            </a:r>
+            <a:r>
+              <a:rPr lang="de-DE" sz="2800" dirty="0" err="1" smtClean="0"/>
+              <a:t>shape</a:t>
+            </a:r>
+            <a:r>
+              <a:rPr lang="de-DE" sz="2800" dirty="0" smtClean="0"/>
+              <a:t> </a:t>
+            </a:r>
+            <a:r>
+              <a:rPr lang="de-DE" sz="2800" dirty="0" err="1" smtClean="0"/>
+              <a:t>of</a:t>
+            </a:r>
+            <a:r>
+              <a:rPr lang="de-DE" sz="2800" dirty="0" smtClean="0"/>
+              <a:t> a Store?</a:t>
+            </a:r>
+          </a:p>
+          <a:p>
+            <a:endParaRPr lang="de-DE" sz="2800" dirty="0" smtClean="0"/>
+          </a:p>
+          <a:p>
+            <a:endParaRPr lang="de-DE" sz="2800" dirty="0"/>
+          </a:p>
+          <a:p>
+            <a:pPr marL="0" indent="0">
+              <a:buNone/>
+            </a:pPr>
+            <a:endParaRPr lang="de-DE" dirty="0" smtClean="0"/>
+          </a:p>
+        </p:txBody>
+      </p:sp>
+      <p:sp>
+        <p:nvSpPr>
+          <p:cNvPr id="3" name="Titel 2"/>
+          <p:cNvSpPr>
+            <a:spLocks noGrp="1"/>
+          </p:cNvSpPr>
+          <p:nvPr>
+            <p:ph type="title"/>
+          </p:nvPr>
+        </p:nvSpPr>
+        <p:spPr/>
+        <p:txBody>
+          <a:bodyPr>
+            <a:normAutofit fontScale="90000"/>
+          </a:bodyPr>
+          <a:lstStyle/>
+          <a:p>
+            <a:r>
+              <a:rPr lang="de-DE" dirty="0" smtClean="0"/>
               <a:t>SUMMARY</a:t>
             </a:r>
             <a:endParaRPr lang="de-DE" dirty="0"/>
@@ -6486,7 +8518,533 @@
   <p:timing>
     <p:tnLst>
       <p:par>
-        <p:cTn xmlns:p14="http://schemas.microsoft.com/office/powerpoint/2010/main" id="1" dur="indefinite" restart="never" nodeType="tmRoot"/>
+        <p:cTn id="1" dur="indefinite" restart="never" nodeType="tmRoot"/>
+      </p:par>
+    </p:tnLst>
+  </p:timing>
+</p:sld>
+</file>
+
+<file path=ppt/slides/slide25.xml><?xml version="1.0" encoding="utf-8"?>
+<p:sld xmlns:a="http://schemas.openxmlformats.org/drawingml/2006/main" xmlns:r="http://schemas.openxmlformats.org/officeDocument/2006/relationships" xmlns:p="http://schemas.openxmlformats.org/presentationml/2006/main">
+  <p:cSld>
+    <p:spTree>
+      <p:nvGrpSpPr>
+        <p:cNvPr id="1" name=""/>
+        <p:cNvGrpSpPr/>
+        <p:nvPr/>
+      </p:nvGrpSpPr>
+      <p:grpSpPr>
+        <a:xfrm>
+          <a:off x="0" y="0"/>
+          <a:ext cx="0" cy="0"/>
+          <a:chOff x="0" y="0"/>
+          <a:chExt cx="0" cy="0"/>
+        </a:xfrm>
+      </p:grpSpPr>
+      <p:sp>
+        <p:nvSpPr>
+          <p:cNvPr id="3" name="Titel 2"/>
+          <p:cNvSpPr>
+            <a:spLocks noGrp="1"/>
+          </p:cNvSpPr>
+          <p:nvPr>
+            <p:ph type="title"/>
+          </p:nvPr>
+        </p:nvSpPr>
+        <p:spPr/>
+        <p:txBody>
+          <a:bodyPr>
+            <a:normAutofit fontScale="90000"/>
+          </a:bodyPr>
+          <a:lstStyle/>
+          <a:p>
+            <a:r>
+              <a:rPr lang="de-DE" dirty="0" smtClean="0"/>
+              <a:t>REACT MEETUP HAMBURG</a:t>
+            </a:r>
+            <a:endParaRPr lang="de-DE" dirty="0"/>
+          </a:p>
+        </p:txBody>
+      </p:sp>
+      <p:cxnSp>
+        <p:nvCxnSpPr>
+          <p:cNvPr id="6" name="Gerade Verbindung 5"/>
+          <p:cNvCxnSpPr/>
+          <p:nvPr/>
+        </p:nvCxnSpPr>
+        <p:spPr>
+          <a:xfrm flipV="1">
+            <a:off x="315884" y="6316465"/>
+            <a:ext cx="8512232" cy="17160"/>
+          </a:xfrm>
+          <a:prstGeom prst="line">
+            <a:avLst/>
+          </a:prstGeom>
+          <a:ln w="63500">
+            <a:solidFill>
+              <a:srgbClr val="E84427"/>
+            </a:solidFill>
+          </a:ln>
+        </p:spPr>
+        <p:style>
+          <a:lnRef idx="1">
+            <a:schemeClr val="dk1"/>
+          </a:lnRef>
+          <a:fillRef idx="0">
+            <a:schemeClr val="dk1"/>
+          </a:fillRef>
+          <a:effectRef idx="0">
+            <a:schemeClr val="dk1"/>
+          </a:effectRef>
+          <a:fontRef idx="minor">
+            <a:schemeClr val="tx1"/>
+          </a:fontRef>
+        </p:style>
+      </p:cxnSp>
+      <p:sp>
+        <p:nvSpPr>
+          <p:cNvPr id="7" name="Rechteck 6"/>
+          <p:cNvSpPr/>
+          <p:nvPr/>
+        </p:nvSpPr>
+        <p:spPr>
+          <a:xfrm>
+            <a:off x="937800" y="3035300"/>
+            <a:ext cx="7046502" cy="2369791"/>
+          </a:xfrm>
+          <a:prstGeom prst="rect">
+            <a:avLst/>
+          </a:prstGeom>
+          <a:solidFill>
+            <a:srgbClr val="E84427"/>
+          </a:solidFill>
+          <a:ln>
+            <a:noFill/>
+          </a:ln>
+          <a:effectLst>
+            <a:outerShdw blurRad="50800" dist="38100" dir="5400000" sx="101000" sy="101000" algn="t" rotWithShape="0">
+              <a:prstClr val="black">
+                <a:alpha val="21000"/>
+              </a:prstClr>
+            </a:outerShdw>
+          </a:effectLst>
+        </p:spPr>
+        <p:style>
+          <a:lnRef idx="1">
+            <a:schemeClr val="accent1"/>
+          </a:lnRef>
+          <a:fillRef idx="3">
+            <a:schemeClr val="accent1"/>
+          </a:fillRef>
+          <a:effectRef idx="2">
+            <a:schemeClr val="accent1"/>
+          </a:effectRef>
+          <a:fontRef idx="minor">
+            <a:schemeClr val="lt1"/>
+          </a:fontRef>
+        </p:style>
+        <p:txBody>
+          <a:bodyPr rtlCol="0" anchor="ctr"/>
+          <a:lstStyle/>
+          <a:p>
+            <a:pPr algn="ctr"/>
+            <a:endParaRPr lang="de-DE"/>
+          </a:p>
+        </p:txBody>
+      </p:sp>
+      <p:sp>
+        <p:nvSpPr>
+          <p:cNvPr id="8" name="Textplatzhalter 9"/>
+          <p:cNvSpPr txBox="1">
+            <a:spLocks/>
+          </p:cNvSpPr>
+          <p:nvPr/>
+        </p:nvSpPr>
+        <p:spPr>
+          <a:xfrm>
+            <a:off x="1321302" y="3247172"/>
+            <a:ext cx="6407150" cy="800100"/>
+          </a:xfrm>
+          <a:prstGeom prst="rect">
+            <a:avLst/>
+          </a:prstGeom>
+        </p:spPr>
+        <p:txBody>
+          <a:bodyPr lIns="0" tIns="0" rIns="0" bIns="0"/>
+          <a:lstStyle>
+            <a:lvl1pPr marL="0" indent="0" algn="l" defTabSz="457200" rtl="0" eaLnBrk="1" latinLnBrk="0" hangingPunct="1">
+              <a:spcBef>
+                <a:spcPct val="20000"/>
+              </a:spcBef>
+              <a:buFont typeface="Arial"/>
+              <a:buNone/>
+              <a:defRPr sz="3200" b="1" kern="1200">
+                <a:solidFill>
+                  <a:srgbClr val="EFEFEE"/>
+                </a:solidFill>
+                <a:latin typeface="+mn-lt"/>
+                <a:ea typeface="+mn-ea"/>
+                <a:cs typeface="+mn-cs"/>
+              </a:defRPr>
+            </a:lvl1pPr>
+            <a:lvl2pPr marL="742950" indent="-285750" algn="l" defTabSz="457200" rtl="0" eaLnBrk="1" latinLnBrk="0" hangingPunct="1">
+              <a:spcBef>
+                <a:spcPct val="20000"/>
+              </a:spcBef>
+              <a:buFont typeface="Arial"/>
+              <a:buChar char="–"/>
+              <a:defRPr sz="2800" kern="1200">
+                <a:solidFill>
+                  <a:srgbClr val="4D4D4D"/>
+                </a:solidFill>
+                <a:latin typeface="+mn-lt"/>
+                <a:ea typeface="+mn-ea"/>
+                <a:cs typeface="+mn-cs"/>
+              </a:defRPr>
+            </a:lvl2pPr>
+            <a:lvl3pPr marL="1143000" indent="-228600" algn="l" defTabSz="457200" rtl="0" eaLnBrk="1" latinLnBrk="0" hangingPunct="1">
+              <a:spcBef>
+                <a:spcPct val="20000"/>
+              </a:spcBef>
+              <a:buFont typeface="Arial"/>
+              <a:buChar char="•"/>
+              <a:defRPr sz="2400" kern="1200">
+                <a:solidFill>
+                  <a:srgbClr val="4D4D4D"/>
+                </a:solidFill>
+                <a:latin typeface="+mn-lt"/>
+                <a:ea typeface="+mn-ea"/>
+                <a:cs typeface="+mn-cs"/>
+              </a:defRPr>
+            </a:lvl3pPr>
+            <a:lvl4pPr marL="1600200" indent="-228600" algn="l" defTabSz="457200" rtl="0" eaLnBrk="1" latinLnBrk="0" hangingPunct="1">
+              <a:spcBef>
+                <a:spcPct val="20000"/>
+              </a:spcBef>
+              <a:buFont typeface="Arial"/>
+              <a:buChar char="–"/>
+              <a:defRPr sz="2000" kern="1200">
+                <a:solidFill>
+                  <a:srgbClr val="4D4D4D"/>
+                </a:solidFill>
+                <a:latin typeface="+mn-lt"/>
+                <a:ea typeface="+mn-ea"/>
+                <a:cs typeface="+mn-cs"/>
+              </a:defRPr>
+            </a:lvl4pPr>
+            <a:lvl5pPr marL="2057400" indent="-228600" algn="l" defTabSz="457200" rtl="0" eaLnBrk="1" latinLnBrk="0" hangingPunct="1">
+              <a:spcBef>
+                <a:spcPct val="20000"/>
+              </a:spcBef>
+              <a:buFont typeface="Arial"/>
+              <a:buChar char="»"/>
+              <a:defRPr sz="2000" kern="1200">
+                <a:solidFill>
+                  <a:srgbClr val="4D4D4D"/>
+                </a:solidFill>
+                <a:latin typeface="+mn-lt"/>
+                <a:ea typeface="+mn-ea"/>
+                <a:cs typeface="+mn-cs"/>
+              </a:defRPr>
+            </a:lvl5pPr>
+            <a:lvl6pPr marL="2514600" indent="-228600" algn="l" defTabSz="457200" rtl="0" eaLnBrk="1" latinLnBrk="0" hangingPunct="1">
+              <a:spcBef>
+                <a:spcPct val="20000"/>
+              </a:spcBef>
+              <a:buFont typeface="Arial"/>
+              <a:buChar char="•"/>
+              <a:defRPr sz="2000" kern="1200">
+                <a:solidFill>
+                  <a:schemeClr val="tx1"/>
+                </a:solidFill>
+                <a:latin typeface="+mn-lt"/>
+                <a:ea typeface="+mn-ea"/>
+                <a:cs typeface="+mn-cs"/>
+              </a:defRPr>
+            </a:lvl6pPr>
+            <a:lvl7pPr marL="2971800" indent="-228600" algn="l" defTabSz="457200" rtl="0" eaLnBrk="1" latinLnBrk="0" hangingPunct="1">
+              <a:spcBef>
+                <a:spcPct val="20000"/>
+              </a:spcBef>
+              <a:buFont typeface="Arial"/>
+              <a:buChar char="•"/>
+              <a:defRPr sz="2000" kern="1200">
+                <a:solidFill>
+                  <a:schemeClr val="tx1"/>
+                </a:solidFill>
+                <a:latin typeface="+mn-lt"/>
+                <a:ea typeface="+mn-ea"/>
+                <a:cs typeface="+mn-cs"/>
+              </a:defRPr>
+            </a:lvl7pPr>
+            <a:lvl8pPr marL="3429000" indent="-228600" algn="l" defTabSz="457200" rtl="0" eaLnBrk="1" latinLnBrk="0" hangingPunct="1">
+              <a:spcBef>
+                <a:spcPct val="20000"/>
+              </a:spcBef>
+              <a:buFont typeface="Arial"/>
+              <a:buChar char="•"/>
+              <a:defRPr sz="2000" kern="1200">
+                <a:solidFill>
+                  <a:schemeClr val="tx1"/>
+                </a:solidFill>
+                <a:latin typeface="+mn-lt"/>
+                <a:ea typeface="+mn-ea"/>
+                <a:cs typeface="+mn-cs"/>
+              </a:defRPr>
+            </a:lvl8pPr>
+            <a:lvl9pPr marL="3886200" indent="-228600" algn="l" defTabSz="457200" rtl="0" eaLnBrk="1" latinLnBrk="0" hangingPunct="1">
+              <a:spcBef>
+                <a:spcPct val="20000"/>
+              </a:spcBef>
+              <a:buFont typeface="Arial"/>
+              <a:buChar char="•"/>
+              <a:defRPr sz="2000" kern="1200">
+                <a:solidFill>
+                  <a:schemeClr val="tx1"/>
+                </a:solidFill>
+                <a:latin typeface="+mn-lt"/>
+                <a:ea typeface="+mn-ea"/>
+                <a:cs typeface="+mn-cs"/>
+              </a:defRPr>
+            </a:lvl9pPr>
+          </a:lstStyle>
+          <a:p>
+            <a:r>
+              <a:rPr lang="de-DE" sz="3600" dirty="0" smtClean="0"/>
+              <a:t>THANK YOU!</a:t>
+            </a:r>
+            <a:endParaRPr lang="de-DE" sz="3600" dirty="0"/>
+          </a:p>
+        </p:txBody>
+      </p:sp>
+      <p:sp>
+        <p:nvSpPr>
+          <p:cNvPr id="9" name="Textplatzhalter 11"/>
+          <p:cNvSpPr txBox="1">
+            <a:spLocks/>
+          </p:cNvSpPr>
+          <p:nvPr/>
+        </p:nvSpPr>
+        <p:spPr>
+          <a:xfrm>
+            <a:off x="1321302" y="4451091"/>
+            <a:ext cx="6407150" cy="794214"/>
+          </a:xfrm>
+          <a:prstGeom prst="rect">
+            <a:avLst/>
+          </a:prstGeom>
+        </p:spPr>
+        <p:txBody>
+          <a:bodyPr lIns="0" tIns="0" rIns="0" bIns="0">
+            <a:normAutofit/>
+          </a:bodyPr>
+          <a:lstStyle>
+            <a:lvl1pPr marL="0" indent="0" algn="l" defTabSz="457200" rtl="0" eaLnBrk="1" latinLnBrk="0" hangingPunct="1">
+              <a:spcBef>
+                <a:spcPct val="20000"/>
+              </a:spcBef>
+              <a:buFont typeface="Arial"/>
+              <a:buNone/>
+              <a:defRPr sz="2400" b="1" kern="1200">
+                <a:solidFill>
+                  <a:srgbClr val="EFEFEE"/>
+                </a:solidFill>
+                <a:latin typeface="+mn-lt"/>
+                <a:ea typeface="+mn-ea"/>
+                <a:cs typeface="+mn-cs"/>
+              </a:defRPr>
+            </a:lvl1pPr>
+            <a:lvl2pPr marL="742950" indent="-285750" algn="l" defTabSz="457200" rtl="0" eaLnBrk="1" latinLnBrk="0" hangingPunct="1">
+              <a:spcBef>
+                <a:spcPct val="20000"/>
+              </a:spcBef>
+              <a:buFont typeface="Arial"/>
+              <a:buChar char="–"/>
+              <a:defRPr sz="2800" kern="1200">
+                <a:solidFill>
+                  <a:srgbClr val="4D4D4D"/>
+                </a:solidFill>
+                <a:latin typeface="+mn-lt"/>
+                <a:ea typeface="+mn-ea"/>
+                <a:cs typeface="+mn-cs"/>
+              </a:defRPr>
+            </a:lvl2pPr>
+            <a:lvl3pPr marL="1143000" indent="-228600" algn="l" defTabSz="457200" rtl="0" eaLnBrk="1" latinLnBrk="0" hangingPunct="1">
+              <a:spcBef>
+                <a:spcPct val="20000"/>
+              </a:spcBef>
+              <a:buFont typeface="Arial"/>
+              <a:buChar char="•"/>
+              <a:defRPr sz="2400" kern="1200">
+                <a:solidFill>
+                  <a:srgbClr val="4D4D4D"/>
+                </a:solidFill>
+                <a:latin typeface="+mn-lt"/>
+                <a:ea typeface="+mn-ea"/>
+                <a:cs typeface="+mn-cs"/>
+              </a:defRPr>
+            </a:lvl3pPr>
+            <a:lvl4pPr marL="1600200" indent="-228600" algn="l" defTabSz="457200" rtl="0" eaLnBrk="1" latinLnBrk="0" hangingPunct="1">
+              <a:spcBef>
+                <a:spcPct val="20000"/>
+              </a:spcBef>
+              <a:buFont typeface="Arial"/>
+              <a:buChar char="–"/>
+              <a:defRPr sz="2000" kern="1200">
+                <a:solidFill>
+                  <a:srgbClr val="4D4D4D"/>
+                </a:solidFill>
+                <a:latin typeface="+mn-lt"/>
+                <a:ea typeface="+mn-ea"/>
+                <a:cs typeface="+mn-cs"/>
+              </a:defRPr>
+            </a:lvl4pPr>
+            <a:lvl5pPr marL="2057400" indent="-228600" algn="l" defTabSz="457200" rtl="0" eaLnBrk="1" latinLnBrk="0" hangingPunct="1">
+              <a:spcBef>
+                <a:spcPct val="20000"/>
+              </a:spcBef>
+              <a:buFont typeface="Arial"/>
+              <a:buChar char="»"/>
+              <a:defRPr sz="2000" kern="1200">
+                <a:solidFill>
+                  <a:srgbClr val="4D4D4D"/>
+                </a:solidFill>
+                <a:latin typeface="+mn-lt"/>
+                <a:ea typeface="+mn-ea"/>
+                <a:cs typeface="+mn-cs"/>
+              </a:defRPr>
+            </a:lvl5pPr>
+            <a:lvl6pPr marL="2514600" indent="-228600" algn="l" defTabSz="457200" rtl="0" eaLnBrk="1" latinLnBrk="0" hangingPunct="1">
+              <a:spcBef>
+                <a:spcPct val="20000"/>
+              </a:spcBef>
+              <a:buFont typeface="Arial"/>
+              <a:buChar char="•"/>
+              <a:defRPr sz="2000" kern="1200">
+                <a:solidFill>
+                  <a:schemeClr val="tx1"/>
+                </a:solidFill>
+                <a:latin typeface="+mn-lt"/>
+                <a:ea typeface="+mn-ea"/>
+                <a:cs typeface="+mn-cs"/>
+              </a:defRPr>
+            </a:lvl6pPr>
+            <a:lvl7pPr marL="2971800" indent="-228600" algn="l" defTabSz="457200" rtl="0" eaLnBrk="1" latinLnBrk="0" hangingPunct="1">
+              <a:spcBef>
+                <a:spcPct val="20000"/>
+              </a:spcBef>
+              <a:buFont typeface="Arial"/>
+              <a:buChar char="•"/>
+              <a:defRPr sz="2000" kern="1200">
+                <a:solidFill>
+                  <a:schemeClr val="tx1"/>
+                </a:solidFill>
+                <a:latin typeface="+mn-lt"/>
+                <a:ea typeface="+mn-ea"/>
+                <a:cs typeface="+mn-cs"/>
+              </a:defRPr>
+            </a:lvl7pPr>
+            <a:lvl8pPr marL="3429000" indent="-228600" algn="l" defTabSz="457200" rtl="0" eaLnBrk="1" latinLnBrk="0" hangingPunct="1">
+              <a:spcBef>
+                <a:spcPct val="20000"/>
+              </a:spcBef>
+              <a:buFont typeface="Arial"/>
+              <a:buChar char="•"/>
+              <a:defRPr sz="2000" kern="1200">
+                <a:solidFill>
+                  <a:schemeClr val="tx1"/>
+                </a:solidFill>
+                <a:latin typeface="+mn-lt"/>
+                <a:ea typeface="+mn-ea"/>
+                <a:cs typeface="+mn-cs"/>
+              </a:defRPr>
+            </a:lvl8pPr>
+            <a:lvl9pPr marL="3886200" indent="-228600" algn="l" defTabSz="457200" rtl="0" eaLnBrk="1" latinLnBrk="0" hangingPunct="1">
+              <a:spcBef>
+                <a:spcPct val="20000"/>
+              </a:spcBef>
+              <a:buFont typeface="Arial"/>
+              <a:buChar char="•"/>
+              <a:defRPr sz="2000" kern="1200">
+                <a:solidFill>
+                  <a:schemeClr val="tx1"/>
+                </a:solidFill>
+                <a:latin typeface="+mn-lt"/>
+                <a:ea typeface="+mn-ea"/>
+                <a:cs typeface="+mn-cs"/>
+              </a:defRPr>
+            </a:lvl9pPr>
+          </a:lstStyle>
+          <a:p>
+            <a:r>
+              <a:rPr lang="de-DE" sz="2000" dirty="0" err="1" smtClean="0"/>
+              <a:t>Slides</a:t>
+            </a:r>
+            <a:r>
+              <a:rPr lang="de-DE" sz="2000" dirty="0" smtClean="0"/>
+              <a:t>:</a:t>
+            </a:r>
+          </a:p>
+          <a:p>
+            <a:r>
+              <a:rPr lang="de-DE" sz="2000" dirty="0" smtClean="0"/>
+              <a:t>https://github.dst.tk-inline.net/nilshartmann/flux-intro</a:t>
+            </a:r>
+            <a:endParaRPr lang="de-DE" sz="2000" dirty="0"/>
+          </a:p>
+        </p:txBody>
+      </p:sp>
+      <p:cxnSp>
+        <p:nvCxnSpPr>
+          <p:cNvPr id="10" name="Gerade Verbindung 9"/>
+          <p:cNvCxnSpPr/>
+          <p:nvPr/>
+        </p:nvCxnSpPr>
+        <p:spPr>
+          <a:xfrm>
+            <a:off x="1115616" y="3846860"/>
+            <a:ext cx="6612836" cy="0"/>
+          </a:xfrm>
+          <a:prstGeom prst="line">
+            <a:avLst/>
+          </a:prstGeom>
+          <a:ln w="38100">
+            <a:solidFill>
+              <a:srgbClr val="438ECC"/>
+            </a:solidFill>
+          </a:ln>
+          <a:effectLst/>
+        </p:spPr>
+        <p:style>
+          <a:lnRef idx="2">
+            <a:schemeClr val="accent1"/>
+          </a:lnRef>
+          <a:fillRef idx="0">
+            <a:schemeClr val="accent1"/>
+          </a:fillRef>
+          <a:effectRef idx="1">
+            <a:schemeClr val="accent1"/>
+          </a:effectRef>
+          <a:fontRef idx="minor">
+            <a:schemeClr val="tx1"/>
+          </a:fontRef>
+        </p:style>
+      </p:cxnSp>
+    </p:spTree>
+    <p:extLst>
+      <p:ext uri="{BB962C8B-B14F-4D97-AF65-F5344CB8AC3E}">
+        <p14:creationId xmlns:p14="http://schemas.microsoft.com/office/powerpoint/2010/main" val="4138356092"/>
+      </p:ext>
+    </p:extLst>
+  </p:cSld>
+  <p:clrMapOvr>
+    <a:masterClrMapping/>
+  </p:clrMapOvr>
+  <p:timing>
+    <p:tnLst>
+      <p:par>
+        <p:cTn id="1" dur="indefinite" restart="never" nodeType="tmRoot"/>
       </p:par>
     </p:tnLst>
   </p:timing>
@@ -6698,7 +9256,7 @@
   <p:timing>
     <p:tnLst>
       <p:par>
-        <p:cTn xmlns:p14="http://schemas.microsoft.com/office/powerpoint/2010/main" id="1" dur="indefinite" restart="never" nodeType="tmRoot"/>
+        <p:cTn id="1" dur="indefinite" restart="never" nodeType="tmRoot"/>
       </p:par>
     </p:tnLst>
   </p:timing>
@@ -6985,7 +9543,7 @@
   <p:timing>
     <p:tnLst>
       <p:par>
-        <p:cTn xmlns:p14="http://schemas.microsoft.com/office/powerpoint/2010/main" id="1" dur="indefinite" restart="never" nodeType="tmRoot"/>
+        <p:cTn id="1" dur="indefinite" restart="never" nodeType="tmRoot"/>
       </p:par>
     </p:tnLst>
   </p:timing>
@@ -7349,7 +9907,7 @@
   <p:timing>
     <p:tnLst>
       <p:par>
-        <p:cTn xmlns:p14="http://schemas.microsoft.com/office/powerpoint/2010/main" id="1" dur="indefinite" restart="never" nodeType="tmRoot"/>
+        <p:cTn id="1" dur="indefinite" restart="never" nodeType="tmRoot"/>
       </p:par>
     </p:tnLst>
   </p:timing>
@@ -7597,7 +10155,7 @@
   <p:timing>
     <p:tnLst>
       <p:par>
-        <p:cTn xmlns:p14="http://schemas.microsoft.com/office/powerpoint/2010/main" id="1" dur="indefinite" restart="never" nodeType="tmRoot"/>
+        <p:cTn id="1" dur="indefinite" restart="never" nodeType="tmRoot"/>
       </p:par>
     </p:tnLst>
   </p:timing>
@@ -7946,7 +10504,7 @@
   <p:timing>
     <p:tnLst>
       <p:par>
-        <p:cTn xmlns:p14="http://schemas.microsoft.com/office/powerpoint/2010/main" id="1" dur="indefinite" restart="never" nodeType="tmRoot"/>
+        <p:cTn id="1" dur="indefinite" restart="never" nodeType="tmRoot"/>
       </p:par>
     </p:tnLst>
   </p:timing>
@@ -8157,7 +10715,7 @@
             <a:r>
               <a:rPr lang="de-DE" b="1" dirty="0" err="1" smtClean="0">
                 <a:solidFill>
-                  <a:srgbClr val="2196F3"/>
+                  <a:srgbClr val="3F51B5"/>
                 </a:solidFill>
               </a:rPr>
               <a:t>unidirectional</a:t>
@@ -8165,7 +10723,7 @@
             <a:r>
               <a:rPr lang="de-DE" b="1" dirty="0" smtClean="0">
                 <a:solidFill>
-                  <a:srgbClr val="2196F3"/>
+                  <a:srgbClr val="3F51B5"/>
                 </a:solidFill>
               </a:rPr>
               <a:t> </a:t>
@@ -8173,7 +10731,7 @@
             <a:r>
               <a:rPr lang="de-DE" b="1" dirty="0" err="1" smtClean="0">
                 <a:solidFill>
-                  <a:srgbClr val="2196F3"/>
+                  <a:srgbClr val="3F51B5"/>
                 </a:solidFill>
               </a:rPr>
               <a:t>data</a:t>
@@ -8181,7 +10739,7 @@
             <a:r>
               <a:rPr lang="de-DE" b="1" dirty="0" smtClean="0">
                 <a:solidFill>
-                  <a:srgbClr val="2196F3"/>
+                  <a:srgbClr val="3F51B5"/>
                 </a:solidFill>
               </a:rPr>
               <a:t> </a:t>
@@ -8189,14 +10747,14 @@
             <a:r>
               <a:rPr lang="de-DE" b="1" dirty="0" err="1" smtClean="0">
                 <a:solidFill>
-                  <a:srgbClr val="2196F3"/>
+                  <a:srgbClr val="3F51B5"/>
                 </a:solidFill>
               </a:rPr>
               <a:t>flow</a:t>
             </a:r>
             <a:endParaRPr lang="de-DE" b="1" dirty="0">
               <a:solidFill>
-                <a:srgbClr val="2196F3"/>
+                <a:srgbClr val="3F51B5"/>
               </a:solidFill>
             </a:endParaRPr>
           </a:p>
@@ -8240,7 +10798,7 @@
   <p:timing>
     <p:tnLst>
       <p:par>
-        <p:cTn xmlns:p14="http://schemas.microsoft.com/office/powerpoint/2010/main" id="1" dur="indefinite" restart="never" nodeType="tmRoot"/>
+        <p:cTn id="1" dur="indefinite" restart="never" nodeType="tmRoot"/>
       </p:par>
     </p:tnLst>
   </p:timing>
@@ -8276,59 +10834,98 @@
         </p:nvSpPr>
         <p:spPr>
           <a:xfrm>
-            <a:off x="315884" y="5733256"/>
-            <a:ext cx="8512232" cy="904611"/>
+            <a:off x="315884" y="4200534"/>
+            <a:ext cx="8512232" cy="2437333"/>
           </a:xfrm>
         </p:spPr>
         <p:txBody>
           <a:bodyPr>
-            <a:normAutofit fontScale="92500" lnSpcReduction="20000"/>
+            <a:noAutofit/>
           </a:bodyPr>
           <a:lstStyle/>
           <a:p>
-            <a:r>
-              <a:rPr lang="de-DE" dirty="0" smtClean="0"/>
-              <a:t>Data „</a:t>
-            </a:r>
-            <a:r>
-              <a:rPr lang="de-DE" dirty="0" err="1" smtClean="0"/>
-              <a:t>flows</a:t>
-            </a:r>
-            <a:r>
-              <a:rPr lang="de-DE" dirty="0" smtClean="0"/>
-              <a:t>“ </a:t>
-            </a:r>
-            <a:r>
-              <a:rPr lang="de-DE" dirty="0" err="1" smtClean="0"/>
-              <a:t>through</a:t>
-            </a:r>
-            <a:r>
-              <a:rPr lang="de-DE" dirty="0" smtClean="0"/>
-              <a:t> </a:t>
-            </a:r>
-            <a:r>
-              <a:rPr lang="de-DE" dirty="0" err="1" smtClean="0"/>
-              <a:t>the</a:t>
-            </a:r>
-            <a:r>
-              <a:rPr lang="de-DE" dirty="0" smtClean="0"/>
-              <a:t> </a:t>
-            </a:r>
-            <a:r>
-              <a:rPr lang="de-DE" dirty="0" err="1" smtClean="0"/>
-              <a:t>system</a:t>
-            </a:r>
+            <a:pPr marL="0" indent="0">
+              <a:buNone/>
+            </a:pPr>
+            <a:r>
+              <a:rPr lang="de-DE" sz="3000" b="1" dirty="0" err="1" smtClean="0">
+                <a:solidFill>
+                  <a:srgbClr val="3F51B5"/>
+                </a:solidFill>
+              </a:rPr>
+              <a:t>Component</a:t>
+            </a:r>
+            <a:r>
+              <a:rPr lang="de-DE" sz="3000" b="1" dirty="0" smtClean="0"/>
+              <a:t> </a:t>
+            </a:r>
+            <a:r>
+              <a:rPr lang="de-DE" sz="3000" b="1" dirty="0" err="1" smtClean="0"/>
+              <a:t>triggers</a:t>
+            </a:r>
+            <a:r>
+              <a:rPr lang="de-DE" sz="3000" b="1" dirty="0" smtClean="0"/>
+              <a:t> an </a:t>
+            </a:r>
+            <a:r>
+              <a:rPr lang="de-DE" sz="3000" b="1" dirty="0" smtClean="0">
+                <a:solidFill>
+                  <a:srgbClr val="E84528"/>
+                </a:solidFill>
+              </a:rPr>
+              <a:t>Action </a:t>
+            </a:r>
+            <a:r>
+              <a:rPr lang="de-DE" sz="3000" b="1" dirty="0" err="1" smtClean="0"/>
+              <a:t>using</a:t>
+            </a:r>
+            <a:r>
+              <a:rPr lang="de-DE" sz="3000" b="1" dirty="0" smtClean="0"/>
+              <a:t> an </a:t>
+            </a:r>
+            <a:r>
+              <a:rPr lang="de-DE" sz="3000" b="1" dirty="0" err="1" smtClean="0">
+                <a:solidFill>
+                  <a:srgbClr val="E84528"/>
+                </a:solidFill>
+              </a:rPr>
+              <a:t>ActionCreator</a:t>
+            </a:r>
+            <a:endParaRPr lang="de-DE" sz="3000" b="1" dirty="0" smtClean="0">
+              <a:solidFill>
+                <a:srgbClr val="E84528"/>
+              </a:solidFill>
+            </a:endParaRPr>
+          </a:p>
+          <a:p>
+            <a:pPr marL="0" indent="0">
+              <a:buNone/>
+            </a:pPr>
+            <a:endParaRPr lang="de-DE" sz="2400" b="1" dirty="0" smtClean="0">
+              <a:latin typeface="Courier New" panose="02070309020205020404" pitchFamily="49" charset="0"/>
+              <a:cs typeface="Courier New" panose="02070309020205020404" pitchFamily="49" charset="0"/>
+            </a:endParaRPr>
+          </a:p>
+          <a:p>
+            <a:pPr marL="0" indent="0">
+              <a:buNone/>
+            </a:pPr>
+            <a:endParaRPr lang="de-DE" sz="2400" b="1" dirty="0" smtClean="0">
+              <a:latin typeface="Courier New" panose="02070309020205020404" pitchFamily="49" charset="0"/>
+              <a:cs typeface="Courier New" panose="02070309020205020404" pitchFamily="49" charset="0"/>
+            </a:endParaRPr>
+          </a:p>
+          <a:p>
+            <a:pPr marL="0" indent="0">
+              <a:buNone/>
+            </a:pPr>
+            <a:endParaRPr lang="de-DE" b="1" dirty="0" smtClean="0">
+              <a:latin typeface="Courier New" panose="02070309020205020404" pitchFamily="49" charset="0"/>
+              <a:cs typeface="Courier New" panose="02070309020205020404" pitchFamily="49" charset="0"/>
+            </a:endParaRPr>
+          </a:p>
+          <a:p>
             <a:endParaRPr lang="de-DE" dirty="0" smtClean="0"/>
-          </a:p>
-          <a:p>
-            <a:r>
-              <a:rPr lang="de-DE" dirty="0" err="1" smtClean="0"/>
-              <a:t>Very</a:t>
-            </a:r>
-            <a:r>
-              <a:rPr lang="de-DE" dirty="0" smtClean="0"/>
-              <a:t> flexible...</a:t>
-            </a:r>
           </a:p>
           <a:p>
             <a:pPr marL="0" indent="0">
@@ -8357,7 +10954,11 @@
           <a:p>
             <a:r>
               <a:rPr lang="de-DE" dirty="0" smtClean="0"/>
-              <a:t>UNI-DIRECTIONAL DATA FLOW</a:t>
+              <a:t>UNI-DIRECTIONAL DATA </a:t>
+            </a:r>
+            <a:r>
+              <a:rPr lang="de-DE" dirty="0" smtClean="0"/>
+              <a:t>FLOW - 1</a:t>
             </a:r>
             <a:endParaRPr lang="de-DE" dirty="0"/>
           </a:p>
@@ -8379,18 +10980,218 @@
         </p:blipFill>
         <p:spPr>
           <a:xfrm>
-            <a:off x="179512" y="1853100"/>
-            <a:ext cx="8812959" cy="3014960"/>
+            <a:off x="993757" y="1052736"/>
+            <a:ext cx="7156487" cy="2448272"/>
           </a:xfrm>
           <a:prstGeom prst="rect">
             <a:avLst/>
           </a:prstGeom>
         </p:spPr>
       </p:pic>
+      <p:sp>
+        <p:nvSpPr>
+          <p:cNvPr id="4" name="Ellipse 3"/>
+          <p:cNvSpPr/>
+          <p:nvPr/>
+        </p:nvSpPr>
+        <p:spPr>
+          <a:xfrm>
+            <a:off x="3635896" y="908720"/>
+            <a:ext cx="5112568" cy="1944216"/>
+          </a:xfrm>
+          <a:prstGeom prst="ellipse">
+            <a:avLst/>
+          </a:prstGeom>
+          <a:noFill/>
+        </p:spPr>
+        <p:style>
+          <a:lnRef idx="1">
+            <a:schemeClr val="accent1"/>
+          </a:lnRef>
+          <a:fillRef idx="3">
+            <a:schemeClr val="accent1"/>
+          </a:fillRef>
+          <a:effectRef idx="2">
+            <a:schemeClr val="accent1"/>
+          </a:effectRef>
+          <a:fontRef idx="minor">
+            <a:schemeClr val="lt1"/>
+          </a:fontRef>
+        </p:style>
+        <p:txBody>
+          <a:bodyPr rtlCol="0" anchor="ctr"/>
+          <a:lstStyle/>
+          <a:p>
+            <a:pPr algn="ctr"/>
+            <a:endParaRPr lang="de-DE"/>
+          </a:p>
+        </p:txBody>
+      </p:sp>
+      <p:sp>
+        <p:nvSpPr>
+          <p:cNvPr id="6" name="Rechteck 5"/>
+          <p:cNvSpPr/>
+          <p:nvPr/>
+        </p:nvSpPr>
+        <p:spPr>
+          <a:xfrm>
+            <a:off x="2051720" y="5085184"/>
+            <a:ext cx="5040560" cy="1030228"/>
+          </a:xfrm>
+          <a:prstGeom prst="rect">
+            <a:avLst/>
+          </a:prstGeom>
+          <a:solidFill>
+            <a:schemeClr val="bg1"/>
+          </a:solidFill>
+          <a:ln>
+            <a:noFill/>
+          </a:ln>
+          <a:effectLst>
+            <a:outerShdw blurRad="50800" dist="38100" dir="2700000" algn="tl" rotWithShape="0">
+              <a:prstClr val="black">
+                <a:alpha val="40000"/>
+              </a:prstClr>
+            </a:outerShdw>
+          </a:effectLst>
+        </p:spPr>
+        <p:style>
+          <a:lnRef idx="1">
+            <a:schemeClr val="accent1"/>
+          </a:lnRef>
+          <a:fillRef idx="3">
+            <a:schemeClr val="accent1"/>
+          </a:fillRef>
+          <a:effectRef idx="2">
+            <a:schemeClr val="accent1"/>
+          </a:effectRef>
+          <a:fontRef idx="minor">
+            <a:schemeClr val="lt1"/>
+          </a:fontRef>
+        </p:style>
+        <p:txBody>
+          <a:bodyPr rtlCol="0" anchor="t" anchorCtr="0"/>
+          <a:lstStyle/>
+          <a:p>
+            <a:r>
+              <a:rPr lang="de-DE" b="1" dirty="0" smtClean="0">
+                <a:solidFill>
+                  <a:srgbClr val="4E4D4D"/>
+                </a:solidFill>
+                <a:latin typeface="Courier New" panose="02070309020205020404" pitchFamily="49" charset="0"/>
+                <a:cs typeface="Courier New" panose="02070309020205020404" pitchFamily="49" charset="0"/>
+              </a:rPr>
+              <a:t>&lt;</a:t>
+            </a:r>
+            <a:r>
+              <a:rPr lang="de-DE" b="1" dirty="0" err="1" smtClean="0">
+                <a:solidFill>
+                  <a:srgbClr val="4E4D4D"/>
+                </a:solidFill>
+                <a:latin typeface="Courier New" panose="02070309020205020404" pitchFamily="49" charset="0"/>
+                <a:cs typeface="Courier New" panose="02070309020205020404" pitchFamily="49" charset="0"/>
+              </a:rPr>
+              <a:t>button</a:t>
+            </a:r>
+            <a:r>
+              <a:rPr lang="de-DE" b="1" dirty="0" smtClean="0">
+                <a:solidFill>
+                  <a:srgbClr val="4E4D4D"/>
+                </a:solidFill>
+                <a:latin typeface="Courier New" panose="02070309020205020404" pitchFamily="49" charset="0"/>
+                <a:cs typeface="Courier New" panose="02070309020205020404" pitchFamily="49" charset="0"/>
+              </a:rPr>
+              <a:t> </a:t>
+            </a:r>
+            <a:r>
+              <a:rPr lang="de-DE" b="1" dirty="0" err="1">
+                <a:solidFill>
+                  <a:srgbClr val="4E4D4D"/>
+                </a:solidFill>
+                <a:latin typeface="Courier New" panose="02070309020205020404" pitchFamily="49" charset="0"/>
+                <a:cs typeface="Courier New" panose="02070309020205020404" pitchFamily="49" charset="0"/>
+              </a:rPr>
+              <a:t>onClick</a:t>
+            </a:r>
+            <a:r>
+              <a:rPr lang="de-DE" b="1" dirty="0">
+                <a:solidFill>
+                  <a:srgbClr val="4E4D4D"/>
+                </a:solidFill>
+                <a:latin typeface="Courier New" panose="02070309020205020404" pitchFamily="49" charset="0"/>
+                <a:cs typeface="Courier New" panose="02070309020205020404" pitchFamily="49" charset="0"/>
+              </a:rPr>
+              <a:t>={()=&gt; {	</a:t>
+            </a:r>
+          </a:p>
+          <a:p>
+            <a:r>
+              <a:rPr lang="de-DE" b="1" dirty="0">
+                <a:solidFill>
+                  <a:srgbClr val="4E4D4D"/>
+                </a:solidFill>
+                <a:latin typeface="Courier New" panose="02070309020205020404" pitchFamily="49" charset="0"/>
+                <a:cs typeface="Courier New" panose="02070309020205020404" pitchFamily="49" charset="0"/>
+              </a:rPr>
+              <a:t>	</a:t>
+            </a:r>
+            <a:r>
+              <a:rPr lang="de-DE" b="1" dirty="0" err="1">
+                <a:solidFill>
+                  <a:srgbClr val="E84528"/>
+                </a:solidFill>
+                <a:latin typeface="Courier New" panose="02070309020205020404" pitchFamily="49" charset="0"/>
+                <a:cs typeface="Courier New" panose="02070309020205020404" pitchFamily="49" charset="0"/>
+              </a:rPr>
+              <a:t>UserActionCreators</a:t>
+            </a:r>
+            <a:r>
+              <a:rPr lang="de-DE" b="1" dirty="0" err="1">
+                <a:solidFill>
+                  <a:srgbClr val="4E4D4D"/>
+                </a:solidFill>
+                <a:latin typeface="Courier New" panose="02070309020205020404" pitchFamily="49" charset="0"/>
+                <a:cs typeface="Courier New" panose="02070309020205020404" pitchFamily="49" charset="0"/>
+              </a:rPr>
+              <a:t>.addUser</a:t>
+            </a:r>
+            <a:r>
+              <a:rPr lang="de-DE" b="1" dirty="0">
+                <a:solidFill>
+                  <a:srgbClr val="4E4D4D"/>
+                </a:solidFill>
+                <a:latin typeface="Courier New" panose="02070309020205020404" pitchFamily="49" charset="0"/>
+                <a:cs typeface="Courier New" panose="02070309020205020404" pitchFamily="49" charset="0"/>
+              </a:rPr>
+              <a:t>(...);</a:t>
+            </a:r>
+          </a:p>
+          <a:p>
+            <a:r>
+              <a:rPr lang="de-DE" b="1" dirty="0">
+                <a:solidFill>
+                  <a:srgbClr val="4E4D4D"/>
+                </a:solidFill>
+                <a:latin typeface="Courier New" panose="02070309020205020404" pitchFamily="49" charset="0"/>
+                <a:cs typeface="Courier New" panose="02070309020205020404" pitchFamily="49" charset="0"/>
+              </a:rPr>
+              <a:t>}} /&gt;</a:t>
+            </a:r>
+          </a:p>
+          <a:p>
+            <a:pPr algn="ctr"/>
+            <a:endParaRPr lang="de-DE" dirty="0">
+              <a:solidFill>
+                <a:srgbClr val="4E4D4D"/>
+              </a:solidFill>
+            </a:endParaRPr>
+          </a:p>
+        </p:txBody>
+      </p:sp>
     </p:spTree>
     <p:extLst>
       <p:ext uri="{BB962C8B-B14F-4D97-AF65-F5344CB8AC3E}">
-        <p14:creationId xmlns:p14="http://schemas.microsoft.com/office/powerpoint/2010/main" val="2361650171"/>
+        <p14:creationId xmlns:p14="http://schemas.microsoft.com/office/powerpoint/2010/main" val="1184210909"/>
       </p:ext>
     </p:extLst>
   </p:cSld>
@@ -8400,7 +11201,7 @@
   <p:timing>
     <p:tnLst>
       <p:par>
-        <p:cTn xmlns:p14="http://schemas.microsoft.com/office/powerpoint/2010/main" id="1" dur="indefinite" restart="never" nodeType="tmRoot"/>
+        <p:cTn id="1" dur="indefinite" restart="never" nodeType="tmRoot"/>
       </p:par>
     </p:tnLst>
   </p:timing>

--- a/Flux Introduction.pptx
+++ b/Flux Introduction.pptx
@@ -136,7 +136,7 @@
   </p:defaultTextStyle>
   <p:extLst>
     <p:ext uri="{EFAFB233-063F-42B5-8137-9DF3F51BA10A}">
-      <p15:sldGuideLst xmlns:p15="http://schemas.microsoft.com/office/powerpoint/2012/main">
+      <p15:sldGuideLst xmlns:p15="http://schemas.microsoft.com/office/powerpoint/2012/main" xmlns="">
         <p15:guide id="1" orient="horz" pos="3300">
           <p15:clr>
             <a:srgbClr val="A4A3A4"/>
@@ -236,7 +236,7 @@
             <a:fld id="{BB937446-253D-9247-BD46-8A12B019035C}" type="datetimeFigureOut">
               <a:rPr lang="de-DE" smtClean="0"/>
               <a:pPr/>
-              <a:t>18.08.2015</a:t>
+              <a:t>18.08.15</a:t>
             </a:fld>
             <a:endParaRPr lang="de-DE"/>
           </a:p>
@@ -403,7 +403,7 @@
             <a:fld id="{D03C3069-EAFB-4145-8E4B-04F54E649D99}" type="datetimeFigureOut">
               <a:rPr lang="de-DE" smtClean="0"/>
               <a:pPr/>
-              <a:t>18.08.2015</a:t>
+              <a:t>18.08.15</a:t>
             </a:fld>
             <a:endParaRPr lang="de-DE"/>
           </a:p>
@@ -3132,7 +3132,7 @@
   <p:timing>
     <p:tnLst>
       <p:par>
-        <p:cTn id="1" dur="indefinite" restart="never" nodeType="tmRoot"/>
+        <p:cTn xmlns:p14="http://schemas.microsoft.com/office/powerpoint/2010/main" id="1" dur="indefinite" restart="never" nodeType="tmRoot"/>
       </p:par>
     </p:tnLst>
   </p:timing>
@@ -3243,15 +3243,7 @@
                   <a:srgbClr val="4E4D4D"/>
                 </a:solidFill>
               </a:rPr>
-              <a:t> </a:t>
-            </a:r>
-            <a:r>
-              <a:rPr lang="de-DE" sz="3000" b="1" dirty="0" smtClean="0">
-                <a:solidFill>
-                  <a:srgbClr val="4E4D4D"/>
-                </a:solidFill>
-              </a:rPr>
-              <a:t>Central Dispatcher</a:t>
+              <a:t> Central Dispatcher</a:t>
             </a:r>
           </a:p>
           <a:p>
@@ -3281,76 +3273,9 @@
           <a:p>
             <a:r>
               <a:rPr lang="de-DE" dirty="0" smtClean="0"/>
-              <a:t>UNI-DIRECTIONAL DATA </a:t>
-            </a:r>
-            <a:r>
-              <a:rPr lang="de-DE" dirty="0" smtClean="0"/>
-              <a:t>FLOW - 2</a:t>
+              <a:t>UNI-DIRECTIONAL DATA FLOW - 2</a:t>
             </a:r>
             <a:endParaRPr lang="de-DE" dirty="0"/>
-          </a:p>
-        </p:txBody>
-      </p:sp>
-      <p:pic>
-        <p:nvPicPr>
-          <p:cNvPr id="9" name="Bild 8"/>
-          <p:cNvPicPr>
-            <a:picLocks noChangeAspect="1"/>
-          </p:cNvPicPr>
-          <p:nvPr/>
-        </p:nvPicPr>
-        <p:blipFill>
-          <a:blip r:embed="rId2"/>
-          <a:stretch>
-            <a:fillRect/>
-          </a:stretch>
-        </p:blipFill>
-        <p:spPr>
-          <a:xfrm>
-            <a:off x="993757" y="1052736"/>
-            <a:ext cx="7156487" cy="2448272"/>
-          </a:xfrm>
-          <a:prstGeom prst="rect">
-            <a:avLst/>
-          </a:prstGeom>
-        </p:spPr>
-      </p:pic>
-      <p:sp>
-        <p:nvSpPr>
-          <p:cNvPr id="4" name="Ellipse 3"/>
-          <p:cNvSpPr/>
-          <p:nvPr/>
-        </p:nvSpPr>
-        <p:spPr>
-          <a:xfrm>
-            <a:off x="467544" y="908720"/>
-            <a:ext cx="8280920" cy="1944216"/>
-          </a:xfrm>
-          <a:prstGeom prst="ellipse">
-            <a:avLst/>
-          </a:prstGeom>
-          <a:noFill/>
-        </p:spPr>
-        <p:style>
-          <a:lnRef idx="1">
-            <a:schemeClr val="accent1"/>
-          </a:lnRef>
-          <a:fillRef idx="3">
-            <a:schemeClr val="accent1"/>
-          </a:fillRef>
-          <a:effectRef idx="2">
-            <a:schemeClr val="accent1"/>
-          </a:effectRef>
-          <a:fontRef idx="minor">
-            <a:schemeClr val="lt1"/>
-          </a:fontRef>
-        </p:style>
-        <p:txBody>
-          <a:bodyPr rtlCol="0" anchor="ctr"/>
-          <a:lstStyle/>
-          <a:p>
-            <a:pPr algn="ctr"/>
-            <a:endParaRPr lang="de-DE"/>
           </a:p>
         </p:txBody>
       </p:sp>
@@ -3656,6 +3581,30 @@
           </a:p>
         </p:txBody>
       </p:sp>
+      <p:pic>
+        <p:nvPicPr>
+          <p:cNvPr id="11" name="Bild 10"/>
+          <p:cNvPicPr>
+            <a:picLocks noChangeAspect="1"/>
+          </p:cNvPicPr>
+          <p:nvPr/>
+        </p:nvPicPr>
+        <p:blipFill>
+          <a:blip r:embed="rId2"/>
+          <a:stretch>
+            <a:fillRect/>
+          </a:stretch>
+        </p:blipFill>
+        <p:spPr>
+          <a:xfrm>
+            <a:off x="409556" y="1059951"/>
+            <a:ext cx="7834852" cy="1646086"/>
+          </a:xfrm>
+          <a:prstGeom prst="rect">
+            <a:avLst/>
+          </a:prstGeom>
+        </p:spPr>
+      </p:pic>
     </p:spTree>
     <p:extLst>
       <p:ext uri="{BB962C8B-B14F-4D97-AF65-F5344CB8AC3E}">
@@ -3669,7 +3618,7 @@
   <p:timing>
     <p:tnLst>
       <p:par>
-        <p:cTn id="1" dur="indefinite" restart="never" nodeType="tmRoot"/>
+        <p:cTn xmlns:p14="http://schemas.microsoft.com/office/powerpoint/2010/main" id="1" dur="indefinite" restart="never" nodeType="tmRoot"/>
       </p:par>
     </p:tnLst>
   </p:timing>
@@ -3810,11 +3759,7 @@
           <a:p>
             <a:r>
               <a:rPr lang="de-DE" dirty="0" smtClean="0"/>
-              <a:t>UNI-DIRECTIONAL DATA </a:t>
-            </a:r>
-            <a:r>
-              <a:rPr lang="de-DE" dirty="0" smtClean="0"/>
-              <a:t>FLOW - 3</a:t>
+              <a:t>UNI-DIRECTIONAL DATA FLOW - 3</a:t>
             </a:r>
             <a:endParaRPr lang="de-DE" dirty="0"/>
           </a:p>
@@ -3822,7 +3767,7 @@
       </p:sp>
       <p:pic>
         <p:nvPicPr>
-          <p:cNvPr id="9" name="Bild 8"/>
+          <p:cNvPr id="7" name="Bild 6"/>
           <p:cNvPicPr>
             <a:picLocks noChangeAspect="1"/>
           </p:cNvPicPr>
@@ -3836,53 +3781,14 @@
         </p:blipFill>
         <p:spPr>
           <a:xfrm>
-            <a:off x="993757" y="1052736"/>
-            <a:ext cx="7156487" cy="2448272"/>
+            <a:off x="409575" y="1063625"/>
+            <a:ext cx="7837206" cy="2633627"/>
           </a:xfrm>
           <a:prstGeom prst="rect">
             <a:avLst/>
           </a:prstGeom>
         </p:spPr>
       </p:pic>
-      <p:sp>
-        <p:nvSpPr>
-          <p:cNvPr id="4" name="Ellipse 3"/>
-          <p:cNvSpPr/>
-          <p:nvPr/>
-        </p:nvSpPr>
-        <p:spPr>
-          <a:xfrm>
-            <a:off x="467544" y="908720"/>
-            <a:ext cx="8280920" cy="1944216"/>
-          </a:xfrm>
-          <a:prstGeom prst="ellipse">
-            <a:avLst/>
-          </a:prstGeom>
-          <a:noFill/>
-        </p:spPr>
-        <p:style>
-          <a:lnRef idx="1">
-            <a:schemeClr val="accent1"/>
-          </a:lnRef>
-          <a:fillRef idx="3">
-            <a:schemeClr val="accent1"/>
-          </a:fillRef>
-          <a:effectRef idx="2">
-            <a:schemeClr val="accent1"/>
-          </a:effectRef>
-          <a:fontRef idx="minor">
-            <a:schemeClr val="lt1"/>
-          </a:fontRef>
-        </p:style>
-        <p:txBody>
-          <a:bodyPr rtlCol="0" anchor="ctr"/>
-          <a:lstStyle/>
-          <a:p>
-            <a:pPr algn="ctr"/>
-            <a:endParaRPr lang="de-DE"/>
-          </a:p>
-        </p:txBody>
-      </p:sp>
     </p:spTree>
     <p:extLst>
       <p:ext uri="{BB962C8B-B14F-4D97-AF65-F5344CB8AC3E}">
@@ -3896,7 +3802,7 @@
   <p:timing>
     <p:tnLst>
       <p:par>
-        <p:cTn id="1" dur="indefinite" restart="never" nodeType="tmRoot"/>
+        <p:cTn xmlns:p14="http://schemas.microsoft.com/office/powerpoint/2010/main" id="1" dur="indefinite" restart="never" nodeType="tmRoot"/>
       </p:par>
     </p:tnLst>
   </p:timing>
@@ -4074,76 +3980,9 @@
           <a:p>
             <a:r>
               <a:rPr lang="de-DE" dirty="0" smtClean="0"/>
-              <a:t>UNI-DIRECTIONAL DATA </a:t>
-            </a:r>
-            <a:r>
-              <a:rPr lang="de-DE" dirty="0" smtClean="0"/>
-              <a:t>FLOW - 4</a:t>
+              <a:t>UNI-DIRECTIONAL DATA FLOW - 4</a:t>
             </a:r>
             <a:endParaRPr lang="de-DE" dirty="0"/>
-          </a:p>
-        </p:txBody>
-      </p:sp>
-      <p:pic>
-        <p:nvPicPr>
-          <p:cNvPr id="9" name="Bild 8"/>
-          <p:cNvPicPr>
-            <a:picLocks noChangeAspect="1"/>
-          </p:cNvPicPr>
-          <p:nvPr/>
-        </p:nvPicPr>
-        <p:blipFill>
-          <a:blip r:embed="rId2"/>
-          <a:stretch>
-            <a:fillRect/>
-          </a:stretch>
-        </p:blipFill>
-        <p:spPr>
-          <a:xfrm>
-            <a:off x="993757" y="1052736"/>
-            <a:ext cx="7156487" cy="2448272"/>
-          </a:xfrm>
-          <a:prstGeom prst="rect">
-            <a:avLst/>
-          </a:prstGeom>
-        </p:spPr>
-      </p:pic>
-      <p:sp>
-        <p:nvSpPr>
-          <p:cNvPr id="4" name="Ellipse 3"/>
-          <p:cNvSpPr/>
-          <p:nvPr/>
-        </p:nvSpPr>
-        <p:spPr>
-          <a:xfrm>
-            <a:off x="467544" y="908720"/>
-            <a:ext cx="8280920" cy="1944216"/>
-          </a:xfrm>
-          <a:prstGeom prst="ellipse">
-            <a:avLst/>
-          </a:prstGeom>
-          <a:noFill/>
-        </p:spPr>
-        <p:style>
-          <a:lnRef idx="1">
-            <a:schemeClr val="accent1"/>
-          </a:lnRef>
-          <a:fillRef idx="3">
-            <a:schemeClr val="accent1"/>
-          </a:fillRef>
-          <a:effectRef idx="2">
-            <a:schemeClr val="accent1"/>
-          </a:effectRef>
-          <a:fontRef idx="minor">
-            <a:schemeClr val="lt1"/>
-          </a:fontRef>
-        </p:style>
-        <p:txBody>
-          <a:bodyPr rtlCol="0" anchor="ctr"/>
-          <a:lstStyle/>
-          <a:p>
-            <a:pPr algn="ctr"/>
-            <a:endParaRPr lang="de-DE"/>
           </a:p>
         </p:txBody>
       </p:sp>
@@ -4487,6 +4326,30 @@
           </a:p>
         </p:txBody>
       </p:sp>
+      <p:pic>
+        <p:nvPicPr>
+          <p:cNvPr id="8" name="Bild 7"/>
+          <p:cNvPicPr>
+            <a:picLocks noChangeAspect="1"/>
+          </p:cNvPicPr>
+          <p:nvPr/>
+        </p:nvPicPr>
+        <p:blipFill>
+          <a:blip r:embed="rId2"/>
+          <a:stretch>
+            <a:fillRect/>
+          </a:stretch>
+        </p:blipFill>
+        <p:spPr>
+          <a:xfrm>
+            <a:off x="419101" y="1079500"/>
+            <a:ext cx="7810500" cy="2616200"/>
+          </a:xfrm>
+          <a:prstGeom prst="rect">
+            <a:avLst/>
+          </a:prstGeom>
+        </p:spPr>
+      </p:pic>
     </p:spTree>
     <p:extLst>
       <p:ext uri="{BB962C8B-B14F-4D97-AF65-F5344CB8AC3E}">
@@ -4500,7 +4363,7 @@
   <p:timing>
     <p:tnLst>
       <p:par>
-        <p:cTn id="1" dur="indefinite" restart="never" nodeType="tmRoot"/>
+        <p:cTn xmlns:p14="http://schemas.microsoft.com/office/powerpoint/2010/main" id="1" dur="indefinite" restart="never" nodeType="tmRoot"/>
       </p:par>
     </p:tnLst>
   </p:timing>
@@ -4680,76 +4543,9 @@
           <a:p>
             <a:r>
               <a:rPr lang="de-DE" dirty="0" smtClean="0"/>
-              <a:t>UNI-DIRECTIONAL DATA </a:t>
-            </a:r>
-            <a:r>
-              <a:rPr lang="de-DE" dirty="0" smtClean="0"/>
-              <a:t>FLOW - 5</a:t>
+              <a:t>UNI-DIRECTIONAL DATA FLOW - 5</a:t>
             </a:r>
             <a:endParaRPr lang="de-DE" dirty="0"/>
-          </a:p>
-        </p:txBody>
-      </p:sp>
-      <p:pic>
-        <p:nvPicPr>
-          <p:cNvPr id="9" name="Bild 8"/>
-          <p:cNvPicPr>
-            <a:picLocks noChangeAspect="1"/>
-          </p:cNvPicPr>
-          <p:nvPr/>
-        </p:nvPicPr>
-        <p:blipFill>
-          <a:blip r:embed="rId2"/>
-          <a:stretch>
-            <a:fillRect/>
-          </a:stretch>
-        </p:blipFill>
-        <p:spPr>
-          <a:xfrm>
-            <a:off x="993757" y="1052736"/>
-            <a:ext cx="7156487" cy="2448272"/>
-          </a:xfrm>
-          <a:prstGeom prst="rect">
-            <a:avLst/>
-          </a:prstGeom>
-        </p:spPr>
-      </p:pic>
-      <p:sp>
-        <p:nvSpPr>
-          <p:cNvPr id="4" name="Ellipse 3"/>
-          <p:cNvSpPr/>
-          <p:nvPr/>
-        </p:nvSpPr>
-        <p:spPr>
-          <a:xfrm>
-            <a:off x="467544" y="908720"/>
-            <a:ext cx="8280920" cy="2880320"/>
-          </a:xfrm>
-          <a:prstGeom prst="ellipse">
-            <a:avLst/>
-          </a:prstGeom>
-          <a:noFill/>
-        </p:spPr>
-        <p:style>
-          <a:lnRef idx="1">
-            <a:schemeClr val="accent1"/>
-          </a:lnRef>
-          <a:fillRef idx="3">
-            <a:schemeClr val="accent1"/>
-          </a:fillRef>
-          <a:effectRef idx="2">
-            <a:schemeClr val="accent1"/>
-          </a:effectRef>
-          <a:fontRef idx="minor">
-            <a:schemeClr val="lt1"/>
-          </a:fontRef>
-        </p:style>
-        <p:txBody>
-          <a:bodyPr rtlCol="0" anchor="ctr"/>
-          <a:lstStyle/>
-          <a:p>
-            <a:pPr algn="ctr"/>
-            <a:endParaRPr lang="de-DE"/>
           </a:p>
         </p:txBody>
       </p:sp>
@@ -4948,6 +4744,30 @@
           </a:p>
         </p:txBody>
       </p:sp>
+      <p:pic>
+        <p:nvPicPr>
+          <p:cNvPr id="7" name="Bild 6"/>
+          <p:cNvPicPr>
+            <a:picLocks noChangeAspect="1"/>
+          </p:cNvPicPr>
+          <p:nvPr/>
+        </p:nvPicPr>
+        <p:blipFill>
+          <a:blip r:embed="rId2"/>
+          <a:stretch>
+            <a:fillRect/>
+          </a:stretch>
+        </p:blipFill>
+        <p:spPr>
+          <a:xfrm>
+            <a:off x="419101" y="1079500"/>
+            <a:ext cx="7810500" cy="2616200"/>
+          </a:xfrm>
+          <a:prstGeom prst="rect">
+            <a:avLst/>
+          </a:prstGeom>
+        </p:spPr>
+      </p:pic>
     </p:spTree>
     <p:extLst>
       <p:ext uri="{BB962C8B-B14F-4D97-AF65-F5344CB8AC3E}">
@@ -4961,7 +4781,7 @@
   <p:timing>
     <p:tnLst>
       <p:par>
-        <p:cTn id="1" dur="indefinite" restart="never" nodeType="tmRoot"/>
+        <p:cTn xmlns:p14="http://schemas.microsoft.com/office/powerpoint/2010/main" id="1" dur="indefinite" restart="never" nodeType="tmRoot"/>
       </p:par>
     </p:tnLst>
   </p:timing>
@@ -5067,7 +4887,7 @@
   <p:timing>
     <p:tnLst>
       <p:par>
-        <p:cTn id="1" dur="indefinite" restart="never" nodeType="tmRoot"/>
+        <p:cTn xmlns:p14="http://schemas.microsoft.com/office/powerpoint/2010/main" id="1" dur="indefinite" restart="never" nodeType="tmRoot"/>
       </p:par>
     </p:tnLst>
   </p:timing>
@@ -5470,7 +5290,7 @@
   <p:timing>
     <p:tnLst>
       <p:par>
-        <p:cTn id="1" dur="indefinite" restart="never" nodeType="tmRoot"/>
+        <p:cTn xmlns:p14="http://schemas.microsoft.com/office/powerpoint/2010/main" id="1" dur="indefinite" restart="never" nodeType="tmRoot"/>
       </p:par>
     </p:tnLst>
   </p:timing>
@@ -5518,7 +5338,6 @@
               <a:rPr lang="de-DE" sz="2800" b="1" dirty="0" smtClean="0"/>
               <a:t>Action</a:t>
             </a:r>
-            <a:endParaRPr lang="de-DE" sz="2800" b="1" dirty="0" smtClean="0"/>
           </a:p>
           <a:p>
             <a:r>
@@ -5574,17 +5393,8 @@
             </a:r>
             <a:r>
               <a:rPr lang="de-DE" sz="2800" dirty="0" smtClean="0"/>
-              <a:t> „type</a:t>
-            </a:r>
-            <a:r>
-              <a:rPr lang="de-DE" sz="2800" dirty="0" smtClean="0"/>
-              <a:t>“ </a:t>
-            </a:r>
-            <a:r>
-              <a:rPr lang="de-DE" sz="2800" dirty="0" smtClean="0"/>
-              <a:t>(USER_ADDED)</a:t>
-            </a:r>
-            <a:endParaRPr lang="de-DE" sz="2800" dirty="0" smtClean="0"/>
+              <a:t> „type“ (USER_ADDED)</a:t>
+            </a:r>
           </a:p>
           <a:p>
             <a:r>
@@ -5609,11 +5419,7 @@
             </a:r>
             <a:r>
               <a:rPr lang="de-DE" sz="2800" dirty="0" smtClean="0"/>
-              <a:t> </a:t>
-            </a:r>
-            <a:r>
-              <a:rPr lang="de-DE" sz="2800" dirty="0" smtClean="0"/>
-              <a:t>happend (Name </a:t>
+              <a:t> happend (Name </a:t>
             </a:r>
             <a:r>
               <a:rPr lang="de-DE" sz="2800" dirty="0" err="1" smtClean="0"/>
@@ -5840,16 +5646,11 @@
               <a:rPr lang="de-DE" sz="2800" dirty="0" smtClean="0"/>
               <a:t>)</a:t>
             </a:r>
-            <a:endParaRPr lang="de-DE" sz="2800" dirty="0" smtClean="0"/>
           </a:p>
           <a:p>
             <a:r>
               <a:rPr lang="de-DE" sz="2800" dirty="0" smtClean="0"/>
-              <a:t>Pass </a:t>
-            </a:r>
-            <a:r>
-              <a:rPr lang="de-DE" sz="2800" dirty="0" smtClean="0"/>
-              <a:t>Action </a:t>
+              <a:t>Pass Action </a:t>
             </a:r>
             <a:r>
               <a:rPr lang="de-DE" sz="2800" dirty="0" err="1" smtClean="0"/>
@@ -5919,7 +5720,7 @@
   <p:timing>
     <p:tnLst>
       <p:par>
-        <p:cTn id="1" dur="indefinite" restart="never" nodeType="tmRoot"/>
+        <p:cTn xmlns:p14="http://schemas.microsoft.com/office/powerpoint/2010/main" id="1" dur="indefinite" restart="never" nodeType="tmRoot"/>
       </p:par>
     </p:tnLst>
   </p:timing>
@@ -5959,23 +5760,55 @@
           <a:lstStyle/>
           <a:p>
             <a:r>
+              <a:rPr lang="de-DE" sz="2800" i="1" dirty="0" smtClean="0"/>
+              <a:t>Pure </a:t>
+            </a:r>
+            <a:r>
+              <a:rPr lang="de-DE" sz="2800" i="1" dirty="0" err="1" smtClean="0"/>
+              <a:t>t</a:t>
+            </a:r>
+            <a:r>
+              <a:rPr lang="de-DE" sz="2800" i="1" dirty="0" err="1" smtClean="0"/>
+              <a:t>echnical</a:t>
+            </a:r>
+            <a:r>
               <a:rPr lang="de-DE" sz="2800" dirty="0" smtClean="0"/>
-              <a:t>Technical </a:t>
+              <a:t> </a:t>
             </a:r>
             <a:r>
               <a:rPr lang="de-DE" sz="2800" dirty="0" err="1" smtClean="0"/>
               <a:t>component</a:t>
             </a:r>
+            <a:r>
+              <a:rPr lang="de-DE" sz="2800" dirty="0" smtClean="0"/>
+              <a:t>, </a:t>
+            </a:r>
+            <a:r>
+              <a:rPr lang="de-DE" sz="2800" dirty="0" err="1" smtClean="0"/>
+              <a:t>no</a:t>
+            </a:r>
+            <a:r>
+              <a:rPr lang="de-DE" sz="2800" dirty="0" smtClean="0"/>
+              <a:t> </a:t>
+            </a:r>
+            <a:r>
+              <a:rPr lang="de-DE" sz="2800" dirty="0" err="1" smtClean="0"/>
+              <a:t>business</a:t>
+            </a:r>
+            <a:r>
+              <a:rPr lang="de-DE" sz="2800" dirty="0" smtClean="0"/>
+              <a:t> </a:t>
+            </a:r>
+            <a:r>
+              <a:rPr lang="de-DE" sz="2800" dirty="0" err="1" smtClean="0"/>
+              <a:t>logic</a:t>
+            </a:r>
             <a:endParaRPr lang="de-DE" sz="2800" dirty="0" smtClean="0"/>
           </a:p>
           <a:p>
             <a:r>
               <a:rPr lang="de-DE" sz="2800" dirty="0" smtClean="0"/>
-              <a:t>Forwards </a:t>
-            </a:r>
-            <a:r>
-              <a:rPr lang="de-DE" sz="2800" dirty="0" smtClean="0"/>
-              <a:t>Actions </a:t>
+              <a:t>Forwards Actions </a:t>
             </a:r>
             <a:r>
               <a:rPr lang="de-DE" sz="2800" dirty="0" err="1" smtClean="0"/>
@@ -6080,216 +5913,30 @@
           </a:p>
         </p:txBody>
       </p:sp>
-      <p:sp>
-        <p:nvSpPr>
-          <p:cNvPr id="4" name="Rechteck 3"/>
-          <p:cNvSpPr/>
+      <p:pic>
+        <p:nvPicPr>
+          <p:cNvPr id="10" name="Bild 9"/>
+          <p:cNvPicPr>
+            <a:picLocks noChangeAspect="1"/>
+          </p:cNvPicPr>
           <p:nvPr/>
-        </p:nvSpPr>
+        </p:nvPicPr>
+        <p:blipFill>
+          <a:blip r:embed="rId2"/>
+          <a:stretch>
+            <a:fillRect/>
+          </a:stretch>
+        </p:blipFill>
         <p:spPr>
           <a:xfrm>
-            <a:off x="683568" y="3789040"/>
-            <a:ext cx="2376264" cy="864096"/>
+            <a:off x="304800" y="2915742"/>
+            <a:ext cx="8407400" cy="3358058"/>
           </a:xfrm>
           <a:prstGeom prst="rect">
             <a:avLst/>
           </a:prstGeom>
         </p:spPr>
-        <p:style>
-          <a:lnRef idx="1">
-            <a:schemeClr val="accent1"/>
-          </a:lnRef>
-          <a:fillRef idx="3">
-            <a:schemeClr val="accent1"/>
-          </a:fillRef>
-          <a:effectRef idx="2">
-            <a:schemeClr val="accent1"/>
-          </a:effectRef>
-          <a:fontRef idx="minor">
-            <a:schemeClr val="lt1"/>
-          </a:fontRef>
-        </p:style>
-        <p:txBody>
-          <a:bodyPr rtlCol="0" anchor="ctr"/>
-          <a:lstStyle/>
-          <a:p>
-            <a:pPr algn="ctr"/>
-            <a:r>
-              <a:rPr lang="de-DE" dirty="0" smtClean="0"/>
-              <a:t>Action</a:t>
-            </a:r>
-            <a:endParaRPr lang="de-DE" dirty="0"/>
-          </a:p>
-        </p:txBody>
-      </p:sp>
-      <p:sp>
-        <p:nvSpPr>
-          <p:cNvPr id="5" name="Rechteck 4"/>
-          <p:cNvSpPr/>
-          <p:nvPr/>
-        </p:nvSpPr>
-        <p:spPr>
-          <a:xfrm>
-            <a:off x="3427516" y="2780928"/>
-            <a:ext cx="2448272" cy="3240360"/>
-          </a:xfrm>
-          <a:prstGeom prst="rect">
-            <a:avLst/>
-          </a:prstGeom>
-        </p:spPr>
-        <p:style>
-          <a:lnRef idx="1">
-            <a:schemeClr val="accent1"/>
-          </a:lnRef>
-          <a:fillRef idx="3">
-            <a:schemeClr val="accent1"/>
-          </a:fillRef>
-          <a:effectRef idx="2">
-            <a:schemeClr val="accent1"/>
-          </a:effectRef>
-          <a:fontRef idx="minor">
-            <a:schemeClr val="lt1"/>
-          </a:fontRef>
-        </p:style>
-        <p:txBody>
-          <a:bodyPr rtlCol="0" anchor="ctr"/>
-          <a:lstStyle/>
-          <a:p>
-            <a:pPr algn="ctr"/>
-            <a:r>
-              <a:rPr lang="de-DE" dirty="0" smtClean="0"/>
-              <a:t>Dispatcher</a:t>
-            </a:r>
-            <a:endParaRPr lang="de-DE" dirty="0"/>
-          </a:p>
-        </p:txBody>
-      </p:sp>
-      <p:sp>
-        <p:nvSpPr>
-          <p:cNvPr id="6" name="Rechteck 5"/>
-          <p:cNvSpPr/>
-          <p:nvPr/>
-        </p:nvSpPr>
-        <p:spPr>
-          <a:xfrm>
-            <a:off x="6372200" y="2924944"/>
-            <a:ext cx="2304256" cy="864096"/>
-          </a:xfrm>
-          <a:prstGeom prst="rect">
-            <a:avLst/>
-          </a:prstGeom>
-        </p:spPr>
-        <p:style>
-          <a:lnRef idx="1">
-            <a:schemeClr val="accent1"/>
-          </a:lnRef>
-          <a:fillRef idx="3">
-            <a:schemeClr val="accent1"/>
-          </a:fillRef>
-          <a:effectRef idx="2">
-            <a:schemeClr val="accent1"/>
-          </a:effectRef>
-          <a:fontRef idx="minor">
-            <a:schemeClr val="lt1"/>
-          </a:fontRef>
-        </p:style>
-        <p:txBody>
-          <a:bodyPr rtlCol="0" anchor="ctr"/>
-          <a:lstStyle/>
-          <a:p>
-            <a:pPr algn="ctr"/>
-            <a:r>
-              <a:rPr lang="de-DE" dirty="0" smtClean="0"/>
-              <a:t>Store 1</a:t>
-            </a:r>
-            <a:endParaRPr lang="de-DE" dirty="0"/>
-          </a:p>
-        </p:txBody>
-      </p:sp>
-      <p:sp>
-        <p:nvSpPr>
-          <p:cNvPr id="7" name="Rechteck 6"/>
-          <p:cNvSpPr/>
-          <p:nvPr/>
-        </p:nvSpPr>
-        <p:spPr>
-          <a:xfrm>
-            <a:off x="6372200" y="3941440"/>
-            <a:ext cx="2304256" cy="864096"/>
-          </a:xfrm>
-          <a:prstGeom prst="rect">
-            <a:avLst/>
-          </a:prstGeom>
-        </p:spPr>
-        <p:style>
-          <a:lnRef idx="1">
-            <a:schemeClr val="accent1"/>
-          </a:lnRef>
-          <a:fillRef idx="3">
-            <a:schemeClr val="accent1"/>
-          </a:fillRef>
-          <a:effectRef idx="2">
-            <a:schemeClr val="accent1"/>
-          </a:effectRef>
-          <a:fontRef idx="minor">
-            <a:schemeClr val="lt1"/>
-          </a:fontRef>
-        </p:style>
-        <p:txBody>
-          <a:bodyPr rtlCol="0" anchor="ctr"/>
-          <a:lstStyle/>
-          <a:p>
-            <a:pPr algn="ctr"/>
-            <a:r>
-              <a:rPr lang="de-DE" dirty="0" smtClean="0"/>
-              <a:t>Store 2</a:t>
-            </a:r>
-            <a:endParaRPr lang="de-DE" dirty="0"/>
-          </a:p>
-        </p:txBody>
-      </p:sp>
-      <p:sp>
-        <p:nvSpPr>
-          <p:cNvPr id="8" name="Rechteck 7"/>
-          <p:cNvSpPr/>
-          <p:nvPr/>
-        </p:nvSpPr>
-        <p:spPr>
-          <a:xfrm>
-            <a:off x="6372200" y="4935500"/>
-            <a:ext cx="2304256" cy="864096"/>
-          </a:xfrm>
-          <a:prstGeom prst="rect">
-            <a:avLst/>
-          </a:prstGeom>
-        </p:spPr>
-        <p:style>
-          <a:lnRef idx="1">
-            <a:schemeClr val="accent1"/>
-          </a:lnRef>
-          <a:fillRef idx="3">
-            <a:schemeClr val="accent1"/>
-          </a:fillRef>
-          <a:effectRef idx="2">
-            <a:schemeClr val="accent1"/>
-          </a:effectRef>
-          <a:fontRef idx="minor">
-            <a:schemeClr val="lt1"/>
-          </a:fontRef>
-        </p:style>
-        <p:txBody>
-          <a:bodyPr rtlCol="0" anchor="ctr"/>
-          <a:lstStyle/>
-          <a:p>
-            <a:pPr algn="ctr"/>
-            <a:r>
-              <a:rPr lang="de-DE" dirty="0" smtClean="0"/>
-              <a:t>Store 3</a:t>
-            </a:r>
-            <a:endParaRPr lang="de-DE" dirty="0"/>
-          </a:p>
-        </p:txBody>
-      </p:sp>
+      </p:pic>
     </p:spTree>
     <p:extLst>
       <p:ext uri="{BB962C8B-B14F-4D97-AF65-F5344CB8AC3E}">
@@ -6303,7 +5950,7 @@
   <p:timing>
     <p:tnLst>
       <p:par>
-        <p:cTn id="1" dur="indefinite" restart="never" nodeType="tmRoot"/>
+        <p:cTn xmlns:p14="http://schemas.microsoft.com/office/powerpoint/2010/main" id="1" dur="indefinite" restart="never" nodeType="tmRoot"/>
       </p:par>
     </p:tnLst>
   </p:timing>
@@ -6427,11 +6074,7 @@
             </a:r>
             <a:r>
               <a:rPr lang="de-DE" sz="2800" dirty="0" smtClean="0"/>
-              <a:t> Dispatcher </a:t>
-            </a:r>
-            <a:r>
-              <a:rPr lang="de-DE" sz="2800" dirty="0" smtClean="0"/>
-              <a:t>via </a:t>
+              <a:t> Dispatcher via </a:t>
             </a:r>
             <a:r>
               <a:rPr lang="de-DE" sz="2800" dirty="0" err="1" smtClean="0"/>
@@ -6462,11 +6105,7 @@
             </a:r>
             <a:r>
               <a:rPr lang="de-DE" sz="2800" dirty="0" smtClean="0"/>
-              <a:t> </a:t>
-            </a:r>
-            <a:r>
-              <a:rPr lang="de-DE" sz="2800" dirty="0" smtClean="0"/>
-              <a:t>Actions </a:t>
+              <a:t> Actions </a:t>
             </a:r>
             <a:r>
               <a:rPr lang="de-DE" sz="2800" dirty="0" err="1" smtClean="0"/>
@@ -6490,11 +6129,7 @@
             </a:r>
             <a:r>
               <a:rPr lang="de-DE" sz="2800" dirty="0" smtClean="0"/>
-              <a:t> </a:t>
-            </a:r>
-            <a:r>
-              <a:rPr lang="de-DE" sz="2800" dirty="0" smtClean="0"/>
-              <a:t>in (</a:t>
+              <a:t> in (</a:t>
             </a:r>
             <a:r>
               <a:rPr lang="de-DE" sz="2800" dirty="0" err="1" smtClean="0"/>
@@ -6520,7 +6155,6 @@
               <a:rPr lang="de-DE" sz="2800" dirty="0" smtClean="0"/>
               <a:t> type)</a:t>
             </a:r>
-            <a:endParaRPr lang="de-DE" sz="2800" dirty="0" smtClean="0"/>
           </a:p>
           <a:p>
             <a:r>
@@ -6560,38 +6194,6 @@
               <a:t>state</a:t>
             </a:r>
             <a:endParaRPr lang="de-DE" sz="2800" dirty="0" smtClean="0"/>
-          </a:p>
-          <a:p>
-            <a:pPr lvl="1"/>
-            <a:r>
-              <a:rPr lang="de-DE" sz="2400" dirty="0" err="1" smtClean="0"/>
-              <a:t>Allow</a:t>
-            </a:r>
-            <a:r>
-              <a:rPr lang="de-DE" sz="2400" dirty="0" smtClean="0"/>
-              <a:t> Components </a:t>
-            </a:r>
-            <a:r>
-              <a:rPr lang="de-DE" sz="2400" dirty="0" err="1" smtClean="0"/>
-              <a:t>to</a:t>
-            </a:r>
-            <a:r>
-              <a:rPr lang="de-DE" sz="2400" dirty="0" smtClean="0"/>
-              <a:t> </a:t>
-            </a:r>
-            <a:r>
-              <a:rPr lang="de-DE" sz="2400" dirty="0" err="1" smtClean="0"/>
-              <a:t>react</a:t>
-            </a:r>
-            <a:r>
-              <a:rPr lang="de-DE" sz="2400" dirty="0" smtClean="0"/>
-              <a:t> on </a:t>
-            </a:r>
-            <a:r>
-              <a:rPr lang="de-DE" sz="2400" dirty="0" err="1" smtClean="0"/>
-              <a:t>change</a:t>
-            </a:r>
-            <a:endParaRPr lang="de-DE" sz="2400" dirty="0" smtClean="0"/>
           </a:p>
           <a:p>
             <a:endParaRPr lang="de-DE" sz="2800" dirty="0" smtClean="0"/>
@@ -6638,155 +6240,30 @@
           </a:p>
         </p:txBody>
       </p:sp>
-      <p:sp>
-        <p:nvSpPr>
-          <p:cNvPr id="4" name="Textfeld 3"/>
-          <p:cNvSpPr txBox="1"/>
+      <p:pic>
+        <p:nvPicPr>
+          <p:cNvPr id="7" name="Bild 6"/>
+          <p:cNvPicPr>
+            <a:picLocks noChangeAspect="1"/>
+          </p:cNvPicPr>
           <p:nvPr/>
-        </p:nvSpPr>
+        </p:nvPicPr>
+        <p:blipFill>
+          <a:blip r:embed="rId2"/>
+          <a:stretch>
+            <a:fillRect/>
+          </a:stretch>
+        </p:blipFill>
         <p:spPr>
           <a:xfrm>
-            <a:off x="1259632" y="4365104"/>
-            <a:ext cx="3528392" cy="2308324"/>
+            <a:off x="991761" y="3695700"/>
+            <a:ext cx="7160479" cy="2641600"/>
           </a:xfrm>
           <a:prstGeom prst="rect">
             <a:avLst/>
           </a:prstGeom>
-          <a:noFill/>
         </p:spPr>
-        <p:txBody>
-          <a:bodyPr wrap="square" rtlCol="0">
-            <a:spAutoFit/>
-          </a:bodyPr>
-          <a:lstStyle/>
-          <a:p>
-            <a:r>
-              <a:rPr lang="de-DE" dirty="0" smtClean="0"/>
-              <a:t>Dummy </a:t>
-            </a:r>
-            <a:r>
-              <a:rPr lang="de-DE" dirty="0" err="1" smtClean="0"/>
-              <a:t>code</a:t>
-            </a:r>
-            <a:r>
-              <a:rPr lang="de-DE" dirty="0" smtClean="0"/>
-              <a:t>: </a:t>
-            </a:r>
-            <a:r>
-              <a:rPr lang="de-DE" dirty="0" err="1" smtClean="0"/>
-              <a:t>UserStore</a:t>
-            </a:r>
-            <a:r>
-              <a:rPr lang="de-DE" dirty="0" smtClean="0"/>
-              <a:t>: </a:t>
-            </a:r>
-          </a:p>
-          <a:p>
-            <a:r>
-              <a:rPr lang="de-DE" dirty="0" err="1" smtClean="0"/>
-              <a:t>onAction</a:t>
-            </a:r>
-            <a:r>
-              <a:rPr lang="de-DE" dirty="0" smtClean="0"/>
-              <a:t>(</a:t>
-            </a:r>
-            <a:r>
-              <a:rPr lang="de-DE" dirty="0" err="1" smtClean="0"/>
-              <a:t>action</a:t>
-            </a:r>
-            <a:r>
-              <a:rPr lang="de-DE" dirty="0" smtClean="0"/>
-              <a:t>) {</a:t>
-            </a:r>
-          </a:p>
-          <a:p>
-            <a:r>
-              <a:rPr lang="de-DE" dirty="0" err="1" smtClean="0"/>
-              <a:t>swtich</a:t>
-            </a:r>
-            <a:r>
-              <a:rPr lang="de-DE" dirty="0" smtClean="0"/>
-              <a:t> (</a:t>
-            </a:r>
-            <a:r>
-              <a:rPr lang="de-DE" dirty="0" err="1" smtClean="0"/>
-              <a:t>action.type</a:t>
-            </a:r>
-            <a:r>
-              <a:rPr lang="de-DE" dirty="0" smtClean="0"/>
-              <a:t>) {</a:t>
-            </a:r>
-          </a:p>
-          <a:p>
-            <a:r>
-              <a:rPr lang="de-DE" dirty="0"/>
-              <a:t> </a:t>
-            </a:r>
-            <a:r>
-              <a:rPr lang="de-DE" dirty="0" smtClean="0"/>
-              <a:t> </a:t>
-            </a:r>
-            <a:r>
-              <a:rPr lang="de-DE" dirty="0" err="1" smtClean="0"/>
-              <a:t>case</a:t>
-            </a:r>
-            <a:r>
-              <a:rPr lang="de-DE" dirty="0" smtClean="0"/>
-              <a:t> USER_ADDED:</a:t>
-            </a:r>
-          </a:p>
-          <a:p>
-            <a:r>
-              <a:rPr lang="de-DE" dirty="0"/>
-              <a:t> </a:t>
-            </a:r>
-            <a:r>
-              <a:rPr lang="de-DE" dirty="0" smtClean="0"/>
-              <a:t>  </a:t>
-            </a:r>
-            <a:r>
-              <a:rPr lang="de-DE" dirty="0" err="1" smtClean="0"/>
-              <a:t>this.users.push</a:t>
-            </a:r>
-            <a:r>
-              <a:rPr lang="de-DE" dirty="0" smtClean="0"/>
-              <a:t>([</a:t>
-            </a:r>
-            <a:r>
-              <a:rPr lang="de-DE" dirty="0" err="1" smtClean="0"/>
-              <a:t>user</a:t>
-            </a:r>
-            <a:r>
-              <a:rPr lang="de-DE" dirty="0" smtClean="0"/>
-              <a:t>: </a:t>
-            </a:r>
-            <a:r>
-              <a:rPr lang="de-DE" dirty="0" err="1" smtClean="0"/>
-              <a:t>action.user</a:t>
-            </a:r>
-            <a:r>
-              <a:rPr lang="de-DE" dirty="0" smtClean="0"/>
-              <a:t>]);</a:t>
-            </a:r>
-          </a:p>
-          <a:p>
-            <a:r>
-              <a:rPr lang="de-DE" dirty="0" err="1" smtClean="0"/>
-              <a:t>emitChangeEvent</a:t>
-            </a:r>
-            <a:r>
-              <a:rPr lang="de-DE" dirty="0" smtClean="0"/>
-              <a:t>();</a:t>
-            </a:r>
-          </a:p>
-          <a:p>
-            <a:r>
-              <a:rPr lang="de-DE" dirty="0"/>
-              <a:t>}</a:t>
-            </a:r>
-          </a:p>
-        </p:txBody>
-      </p:sp>
+      </p:pic>
     </p:spTree>
     <p:extLst>
       <p:ext uri="{BB962C8B-B14F-4D97-AF65-F5344CB8AC3E}">
@@ -6800,7 +6277,7 @@
   <p:timing>
     <p:tnLst>
       <p:par>
-        <p:cTn id="1" dur="indefinite" restart="never" nodeType="tmRoot"/>
+        <p:cTn xmlns:p14="http://schemas.microsoft.com/office/powerpoint/2010/main" id="1" dur="indefinite" restart="never" nodeType="tmRoot"/>
       </p:par>
     </p:tnLst>
   </p:timing>
@@ -6869,7 +6346,6 @@
               <a:rPr lang="de-DE" b="1" dirty="0" smtClean="0"/>
               <a:t>…</a:t>
             </a:r>
-            <a:endParaRPr lang="de-DE" b="1" dirty="0" smtClean="0"/>
           </a:p>
           <a:p>
             <a:pPr marL="0" indent="0">
@@ -6898,11 +6374,7 @@
           <a:p>
             <a:r>
               <a:rPr lang="de-DE" dirty="0" smtClean="0"/>
-              <a:t>UNI-DIRECTIONAL DATA </a:t>
-            </a:r>
-            <a:r>
-              <a:rPr lang="de-DE" dirty="0" smtClean="0"/>
-              <a:t>FLOW - EXAMPLES</a:t>
+              <a:t>UNI-DIRECTIONAL DATA FLOW - EXAMPLES</a:t>
             </a:r>
             <a:endParaRPr lang="de-DE" dirty="0"/>
           </a:p>
@@ -6945,7 +6417,7 @@
   <p:timing>
     <p:tnLst>
       <p:par>
-        <p:cTn id="1" dur="indefinite" restart="never" nodeType="tmRoot"/>
+        <p:cTn xmlns:p14="http://schemas.microsoft.com/office/powerpoint/2010/main" id="1" dur="indefinite" restart="never" nodeType="tmRoot"/>
       </p:par>
     </p:tnLst>
   </p:timing>
@@ -7481,7 +6953,7 @@
   <p:timing>
     <p:tnLst>
       <p:par>
-        <p:cTn id="1" dur="indefinite" restart="never" nodeType="tmRoot"/>
+        <p:cTn xmlns:p14="http://schemas.microsoft.com/office/powerpoint/2010/main" id="1" dur="indefinite" restart="never" nodeType="tmRoot"/>
       </p:par>
     </p:tnLst>
   </p:timing>
@@ -7681,7 +7153,7 @@
   <p:timing>
     <p:tnLst>
       <p:par>
-        <p:cTn id="1" dur="indefinite" restart="never" nodeType="tmRoot"/>
+        <p:cTn xmlns:p14="http://schemas.microsoft.com/office/powerpoint/2010/main" id="1" dur="indefinite" restart="never" nodeType="tmRoot"/>
       </p:par>
     </p:tnLst>
   </p:timing>
@@ -7796,7 +7268,6 @@
               <a:rPr lang="de-DE" dirty="0" smtClean="0"/>
               <a:t>“...</a:t>
             </a:r>
-            <a:endParaRPr lang="de-DE" dirty="0" smtClean="0"/>
           </a:p>
           <a:p>
             <a:pPr marL="0" indent="0">
@@ -7868,7 +7339,7 @@
   <p:timing>
     <p:tnLst>
       <p:par>
-        <p:cTn id="1" dur="indefinite" restart="never" nodeType="tmRoot"/>
+        <p:cTn xmlns:p14="http://schemas.microsoft.com/office/powerpoint/2010/main" id="1" dur="indefinite" restart="never" nodeType="tmRoot"/>
       </p:par>
     </p:tnLst>
   </p:timing>
@@ -8075,7 +7546,7 @@
   <p:timing>
     <p:tnLst>
       <p:par>
-        <p:cTn id="1" dur="indefinite" restart="never" nodeType="tmRoot"/>
+        <p:cTn xmlns:p14="http://schemas.microsoft.com/office/powerpoint/2010/main" id="1" dur="indefinite" restart="never" nodeType="tmRoot"/>
       </p:par>
     </p:tnLst>
   </p:timing>
@@ -8282,7 +7753,7 @@
   <p:timing>
     <p:tnLst>
       <p:par>
-        <p:cTn id="1" dur="indefinite" restart="never" nodeType="tmRoot"/>
+        <p:cTn xmlns:p14="http://schemas.microsoft.com/office/powerpoint/2010/main" id="1" dur="indefinite" restart="never" nodeType="tmRoot"/>
       </p:par>
     </p:tnLst>
   </p:timing>
@@ -8518,7 +7989,7 @@
   <p:timing>
     <p:tnLst>
       <p:par>
-        <p:cTn id="1" dur="indefinite" restart="never" nodeType="tmRoot"/>
+        <p:cTn xmlns:p14="http://schemas.microsoft.com/office/powerpoint/2010/main" id="1" dur="indefinite" restart="never" nodeType="tmRoot"/>
       </p:par>
     </p:tnLst>
   </p:timing>
@@ -9044,7 +8515,7 @@
   <p:timing>
     <p:tnLst>
       <p:par>
-        <p:cTn id="1" dur="indefinite" restart="never" nodeType="tmRoot"/>
+        <p:cTn xmlns:p14="http://schemas.microsoft.com/office/powerpoint/2010/main" id="1" dur="indefinite" restart="never" nodeType="tmRoot"/>
       </p:par>
     </p:tnLst>
   </p:timing>
@@ -9256,7 +8727,7 @@
   <p:timing>
     <p:tnLst>
       <p:par>
-        <p:cTn id="1" dur="indefinite" restart="never" nodeType="tmRoot"/>
+        <p:cTn xmlns:p14="http://schemas.microsoft.com/office/powerpoint/2010/main" id="1" dur="indefinite" restart="never" nodeType="tmRoot"/>
       </p:par>
     </p:tnLst>
   </p:timing>
@@ -9543,7 +9014,7 @@
   <p:timing>
     <p:tnLst>
       <p:par>
-        <p:cTn id="1" dur="indefinite" restart="never" nodeType="tmRoot"/>
+        <p:cTn xmlns:p14="http://schemas.microsoft.com/office/powerpoint/2010/main" id="1" dur="indefinite" restart="never" nodeType="tmRoot"/>
       </p:par>
     </p:tnLst>
   </p:timing>
@@ -9907,7 +9378,7 @@
   <p:timing>
     <p:tnLst>
       <p:par>
-        <p:cTn id="1" dur="indefinite" restart="never" nodeType="tmRoot"/>
+        <p:cTn xmlns:p14="http://schemas.microsoft.com/office/powerpoint/2010/main" id="1" dur="indefinite" restart="never" nodeType="tmRoot"/>
       </p:par>
     </p:tnLst>
   </p:timing>
@@ -10155,7 +9626,7 @@
   <p:timing>
     <p:tnLst>
       <p:par>
-        <p:cTn id="1" dur="indefinite" restart="never" nodeType="tmRoot"/>
+        <p:cTn xmlns:p14="http://schemas.microsoft.com/office/powerpoint/2010/main" id="1" dur="indefinite" restart="never" nodeType="tmRoot"/>
       </p:par>
     </p:tnLst>
   </p:timing>
@@ -10504,7 +9975,7 @@
   <p:timing>
     <p:tnLst>
       <p:par>
-        <p:cTn id="1" dur="indefinite" restart="never" nodeType="tmRoot"/>
+        <p:cTn xmlns:p14="http://schemas.microsoft.com/office/powerpoint/2010/main" id="1" dur="indefinite" restart="never" nodeType="tmRoot"/>
       </p:par>
     </p:tnLst>
   </p:timing>
@@ -10798,7 +10269,7 @@
   <p:timing>
     <p:tnLst>
       <p:par>
-        <p:cTn id="1" dur="indefinite" restart="never" nodeType="tmRoot"/>
+        <p:cTn xmlns:p14="http://schemas.microsoft.com/office/powerpoint/2010/main" id="1" dur="indefinite" restart="never" nodeType="tmRoot"/>
       </p:par>
     </p:tnLst>
   </p:timing>
@@ -10954,76 +10425,9 @@
           <a:p>
             <a:r>
               <a:rPr lang="de-DE" dirty="0" smtClean="0"/>
-              <a:t>UNI-DIRECTIONAL DATA </a:t>
-            </a:r>
-            <a:r>
-              <a:rPr lang="de-DE" dirty="0" smtClean="0"/>
-              <a:t>FLOW - 1</a:t>
+              <a:t>UNI-DIRECTIONAL DATA FLOW - 1</a:t>
             </a:r>
             <a:endParaRPr lang="de-DE" dirty="0"/>
-          </a:p>
-        </p:txBody>
-      </p:sp>
-      <p:pic>
-        <p:nvPicPr>
-          <p:cNvPr id="9" name="Bild 8"/>
-          <p:cNvPicPr>
-            <a:picLocks noChangeAspect="1"/>
-          </p:cNvPicPr>
-          <p:nvPr/>
-        </p:nvPicPr>
-        <p:blipFill>
-          <a:blip r:embed="rId2"/>
-          <a:stretch>
-            <a:fillRect/>
-          </a:stretch>
-        </p:blipFill>
-        <p:spPr>
-          <a:xfrm>
-            <a:off x="993757" y="1052736"/>
-            <a:ext cx="7156487" cy="2448272"/>
-          </a:xfrm>
-          <a:prstGeom prst="rect">
-            <a:avLst/>
-          </a:prstGeom>
-        </p:spPr>
-      </p:pic>
-      <p:sp>
-        <p:nvSpPr>
-          <p:cNvPr id="4" name="Ellipse 3"/>
-          <p:cNvSpPr/>
-          <p:nvPr/>
-        </p:nvSpPr>
-        <p:spPr>
-          <a:xfrm>
-            <a:off x="3635896" y="908720"/>
-            <a:ext cx="5112568" cy="1944216"/>
-          </a:xfrm>
-          <a:prstGeom prst="ellipse">
-            <a:avLst/>
-          </a:prstGeom>
-          <a:noFill/>
-        </p:spPr>
-        <p:style>
-          <a:lnRef idx="1">
-            <a:schemeClr val="accent1"/>
-          </a:lnRef>
-          <a:fillRef idx="3">
-            <a:schemeClr val="accent1"/>
-          </a:fillRef>
-          <a:effectRef idx="2">
-            <a:schemeClr val="accent1"/>
-          </a:effectRef>
-          <a:fontRef idx="minor">
-            <a:schemeClr val="lt1"/>
-          </a:fontRef>
-        </p:style>
-        <p:txBody>
-          <a:bodyPr rtlCol="0" anchor="ctr"/>
-          <a:lstStyle/>
-          <a:p>
-            <a:pPr algn="ctr"/>
-            <a:endParaRPr lang="de-DE"/>
           </a:p>
         </p:txBody>
       </p:sp>
@@ -11188,6 +10592,30 @@
           </a:p>
         </p:txBody>
       </p:sp>
+      <p:pic>
+        <p:nvPicPr>
+          <p:cNvPr id="5" name="Bild 4"/>
+          <p:cNvPicPr>
+            <a:picLocks noChangeAspect="1"/>
+          </p:cNvPicPr>
+          <p:nvPr/>
+        </p:nvPicPr>
+        <p:blipFill>
+          <a:blip r:embed="rId2"/>
+          <a:stretch>
+            <a:fillRect/>
+          </a:stretch>
+        </p:blipFill>
+        <p:spPr>
+          <a:xfrm>
+            <a:off x="3503176" y="1052736"/>
+            <a:ext cx="4741232" cy="1656183"/>
+          </a:xfrm>
+          <a:prstGeom prst="rect">
+            <a:avLst/>
+          </a:prstGeom>
+        </p:spPr>
+      </p:pic>
     </p:spTree>
     <p:extLst>
       <p:ext uri="{BB962C8B-B14F-4D97-AF65-F5344CB8AC3E}">
@@ -11201,7 +10629,7 @@
   <p:timing>
     <p:tnLst>
       <p:par>
-        <p:cTn id="1" dur="indefinite" restart="never" nodeType="tmRoot"/>
+        <p:cTn xmlns:p14="http://schemas.microsoft.com/office/powerpoint/2010/main" id="1" dur="indefinite" restart="never" nodeType="tmRoot"/>
       </p:par>
     </p:tnLst>
   </p:timing>

--- a/Flux Introduction.pptx
+++ b/Flux Introduction.pptx
@@ -16,15 +16,15 @@
     <p:sldId id="349" r:id="rId4"/>
     <p:sldId id="350" r:id="rId5"/>
     <p:sldId id="351" r:id="rId6"/>
-    <p:sldId id="354" r:id="rId7"/>
-    <p:sldId id="352" r:id="rId8"/>
-    <p:sldId id="353" r:id="rId9"/>
-    <p:sldId id="369" r:id="rId10"/>
-    <p:sldId id="374" r:id="rId11"/>
-    <p:sldId id="375" r:id="rId12"/>
-    <p:sldId id="376" r:id="rId13"/>
-    <p:sldId id="377" r:id="rId14"/>
-    <p:sldId id="364" r:id="rId15"/>
+    <p:sldId id="352" r:id="rId7"/>
+    <p:sldId id="353" r:id="rId8"/>
+    <p:sldId id="369" r:id="rId9"/>
+    <p:sldId id="374" r:id="rId10"/>
+    <p:sldId id="375" r:id="rId11"/>
+    <p:sldId id="376" r:id="rId12"/>
+    <p:sldId id="377" r:id="rId13"/>
+    <p:sldId id="364" r:id="rId14"/>
+    <p:sldId id="381" r:id="rId15"/>
     <p:sldId id="366" r:id="rId16"/>
     <p:sldId id="378" r:id="rId17"/>
     <p:sldId id="365" r:id="rId18"/>
@@ -136,7 +136,7 @@
   </p:defaultTextStyle>
   <p:extLst>
     <p:ext uri="{EFAFB233-063F-42B5-8137-9DF3F51BA10A}">
-      <p15:sldGuideLst xmlns:p15="http://schemas.microsoft.com/office/powerpoint/2012/main" xmlns="">
+      <p15:sldGuideLst xmlns="" xmlns:p15="http://schemas.microsoft.com/office/powerpoint/2012/main">
         <p15:guide id="1" orient="horz" pos="3300">
           <p15:clr>
             <a:srgbClr val="A4A3A4"/>
@@ -921,95 +921,6 @@
               <a:rPr lang="de-DE" smtClean="0"/>
               <a:pPr/>
               <a:t>5</a:t>
-            </a:fld>
-            <a:endParaRPr lang="de-DE"/>
-          </a:p>
-        </p:txBody>
-      </p:sp>
-    </p:spTree>
-    <p:extLst>
-      <p:ext uri="{BB962C8B-B14F-4D97-AF65-F5344CB8AC3E}">
-        <p14:creationId xmlns:p14="http://schemas.microsoft.com/office/powerpoint/2010/main" val="3749290873"/>
-      </p:ext>
-    </p:extLst>
-  </p:cSld>
-  <p:clrMapOvr>
-    <a:masterClrMapping/>
-  </p:clrMapOvr>
-</p:notes>
-</file>
-
-<file path=ppt/notesSlides/notesSlide4.xml><?xml version="1.0" encoding="utf-8"?>
-<p:notes xmlns:a="http://schemas.openxmlformats.org/drawingml/2006/main" xmlns:r="http://schemas.openxmlformats.org/officeDocument/2006/relationships" xmlns:p="http://schemas.openxmlformats.org/presentationml/2006/main">
-  <p:cSld>
-    <p:spTree>
-      <p:nvGrpSpPr>
-        <p:cNvPr id="1" name=""/>
-        <p:cNvGrpSpPr/>
-        <p:nvPr/>
-      </p:nvGrpSpPr>
-      <p:grpSpPr>
-        <a:xfrm>
-          <a:off x="0" y="0"/>
-          <a:ext cx="0" cy="0"/>
-          <a:chOff x="0" y="0"/>
-          <a:chExt cx="0" cy="0"/>
-        </a:xfrm>
-      </p:grpSpPr>
-      <p:sp>
-        <p:nvSpPr>
-          <p:cNvPr id="2" name="Folienbildplatzhalter 1"/>
-          <p:cNvSpPr>
-            <a:spLocks noGrp="1" noRot="1" noChangeAspect="1"/>
-          </p:cNvSpPr>
-          <p:nvPr>
-            <p:ph type="sldImg"/>
-          </p:nvPr>
-        </p:nvSpPr>
-        <p:spPr/>
-      </p:sp>
-      <p:sp>
-        <p:nvSpPr>
-          <p:cNvPr id="3" name="Notizenplatzhalter 2"/>
-          <p:cNvSpPr>
-            <a:spLocks noGrp="1"/>
-          </p:cNvSpPr>
-          <p:nvPr>
-            <p:ph type="body" idx="1"/>
-          </p:nvPr>
-        </p:nvSpPr>
-        <p:spPr/>
-        <p:txBody>
-          <a:bodyPr/>
-          <a:lstStyle/>
-          <a:p>
-            <a:r>
-              <a:rPr lang="de-DE" dirty="0" smtClean="0"/>
-              <a:t>RENE</a:t>
-            </a:r>
-            <a:endParaRPr lang="de-DE" dirty="0"/>
-          </a:p>
-        </p:txBody>
-      </p:sp>
-      <p:sp>
-        <p:nvSpPr>
-          <p:cNvPr id="4" name="Foliennummernplatzhalter 3"/>
-          <p:cNvSpPr>
-            <a:spLocks noGrp="1"/>
-          </p:cNvSpPr>
-          <p:nvPr>
-            <p:ph type="sldNum" sz="quarter" idx="10"/>
-          </p:nvPr>
-        </p:nvSpPr>
-        <p:spPr/>
-        <p:txBody>
-          <a:bodyPr/>
-          <a:lstStyle/>
-          <a:p>
-            <a:fld id="{D86164CF-F871-3D47-A661-2FEA5BB7AC1F}" type="slidenum">
-              <a:rPr lang="de-DE" smtClean="0"/>
-              <a:pPr/>
-              <a:t>6</a:t>
             </a:fld>
             <a:endParaRPr lang="de-DE"/>
           </a:p>
@@ -3174,492 +3085,6 @@
         </p:spPr>
         <p:txBody>
           <a:bodyPr>
-            <a:noAutofit/>
-          </a:bodyPr>
-          <a:lstStyle/>
-          <a:p>
-            <a:pPr marL="0" indent="0">
-              <a:buNone/>
-            </a:pPr>
-            <a:r>
-              <a:rPr lang="de-DE" sz="3000" b="1" dirty="0" err="1" smtClean="0">
-                <a:solidFill>
-                  <a:srgbClr val="E84528"/>
-                </a:solidFill>
-              </a:rPr>
-              <a:t>ActionCreator</a:t>
-            </a:r>
-            <a:r>
-              <a:rPr lang="de-DE" sz="3000" b="1" dirty="0" smtClean="0">
-                <a:solidFill>
-                  <a:srgbClr val="E84528"/>
-                </a:solidFill>
-              </a:rPr>
-              <a:t> </a:t>
-            </a:r>
-            <a:r>
-              <a:rPr lang="de-DE" sz="3000" b="1" dirty="0" err="1" smtClean="0">
-                <a:solidFill>
-                  <a:srgbClr val="4E4D4D"/>
-                </a:solidFill>
-              </a:rPr>
-              <a:t>sends</a:t>
-            </a:r>
-            <a:r>
-              <a:rPr lang="de-DE" sz="3000" b="1" dirty="0" smtClean="0">
-                <a:solidFill>
-                  <a:srgbClr val="4E4D4D"/>
-                </a:solidFill>
-              </a:rPr>
-              <a:t> </a:t>
-            </a:r>
-            <a:r>
-              <a:rPr lang="de-DE" sz="3000" b="1" dirty="0" smtClean="0">
-                <a:solidFill>
-                  <a:srgbClr val="E84528"/>
-                </a:solidFill>
-              </a:rPr>
-              <a:t>Action</a:t>
-            </a:r>
-            <a:r>
-              <a:rPr lang="de-DE" sz="3000" b="1" dirty="0" smtClean="0">
-                <a:solidFill>
-                  <a:srgbClr val="4E4D4D"/>
-                </a:solidFill>
-              </a:rPr>
-              <a:t> </a:t>
-            </a:r>
-            <a:r>
-              <a:rPr lang="de-DE" sz="3000" b="1" dirty="0" err="1" smtClean="0">
-                <a:solidFill>
-                  <a:srgbClr val="4E4D4D"/>
-                </a:solidFill>
-              </a:rPr>
-              <a:t>to</a:t>
-            </a:r>
-            <a:r>
-              <a:rPr lang="de-DE" sz="3000" b="1" dirty="0" smtClean="0">
-                <a:solidFill>
-                  <a:srgbClr val="4E4D4D"/>
-                </a:solidFill>
-              </a:rPr>
-              <a:t> Central Dispatcher</a:t>
-            </a:r>
-          </a:p>
-          <a:p>
-            <a:pPr marL="0" indent="0">
-              <a:buNone/>
-            </a:pPr>
-            <a:endParaRPr lang="de-DE" dirty="0"/>
-          </a:p>
-        </p:txBody>
-      </p:sp>
-      <p:sp>
-        <p:nvSpPr>
-          <p:cNvPr id="3" name="Titel 2"/>
-          <p:cNvSpPr>
-            <a:spLocks noGrp="1"/>
-          </p:cNvSpPr>
-          <p:nvPr>
-            <p:ph type="title"/>
-          </p:nvPr>
-        </p:nvSpPr>
-        <p:spPr/>
-        <p:txBody>
-          <a:bodyPr>
-            <a:normAutofit fontScale="90000"/>
-          </a:bodyPr>
-          <a:lstStyle/>
-          <a:p>
-            <a:r>
-              <a:rPr lang="de-DE" dirty="0" smtClean="0"/>
-              <a:t>UNI-DIRECTIONAL DATA FLOW - 2</a:t>
-            </a:r>
-            <a:endParaRPr lang="de-DE" dirty="0"/>
-          </a:p>
-        </p:txBody>
-      </p:sp>
-      <p:sp>
-        <p:nvSpPr>
-          <p:cNvPr id="5" name="Rechteck 4"/>
-          <p:cNvSpPr/>
-          <p:nvPr/>
-        </p:nvSpPr>
-        <p:spPr>
-          <a:xfrm>
-            <a:off x="2195736" y="4725144"/>
-            <a:ext cx="4752528" cy="1840715"/>
-          </a:xfrm>
-          <a:prstGeom prst="rect">
-            <a:avLst/>
-          </a:prstGeom>
-          <a:solidFill>
-            <a:schemeClr val="bg1"/>
-          </a:solidFill>
-          <a:ln>
-            <a:noFill/>
-          </a:ln>
-          <a:effectLst>
-            <a:outerShdw blurRad="50800" dist="38100" dir="2700000" algn="tl" rotWithShape="0">
-              <a:prstClr val="black">
-                <a:alpha val="40000"/>
-              </a:prstClr>
-            </a:outerShdw>
-          </a:effectLst>
-        </p:spPr>
-        <p:style>
-          <a:lnRef idx="1">
-            <a:schemeClr val="accent1"/>
-          </a:lnRef>
-          <a:fillRef idx="3">
-            <a:schemeClr val="accent1"/>
-          </a:fillRef>
-          <a:effectRef idx="2">
-            <a:schemeClr val="accent1"/>
-          </a:effectRef>
-          <a:fontRef idx="minor">
-            <a:schemeClr val="lt1"/>
-          </a:fontRef>
-        </p:style>
-        <p:txBody>
-          <a:bodyPr rtlCol="0" anchor="t" anchorCtr="0"/>
-          <a:lstStyle/>
-          <a:p>
-            <a:r>
-              <a:rPr lang="de-DE" b="1" dirty="0" err="1" smtClean="0">
-                <a:solidFill>
-                  <a:srgbClr val="4E4D4D"/>
-                </a:solidFill>
-                <a:latin typeface="Courier New" panose="02070309020205020404" pitchFamily="49" charset="0"/>
-                <a:cs typeface="Courier New" panose="02070309020205020404" pitchFamily="49" charset="0"/>
-              </a:rPr>
-              <a:t>addUser</a:t>
-            </a:r>
-            <a:r>
-              <a:rPr lang="de-DE" b="1" dirty="0" smtClean="0">
-                <a:solidFill>
-                  <a:srgbClr val="4E4D4D"/>
-                </a:solidFill>
-                <a:latin typeface="Courier New" panose="02070309020205020404" pitchFamily="49" charset="0"/>
-                <a:cs typeface="Courier New" panose="02070309020205020404" pitchFamily="49" charset="0"/>
-              </a:rPr>
-              <a:t>(</a:t>
-            </a:r>
-            <a:r>
-              <a:rPr lang="de-DE" b="1" dirty="0" err="1" smtClean="0">
-                <a:solidFill>
-                  <a:srgbClr val="4E4D4D"/>
-                </a:solidFill>
-                <a:latin typeface="Courier New" panose="02070309020205020404" pitchFamily="49" charset="0"/>
-                <a:cs typeface="Courier New" panose="02070309020205020404" pitchFamily="49" charset="0"/>
-              </a:rPr>
-              <a:t>name</a:t>
-            </a:r>
-            <a:r>
-              <a:rPr lang="de-DE" b="1" dirty="0">
-                <a:solidFill>
-                  <a:srgbClr val="4E4D4D"/>
-                </a:solidFill>
-                <a:latin typeface="Courier New" panose="02070309020205020404" pitchFamily="49" charset="0"/>
-                <a:cs typeface="Courier New" panose="02070309020205020404" pitchFamily="49" charset="0"/>
-              </a:rPr>
-              <a:t>) {</a:t>
-            </a:r>
-          </a:p>
-          <a:p>
-            <a:r>
-              <a:rPr lang="de-DE" b="1" dirty="0">
-                <a:solidFill>
-                  <a:srgbClr val="4E4D4D"/>
-                </a:solidFill>
-                <a:latin typeface="Courier New" panose="02070309020205020404" pitchFamily="49" charset="0"/>
-                <a:cs typeface="Courier New" panose="02070309020205020404" pitchFamily="49" charset="0"/>
-              </a:rPr>
-              <a:t>	</a:t>
-            </a:r>
-            <a:r>
-              <a:rPr lang="de-DE" b="1" dirty="0" err="1">
-                <a:solidFill>
-                  <a:srgbClr val="4E4D4D"/>
-                </a:solidFill>
-                <a:latin typeface="Courier New" panose="02070309020205020404" pitchFamily="49" charset="0"/>
-                <a:cs typeface="Courier New" panose="02070309020205020404" pitchFamily="49" charset="0"/>
-              </a:rPr>
-              <a:t>Dispatcher.dispatch</a:t>
-            </a:r>
-            <a:r>
-              <a:rPr lang="de-DE" b="1" dirty="0">
-                <a:solidFill>
-                  <a:srgbClr val="4E4D4D"/>
-                </a:solidFill>
-                <a:latin typeface="Courier New" panose="02070309020205020404" pitchFamily="49" charset="0"/>
-                <a:cs typeface="Courier New" panose="02070309020205020404" pitchFamily="49" charset="0"/>
-              </a:rPr>
-              <a:t>({</a:t>
-            </a:r>
-          </a:p>
-          <a:p>
-            <a:r>
-              <a:rPr lang="de-DE" b="1" dirty="0">
-                <a:solidFill>
-                  <a:srgbClr val="4E4D4D"/>
-                </a:solidFill>
-                <a:latin typeface="Courier New" panose="02070309020205020404" pitchFamily="49" charset="0"/>
-                <a:cs typeface="Courier New" panose="02070309020205020404" pitchFamily="49" charset="0"/>
-              </a:rPr>
-              <a:t>		type: ‘USER_ADD_ACTION‘,</a:t>
-            </a:r>
-          </a:p>
-          <a:p>
-            <a:r>
-              <a:rPr lang="de-DE" b="1" dirty="0">
-                <a:solidFill>
-                  <a:srgbClr val="4E4D4D"/>
-                </a:solidFill>
-                <a:latin typeface="Courier New" panose="02070309020205020404" pitchFamily="49" charset="0"/>
-                <a:cs typeface="Courier New" panose="02070309020205020404" pitchFamily="49" charset="0"/>
-              </a:rPr>
-              <a:t>		</a:t>
-            </a:r>
-            <a:r>
-              <a:rPr lang="de-DE" b="1" dirty="0" err="1">
-                <a:solidFill>
-                  <a:srgbClr val="4E4D4D"/>
-                </a:solidFill>
-                <a:latin typeface="Courier New" panose="02070309020205020404" pitchFamily="49" charset="0"/>
-                <a:cs typeface="Courier New" panose="02070309020205020404" pitchFamily="49" charset="0"/>
-              </a:rPr>
-              <a:t>payload</a:t>
-            </a:r>
-            <a:r>
-              <a:rPr lang="de-DE" b="1" dirty="0">
-                <a:solidFill>
-                  <a:srgbClr val="4E4D4D"/>
-                </a:solidFill>
-                <a:latin typeface="Courier New" panose="02070309020205020404" pitchFamily="49" charset="0"/>
-                <a:cs typeface="Courier New" panose="02070309020205020404" pitchFamily="49" charset="0"/>
-              </a:rPr>
-              <a:t>: { </a:t>
-            </a:r>
-            <a:r>
-              <a:rPr lang="de-DE" b="1" dirty="0" err="1">
-                <a:solidFill>
-                  <a:srgbClr val="4E4D4D"/>
-                </a:solidFill>
-                <a:latin typeface="Courier New" panose="02070309020205020404" pitchFamily="49" charset="0"/>
-                <a:cs typeface="Courier New" panose="02070309020205020404" pitchFamily="49" charset="0"/>
-              </a:rPr>
-              <a:t>user</a:t>
-            </a:r>
-            <a:r>
-              <a:rPr lang="de-DE" b="1" dirty="0">
-                <a:solidFill>
-                  <a:srgbClr val="4E4D4D"/>
-                </a:solidFill>
-                <a:latin typeface="Courier New" panose="02070309020205020404" pitchFamily="49" charset="0"/>
-                <a:cs typeface="Courier New" panose="02070309020205020404" pitchFamily="49" charset="0"/>
-              </a:rPr>
-              <a:t>: </a:t>
-            </a:r>
-            <a:r>
-              <a:rPr lang="de-DE" b="1" dirty="0" err="1">
-                <a:solidFill>
-                  <a:srgbClr val="4E4D4D"/>
-                </a:solidFill>
-                <a:latin typeface="Courier New" panose="02070309020205020404" pitchFamily="49" charset="0"/>
-                <a:cs typeface="Courier New" panose="02070309020205020404" pitchFamily="49" charset="0"/>
-              </a:rPr>
-              <a:t>name</a:t>
-            </a:r>
-            <a:r>
-              <a:rPr lang="de-DE" b="1" dirty="0">
-                <a:solidFill>
-                  <a:srgbClr val="4E4D4D"/>
-                </a:solidFill>
-                <a:latin typeface="Courier New" panose="02070309020205020404" pitchFamily="49" charset="0"/>
-                <a:cs typeface="Courier New" panose="02070309020205020404" pitchFamily="49" charset="0"/>
-              </a:rPr>
-              <a:t> }</a:t>
-            </a:r>
-          </a:p>
-          <a:p>
-            <a:r>
-              <a:rPr lang="de-DE" b="1" dirty="0">
-                <a:solidFill>
-                  <a:srgbClr val="4E4D4D"/>
-                </a:solidFill>
-                <a:latin typeface="Courier New" panose="02070309020205020404" pitchFamily="49" charset="0"/>
-                <a:cs typeface="Courier New" panose="02070309020205020404" pitchFamily="49" charset="0"/>
-              </a:rPr>
-              <a:t>	});</a:t>
-            </a:r>
-          </a:p>
-          <a:p>
-            <a:r>
-              <a:rPr lang="de-DE" b="1" dirty="0">
-                <a:solidFill>
-                  <a:srgbClr val="4E4D4D"/>
-                </a:solidFill>
-                <a:latin typeface="Courier New" panose="02070309020205020404" pitchFamily="49" charset="0"/>
-                <a:cs typeface="Courier New" panose="02070309020205020404" pitchFamily="49" charset="0"/>
-              </a:rPr>
-              <a:t>}</a:t>
-            </a:r>
-          </a:p>
-          <a:p>
-            <a:pPr algn="ctr"/>
-            <a:endParaRPr lang="de-DE" dirty="0"/>
-          </a:p>
-        </p:txBody>
-      </p:sp>
-      <p:sp>
-        <p:nvSpPr>
-          <p:cNvPr id="7" name="Rechteck 6"/>
-          <p:cNvSpPr/>
-          <p:nvPr/>
-        </p:nvSpPr>
-        <p:spPr>
-          <a:xfrm>
-            <a:off x="4078441" y="6190693"/>
-            <a:ext cx="2941831" cy="369332"/>
-          </a:xfrm>
-          <a:prstGeom prst="rect">
-            <a:avLst/>
-          </a:prstGeom>
-        </p:spPr>
-        <p:txBody>
-          <a:bodyPr wrap="none">
-            <a:spAutoFit/>
-          </a:bodyPr>
-          <a:lstStyle/>
-          <a:p>
-            <a:r>
-              <a:rPr lang="de-DE" b="1" dirty="0" smtClean="0">
-                <a:solidFill>
-                  <a:schemeClr val="bg1">
-                    <a:lumMod val="50000"/>
-                  </a:schemeClr>
-                </a:solidFill>
-                <a:latin typeface="Courier New" panose="02070309020205020404" pitchFamily="49" charset="0"/>
-                <a:cs typeface="Courier New" panose="02070309020205020404" pitchFamily="49" charset="0"/>
-              </a:rPr>
-              <a:t>(</a:t>
-            </a:r>
-            <a:r>
-              <a:rPr lang="de-DE" b="1" dirty="0" err="1" smtClean="0">
-                <a:solidFill>
-                  <a:schemeClr val="bg1">
-                    <a:lumMod val="50000"/>
-                  </a:schemeClr>
-                </a:solidFill>
-                <a:latin typeface="Courier New" panose="02070309020205020404" pitchFamily="49" charset="0"/>
-                <a:cs typeface="Courier New" panose="02070309020205020404" pitchFamily="49" charset="0"/>
-              </a:rPr>
-              <a:t>UserActionsCreator</a:t>
-            </a:r>
-            <a:r>
-              <a:rPr lang="de-DE" b="1" dirty="0" smtClean="0">
-                <a:solidFill>
-                  <a:schemeClr val="bg1">
-                    <a:lumMod val="50000"/>
-                  </a:schemeClr>
-                </a:solidFill>
-                <a:latin typeface="Courier New" panose="02070309020205020404" pitchFamily="49" charset="0"/>
-                <a:cs typeface="Courier New" panose="02070309020205020404" pitchFamily="49" charset="0"/>
-              </a:rPr>
-              <a:t>)</a:t>
-            </a:r>
-            <a:endParaRPr lang="de-DE" b="1" dirty="0">
-              <a:solidFill>
-                <a:schemeClr val="bg1">
-                  <a:lumMod val="50000"/>
-                </a:schemeClr>
-              </a:solidFill>
-              <a:latin typeface="Courier New" panose="02070309020205020404" pitchFamily="49" charset="0"/>
-              <a:cs typeface="Courier New" panose="02070309020205020404" pitchFamily="49" charset="0"/>
-            </a:endParaRPr>
-          </a:p>
-        </p:txBody>
-      </p:sp>
-      <p:pic>
-        <p:nvPicPr>
-          <p:cNvPr id="11" name="Bild 10"/>
-          <p:cNvPicPr>
-            <a:picLocks noChangeAspect="1"/>
-          </p:cNvPicPr>
-          <p:nvPr/>
-        </p:nvPicPr>
-        <p:blipFill>
-          <a:blip r:embed="rId2"/>
-          <a:stretch>
-            <a:fillRect/>
-          </a:stretch>
-        </p:blipFill>
-        <p:spPr>
-          <a:xfrm>
-            <a:off x="409556" y="1059951"/>
-            <a:ext cx="7834852" cy="1646086"/>
-          </a:xfrm>
-          <a:prstGeom prst="rect">
-            <a:avLst/>
-          </a:prstGeom>
-        </p:spPr>
-      </p:pic>
-    </p:spTree>
-    <p:extLst>
-      <p:ext uri="{BB962C8B-B14F-4D97-AF65-F5344CB8AC3E}">
-        <p14:creationId xmlns:p14="http://schemas.microsoft.com/office/powerpoint/2010/main" val="2428882175"/>
-      </p:ext>
-    </p:extLst>
-  </p:cSld>
-  <p:clrMapOvr>
-    <a:masterClrMapping/>
-  </p:clrMapOvr>
-  <p:timing>
-    <p:tnLst>
-      <p:par>
-        <p:cTn xmlns:p14="http://schemas.microsoft.com/office/powerpoint/2010/main" id="1" dur="indefinite" restart="never" nodeType="tmRoot"/>
-      </p:par>
-    </p:tnLst>
-  </p:timing>
-</p:sld>
-</file>
-
-<file path=ppt/slides/slide11.xml><?xml version="1.0" encoding="utf-8"?>
-<p:sld xmlns:a="http://schemas.openxmlformats.org/drawingml/2006/main" xmlns:r="http://schemas.openxmlformats.org/officeDocument/2006/relationships" xmlns:p="http://schemas.openxmlformats.org/presentationml/2006/main">
-  <p:cSld>
-    <p:spTree>
-      <p:nvGrpSpPr>
-        <p:cNvPr id="1" name=""/>
-        <p:cNvGrpSpPr/>
-        <p:nvPr/>
-      </p:nvGrpSpPr>
-      <p:grpSpPr>
-        <a:xfrm>
-          <a:off x="0" y="0"/>
-          <a:ext cx="0" cy="0"/>
-          <a:chOff x="0" y="0"/>
-          <a:chExt cx="0" cy="0"/>
-        </a:xfrm>
-      </p:grpSpPr>
-      <p:sp>
-        <p:nvSpPr>
-          <p:cNvPr id="2" name="Inhaltsplatzhalter 1"/>
-          <p:cNvSpPr>
-            <a:spLocks noGrp="1"/>
-          </p:cNvSpPr>
-          <p:nvPr>
-            <p:ph idx="1"/>
-          </p:nvPr>
-        </p:nvSpPr>
-        <p:spPr>
-          <a:xfrm>
-            <a:off x="315884" y="4200534"/>
-            <a:ext cx="8512232" cy="2437333"/>
-          </a:xfrm>
-        </p:spPr>
-        <p:txBody>
-          <a:bodyPr>
             <a:normAutofit/>
           </a:bodyPr>
           <a:lstStyle/>
@@ -3809,7 +3234,7 @@
 </p:sld>
 </file>
 
-<file path=ppt/slides/slide12.xml><?xml version="1.0" encoding="utf-8"?>
+<file path=ppt/slides/slide11.xml><?xml version="1.0" encoding="utf-8"?>
 <p:sld xmlns:a="http://schemas.openxmlformats.org/drawingml/2006/main" xmlns:r="http://schemas.openxmlformats.org/officeDocument/2006/relationships" xmlns:p="http://schemas.openxmlformats.org/presentationml/2006/main">
   <p:cSld>
     <p:spTree>
@@ -4370,7 +3795,7 @@
 </p:sld>
 </file>
 
-<file path=ppt/slides/slide13.xml><?xml version="1.0" encoding="utf-8"?>
+<file path=ppt/slides/slide12.xml><?xml version="1.0" encoding="utf-8"?>
 <p:sld xmlns:a="http://schemas.openxmlformats.org/drawingml/2006/main" xmlns:r="http://schemas.openxmlformats.org/officeDocument/2006/relationships" xmlns:p="http://schemas.openxmlformats.org/presentationml/2006/main">
   <p:cSld>
     <p:spTree>
@@ -4788,7 +4213,7 @@
 </p:sld>
 </file>
 
-<file path=ppt/slides/slide14.xml><?xml version="1.0" encoding="utf-8"?>
+<file path=ppt/slides/slide13.xml><?xml version="1.0" encoding="utf-8"?>
 <p:sld xmlns:a="http://schemas.openxmlformats.org/drawingml/2006/main" xmlns:r="http://schemas.openxmlformats.org/officeDocument/2006/relationships" xmlns:p="http://schemas.openxmlformats.org/presentationml/2006/main">
   <p:cSld>
     <p:spTree>
@@ -4878,6 +4303,149 @@
     <p:extLst>
       <p:ext uri="{BB962C8B-B14F-4D97-AF65-F5344CB8AC3E}">
         <p14:creationId xmlns:p14="http://schemas.microsoft.com/office/powerpoint/2010/main" val="613476363"/>
+      </p:ext>
+    </p:extLst>
+  </p:cSld>
+  <p:clrMapOvr>
+    <a:masterClrMapping/>
+  </p:clrMapOvr>
+  <p:timing>
+    <p:tnLst>
+      <p:par>
+        <p:cTn xmlns:p14="http://schemas.microsoft.com/office/powerpoint/2010/main" id="1" dur="indefinite" restart="never" nodeType="tmRoot"/>
+      </p:par>
+    </p:tnLst>
+  </p:timing>
+</p:sld>
+</file>
+
+<file path=ppt/slides/slide14.xml><?xml version="1.0" encoding="utf-8"?>
+<p:sld xmlns:a="http://schemas.openxmlformats.org/drawingml/2006/main" xmlns:r="http://schemas.openxmlformats.org/officeDocument/2006/relationships" xmlns:p="http://schemas.openxmlformats.org/presentationml/2006/main">
+  <p:cSld>
+    <p:spTree>
+      <p:nvGrpSpPr>
+        <p:cNvPr id="1" name=""/>
+        <p:cNvGrpSpPr/>
+        <p:nvPr/>
+      </p:nvGrpSpPr>
+      <p:grpSpPr>
+        <a:xfrm>
+          <a:off x="0" y="0"/>
+          <a:ext cx="0" cy="0"/>
+          <a:chOff x="0" y="0"/>
+          <a:chExt cx="0" cy="0"/>
+        </a:xfrm>
+      </p:grpSpPr>
+      <p:sp>
+        <p:nvSpPr>
+          <p:cNvPr id="2" name="Inhaltsplatzhalter 1"/>
+          <p:cNvSpPr>
+            <a:spLocks noGrp="1"/>
+          </p:cNvSpPr>
+          <p:nvPr>
+            <p:ph idx="1"/>
+          </p:nvPr>
+        </p:nvSpPr>
+        <p:spPr>
+          <a:xfrm>
+            <a:off x="315884" y="1041400"/>
+            <a:ext cx="8497916" cy="5339928"/>
+          </a:xfrm>
+        </p:spPr>
+        <p:txBody>
+          <a:bodyPr>
+            <a:normAutofit/>
+          </a:bodyPr>
+          <a:lstStyle/>
+          <a:p>
+            <a:pPr marL="0" indent="0">
+              <a:buNone/>
+            </a:pPr>
+            <a:r>
+              <a:rPr lang="de-DE" sz="2800" b="1" dirty="0" smtClean="0"/>
+              <a:t>„Regular“ </a:t>
+            </a:r>
+            <a:r>
+              <a:rPr lang="de-DE" sz="2800" b="1" dirty="0" err="1" smtClean="0"/>
+              <a:t>React</a:t>
+            </a:r>
+            <a:r>
+              <a:rPr lang="de-DE" sz="2800" b="1" dirty="0" smtClean="0"/>
+              <a:t> </a:t>
+            </a:r>
+            <a:r>
+              <a:rPr lang="de-DE" sz="2800" b="1" dirty="0" err="1" smtClean="0"/>
+              <a:t>component</a:t>
+            </a:r>
+            <a:endParaRPr lang="de-DE" sz="2800" b="1" dirty="0" smtClean="0"/>
+          </a:p>
+          <a:p>
+            <a:r>
+              <a:rPr lang="de-DE" sz="2800" dirty="0" smtClean="0"/>
+              <a:t>Triggers an </a:t>
+            </a:r>
+            <a:r>
+              <a:rPr lang="de-DE" sz="2800" dirty="0" err="1" smtClean="0"/>
+              <a:t>action</a:t>
+            </a:r>
+            <a:r>
+              <a:rPr lang="de-DE" sz="2800" dirty="0" smtClean="0"/>
+              <a:t>, e.g. on </a:t>
+            </a:r>
+            <a:r>
+              <a:rPr lang="de-DE" sz="2800" dirty="0" err="1" smtClean="0"/>
+              <a:t>user</a:t>
+            </a:r>
+            <a:r>
+              <a:rPr lang="de-DE" sz="2800" dirty="0" smtClean="0"/>
+              <a:t> </a:t>
+            </a:r>
+            <a:r>
+              <a:rPr lang="de-DE" sz="2800" dirty="0" err="1" smtClean="0"/>
+              <a:t>interaction</a:t>
+            </a:r>
+            <a:r>
+              <a:rPr lang="de-DE" sz="2800" dirty="0" smtClean="0"/>
+              <a:t> </a:t>
+            </a:r>
+          </a:p>
+          <a:p>
+            <a:pPr marL="0" indent="0">
+              <a:buNone/>
+            </a:pPr>
+            <a:endParaRPr lang="de-DE" dirty="0" smtClean="0"/>
+          </a:p>
+        </p:txBody>
+      </p:sp>
+      <p:sp>
+        <p:nvSpPr>
+          <p:cNvPr id="3" name="Titel 2"/>
+          <p:cNvSpPr>
+            <a:spLocks noGrp="1"/>
+          </p:cNvSpPr>
+          <p:nvPr>
+            <p:ph type="title"/>
+          </p:nvPr>
+        </p:nvSpPr>
+        <p:spPr/>
+        <p:txBody>
+          <a:bodyPr>
+            <a:normAutofit fontScale="90000"/>
+          </a:bodyPr>
+          <a:lstStyle/>
+          <a:p>
+            <a:r>
+              <a:rPr lang="de-DE" dirty="0" smtClean="0"/>
+              <a:t>COMPONENT</a:t>
+            </a:r>
+            <a:endParaRPr lang="de-DE" dirty="0"/>
+          </a:p>
+        </p:txBody>
+      </p:sp>
+    </p:spTree>
+    <p:extLst>
+      <p:ext uri="{BB962C8B-B14F-4D97-AF65-F5344CB8AC3E}">
+        <p14:creationId xmlns:p14="http://schemas.microsoft.com/office/powerpoint/2010/main" val="3091869641"/>
       </p:ext>
     </p:extLst>
   </p:cSld>
@@ -4921,10 +4489,15 @@
             <p:ph idx="1"/>
           </p:nvPr>
         </p:nvSpPr>
-        <p:spPr/>
+        <p:spPr>
+          <a:xfrm>
+            <a:off x="315884" y="1041400"/>
+            <a:ext cx="5348316" cy="5339928"/>
+          </a:xfrm>
+        </p:spPr>
         <p:txBody>
           <a:bodyPr>
-            <a:normAutofit/>
+            <a:normAutofit fontScale="92500" lnSpcReduction="10000"/>
           </a:bodyPr>
           <a:lstStyle/>
           <a:p>
@@ -4958,26 +4531,37 @@
               <a:rPr lang="de-DE" sz="2800" dirty="0" err="1" smtClean="0"/>
               <a:t>action</a:t>
             </a:r>
-            <a:r>
-              <a:rPr lang="de-DE" sz="2800" dirty="0" smtClean="0"/>
-              <a:t>, e.g. on </a:t>
-            </a:r>
-            <a:r>
-              <a:rPr lang="de-DE" sz="2800" dirty="0" err="1" smtClean="0"/>
+            <a:endParaRPr lang="de-DE" sz="2800" dirty="0"/>
+          </a:p>
+          <a:p>
+            <a:pPr lvl="1"/>
+            <a:r>
+              <a:rPr lang="de-DE" sz="2400" dirty="0" smtClean="0"/>
+              <a:t>e.g</a:t>
+            </a:r>
+            <a:r>
+              <a:rPr lang="de-DE" sz="2400" dirty="0" smtClean="0"/>
+              <a:t>. on </a:t>
+            </a:r>
+            <a:r>
+              <a:rPr lang="de-DE" sz="2400" dirty="0" err="1" smtClean="0"/>
               <a:t>user</a:t>
             </a:r>
             <a:r>
-              <a:rPr lang="de-DE" sz="2800" dirty="0" smtClean="0"/>
-              <a:t> </a:t>
-            </a:r>
-            <a:r>
-              <a:rPr lang="de-DE" sz="2800" dirty="0" err="1" smtClean="0"/>
+              <a:rPr lang="de-DE" sz="2400" dirty="0" smtClean="0"/>
+              <a:t> </a:t>
+            </a:r>
+            <a:r>
+              <a:rPr lang="de-DE" sz="2400" dirty="0" err="1" smtClean="0"/>
               <a:t>interaction</a:t>
             </a:r>
             <a:r>
-              <a:rPr lang="de-DE" sz="2800" dirty="0" smtClean="0"/>
-              <a:t> </a:t>
-            </a:r>
+              <a:rPr lang="de-DE" sz="2400" dirty="0" smtClean="0"/>
+              <a:t> </a:t>
+            </a:r>
+          </a:p>
+          <a:p>
+            <a:endParaRPr lang="de-DE" sz="2800" dirty="0" smtClean="0"/>
           </a:p>
           <a:p>
             <a:r>
@@ -5228,55 +4812,30 @@
           </a:p>
         </p:txBody>
       </p:sp>
-      <p:sp>
-        <p:nvSpPr>
-          <p:cNvPr id="4" name="Textfeld 3"/>
-          <p:cNvSpPr txBox="1"/>
+      <p:pic>
+        <p:nvPicPr>
+          <p:cNvPr id="6" name="Bild 5"/>
+          <p:cNvPicPr>
+            <a:picLocks noChangeAspect="1"/>
+          </p:cNvPicPr>
           <p:nvPr/>
-        </p:nvSpPr>
+        </p:nvPicPr>
+        <p:blipFill>
+          <a:blip r:embed="rId2"/>
+          <a:stretch>
+            <a:fillRect/>
+          </a:stretch>
+        </p:blipFill>
         <p:spPr>
           <a:xfrm>
-            <a:off x="6588224" y="1916832"/>
-            <a:ext cx="1728192" cy="1477328"/>
+            <a:off x="4508500" y="1130300"/>
+            <a:ext cx="4483100" cy="4000500"/>
           </a:xfrm>
           <a:prstGeom prst="rect">
             <a:avLst/>
           </a:prstGeom>
-          <a:noFill/>
         </p:spPr>
-        <p:txBody>
-          <a:bodyPr wrap="square" rtlCol="0">
-            <a:spAutoFit/>
-          </a:bodyPr>
-          <a:lstStyle/>
-          <a:p>
-            <a:r>
-              <a:rPr lang="de-DE" dirty="0" smtClean="0">
-                <a:solidFill>
-                  <a:srgbClr val="FF0000"/>
-                </a:solidFill>
-              </a:rPr>
-              <a:t>Grafik: </a:t>
-            </a:r>
-            <a:r>
-              <a:rPr lang="de-DE" dirty="0" err="1" smtClean="0">
-                <a:solidFill>
-                  <a:srgbClr val="FF0000"/>
-                </a:solidFill>
-              </a:rPr>
-              <a:t>Componente</a:t>
-            </a:r>
-            <a:r>
-              <a:rPr lang="de-DE" dirty="0" smtClean="0">
-                <a:solidFill>
-                  <a:srgbClr val="FF0000"/>
-                </a:solidFill>
-              </a:rPr>
-              <a:t> verschickt Action und horcht auf Store</a:t>
-            </a:r>
-          </a:p>
-        </p:txBody>
-      </p:sp>
+      </p:pic>
     </p:spTree>
     <p:extLst>
       <p:ext uri="{BB962C8B-B14F-4D97-AF65-F5344CB8AC3E}">
@@ -5324,10 +4883,15 @@
             <p:ph idx="1"/>
           </p:nvPr>
         </p:nvSpPr>
-        <p:spPr/>
+        <p:spPr>
+          <a:xfrm>
+            <a:off x="315884" y="1041400"/>
+            <a:ext cx="5869016" cy="5339928"/>
+          </a:xfrm>
+        </p:spPr>
         <p:txBody>
           <a:bodyPr>
-            <a:normAutofit fontScale="92500" lnSpcReduction="10000"/>
+            <a:normAutofit fontScale="92500" lnSpcReduction="20000"/>
           </a:bodyPr>
           <a:lstStyle/>
           <a:p>
@@ -5393,7 +4957,7 @@
             </a:r>
             <a:r>
               <a:rPr lang="de-DE" sz="2800" dirty="0" smtClean="0"/>
-              <a:t> „type“ (USER_ADDED)</a:t>
+              <a:t> „type“ </a:t>
             </a:r>
           </a:p>
           <a:p>
@@ -5419,27 +4983,15 @@
             </a:r>
             <a:r>
               <a:rPr lang="de-DE" sz="2800" dirty="0" smtClean="0"/>
-              <a:t> happend (Name </a:t>
+              <a:t> </a:t>
+            </a:r>
+            <a:r>
+              <a:rPr lang="de-DE" sz="2800" dirty="0" smtClean="0"/>
+              <a:t>happend (</a:t>
             </a:r>
             <a:r>
               <a:rPr lang="de-DE" sz="2800" dirty="0" err="1" smtClean="0"/>
-              <a:t>of</a:t>
-            </a:r>
-            <a:r>
-              <a:rPr lang="de-DE" sz="2800" dirty="0" smtClean="0"/>
-              <a:t> </a:t>
-            </a:r>
-            <a:r>
-              <a:rPr lang="de-DE" sz="2800" dirty="0" err="1" smtClean="0"/>
-              <a:t>new</a:t>
-            </a:r>
-            <a:r>
-              <a:rPr lang="de-DE" sz="2800" dirty="0" smtClean="0"/>
-              <a:t> </a:t>
-            </a:r>
-            <a:r>
-              <a:rPr lang="de-DE" sz="2800" dirty="0" err="1" smtClean="0"/>
-              <a:t>user</a:t>
+              <a:t>payload</a:t>
             </a:r>
             <a:r>
               <a:rPr lang="de-DE" sz="2800" dirty="0" smtClean="0"/>
@@ -5448,20 +5000,8 @@
           </a:p>
           <a:p>
             <a:r>
-              <a:rPr lang="de-DE" sz="2800" dirty="0" smtClean="0"/>
-              <a:t>Can </a:t>
-            </a:r>
-            <a:r>
               <a:rPr lang="de-DE" sz="2800" dirty="0" err="1" smtClean="0"/>
-              <a:t>be</a:t>
-            </a:r>
-            <a:r>
-              <a:rPr lang="de-DE" sz="2800" dirty="0" smtClean="0"/>
-              <a:t> </a:t>
-            </a:r>
-            <a:r>
-              <a:rPr lang="de-DE" sz="2800" dirty="0" err="1" smtClean="0"/>
-              <a:t>triggered</a:t>
+              <a:t>Triggered</a:t>
             </a:r>
             <a:r>
               <a:rPr lang="de-DE" sz="2800" dirty="0" smtClean="0"/>
@@ -5473,73 +5013,20 @@
             </a:r>
             <a:r>
               <a:rPr lang="de-DE" sz="2800" dirty="0" smtClean="0"/>
-              <a:t> Components </a:t>
-            </a:r>
-            <a:r>
-              <a:rPr lang="de-DE" sz="2800" dirty="0" err="1" smtClean="0"/>
-              <a:t>or</a:t>
+              <a:t> </a:t>
+            </a:r>
+            <a:r>
+              <a:rPr lang="de-DE" sz="2800" dirty="0"/>
+              <a:t>C</a:t>
             </a:r>
             <a:r>
               <a:rPr lang="de-DE" sz="2800" dirty="0" smtClean="0"/>
-              <a:t> </a:t>
-            </a:r>
-            <a:r>
-              <a:rPr lang="de-DE" sz="2800" dirty="0" err="1" smtClean="0"/>
-              <a:t>external</a:t>
+              <a:t>omponents</a:t>
             </a:r>
             <a:r>
               <a:rPr lang="de-DE" sz="2800" dirty="0" smtClean="0"/>
               <a:t> </a:t>
             </a:r>
-            <a:r>
-              <a:rPr lang="de-DE" sz="2800" dirty="0" err="1" smtClean="0"/>
-              <a:t>events</a:t>
-            </a:r>
-            <a:endParaRPr lang="de-DE" sz="2800" dirty="0" smtClean="0"/>
-          </a:p>
-          <a:p>
-            <a:pPr lvl="1"/>
-            <a:r>
-              <a:rPr lang="de-DE" sz="2400" dirty="0" smtClean="0"/>
-              <a:t>An </a:t>
-            </a:r>
-            <a:r>
-              <a:rPr lang="de-DE" sz="2400" dirty="0"/>
-              <a:t>A</a:t>
-            </a:r>
-            <a:r>
-              <a:rPr lang="de-DE" sz="2400" dirty="0" smtClean="0"/>
-              <a:t>ction </a:t>
-            </a:r>
-            <a:r>
-              <a:rPr lang="de-DE" sz="2400" dirty="0" err="1" smtClean="0"/>
-              <a:t>cannot</a:t>
-            </a:r>
-            <a:r>
-              <a:rPr lang="de-DE" sz="2400" dirty="0" smtClean="0"/>
-              <a:t> </a:t>
-            </a:r>
-            <a:r>
-              <a:rPr lang="de-DE" sz="2400" dirty="0" err="1" smtClean="0"/>
-              <a:t>trigger</a:t>
-            </a:r>
-            <a:r>
-              <a:rPr lang="de-DE" sz="2400" dirty="0" smtClean="0"/>
-              <a:t> </a:t>
-            </a:r>
-            <a:r>
-              <a:rPr lang="de-DE" sz="2400" dirty="0" err="1" smtClean="0"/>
-              <a:t>Another</a:t>
-            </a:r>
-            <a:r>
-              <a:rPr lang="de-DE" sz="2400" dirty="0" smtClean="0"/>
-              <a:t> </a:t>
-            </a:r>
-            <a:r>
-              <a:rPr lang="de-DE" sz="2400" dirty="0" err="1" smtClean="0"/>
-              <a:t>action</a:t>
-            </a:r>
-            <a:endParaRPr lang="de-DE" sz="2400" dirty="0" smtClean="0"/>
           </a:p>
           <a:p>
             <a:pPr marL="0" indent="0">
@@ -5633,24 +5120,18 @@
             </a:r>
             <a:r>
               <a:rPr lang="de-DE" sz="2800" dirty="0" smtClean="0"/>
-              <a:t> (</a:t>
-            </a:r>
-            <a:r>
-              <a:rPr lang="de-DE" sz="2800" dirty="0" err="1" smtClean="0">
-                <a:latin typeface="Courier New"/>
-                <a:cs typeface="Courier New"/>
-              </a:rPr>
-              <a:t>addUser</a:t>
-            </a:r>
+              <a:t> </a:t>
+            </a:r>
+            <a:endParaRPr lang="de-DE" sz="2800" dirty="0" smtClean="0"/>
+          </a:p>
+          <a:p>
             <a:r>
               <a:rPr lang="de-DE" sz="2800" dirty="0" smtClean="0"/>
-              <a:t>)</a:t>
-            </a:r>
-          </a:p>
-          <a:p>
+              <a:t>Pass </a:t>
+            </a:r>
             <a:r>
               <a:rPr lang="de-DE" sz="2800" dirty="0" smtClean="0"/>
-              <a:t>Pass Action </a:t>
+              <a:t>Action </a:t>
             </a:r>
             <a:r>
               <a:rPr lang="de-DE" sz="2800" dirty="0" err="1" smtClean="0"/>
@@ -5707,6 +5188,30 @@
           </a:p>
         </p:txBody>
       </p:sp>
+      <p:pic>
+        <p:nvPicPr>
+          <p:cNvPr id="4" name="Bild 3"/>
+          <p:cNvPicPr>
+            <a:picLocks noChangeAspect="1"/>
+          </p:cNvPicPr>
+          <p:nvPr/>
+        </p:nvPicPr>
+        <p:blipFill>
+          <a:blip r:embed="rId2"/>
+          <a:stretch>
+            <a:fillRect/>
+          </a:stretch>
+        </p:blipFill>
+        <p:spPr>
+          <a:xfrm>
+            <a:off x="6235700" y="965199"/>
+            <a:ext cx="2579311" cy="5416553"/>
+          </a:xfrm>
+          <a:prstGeom prst="rect">
+            <a:avLst/>
+          </a:prstGeom>
+        </p:spPr>
+      </p:pic>
     </p:spTree>
     <p:extLst>
       <p:ext uri="{BB962C8B-B14F-4D97-AF65-F5344CB8AC3E}">
@@ -5765,11 +5270,7 @@
             </a:r>
             <a:r>
               <a:rPr lang="de-DE" sz="2800" i="1" dirty="0" err="1" smtClean="0"/>
-              <a:t>t</a:t>
-            </a:r>
-            <a:r>
-              <a:rPr lang="de-DE" sz="2800" i="1" dirty="0" err="1" smtClean="0"/>
-              <a:t>echnical</a:t>
+              <a:t>technical</a:t>
             </a:r>
             <a:r>
               <a:rPr lang="de-DE" sz="2800" dirty="0" smtClean="0"/>
@@ -5807,8 +5308,46 @@
           </a:p>
           <a:p>
             <a:r>
+              <a:rPr lang="de-DE" sz="2800" dirty="0" err="1" smtClean="0"/>
+              <a:t>Only</a:t>
+            </a:r>
+            <a:r>
               <a:rPr lang="de-DE" sz="2800" dirty="0" smtClean="0"/>
-              <a:t>Forwards Actions </a:t>
+              <a:t> </a:t>
+            </a:r>
+            <a:r>
+              <a:rPr lang="de-DE" sz="2800" dirty="0" err="1" smtClean="0"/>
+              <a:t>one</a:t>
+            </a:r>
+            <a:r>
+              <a:rPr lang="de-DE" sz="2800" dirty="0" smtClean="0"/>
+              <a:t> Dispatcher in </a:t>
+            </a:r>
+            <a:r>
+              <a:rPr lang="de-DE" sz="2800" dirty="0" err="1" smtClean="0"/>
+              <a:t>your</a:t>
+            </a:r>
+            <a:r>
+              <a:rPr lang="de-DE" sz="2800" dirty="0" smtClean="0"/>
+              <a:t> </a:t>
+            </a:r>
+            <a:r>
+              <a:rPr lang="de-DE" sz="2800" dirty="0" err="1" smtClean="0"/>
+              <a:t>application</a:t>
+            </a:r>
+            <a:r>
+              <a:rPr lang="de-DE" sz="2800" dirty="0" smtClean="0"/>
+              <a:t> (singleton)</a:t>
+            </a:r>
+          </a:p>
+          <a:p>
+            <a:r>
+              <a:rPr lang="de-DE" sz="2800" dirty="0" smtClean="0"/>
+              <a:t>Forwards </a:t>
+            </a:r>
+            <a:r>
+              <a:rPr lang="de-DE" sz="2800" dirty="0" smtClean="0"/>
+              <a:t>Actions </a:t>
             </a:r>
             <a:r>
               <a:rPr lang="de-DE" sz="2800" dirty="0" err="1" smtClean="0"/>
@@ -5827,58 +5366,24 @@
               <a:t> </a:t>
             </a:r>
             <a:r>
+              <a:rPr lang="de-DE" sz="2800" dirty="0" smtClean="0"/>
+              <a:t>registered Stores</a:t>
+            </a:r>
+          </a:p>
+          <a:p>
+            <a:r>
+              <a:rPr lang="de-DE" sz="2800" dirty="0" smtClean="0"/>
+              <a:t>Works </a:t>
+            </a:r>
+            <a:r>
               <a:rPr lang="de-DE" sz="2800" dirty="0" err="1" smtClean="0"/>
-              <a:t>known</a:t>
+              <a:t>synchronous</a:t>
             </a:r>
             <a:r>
               <a:rPr lang="de-DE" sz="2800" dirty="0" smtClean="0"/>
-              <a:t> Stores</a:t>
-            </a:r>
-            <a:endParaRPr lang="de-DE" sz="2800" dirty="0" smtClean="0">
-              <a:solidFill>
-                <a:srgbClr val="2196F3"/>
-              </a:solidFill>
-            </a:endParaRPr>
-          </a:p>
-          <a:p>
-            <a:r>
-              <a:rPr lang="de-DE" sz="2800" dirty="0" err="1" smtClean="0"/>
-              <a:t>Only</a:t>
-            </a:r>
-            <a:r>
-              <a:rPr lang="de-DE" sz="2800" dirty="0" smtClean="0"/>
-              <a:t> </a:t>
-            </a:r>
-            <a:r>
-              <a:rPr lang="de-DE" sz="2800" dirty="0" err="1" smtClean="0"/>
-              <a:t>one</a:t>
-            </a:r>
-            <a:r>
-              <a:rPr lang="de-DE" sz="2800" dirty="0" smtClean="0"/>
-              <a:t> Dispatcher in </a:t>
-            </a:r>
-            <a:r>
-              <a:rPr lang="de-DE" sz="2800" dirty="0" err="1" smtClean="0"/>
-              <a:t>your</a:t>
-            </a:r>
-            <a:r>
-              <a:rPr lang="de-DE" sz="2800" dirty="0" smtClean="0"/>
-              <a:t> </a:t>
-            </a:r>
-            <a:r>
-              <a:rPr lang="de-DE" sz="2800" dirty="0" err="1" smtClean="0"/>
-              <a:t>application</a:t>
-            </a:r>
-            <a:r>
-              <a:rPr lang="de-DE" sz="2800" dirty="0" smtClean="0"/>
-              <a:t> (singleton)</a:t>
-            </a:r>
-          </a:p>
-          <a:p>
-            <a:pPr marL="457200" lvl="1" indent="0">
-              <a:buNone/>
-            </a:pPr>
-            <a:endParaRPr lang="de-DE" sz="2400" dirty="0"/>
+              <a:t>  </a:t>
+            </a:r>
+            <a:endParaRPr lang="de-DE" sz="2800" dirty="0" smtClean="0"/>
           </a:p>
           <a:p>
             <a:pPr marL="0" indent="0">
@@ -5915,7 +5420,7 @@
       </p:sp>
       <p:pic>
         <p:nvPicPr>
-          <p:cNvPr id="10" name="Bild 9"/>
+          <p:cNvPr id="4" name="Bild 3"/>
           <p:cNvPicPr>
             <a:picLocks noChangeAspect="1"/>
           </p:cNvPicPr>
@@ -5929,8 +5434,8 @@
         </p:blipFill>
         <p:spPr>
           <a:xfrm>
-            <a:off x="304800" y="2915742"/>
-            <a:ext cx="8407400" cy="3358058"/>
+            <a:off x="1241425" y="3131530"/>
+            <a:ext cx="6661150" cy="3320069"/>
           </a:xfrm>
           <a:prstGeom prst="rect">
             <a:avLst/>
@@ -6183,15 +5688,7 @@
             </a:r>
             <a:r>
               <a:rPr lang="de-DE" sz="2800" dirty="0" err="1" smtClean="0"/>
-              <a:t>their</a:t>
-            </a:r>
-            <a:r>
-              <a:rPr lang="de-DE" sz="2800" dirty="0" smtClean="0"/>
-              <a:t> </a:t>
-            </a:r>
-            <a:r>
-              <a:rPr lang="de-DE" sz="2800" dirty="0" err="1" smtClean="0"/>
-              <a:t>state</a:t>
+              <a:t>model</a:t>
             </a:r>
             <a:endParaRPr lang="de-DE" sz="2800" dirty="0" smtClean="0"/>
           </a:p>
@@ -6242,7 +5739,7 @@
       </p:sp>
       <p:pic>
         <p:nvPicPr>
-          <p:cNvPr id="7" name="Bild 6"/>
+          <p:cNvPr id="4" name="Bild 3"/>
           <p:cNvPicPr>
             <a:picLocks noChangeAspect="1"/>
           </p:cNvPicPr>
@@ -6256,8 +5753,8 @@
         </p:blipFill>
         <p:spPr>
           <a:xfrm>
-            <a:off x="991761" y="3695700"/>
-            <a:ext cx="7160479" cy="2641600"/>
+            <a:off x="876300" y="3581399"/>
+            <a:ext cx="7391400" cy="2843957"/>
           </a:xfrm>
           <a:prstGeom prst="rect">
             <a:avLst/>
@@ -9404,254 +8901,6 @@
       </p:grpSpPr>
       <p:sp>
         <p:nvSpPr>
-          <p:cNvPr id="9" name="Inhaltsplatzhalter 8"/>
-          <p:cNvSpPr>
-            <a:spLocks noGrp="1"/>
-          </p:cNvSpPr>
-          <p:nvPr>
-            <p:ph idx="1"/>
-          </p:nvPr>
-        </p:nvSpPr>
-        <p:spPr>
-          <a:xfrm>
-            <a:off x="315884" y="5496658"/>
-            <a:ext cx="8512232" cy="956677"/>
-          </a:xfrm>
-        </p:spPr>
-        <p:txBody>
-          <a:bodyPr>
-            <a:normAutofit fontScale="85000" lnSpcReduction="10000"/>
-          </a:bodyPr>
-          <a:lstStyle/>
-          <a:p>
-            <a:pPr marL="0" indent="0">
-              <a:buNone/>
-            </a:pPr>
-            <a:r>
-              <a:rPr lang="de-DE" b="1" dirty="0" smtClean="0"/>
-              <a:t>Date </a:t>
-            </a:r>
-            <a:r>
-              <a:rPr lang="de-DE" b="1" dirty="0" err="1" smtClean="0"/>
-              <a:t>exchange</a:t>
-            </a:r>
-            <a:r>
-              <a:rPr lang="de-DE" b="1" dirty="0" smtClean="0"/>
-              <a:t> </a:t>
-            </a:r>
-            <a:r>
-              <a:rPr lang="de-DE" b="1" dirty="0" err="1" smtClean="0"/>
-              <a:t>between</a:t>
-            </a:r>
-            <a:r>
-              <a:rPr lang="de-DE" b="1" dirty="0" smtClean="0"/>
-              <a:t> </a:t>
-            </a:r>
-            <a:r>
-              <a:rPr lang="de-DE" b="1" dirty="0" err="1" smtClean="0"/>
-              <a:t>component</a:t>
-            </a:r>
-            <a:r>
-              <a:rPr lang="de-DE" b="1" dirty="0" smtClean="0"/>
-              <a:t> </a:t>
-            </a:r>
-            <a:r>
-              <a:rPr lang="de-DE" b="1" dirty="0" err="1" smtClean="0"/>
-              <a:t>trees</a:t>
-            </a:r>
-            <a:endParaRPr lang="de-DE" b="1" dirty="0" smtClean="0"/>
-          </a:p>
-          <a:p>
-            <a:r>
-              <a:rPr lang="de-DE" dirty="0" smtClean="0"/>
-              <a:t>Independent </a:t>
-            </a:r>
-            <a:r>
-              <a:rPr lang="de-DE" dirty="0" err="1" smtClean="0"/>
-              <a:t>component</a:t>
-            </a:r>
-            <a:r>
-              <a:rPr lang="de-DE" dirty="0" smtClean="0"/>
-              <a:t> </a:t>
-            </a:r>
-            <a:r>
-              <a:rPr lang="de-DE" dirty="0" err="1" smtClean="0"/>
-              <a:t>trees</a:t>
-            </a:r>
-            <a:r>
-              <a:rPr lang="de-DE" dirty="0" smtClean="0"/>
-              <a:t> </a:t>
-            </a:r>
-            <a:r>
-              <a:rPr lang="de-DE" dirty="0" err="1" smtClean="0"/>
-              <a:t>wants</a:t>
-            </a:r>
-            <a:r>
-              <a:rPr lang="de-DE" dirty="0" smtClean="0"/>
-              <a:t> </a:t>
-            </a:r>
-            <a:r>
-              <a:rPr lang="de-DE" dirty="0" err="1" smtClean="0"/>
-              <a:t>to</a:t>
-            </a:r>
-            <a:r>
-              <a:rPr lang="de-DE" dirty="0" smtClean="0"/>
-              <a:t> </a:t>
-            </a:r>
-            <a:r>
-              <a:rPr lang="de-DE" dirty="0" err="1" smtClean="0"/>
-              <a:t>exchange</a:t>
-            </a:r>
-            <a:r>
-              <a:rPr lang="de-DE" dirty="0" smtClean="0"/>
-              <a:t> </a:t>
-            </a:r>
-            <a:r>
-              <a:rPr lang="de-DE" dirty="0" err="1" smtClean="0"/>
-              <a:t>data</a:t>
-            </a:r>
-            <a:endParaRPr lang="de-DE" dirty="0" smtClean="0"/>
-          </a:p>
-        </p:txBody>
-      </p:sp>
-      <p:sp>
-        <p:nvSpPr>
-          <p:cNvPr id="2" name="Titel 1"/>
-          <p:cNvSpPr>
-            <a:spLocks noGrp="1"/>
-          </p:cNvSpPr>
-          <p:nvPr>
-            <p:ph type="title"/>
-          </p:nvPr>
-        </p:nvSpPr>
-        <p:spPr/>
-        <p:txBody>
-          <a:bodyPr>
-            <a:normAutofit fontScale="90000"/>
-          </a:bodyPr>
-          <a:lstStyle/>
-          <a:p>
-            <a:r>
-              <a:rPr lang="de-DE" dirty="0" smtClean="0"/>
-              <a:t>MULTIPLE COMPONENT HIERARCHIES (III)</a:t>
-            </a:r>
-            <a:endParaRPr lang="de-DE" dirty="0"/>
-          </a:p>
-        </p:txBody>
-      </p:sp>
-      <p:cxnSp>
-        <p:nvCxnSpPr>
-          <p:cNvPr id="13" name="Gerade Verbindung 12"/>
-          <p:cNvCxnSpPr/>
-          <p:nvPr/>
-        </p:nvCxnSpPr>
-        <p:spPr>
-          <a:xfrm>
-            <a:off x="4572000" y="980728"/>
-            <a:ext cx="0" cy="4515930"/>
-          </a:xfrm>
-          <a:prstGeom prst="line">
-            <a:avLst/>
-          </a:prstGeom>
-          <a:ln>
-            <a:solidFill>
-              <a:schemeClr val="bg1">
-                <a:lumMod val="50000"/>
-              </a:schemeClr>
-            </a:solidFill>
-            <a:prstDash val="dash"/>
-          </a:ln>
-          <a:effectLst/>
-        </p:spPr>
-        <p:style>
-          <a:lnRef idx="2">
-            <a:schemeClr val="accent1"/>
-          </a:lnRef>
-          <a:fillRef idx="0">
-            <a:schemeClr val="accent1"/>
-          </a:fillRef>
-          <a:effectRef idx="1">
-            <a:schemeClr val="accent1"/>
-          </a:effectRef>
-          <a:fontRef idx="minor">
-            <a:schemeClr val="tx1"/>
-          </a:fontRef>
-        </p:style>
-      </p:cxnSp>
-      <p:sp>
-        <p:nvSpPr>
-          <p:cNvPr id="3" name="Textfeld 2"/>
-          <p:cNvSpPr txBox="1"/>
-          <p:nvPr/>
-        </p:nvSpPr>
-        <p:spPr>
-          <a:xfrm>
-            <a:off x="1691680" y="1700808"/>
-            <a:ext cx="4725572" cy="646331"/>
-          </a:xfrm>
-          <a:prstGeom prst="rect">
-            <a:avLst/>
-          </a:prstGeom>
-          <a:noFill/>
-        </p:spPr>
-        <p:txBody>
-          <a:bodyPr wrap="none" rtlCol="0">
-            <a:spAutoFit/>
-          </a:bodyPr>
-          <a:lstStyle/>
-          <a:p>
-            <a:r>
-              <a:rPr lang="de-DE" dirty="0" smtClean="0"/>
-              <a:t>NOTWENDIG???</a:t>
-            </a:r>
-          </a:p>
-          <a:p>
-            <a:r>
-              <a:rPr lang="de-DE" dirty="0" smtClean="0"/>
-              <a:t>Im Prinzip eine Abwandlung von der Folie davor:</a:t>
-            </a:r>
-          </a:p>
-        </p:txBody>
-      </p:sp>
-    </p:spTree>
-    <p:extLst>
-      <p:ext uri="{BB962C8B-B14F-4D97-AF65-F5344CB8AC3E}">
-        <p14:creationId xmlns:p14="http://schemas.microsoft.com/office/powerpoint/2010/main" val="2829218554"/>
-      </p:ext>
-    </p:extLst>
-  </p:cSld>
-  <p:clrMapOvr>
-    <a:masterClrMapping/>
-  </p:clrMapOvr>
-  <p:timing>
-    <p:tnLst>
-      <p:par>
-        <p:cTn xmlns:p14="http://schemas.microsoft.com/office/powerpoint/2010/main" id="1" dur="indefinite" restart="never" nodeType="tmRoot"/>
-      </p:par>
-    </p:tnLst>
-  </p:timing>
-</p:sld>
-</file>
-
-<file path=ppt/slides/slide7.xml><?xml version="1.0" encoding="utf-8"?>
-<p:sld xmlns:a="http://schemas.openxmlformats.org/drawingml/2006/main" xmlns:r="http://schemas.openxmlformats.org/officeDocument/2006/relationships" xmlns:p="http://schemas.openxmlformats.org/presentationml/2006/main">
-  <p:cSld>
-    <p:spTree>
-      <p:nvGrpSpPr>
-        <p:cNvPr id="1" name=""/>
-        <p:cNvGrpSpPr/>
-        <p:nvPr/>
-      </p:nvGrpSpPr>
-      <p:grpSpPr>
-        <a:xfrm>
-          <a:off x="0" y="0"/>
-          <a:ext cx="0" cy="0"/>
-          <a:chOff x="0" y="0"/>
-          <a:chExt cx="0" cy="0"/>
-        </a:xfrm>
-      </p:grpSpPr>
-      <p:sp>
-        <p:nvSpPr>
           <p:cNvPr id="3" name="Titel 2"/>
           <p:cNvSpPr>
             <a:spLocks noGrp="1"/>
@@ -9982,7 +9231,7 @@
 </p:sld>
 </file>
 
-<file path=ppt/slides/slide8.xml><?xml version="1.0" encoding="utf-8"?>
+<file path=ppt/slides/slide7.xml><?xml version="1.0" encoding="utf-8"?>
 <p:sld xmlns:a="http://schemas.openxmlformats.org/drawingml/2006/main" xmlns:r="http://schemas.openxmlformats.org/officeDocument/2006/relationships" xmlns:p="http://schemas.openxmlformats.org/presentationml/2006/main">
   <p:cSld>
     <p:spTree>
@@ -10260,6 +9509,366 @@
     <p:extLst>
       <p:ext uri="{BB962C8B-B14F-4D97-AF65-F5344CB8AC3E}">
         <p14:creationId xmlns:p14="http://schemas.microsoft.com/office/powerpoint/2010/main" val="3588911668"/>
+      </p:ext>
+    </p:extLst>
+  </p:cSld>
+  <p:clrMapOvr>
+    <a:masterClrMapping/>
+  </p:clrMapOvr>
+  <p:timing>
+    <p:tnLst>
+      <p:par>
+        <p:cTn xmlns:p14="http://schemas.microsoft.com/office/powerpoint/2010/main" id="1" dur="indefinite" restart="never" nodeType="tmRoot"/>
+      </p:par>
+    </p:tnLst>
+  </p:timing>
+</p:sld>
+</file>
+
+<file path=ppt/slides/slide8.xml><?xml version="1.0" encoding="utf-8"?>
+<p:sld xmlns:a="http://schemas.openxmlformats.org/drawingml/2006/main" xmlns:r="http://schemas.openxmlformats.org/officeDocument/2006/relationships" xmlns:p="http://schemas.openxmlformats.org/presentationml/2006/main">
+  <p:cSld>
+    <p:spTree>
+      <p:nvGrpSpPr>
+        <p:cNvPr id="1" name=""/>
+        <p:cNvGrpSpPr/>
+        <p:nvPr/>
+      </p:nvGrpSpPr>
+      <p:grpSpPr>
+        <a:xfrm>
+          <a:off x="0" y="0"/>
+          <a:ext cx="0" cy="0"/>
+          <a:chOff x="0" y="0"/>
+          <a:chExt cx="0" cy="0"/>
+        </a:xfrm>
+      </p:grpSpPr>
+      <p:sp>
+        <p:nvSpPr>
+          <p:cNvPr id="2" name="Inhaltsplatzhalter 1"/>
+          <p:cNvSpPr>
+            <a:spLocks noGrp="1"/>
+          </p:cNvSpPr>
+          <p:nvPr>
+            <p:ph idx="1"/>
+          </p:nvPr>
+        </p:nvSpPr>
+        <p:spPr>
+          <a:xfrm>
+            <a:off x="315884" y="4200534"/>
+            <a:ext cx="8512232" cy="2437333"/>
+          </a:xfrm>
+        </p:spPr>
+        <p:txBody>
+          <a:bodyPr>
+            <a:noAutofit/>
+          </a:bodyPr>
+          <a:lstStyle/>
+          <a:p>
+            <a:pPr marL="0" indent="0">
+              <a:buNone/>
+            </a:pPr>
+            <a:r>
+              <a:rPr lang="de-DE" sz="3000" b="1" dirty="0" err="1" smtClean="0">
+                <a:solidFill>
+                  <a:srgbClr val="3F51B5"/>
+                </a:solidFill>
+              </a:rPr>
+              <a:t>Component</a:t>
+            </a:r>
+            <a:r>
+              <a:rPr lang="de-DE" sz="3000" b="1" dirty="0" smtClean="0"/>
+              <a:t> </a:t>
+            </a:r>
+            <a:r>
+              <a:rPr lang="de-DE" sz="3000" b="1" dirty="0" err="1" smtClean="0"/>
+              <a:t>triggers</a:t>
+            </a:r>
+            <a:r>
+              <a:rPr lang="de-DE" sz="3000" b="1" dirty="0" smtClean="0"/>
+              <a:t> an </a:t>
+            </a:r>
+            <a:r>
+              <a:rPr lang="de-DE" sz="3000" b="1" dirty="0" smtClean="0">
+                <a:solidFill>
+                  <a:srgbClr val="E84528"/>
+                </a:solidFill>
+              </a:rPr>
+              <a:t>Action </a:t>
+            </a:r>
+            <a:r>
+              <a:rPr lang="de-DE" sz="3000" b="1" dirty="0" err="1" smtClean="0"/>
+              <a:t>using</a:t>
+            </a:r>
+            <a:r>
+              <a:rPr lang="de-DE" sz="3000" b="1" dirty="0" smtClean="0"/>
+              <a:t> an </a:t>
+            </a:r>
+            <a:r>
+              <a:rPr lang="de-DE" sz="3000" b="1" dirty="0" err="1" smtClean="0">
+                <a:solidFill>
+                  <a:srgbClr val="E84528"/>
+                </a:solidFill>
+              </a:rPr>
+              <a:t>ActionCreator</a:t>
+            </a:r>
+            <a:endParaRPr lang="de-DE" sz="3000" b="1" dirty="0" smtClean="0">
+              <a:solidFill>
+                <a:srgbClr val="E84528"/>
+              </a:solidFill>
+            </a:endParaRPr>
+          </a:p>
+          <a:p>
+            <a:pPr marL="0" indent="0">
+              <a:buNone/>
+            </a:pPr>
+            <a:endParaRPr lang="de-DE" sz="2400" b="1" dirty="0" smtClean="0">
+              <a:latin typeface="Courier New" panose="02070309020205020404" pitchFamily="49" charset="0"/>
+              <a:cs typeface="Courier New" panose="02070309020205020404" pitchFamily="49" charset="0"/>
+            </a:endParaRPr>
+          </a:p>
+          <a:p>
+            <a:pPr marL="0" indent="0">
+              <a:buNone/>
+            </a:pPr>
+            <a:endParaRPr lang="de-DE" sz="2400" b="1" dirty="0" smtClean="0">
+              <a:latin typeface="Courier New" panose="02070309020205020404" pitchFamily="49" charset="0"/>
+              <a:cs typeface="Courier New" panose="02070309020205020404" pitchFamily="49" charset="0"/>
+            </a:endParaRPr>
+          </a:p>
+          <a:p>
+            <a:pPr marL="0" indent="0">
+              <a:buNone/>
+            </a:pPr>
+            <a:endParaRPr lang="de-DE" b="1" dirty="0" smtClean="0">
+              <a:latin typeface="Courier New" panose="02070309020205020404" pitchFamily="49" charset="0"/>
+              <a:cs typeface="Courier New" panose="02070309020205020404" pitchFamily="49" charset="0"/>
+            </a:endParaRPr>
+          </a:p>
+          <a:p>
+            <a:endParaRPr lang="de-DE" dirty="0" smtClean="0"/>
+          </a:p>
+          <a:p>
+            <a:pPr marL="0" indent="0">
+              <a:buNone/>
+            </a:pPr>
+            <a:endParaRPr lang="de-DE" dirty="0"/>
+          </a:p>
+        </p:txBody>
+      </p:sp>
+      <p:sp>
+        <p:nvSpPr>
+          <p:cNvPr id="3" name="Titel 2"/>
+          <p:cNvSpPr>
+            <a:spLocks noGrp="1"/>
+          </p:cNvSpPr>
+          <p:nvPr>
+            <p:ph type="title"/>
+          </p:nvPr>
+        </p:nvSpPr>
+        <p:spPr/>
+        <p:txBody>
+          <a:bodyPr>
+            <a:normAutofit fontScale="90000"/>
+          </a:bodyPr>
+          <a:lstStyle/>
+          <a:p>
+            <a:r>
+              <a:rPr lang="de-DE" dirty="0" smtClean="0"/>
+              <a:t>UNI-DIRECTIONAL DATA FLOW - 1</a:t>
+            </a:r>
+            <a:endParaRPr lang="de-DE" dirty="0"/>
+          </a:p>
+        </p:txBody>
+      </p:sp>
+      <p:sp>
+        <p:nvSpPr>
+          <p:cNvPr id="6" name="Rechteck 5"/>
+          <p:cNvSpPr/>
+          <p:nvPr/>
+        </p:nvSpPr>
+        <p:spPr>
+          <a:xfrm>
+            <a:off x="2051720" y="5085184"/>
+            <a:ext cx="5040560" cy="1030228"/>
+          </a:xfrm>
+          <a:prstGeom prst="rect">
+            <a:avLst/>
+          </a:prstGeom>
+          <a:solidFill>
+            <a:schemeClr val="bg1"/>
+          </a:solidFill>
+          <a:ln>
+            <a:noFill/>
+          </a:ln>
+          <a:effectLst>
+            <a:outerShdw blurRad="50800" dist="38100" dir="2700000" algn="tl" rotWithShape="0">
+              <a:prstClr val="black">
+                <a:alpha val="40000"/>
+              </a:prstClr>
+            </a:outerShdw>
+          </a:effectLst>
+        </p:spPr>
+        <p:style>
+          <a:lnRef idx="1">
+            <a:schemeClr val="accent1"/>
+          </a:lnRef>
+          <a:fillRef idx="3">
+            <a:schemeClr val="accent1"/>
+          </a:fillRef>
+          <a:effectRef idx="2">
+            <a:schemeClr val="accent1"/>
+          </a:effectRef>
+          <a:fontRef idx="minor">
+            <a:schemeClr val="lt1"/>
+          </a:fontRef>
+        </p:style>
+        <p:txBody>
+          <a:bodyPr rtlCol="0" anchor="t" anchorCtr="0"/>
+          <a:lstStyle/>
+          <a:p>
+            <a:r>
+              <a:rPr lang="de-DE" b="1" dirty="0" smtClean="0">
+                <a:solidFill>
+                  <a:srgbClr val="4E4D4D"/>
+                </a:solidFill>
+                <a:latin typeface="Courier New" panose="02070309020205020404" pitchFamily="49" charset="0"/>
+                <a:cs typeface="Courier New" panose="02070309020205020404" pitchFamily="49" charset="0"/>
+              </a:rPr>
+              <a:t>&lt;</a:t>
+            </a:r>
+            <a:r>
+              <a:rPr lang="de-DE" b="1" dirty="0" err="1" smtClean="0">
+                <a:solidFill>
+                  <a:srgbClr val="4E4D4D"/>
+                </a:solidFill>
+                <a:latin typeface="Courier New" panose="02070309020205020404" pitchFamily="49" charset="0"/>
+                <a:cs typeface="Courier New" panose="02070309020205020404" pitchFamily="49" charset="0"/>
+              </a:rPr>
+              <a:t>button</a:t>
+            </a:r>
+            <a:r>
+              <a:rPr lang="de-DE" b="1" dirty="0" smtClean="0">
+                <a:solidFill>
+                  <a:srgbClr val="4E4D4D"/>
+                </a:solidFill>
+                <a:latin typeface="Courier New" panose="02070309020205020404" pitchFamily="49" charset="0"/>
+                <a:cs typeface="Courier New" panose="02070309020205020404" pitchFamily="49" charset="0"/>
+              </a:rPr>
+              <a:t> </a:t>
+            </a:r>
+            <a:r>
+              <a:rPr lang="de-DE" b="1" dirty="0" err="1">
+                <a:solidFill>
+                  <a:srgbClr val="4E4D4D"/>
+                </a:solidFill>
+                <a:latin typeface="Courier New" panose="02070309020205020404" pitchFamily="49" charset="0"/>
+                <a:cs typeface="Courier New" panose="02070309020205020404" pitchFamily="49" charset="0"/>
+              </a:rPr>
+              <a:t>onClick</a:t>
+            </a:r>
+            <a:r>
+              <a:rPr lang="de-DE" b="1" dirty="0">
+                <a:solidFill>
+                  <a:srgbClr val="4E4D4D"/>
+                </a:solidFill>
+                <a:latin typeface="Courier New" panose="02070309020205020404" pitchFamily="49" charset="0"/>
+                <a:cs typeface="Courier New" panose="02070309020205020404" pitchFamily="49" charset="0"/>
+              </a:rPr>
+              <a:t>={()=&gt; {	</a:t>
+            </a:r>
+          </a:p>
+          <a:p>
+            <a:r>
+              <a:rPr lang="de-DE" b="1" dirty="0">
+                <a:solidFill>
+                  <a:srgbClr val="4E4D4D"/>
+                </a:solidFill>
+                <a:latin typeface="Courier New" panose="02070309020205020404" pitchFamily="49" charset="0"/>
+                <a:cs typeface="Courier New" panose="02070309020205020404" pitchFamily="49" charset="0"/>
+              </a:rPr>
+              <a:t>	</a:t>
+            </a:r>
+            <a:r>
+              <a:rPr lang="de-DE" b="1" dirty="0" err="1">
+                <a:solidFill>
+                  <a:srgbClr val="E84528"/>
+                </a:solidFill>
+                <a:latin typeface="Courier New" panose="02070309020205020404" pitchFamily="49" charset="0"/>
+                <a:cs typeface="Courier New" panose="02070309020205020404" pitchFamily="49" charset="0"/>
+              </a:rPr>
+              <a:t>UserActionCreators</a:t>
+            </a:r>
+            <a:r>
+              <a:rPr lang="de-DE" b="1" dirty="0" err="1">
+                <a:solidFill>
+                  <a:srgbClr val="4E4D4D"/>
+                </a:solidFill>
+                <a:latin typeface="Courier New" panose="02070309020205020404" pitchFamily="49" charset="0"/>
+                <a:cs typeface="Courier New" panose="02070309020205020404" pitchFamily="49" charset="0"/>
+              </a:rPr>
+              <a:t>.addUser</a:t>
+            </a:r>
+            <a:r>
+              <a:rPr lang="de-DE" b="1" dirty="0">
+                <a:solidFill>
+                  <a:srgbClr val="4E4D4D"/>
+                </a:solidFill>
+                <a:latin typeface="Courier New" panose="02070309020205020404" pitchFamily="49" charset="0"/>
+                <a:cs typeface="Courier New" panose="02070309020205020404" pitchFamily="49" charset="0"/>
+              </a:rPr>
+              <a:t>(...);</a:t>
+            </a:r>
+          </a:p>
+          <a:p>
+            <a:r>
+              <a:rPr lang="de-DE" b="1" dirty="0">
+                <a:solidFill>
+                  <a:srgbClr val="4E4D4D"/>
+                </a:solidFill>
+                <a:latin typeface="Courier New" panose="02070309020205020404" pitchFamily="49" charset="0"/>
+                <a:cs typeface="Courier New" panose="02070309020205020404" pitchFamily="49" charset="0"/>
+              </a:rPr>
+              <a:t>}} /&gt;</a:t>
+            </a:r>
+          </a:p>
+          <a:p>
+            <a:pPr algn="ctr"/>
+            <a:endParaRPr lang="de-DE" dirty="0">
+              <a:solidFill>
+                <a:srgbClr val="4E4D4D"/>
+              </a:solidFill>
+            </a:endParaRPr>
+          </a:p>
+        </p:txBody>
+      </p:sp>
+      <p:pic>
+        <p:nvPicPr>
+          <p:cNvPr id="5" name="Bild 4"/>
+          <p:cNvPicPr>
+            <a:picLocks noChangeAspect="1"/>
+          </p:cNvPicPr>
+          <p:nvPr/>
+        </p:nvPicPr>
+        <p:blipFill>
+          <a:blip r:embed="rId2"/>
+          <a:stretch>
+            <a:fillRect/>
+          </a:stretch>
+        </p:blipFill>
+        <p:spPr>
+          <a:xfrm>
+            <a:off x="3503176" y="1052736"/>
+            <a:ext cx="4741232" cy="1656183"/>
+          </a:xfrm>
+          <a:prstGeom prst="rect">
+            <a:avLst/>
+          </a:prstGeom>
+        </p:spPr>
+      </p:pic>
+    </p:spTree>
+    <p:extLst>
+      <p:ext uri="{BB962C8B-B14F-4D97-AF65-F5344CB8AC3E}">
+        <p14:creationId xmlns:p14="http://schemas.microsoft.com/office/powerpoint/2010/main" val="1184210909"/>
       </p:ext>
     </p:extLst>
   </p:cSld>
@@ -10321,22 +9930,10 @@
             <a:r>
               <a:rPr lang="de-DE" sz="3000" b="1" dirty="0" err="1" smtClean="0">
                 <a:solidFill>
-                  <a:srgbClr val="3F51B5"/>
-                </a:solidFill>
-              </a:rPr>
-              <a:t>Component</a:t>
-            </a:r>
-            <a:r>
-              <a:rPr lang="de-DE" sz="3000" b="1" dirty="0" smtClean="0"/>
-              <a:t> </a:t>
-            </a:r>
-            <a:r>
-              <a:rPr lang="de-DE" sz="3000" b="1" dirty="0" err="1" smtClean="0"/>
-              <a:t>triggers</a:t>
-            </a:r>
-            <a:r>
-              <a:rPr lang="de-DE" sz="3000" b="1" dirty="0" smtClean="0"/>
-              <a:t> an </a:t>
+                  <a:srgbClr val="E84528"/>
+                </a:solidFill>
+              </a:rPr>
+              <a:t>ActionCreator</a:t>
             </a:r>
             <a:r>
               <a:rPr lang="de-DE" sz="3000" b="1" dirty="0" smtClean="0">
@@ -10344,59 +9941,56 @@
                   <a:srgbClr val="E84528"/>
                 </a:solidFill>
               </a:rPr>
-              <a:t>Action </a:t>
-            </a:r>
-            <a:r>
-              <a:rPr lang="de-DE" sz="3000" b="1" dirty="0" err="1" smtClean="0"/>
-              <a:t>using</a:t>
-            </a:r>
-            <a:r>
-              <a:rPr lang="de-DE" sz="3000" b="1" dirty="0" smtClean="0"/>
-              <a:t> an </a:t>
+              <a:t> </a:t>
             </a:r>
             <a:r>
               <a:rPr lang="de-DE" sz="3000" b="1" dirty="0" err="1" smtClean="0">
                 <a:solidFill>
+                  <a:srgbClr val="4E4D4D"/>
+                </a:solidFill>
+              </a:rPr>
+              <a:t>sends</a:t>
+            </a:r>
+            <a:r>
+              <a:rPr lang="de-DE" sz="3000" b="1" dirty="0" smtClean="0">
+                <a:solidFill>
+                  <a:srgbClr val="4E4D4D"/>
+                </a:solidFill>
+              </a:rPr>
+              <a:t> </a:t>
+            </a:r>
+            <a:r>
+              <a:rPr lang="de-DE" sz="3000" b="1" dirty="0" smtClean="0">
+                <a:solidFill>
                   <a:srgbClr val="E84528"/>
                 </a:solidFill>
               </a:rPr>
-              <a:t>ActionCreator</a:t>
-            </a:r>
-            <a:endParaRPr lang="de-DE" sz="3000" b="1" dirty="0" smtClean="0">
-              <a:solidFill>
-                <a:srgbClr val="E84528"/>
-              </a:solidFill>
-            </a:endParaRPr>
-          </a:p>
-          <a:p>
-            <a:pPr marL="0" indent="0">
-              <a:buNone/>
-            </a:pPr>
-            <a:endParaRPr lang="de-DE" sz="2400" b="1" dirty="0" smtClean="0">
-              <a:latin typeface="Courier New" panose="02070309020205020404" pitchFamily="49" charset="0"/>
-              <a:cs typeface="Courier New" panose="02070309020205020404" pitchFamily="49" charset="0"/>
-            </a:endParaRPr>
-          </a:p>
-          <a:p>
-            <a:pPr marL="0" indent="0">
-              <a:buNone/>
-            </a:pPr>
-            <a:endParaRPr lang="de-DE" sz="2400" b="1" dirty="0" smtClean="0">
-              <a:latin typeface="Courier New" panose="02070309020205020404" pitchFamily="49" charset="0"/>
-              <a:cs typeface="Courier New" panose="02070309020205020404" pitchFamily="49" charset="0"/>
-            </a:endParaRPr>
-          </a:p>
-          <a:p>
-            <a:pPr marL="0" indent="0">
-              <a:buNone/>
-            </a:pPr>
-            <a:endParaRPr lang="de-DE" b="1" dirty="0" smtClean="0">
-              <a:latin typeface="Courier New" panose="02070309020205020404" pitchFamily="49" charset="0"/>
-              <a:cs typeface="Courier New" panose="02070309020205020404" pitchFamily="49" charset="0"/>
-            </a:endParaRPr>
-          </a:p>
-          <a:p>
-            <a:endParaRPr lang="de-DE" dirty="0" smtClean="0"/>
+              <a:t>Action</a:t>
+            </a:r>
+            <a:r>
+              <a:rPr lang="de-DE" sz="3000" b="1" dirty="0" smtClean="0">
+                <a:solidFill>
+                  <a:srgbClr val="4E4D4D"/>
+                </a:solidFill>
+              </a:rPr>
+              <a:t> </a:t>
+            </a:r>
+            <a:r>
+              <a:rPr lang="de-DE" sz="3000" b="1" dirty="0" err="1" smtClean="0">
+                <a:solidFill>
+                  <a:srgbClr val="4E4D4D"/>
+                </a:solidFill>
+              </a:rPr>
+              <a:t>to</a:t>
+            </a:r>
+            <a:r>
+              <a:rPr lang="de-DE" sz="3000" b="1" dirty="0" smtClean="0">
+                <a:solidFill>
+                  <a:srgbClr val="4E4D4D"/>
+                </a:solidFill>
+              </a:rPr>
+              <a:t> Central Dispatcher</a:t>
+            </a:r>
           </a:p>
           <a:p>
             <a:pPr marL="0" indent="0">
@@ -10425,7 +10019,7 @@
           <a:p>
             <a:r>
               <a:rPr lang="de-DE" dirty="0" smtClean="0"/>
-              <a:t>UNI-DIRECTIONAL DATA FLOW - 1</a:t>
+              <a:t>UNI-DIRECTIONAL DATA FLOW - 2</a:t>
             </a:r>
             <a:endParaRPr lang="de-DE" dirty="0"/>
           </a:p>
@@ -10433,14 +10027,14 @@
       </p:sp>
       <p:sp>
         <p:nvSpPr>
-          <p:cNvPr id="6" name="Rechteck 5"/>
+          <p:cNvPr id="5" name="Rechteck 4"/>
           <p:cNvSpPr/>
           <p:nvPr/>
         </p:nvSpPr>
         <p:spPr>
           <a:xfrm>
-            <a:off x="2051720" y="5085184"/>
-            <a:ext cx="5040560" cy="1030228"/>
+            <a:off x="2195736" y="4725144"/>
+            <a:ext cx="4752528" cy="1840715"/>
           </a:xfrm>
           <a:prstGeom prst="rect">
             <a:avLst/>
@@ -10478,45 +10072,47 @@
           <a:lstStyle/>
           <a:p>
             <a:r>
-              <a:rPr lang="de-DE" b="1" dirty="0" smtClean="0">
+              <a:rPr lang="de-DE" b="1" dirty="0" err="1" smtClean="0">
                 <a:solidFill>
                   <a:srgbClr val="4E4D4D"/>
                 </a:solidFill>
                 <a:latin typeface="Courier New" panose="02070309020205020404" pitchFamily="49" charset="0"/>
                 <a:cs typeface="Courier New" panose="02070309020205020404" pitchFamily="49" charset="0"/>
               </a:rPr>
-              <a:t>&lt;</a:t>
-            </a:r>
-            <a:r>
-              <a:rPr lang="de-DE" b="1" dirty="0" err="1" smtClean="0">
+              <a:t>addUser</a:t>
+            </a:r>
+            <a:r>
+              <a:rPr lang="de-DE" b="1" dirty="0" smtClean="0">
                 <a:solidFill>
                   <a:srgbClr val="4E4D4D"/>
                 </a:solidFill>
                 <a:latin typeface="Courier New" panose="02070309020205020404" pitchFamily="49" charset="0"/>
                 <a:cs typeface="Courier New" panose="02070309020205020404" pitchFamily="49" charset="0"/>
               </a:rPr>
-              <a:t>button</a:t>
-            </a:r>
-            <a:r>
-              <a:rPr lang="de-DE" b="1" dirty="0" smtClean="0">
+              <a:t>(</a:t>
+            </a:r>
+            <a:r>
+              <a:rPr lang="de-DE" b="1" dirty="0" err="1" smtClean="0">
                 <a:solidFill>
                   <a:srgbClr val="4E4D4D"/>
                 </a:solidFill>
                 <a:latin typeface="Courier New" panose="02070309020205020404" pitchFamily="49" charset="0"/>
                 <a:cs typeface="Courier New" panose="02070309020205020404" pitchFamily="49" charset="0"/>
               </a:rPr>
-              <a:t> </a:t>
-            </a:r>
-            <a:r>
-              <a:rPr lang="de-DE" b="1" dirty="0" err="1">
+              <a:t>name</a:t>
+            </a:r>
+            <a:r>
+              <a:rPr lang="de-DE" b="1" dirty="0">
                 <a:solidFill>
                   <a:srgbClr val="4E4D4D"/>
                 </a:solidFill>
                 <a:latin typeface="Courier New" panose="02070309020205020404" pitchFamily="49" charset="0"/>
                 <a:cs typeface="Courier New" panose="02070309020205020404" pitchFamily="49" charset="0"/>
               </a:rPr>
-              <a:t>onClick</a:t>
-            </a:r>
+              <a:t>) {</a:t>
+            </a:r>
+          </a:p>
+          <a:p>
             <a:r>
               <a:rPr lang="de-DE" b="1" dirty="0">
                 <a:solidFill>
@@ -10525,40 +10121,42 @@
                 <a:latin typeface="Courier New" panose="02070309020205020404" pitchFamily="49" charset="0"/>
                 <a:cs typeface="Courier New" panose="02070309020205020404" pitchFamily="49" charset="0"/>
               </a:rPr>
-              <a:t>={()=&gt; {	</a:t>
-            </a:r>
-          </a:p>
-          <a:p>
-            <a:r>
-              <a:rPr lang="de-DE" b="1" dirty="0">
+              <a:t>	</a:t>
+            </a:r>
+            <a:r>
+              <a:rPr lang="de-DE" b="1" dirty="0" err="1">
                 <a:solidFill>
                   <a:srgbClr val="4E4D4D"/>
                 </a:solidFill>
                 <a:latin typeface="Courier New" panose="02070309020205020404" pitchFamily="49" charset="0"/>
                 <a:cs typeface="Courier New" panose="02070309020205020404" pitchFamily="49" charset="0"/>
               </a:rPr>
-              <a:t>	</a:t>
-            </a:r>
-            <a:r>
-              <a:rPr lang="de-DE" b="1" dirty="0" err="1">
-                <a:solidFill>
-                  <a:srgbClr val="E84528"/>
+              <a:t>Dispatcher.dispatch</a:t>
+            </a:r>
+            <a:r>
+              <a:rPr lang="de-DE" b="1" dirty="0">
+                <a:solidFill>
+                  <a:srgbClr val="4E4D4D"/>
                 </a:solidFill>
                 <a:latin typeface="Courier New" panose="02070309020205020404" pitchFamily="49" charset="0"/>
                 <a:cs typeface="Courier New" panose="02070309020205020404" pitchFamily="49" charset="0"/>
               </a:rPr>
-              <a:t>UserActionCreators</a:t>
-            </a:r>
-            <a:r>
-              <a:rPr lang="de-DE" b="1" dirty="0" err="1">
+              <a:t>({</a:t>
+            </a:r>
+          </a:p>
+          <a:p>
+            <a:r>
+              <a:rPr lang="de-DE" b="1" dirty="0">
                 <a:solidFill>
                   <a:srgbClr val="4E4D4D"/>
                 </a:solidFill>
                 <a:latin typeface="Courier New" panose="02070309020205020404" pitchFamily="49" charset="0"/>
                 <a:cs typeface="Courier New" panose="02070309020205020404" pitchFamily="49" charset="0"/>
               </a:rPr>
-              <a:t>.addUser</a:t>
-            </a:r>
+              <a:t>		type: ‘USER_ADD_ACTION‘,</a:t>
+            </a:r>
+          </a:p>
+          <a:p>
             <a:r>
               <a:rPr lang="de-DE" b="1" dirty="0">
                 <a:solidFill>
@@ -10567,34 +10165,171 @@
                 <a:latin typeface="Courier New" panose="02070309020205020404" pitchFamily="49" charset="0"/>
                 <a:cs typeface="Courier New" panose="02070309020205020404" pitchFamily="49" charset="0"/>
               </a:rPr>
-              <a:t>(...);</a:t>
-            </a:r>
-          </a:p>
-          <a:p>
-            <a:r>
-              <a:rPr lang="de-DE" b="1" dirty="0">
+              <a:t>		</a:t>
+            </a:r>
+            <a:r>
+              <a:rPr lang="de-DE" b="1" dirty="0" err="1">
                 <a:solidFill>
                   <a:srgbClr val="4E4D4D"/>
                 </a:solidFill>
                 <a:latin typeface="Courier New" panose="02070309020205020404" pitchFamily="49" charset="0"/>
                 <a:cs typeface="Courier New" panose="02070309020205020404" pitchFamily="49" charset="0"/>
               </a:rPr>
-              <a:t>}} /&gt;</a:t>
+              <a:t>payload</a:t>
+            </a:r>
+            <a:r>
+              <a:rPr lang="de-DE" b="1" dirty="0">
+                <a:solidFill>
+                  <a:srgbClr val="4E4D4D"/>
+                </a:solidFill>
+                <a:latin typeface="Courier New" panose="02070309020205020404" pitchFamily="49" charset="0"/>
+                <a:cs typeface="Courier New" panose="02070309020205020404" pitchFamily="49" charset="0"/>
+              </a:rPr>
+              <a:t>: { </a:t>
+            </a:r>
+            <a:r>
+              <a:rPr lang="de-DE" b="1" dirty="0" err="1">
+                <a:solidFill>
+                  <a:srgbClr val="4E4D4D"/>
+                </a:solidFill>
+                <a:latin typeface="Courier New" panose="02070309020205020404" pitchFamily="49" charset="0"/>
+                <a:cs typeface="Courier New" panose="02070309020205020404" pitchFamily="49" charset="0"/>
+              </a:rPr>
+              <a:t>user</a:t>
+            </a:r>
+            <a:r>
+              <a:rPr lang="de-DE" b="1" dirty="0">
+                <a:solidFill>
+                  <a:srgbClr val="4E4D4D"/>
+                </a:solidFill>
+                <a:latin typeface="Courier New" panose="02070309020205020404" pitchFamily="49" charset="0"/>
+                <a:cs typeface="Courier New" panose="02070309020205020404" pitchFamily="49" charset="0"/>
+              </a:rPr>
+              <a:t>: </a:t>
+            </a:r>
+            <a:r>
+              <a:rPr lang="de-DE" b="1" dirty="0" err="1">
+                <a:solidFill>
+                  <a:srgbClr val="4E4D4D"/>
+                </a:solidFill>
+                <a:latin typeface="Courier New" panose="02070309020205020404" pitchFamily="49" charset="0"/>
+                <a:cs typeface="Courier New" panose="02070309020205020404" pitchFamily="49" charset="0"/>
+              </a:rPr>
+              <a:t>name</a:t>
+            </a:r>
+            <a:r>
+              <a:rPr lang="de-DE" b="1" dirty="0">
+                <a:solidFill>
+                  <a:srgbClr val="4E4D4D"/>
+                </a:solidFill>
+                <a:latin typeface="Courier New" panose="02070309020205020404" pitchFamily="49" charset="0"/>
+                <a:cs typeface="Courier New" panose="02070309020205020404" pitchFamily="49" charset="0"/>
+              </a:rPr>
+              <a:t> }</a:t>
+            </a:r>
+          </a:p>
+          <a:p>
+            <a:r>
+              <a:rPr lang="de-DE" b="1" dirty="0">
+                <a:solidFill>
+                  <a:srgbClr val="4E4D4D"/>
+                </a:solidFill>
+                <a:latin typeface="Courier New" panose="02070309020205020404" pitchFamily="49" charset="0"/>
+                <a:cs typeface="Courier New" panose="02070309020205020404" pitchFamily="49" charset="0"/>
+              </a:rPr>
+              <a:t>	});</a:t>
+            </a:r>
+          </a:p>
+          <a:p>
+            <a:r>
+              <a:rPr lang="de-DE" b="1" dirty="0">
+                <a:solidFill>
+                  <a:srgbClr val="4E4D4D"/>
+                </a:solidFill>
+                <a:latin typeface="Courier New" panose="02070309020205020404" pitchFamily="49" charset="0"/>
+                <a:cs typeface="Courier New" panose="02070309020205020404" pitchFamily="49" charset="0"/>
+              </a:rPr>
+              <a:t>}</a:t>
             </a:r>
           </a:p>
           <a:p>
             <a:pPr algn="ctr"/>
-            <a:endParaRPr lang="de-DE" dirty="0">
+            <a:endParaRPr lang="de-DE" dirty="0"/>
+          </a:p>
+        </p:txBody>
+      </p:sp>
+      <p:sp>
+        <p:nvSpPr>
+          <p:cNvPr id="7" name="Rechteck 6"/>
+          <p:cNvSpPr/>
+          <p:nvPr/>
+        </p:nvSpPr>
+        <p:spPr>
+          <a:xfrm>
+            <a:off x="4078441" y="6190693"/>
+            <a:ext cx="2941831" cy="369332"/>
+          </a:xfrm>
+          <a:prstGeom prst="rect">
+            <a:avLst/>
+          </a:prstGeom>
+        </p:spPr>
+        <p:txBody>
+          <a:bodyPr wrap="none">
+            <a:spAutoFit/>
+          </a:bodyPr>
+          <a:lstStyle/>
+          <a:p>
+            <a:r>
+              <a:rPr lang="de-DE" b="1" dirty="0" smtClean="0">
+                <a:solidFill>
+                  <a:schemeClr val="bg1">
+                    <a:lumMod val="50000"/>
+                  </a:schemeClr>
+                </a:solidFill>
+                <a:latin typeface="Courier New" panose="02070309020205020404" pitchFamily="49" charset="0"/>
+                <a:cs typeface="Courier New" panose="02070309020205020404" pitchFamily="49" charset="0"/>
+              </a:rPr>
+              <a:t>(</a:t>
+            </a:r>
+            <a:r>
+              <a:rPr lang="de-DE" b="1" dirty="0" err="1" smtClean="0">
+                <a:solidFill>
+                  <a:schemeClr val="bg1">
+                    <a:lumMod val="50000"/>
+                  </a:schemeClr>
+                </a:solidFill>
+                <a:latin typeface="Courier New" panose="02070309020205020404" pitchFamily="49" charset="0"/>
+                <a:cs typeface="Courier New" panose="02070309020205020404" pitchFamily="49" charset="0"/>
+              </a:rPr>
+              <a:t>UserActionsCreator</a:t>
+            </a:r>
+            <a:r>
+              <a:rPr lang="de-DE" b="1" dirty="0" smtClean="0">
+                <a:solidFill>
+                  <a:schemeClr val="bg1">
+                    <a:lumMod val="50000"/>
+                  </a:schemeClr>
+                </a:solidFill>
+                <a:latin typeface="Courier New" panose="02070309020205020404" pitchFamily="49" charset="0"/>
+                <a:cs typeface="Courier New" panose="02070309020205020404" pitchFamily="49" charset="0"/>
+              </a:rPr>
+              <a:t>)</a:t>
+            </a:r>
+            <a:endParaRPr lang="de-DE" b="1" dirty="0">
               <a:solidFill>
-                <a:srgbClr val="4E4D4D"/>
+                <a:schemeClr val="bg1">
+                  <a:lumMod val="50000"/>
+                </a:schemeClr>
               </a:solidFill>
+              <a:latin typeface="Courier New" panose="02070309020205020404" pitchFamily="49" charset="0"/>
+              <a:cs typeface="Courier New" panose="02070309020205020404" pitchFamily="49" charset="0"/>
             </a:endParaRPr>
           </a:p>
         </p:txBody>
       </p:sp>
       <p:pic>
         <p:nvPicPr>
-          <p:cNvPr id="5" name="Bild 4"/>
+          <p:cNvPr id="11" name="Bild 10"/>
           <p:cNvPicPr>
             <a:picLocks noChangeAspect="1"/>
           </p:cNvPicPr>
@@ -10608,8 +10343,8 @@
         </p:blipFill>
         <p:spPr>
           <a:xfrm>
-            <a:off x="3503176" y="1052736"/>
-            <a:ext cx="4741232" cy="1656183"/>
+            <a:off x="409556" y="1059951"/>
+            <a:ext cx="7834852" cy="1646086"/>
           </a:xfrm>
           <a:prstGeom prst="rect">
             <a:avLst/>
@@ -10619,7 +10354,7 @@
     </p:spTree>
     <p:extLst>
       <p:ext uri="{BB962C8B-B14F-4D97-AF65-F5344CB8AC3E}">
-        <p14:creationId xmlns:p14="http://schemas.microsoft.com/office/powerpoint/2010/main" val="1184210909"/>
+        <p14:creationId xmlns:p14="http://schemas.microsoft.com/office/powerpoint/2010/main" val="2428882175"/>
       </p:ext>
     </p:extLst>
   </p:cSld>

--- a/Flux Introduction.pptx
+++ b/Flux Introduction.pptx
@@ -5,10 +5,10 @@
     <p:sldMasterId id="2147483648" r:id="rId1"/>
   </p:sldMasterIdLst>
   <p:notesMasterIdLst>
-    <p:notesMasterId r:id="rId27"/>
+    <p:notesMasterId r:id="rId25"/>
   </p:notesMasterIdLst>
   <p:handoutMasterIdLst>
-    <p:handoutMasterId r:id="rId28"/>
+    <p:handoutMasterId r:id="rId26"/>
   </p:handoutMasterIdLst>
   <p:sldIdLst>
     <p:sldId id="261" r:id="rId2"/>
@@ -24,18 +24,16 @@
     <p:sldId id="376" r:id="rId12"/>
     <p:sldId id="377" r:id="rId13"/>
     <p:sldId id="364" r:id="rId14"/>
-    <p:sldId id="381" r:id="rId15"/>
-    <p:sldId id="366" r:id="rId16"/>
-    <p:sldId id="378" r:id="rId17"/>
-    <p:sldId id="365" r:id="rId18"/>
-    <p:sldId id="367" r:id="rId19"/>
-    <p:sldId id="373" r:id="rId20"/>
-    <p:sldId id="370" r:id="rId21"/>
-    <p:sldId id="371" r:id="rId22"/>
-    <p:sldId id="372" r:id="rId23"/>
-    <p:sldId id="379" r:id="rId24"/>
-    <p:sldId id="359" r:id="rId25"/>
-    <p:sldId id="380" r:id="rId26"/>
+    <p:sldId id="366" r:id="rId15"/>
+    <p:sldId id="378" r:id="rId16"/>
+    <p:sldId id="365" r:id="rId17"/>
+    <p:sldId id="367" r:id="rId18"/>
+    <p:sldId id="373" r:id="rId19"/>
+    <p:sldId id="370" r:id="rId20"/>
+    <p:sldId id="371" r:id="rId21"/>
+    <p:sldId id="372" r:id="rId22"/>
+    <p:sldId id="359" r:id="rId23"/>
+    <p:sldId id="380" r:id="rId24"/>
   </p:sldIdLst>
   <p:sldSz cx="9144000" cy="6858000" type="screen4x3"/>
   <p:notesSz cx="6858000" cy="9144000"/>
@@ -136,7 +134,7 @@
   </p:defaultTextStyle>
   <p:extLst>
     <p:ext uri="{EFAFB233-063F-42B5-8137-9DF3F51BA10A}">
-      <p15:sldGuideLst xmlns="" xmlns:p15="http://schemas.microsoft.com/office/powerpoint/2012/main">
+      <p15:sldGuideLst xmlns:p15="http://schemas.microsoft.com/office/powerpoint/2012/main" xmlns="">
         <p15:guide id="1" orient="horz" pos="3300">
           <p15:clr>
             <a:srgbClr val="A4A3A4"/>
@@ -716,11 +714,7 @@
           <a:bodyPr/>
           <a:lstStyle/>
           <a:p>
-            <a:r>
-              <a:rPr lang="de-DE" dirty="0" smtClean="0"/>
-              <a:t>RENE</a:t>
-            </a:r>
-            <a:endParaRPr lang="de-DE" dirty="0"/>
+            <a:endParaRPr lang="de-DE"/>
           </a:p>
         </p:txBody>
       </p:sp>
@@ -739,10 +733,10 @@
           <a:bodyPr/>
           <a:lstStyle/>
           <a:p>
-            <a:fld id="{D86164CF-F871-3D47-A661-2FEA5BB7AC1F}" type="slidenum">
+            <a:fld id="{446AC1AA-0751-8243-836D-342D444A6997}" type="slidenum">
               <a:rPr lang="de-DE" smtClean="0"/>
               <a:pPr/>
-              <a:t>3</a:t>
+              <a:t>1</a:t>
             </a:fld>
             <a:endParaRPr lang="de-DE"/>
           </a:p>
@@ -751,7 +745,857 @@
     </p:spTree>
     <p:extLst>
       <p:ext uri="{BB962C8B-B14F-4D97-AF65-F5344CB8AC3E}">
-        <p14:creationId xmlns:p14="http://schemas.microsoft.com/office/powerpoint/2010/main" val="3749290873"/>
+        <p14:creationId xmlns:p14="http://schemas.microsoft.com/office/powerpoint/2010/main" val="1401868528"/>
+      </p:ext>
+    </p:extLst>
+  </p:cSld>
+  <p:clrMapOvr>
+    <a:masterClrMapping/>
+  </p:clrMapOvr>
+</p:notes>
+</file>
+
+<file path=ppt/notesSlides/notesSlide10.xml><?xml version="1.0" encoding="utf-8"?>
+<p:notes xmlns:a="http://schemas.openxmlformats.org/drawingml/2006/main" xmlns:r="http://schemas.openxmlformats.org/officeDocument/2006/relationships" xmlns:p="http://schemas.openxmlformats.org/presentationml/2006/main">
+  <p:cSld>
+    <p:spTree>
+      <p:nvGrpSpPr>
+        <p:cNvPr id="1" name=""/>
+        <p:cNvGrpSpPr/>
+        <p:nvPr/>
+      </p:nvGrpSpPr>
+      <p:grpSpPr>
+        <a:xfrm>
+          <a:off x="0" y="0"/>
+          <a:ext cx="0" cy="0"/>
+          <a:chOff x="0" y="0"/>
+          <a:chExt cx="0" cy="0"/>
+        </a:xfrm>
+      </p:grpSpPr>
+      <p:sp>
+        <p:nvSpPr>
+          <p:cNvPr id="2" name="Folienbildplatzhalter 1"/>
+          <p:cNvSpPr>
+            <a:spLocks noGrp="1" noRot="1" noChangeAspect="1"/>
+          </p:cNvSpPr>
+          <p:nvPr>
+            <p:ph type="sldImg"/>
+          </p:nvPr>
+        </p:nvSpPr>
+        <p:spPr/>
+      </p:sp>
+      <p:sp>
+        <p:nvSpPr>
+          <p:cNvPr id="3" name="Notizenplatzhalter 2"/>
+          <p:cNvSpPr>
+            <a:spLocks noGrp="1"/>
+          </p:cNvSpPr>
+          <p:nvPr>
+            <p:ph type="body" idx="1"/>
+          </p:nvPr>
+        </p:nvSpPr>
+        <p:spPr/>
+        <p:txBody>
+          <a:bodyPr/>
+          <a:lstStyle/>
+          <a:p>
+            <a:endParaRPr lang="de-DE"/>
+          </a:p>
+        </p:txBody>
+      </p:sp>
+      <p:sp>
+        <p:nvSpPr>
+          <p:cNvPr id="4" name="Foliennummernplatzhalter 3"/>
+          <p:cNvSpPr>
+            <a:spLocks noGrp="1"/>
+          </p:cNvSpPr>
+          <p:nvPr>
+            <p:ph type="sldNum" sz="quarter" idx="10"/>
+          </p:nvPr>
+        </p:nvSpPr>
+        <p:spPr/>
+        <p:txBody>
+          <a:bodyPr/>
+          <a:lstStyle/>
+          <a:p>
+            <a:fld id="{446AC1AA-0751-8243-836D-342D444A6997}" type="slidenum">
+              <a:rPr lang="de-DE" smtClean="0"/>
+              <a:pPr/>
+              <a:t>10</a:t>
+            </a:fld>
+            <a:endParaRPr lang="de-DE"/>
+          </a:p>
+        </p:txBody>
+      </p:sp>
+    </p:spTree>
+    <p:extLst>
+      <p:ext uri="{BB962C8B-B14F-4D97-AF65-F5344CB8AC3E}">
+        <p14:creationId xmlns:p14="http://schemas.microsoft.com/office/powerpoint/2010/main" val="3620167657"/>
+      </p:ext>
+    </p:extLst>
+  </p:cSld>
+  <p:clrMapOvr>
+    <a:masterClrMapping/>
+  </p:clrMapOvr>
+</p:notes>
+</file>
+
+<file path=ppt/notesSlides/notesSlide11.xml><?xml version="1.0" encoding="utf-8"?>
+<p:notes xmlns:a="http://schemas.openxmlformats.org/drawingml/2006/main" xmlns:r="http://schemas.openxmlformats.org/officeDocument/2006/relationships" xmlns:p="http://schemas.openxmlformats.org/presentationml/2006/main">
+  <p:cSld>
+    <p:spTree>
+      <p:nvGrpSpPr>
+        <p:cNvPr id="1" name=""/>
+        <p:cNvGrpSpPr/>
+        <p:nvPr/>
+      </p:nvGrpSpPr>
+      <p:grpSpPr>
+        <a:xfrm>
+          <a:off x="0" y="0"/>
+          <a:ext cx="0" cy="0"/>
+          <a:chOff x="0" y="0"/>
+          <a:chExt cx="0" cy="0"/>
+        </a:xfrm>
+      </p:grpSpPr>
+      <p:sp>
+        <p:nvSpPr>
+          <p:cNvPr id="2" name="Folienbildplatzhalter 1"/>
+          <p:cNvSpPr>
+            <a:spLocks noGrp="1" noRot="1" noChangeAspect="1"/>
+          </p:cNvSpPr>
+          <p:nvPr>
+            <p:ph type="sldImg"/>
+          </p:nvPr>
+        </p:nvSpPr>
+        <p:spPr/>
+      </p:sp>
+      <p:sp>
+        <p:nvSpPr>
+          <p:cNvPr id="3" name="Notizenplatzhalter 2"/>
+          <p:cNvSpPr>
+            <a:spLocks noGrp="1"/>
+          </p:cNvSpPr>
+          <p:nvPr>
+            <p:ph type="body" idx="1"/>
+          </p:nvPr>
+        </p:nvSpPr>
+        <p:spPr/>
+        <p:txBody>
+          <a:bodyPr/>
+          <a:lstStyle/>
+          <a:p>
+            <a:endParaRPr lang="de-DE"/>
+          </a:p>
+        </p:txBody>
+      </p:sp>
+      <p:sp>
+        <p:nvSpPr>
+          <p:cNvPr id="4" name="Foliennummernplatzhalter 3"/>
+          <p:cNvSpPr>
+            <a:spLocks noGrp="1"/>
+          </p:cNvSpPr>
+          <p:nvPr>
+            <p:ph type="sldNum" sz="quarter" idx="10"/>
+          </p:nvPr>
+        </p:nvSpPr>
+        <p:spPr/>
+        <p:txBody>
+          <a:bodyPr/>
+          <a:lstStyle/>
+          <a:p>
+            <a:fld id="{446AC1AA-0751-8243-836D-342D444A6997}" type="slidenum">
+              <a:rPr lang="de-DE" smtClean="0"/>
+              <a:pPr/>
+              <a:t>11</a:t>
+            </a:fld>
+            <a:endParaRPr lang="de-DE"/>
+          </a:p>
+        </p:txBody>
+      </p:sp>
+    </p:spTree>
+    <p:extLst>
+      <p:ext uri="{BB962C8B-B14F-4D97-AF65-F5344CB8AC3E}">
+        <p14:creationId xmlns:p14="http://schemas.microsoft.com/office/powerpoint/2010/main" val="4192819277"/>
+      </p:ext>
+    </p:extLst>
+  </p:cSld>
+  <p:clrMapOvr>
+    <a:masterClrMapping/>
+  </p:clrMapOvr>
+</p:notes>
+</file>
+
+<file path=ppt/notesSlides/notesSlide12.xml><?xml version="1.0" encoding="utf-8"?>
+<p:notes xmlns:a="http://schemas.openxmlformats.org/drawingml/2006/main" xmlns:r="http://schemas.openxmlformats.org/officeDocument/2006/relationships" xmlns:p="http://schemas.openxmlformats.org/presentationml/2006/main">
+  <p:cSld>
+    <p:spTree>
+      <p:nvGrpSpPr>
+        <p:cNvPr id="1" name=""/>
+        <p:cNvGrpSpPr/>
+        <p:nvPr/>
+      </p:nvGrpSpPr>
+      <p:grpSpPr>
+        <a:xfrm>
+          <a:off x="0" y="0"/>
+          <a:ext cx="0" cy="0"/>
+          <a:chOff x="0" y="0"/>
+          <a:chExt cx="0" cy="0"/>
+        </a:xfrm>
+      </p:grpSpPr>
+      <p:sp>
+        <p:nvSpPr>
+          <p:cNvPr id="2" name="Folienbildplatzhalter 1"/>
+          <p:cNvSpPr>
+            <a:spLocks noGrp="1" noRot="1" noChangeAspect="1"/>
+          </p:cNvSpPr>
+          <p:nvPr>
+            <p:ph type="sldImg"/>
+          </p:nvPr>
+        </p:nvSpPr>
+        <p:spPr/>
+      </p:sp>
+      <p:sp>
+        <p:nvSpPr>
+          <p:cNvPr id="3" name="Notizenplatzhalter 2"/>
+          <p:cNvSpPr>
+            <a:spLocks noGrp="1"/>
+          </p:cNvSpPr>
+          <p:nvPr>
+            <p:ph type="body" idx="1"/>
+          </p:nvPr>
+        </p:nvSpPr>
+        <p:spPr/>
+        <p:txBody>
+          <a:bodyPr/>
+          <a:lstStyle/>
+          <a:p>
+            <a:endParaRPr lang="de-DE"/>
+          </a:p>
+        </p:txBody>
+      </p:sp>
+      <p:sp>
+        <p:nvSpPr>
+          <p:cNvPr id="4" name="Foliennummernplatzhalter 3"/>
+          <p:cNvSpPr>
+            <a:spLocks noGrp="1"/>
+          </p:cNvSpPr>
+          <p:nvPr>
+            <p:ph type="sldNum" sz="quarter" idx="10"/>
+          </p:nvPr>
+        </p:nvSpPr>
+        <p:spPr/>
+        <p:txBody>
+          <a:bodyPr/>
+          <a:lstStyle/>
+          <a:p>
+            <a:fld id="{446AC1AA-0751-8243-836D-342D444A6997}" type="slidenum">
+              <a:rPr lang="de-DE" smtClean="0"/>
+              <a:pPr/>
+              <a:t>12</a:t>
+            </a:fld>
+            <a:endParaRPr lang="de-DE"/>
+          </a:p>
+        </p:txBody>
+      </p:sp>
+    </p:spTree>
+    <p:extLst>
+      <p:ext uri="{BB962C8B-B14F-4D97-AF65-F5344CB8AC3E}">
+        <p14:creationId xmlns:p14="http://schemas.microsoft.com/office/powerpoint/2010/main" val="724595870"/>
+      </p:ext>
+    </p:extLst>
+  </p:cSld>
+  <p:clrMapOvr>
+    <a:masterClrMapping/>
+  </p:clrMapOvr>
+</p:notes>
+</file>
+
+<file path=ppt/notesSlides/notesSlide13.xml><?xml version="1.0" encoding="utf-8"?>
+<p:notes xmlns:a="http://schemas.openxmlformats.org/drawingml/2006/main" xmlns:r="http://schemas.openxmlformats.org/officeDocument/2006/relationships" xmlns:p="http://schemas.openxmlformats.org/presentationml/2006/main">
+  <p:cSld>
+    <p:spTree>
+      <p:nvGrpSpPr>
+        <p:cNvPr id="1" name=""/>
+        <p:cNvGrpSpPr/>
+        <p:nvPr/>
+      </p:nvGrpSpPr>
+      <p:grpSpPr>
+        <a:xfrm>
+          <a:off x="0" y="0"/>
+          <a:ext cx="0" cy="0"/>
+          <a:chOff x="0" y="0"/>
+          <a:chExt cx="0" cy="0"/>
+        </a:xfrm>
+      </p:grpSpPr>
+      <p:sp>
+        <p:nvSpPr>
+          <p:cNvPr id="2" name="Folienbildplatzhalter 1"/>
+          <p:cNvSpPr>
+            <a:spLocks noGrp="1" noRot="1" noChangeAspect="1"/>
+          </p:cNvSpPr>
+          <p:nvPr>
+            <p:ph type="sldImg"/>
+          </p:nvPr>
+        </p:nvSpPr>
+        <p:spPr/>
+      </p:sp>
+      <p:sp>
+        <p:nvSpPr>
+          <p:cNvPr id="3" name="Notizenplatzhalter 2"/>
+          <p:cNvSpPr>
+            <a:spLocks noGrp="1"/>
+          </p:cNvSpPr>
+          <p:nvPr>
+            <p:ph type="body" idx="1"/>
+          </p:nvPr>
+        </p:nvSpPr>
+        <p:spPr/>
+        <p:txBody>
+          <a:bodyPr/>
+          <a:lstStyle/>
+          <a:p>
+            <a:endParaRPr lang="de-DE"/>
+          </a:p>
+        </p:txBody>
+      </p:sp>
+      <p:sp>
+        <p:nvSpPr>
+          <p:cNvPr id="4" name="Foliennummernplatzhalter 3"/>
+          <p:cNvSpPr>
+            <a:spLocks noGrp="1"/>
+          </p:cNvSpPr>
+          <p:nvPr>
+            <p:ph type="sldNum" sz="quarter" idx="10"/>
+          </p:nvPr>
+        </p:nvSpPr>
+        <p:spPr/>
+        <p:txBody>
+          <a:bodyPr/>
+          <a:lstStyle/>
+          <a:p>
+            <a:fld id="{446AC1AA-0751-8243-836D-342D444A6997}" type="slidenum">
+              <a:rPr lang="de-DE" smtClean="0"/>
+              <a:pPr/>
+              <a:t>13</a:t>
+            </a:fld>
+            <a:endParaRPr lang="de-DE"/>
+          </a:p>
+        </p:txBody>
+      </p:sp>
+    </p:spTree>
+    <p:extLst>
+      <p:ext uri="{BB962C8B-B14F-4D97-AF65-F5344CB8AC3E}">
+        <p14:creationId xmlns:p14="http://schemas.microsoft.com/office/powerpoint/2010/main" val="19840999"/>
+      </p:ext>
+    </p:extLst>
+  </p:cSld>
+  <p:clrMapOvr>
+    <a:masterClrMapping/>
+  </p:clrMapOvr>
+</p:notes>
+</file>
+
+<file path=ppt/notesSlides/notesSlide14.xml><?xml version="1.0" encoding="utf-8"?>
+<p:notes xmlns:a="http://schemas.openxmlformats.org/drawingml/2006/main" xmlns:r="http://schemas.openxmlformats.org/officeDocument/2006/relationships" xmlns:p="http://schemas.openxmlformats.org/presentationml/2006/main">
+  <p:cSld>
+    <p:spTree>
+      <p:nvGrpSpPr>
+        <p:cNvPr id="1" name=""/>
+        <p:cNvGrpSpPr/>
+        <p:nvPr/>
+      </p:nvGrpSpPr>
+      <p:grpSpPr>
+        <a:xfrm>
+          <a:off x="0" y="0"/>
+          <a:ext cx="0" cy="0"/>
+          <a:chOff x="0" y="0"/>
+          <a:chExt cx="0" cy="0"/>
+        </a:xfrm>
+      </p:grpSpPr>
+      <p:sp>
+        <p:nvSpPr>
+          <p:cNvPr id="2" name="Folienbildplatzhalter 1"/>
+          <p:cNvSpPr>
+            <a:spLocks noGrp="1" noRot="1" noChangeAspect="1"/>
+          </p:cNvSpPr>
+          <p:nvPr>
+            <p:ph type="sldImg"/>
+          </p:nvPr>
+        </p:nvSpPr>
+        <p:spPr/>
+      </p:sp>
+      <p:sp>
+        <p:nvSpPr>
+          <p:cNvPr id="3" name="Notizenplatzhalter 2"/>
+          <p:cNvSpPr>
+            <a:spLocks noGrp="1"/>
+          </p:cNvSpPr>
+          <p:nvPr>
+            <p:ph type="body" idx="1"/>
+          </p:nvPr>
+        </p:nvSpPr>
+        <p:spPr/>
+        <p:txBody>
+          <a:bodyPr/>
+          <a:lstStyle/>
+          <a:p>
+            <a:endParaRPr lang="de-DE"/>
+          </a:p>
+        </p:txBody>
+      </p:sp>
+      <p:sp>
+        <p:nvSpPr>
+          <p:cNvPr id="4" name="Foliennummernplatzhalter 3"/>
+          <p:cNvSpPr>
+            <a:spLocks noGrp="1"/>
+          </p:cNvSpPr>
+          <p:nvPr>
+            <p:ph type="sldNum" sz="quarter" idx="10"/>
+          </p:nvPr>
+        </p:nvSpPr>
+        <p:spPr/>
+        <p:txBody>
+          <a:bodyPr/>
+          <a:lstStyle/>
+          <a:p>
+            <a:fld id="{446AC1AA-0751-8243-836D-342D444A6997}" type="slidenum">
+              <a:rPr lang="de-DE" smtClean="0"/>
+              <a:pPr/>
+              <a:t>14</a:t>
+            </a:fld>
+            <a:endParaRPr lang="de-DE"/>
+          </a:p>
+        </p:txBody>
+      </p:sp>
+    </p:spTree>
+    <p:extLst>
+      <p:ext uri="{BB962C8B-B14F-4D97-AF65-F5344CB8AC3E}">
+        <p14:creationId xmlns:p14="http://schemas.microsoft.com/office/powerpoint/2010/main" val="1206115165"/>
+      </p:ext>
+    </p:extLst>
+  </p:cSld>
+  <p:clrMapOvr>
+    <a:masterClrMapping/>
+  </p:clrMapOvr>
+</p:notes>
+</file>
+
+<file path=ppt/notesSlides/notesSlide15.xml><?xml version="1.0" encoding="utf-8"?>
+<p:notes xmlns:a="http://schemas.openxmlformats.org/drawingml/2006/main" xmlns:r="http://schemas.openxmlformats.org/officeDocument/2006/relationships" xmlns:p="http://schemas.openxmlformats.org/presentationml/2006/main">
+  <p:cSld>
+    <p:spTree>
+      <p:nvGrpSpPr>
+        <p:cNvPr id="1" name=""/>
+        <p:cNvGrpSpPr/>
+        <p:nvPr/>
+      </p:nvGrpSpPr>
+      <p:grpSpPr>
+        <a:xfrm>
+          <a:off x="0" y="0"/>
+          <a:ext cx="0" cy="0"/>
+          <a:chOff x="0" y="0"/>
+          <a:chExt cx="0" cy="0"/>
+        </a:xfrm>
+      </p:grpSpPr>
+      <p:sp>
+        <p:nvSpPr>
+          <p:cNvPr id="2" name="Folienbildplatzhalter 1"/>
+          <p:cNvSpPr>
+            <a:spLocks noGrp="1" noRot="1" noChangeAspect="1"/>
+          </p:cNvSpPr>
+          <p:nvPr>
+            <p:ph type="sldImg"/>
+          </p:nvPr>
+        </p:nvSpPr>
+        <p:spPr/>
+      </p:sp>
+      <p:sp>
+        <p:nvSpPr>
+          <p:cNvPr id="3" name="Notizenplatzhalter 2"/>
+          <p:cNvSpPr>
+            <a:spLocks noGrp="1"/>
+          </p:cNvSpPr>
+          <p:nvPr>
+            <p:ph type="body" idx="1"/>
+          </p:nvPr>
+        </p:nvSpPr>
+        <p:spPr/>
+        <p:txBody>
+          <a:bodyPr/>
+          <a:lstStyle/>
+          <a:p>
+            <a:endParaRPr lang="de-DE"/>
+          </a:p>
+        </p:txBody>
+      </p:sp>
+      <p:sp>
+        <p:nvSpPr>
+          <p:cNvPr id="4" name="Foliennummernplatzhalter 3"/>
+          <p:cNvSpPr>
+            <a:spLocks noGrp="1"/>
+          </p:cNvSpPr>
+          <p:nvPr>
+            <p:ph type="sldNum" sz="quarter" idx="10"/>
+          </p:nvPr>
+        </p:nvSpPr>
+        <p:spPr/>
+        <p:txBody>
+          <a:bodyPr/>
+          <a:lstStyle/>
+          <a:p>
+            <a:fld id="{446AC1AA-0751-8243-836D-342D444A6997}" type="slidenum">
+              <a:rPr lang="de-DE" smtClean="0"/>
+              <a:pPr/>
+              <a:t>15</a:t>
+            </a:fld>
+            <a:endParaRPr lang="de-DE"/>
+          </a:p>
+        </p:txBody>
+      </p:sp>
+    </p:spTree>
+    <p:extLst>
+      <p:ext uri="{BB962C8B-B14F-4D97-AF65-F5344CB8AC3E}">
+        <p14:creationId xmlns:p14="http://schemas.microsoft.com/office/powerpoint/2010/main" val="1531232132"/>
+      </p:ext>
+    </p:extLst>
+  </p:cSld>
+  <p:clrMapOvr>
+    <a:masterClrMapping/>
+  </p:clrMapOvr>
+</p:notes>
+</file>
+
+<file path=ppt/notesSlides/notesSlide16.xml><?xml version="1.0" encoding="utf-8"?>
+<p:notes xmlns:a="http://schemas.openxmlformats.org/drawingml/2006/main" xmlns:r="http://schemas.openxmlformats.org/officeDocument/2006/relationships" xmlns:p="http://schemas.openxmlformats.org/presentationml/2006/main">
+  <p:cSld>
+    <p:spTree>
+      <p:nvGrpSpPr>
+        <p:cNvPr id="1" name=""/>
+        <p:cNvGrpSpPr/>
+        <p:nvPr/>
+      </p:nvGrpSpPr>
+      <p:grpSpPr>
+        <a:xfrm>
+          <a:off x="0" y="0"/>
+          <a:ext cx="0" cy="0"/>
+          <a:chOff x="0" y="0"/>
+          <a:chExt cx="0" cy="0"/>
+        </a:xfrm>
+      </p:grpSpPr>
+      <p:sp>
+        <p:nvSpPr>
+          <p:cNvPr id="2" name="Folienbildplatzhalter 1"/>
+          <p:cNvSpPr>
+            <a:spLocks noGrp="1" noRot="1" noChangeAspect="1"/>
+          </p:cNvSpPr>
+          <p:nvPr>
+            <p:ph type="sldImg"/>
+          </p:nvPr>
+        </p:nvSpPr>
+        <p:spPr/>
+      </p:sp>
+      <p:sp>
+        <p:nvSpPr>
+          <p:cNvPr id="3" name="Notizenplatzhalter 2"/>
+          <p:cNvSpPr>
+            <a:spLocks noGrp="1"/>
+          </p:cNvSpPr>
+          <p:nvPr>
+            <p:ph type="body" idx="1"/>
+          </p:nvPr>
+        </p:nvSpPr>
+        <p:spPr/>
+        <p:txBody>
+          <a:bodyPr/>
+          <a:lstStyle/>
+          <a:p>
+            <a:endParaRPr lang="de-DE"/>
+          </a:p>
+        </p:txBody>
+      </p:sp>
+      <p:sp>
+        <p:nvSpPr>
+          <p:cNvPr id="4" name="Foliennummernplatzhalter 3"/>
+          <p:cNvSpPr>
+            <a:spLocks noGrp="1"/>
+          </p:cNvSpPr>
+          <p:nvPr>
+            <p:ph type="sldNum" sz="quarter" idx="10"/>
+          </p:nvPr>
+        </p:nvSpPr>
+        <p:spPr/>
+        <p:txBody>
+          <a:bodyPr/>
+          <a:lstStyle/>
+          <a:p>
+            <a:fld id="{446AC1AA-0751-8243-836D-342D444A6997}" type="slidenum">
+              <a:rPr lang="de-DE" smtClean="0"/>
+              <a:pPr/>
+              <a:t>16</a:t>
+            </a:fld>
+            <a:endParaRPr lang="de-DE"/>
+          </a:p>
+        </p:txBody>
+      </p:sp>
+    </p:spTree>
+    <p:extLst>
+      <p:ext uri="{BB962C8B-B14F-4D97-AF65-F5344CB8AC3E}">
+        <p14:creationId xmlns:p14="http://schemas.microsoft.com/office/powerpoint/2010/main" val="1780627983"/>
+      </p:ext>
+    </p:extLst>
+  </p:cSld>
+  <p:clrMapOvr>
+    <a:masterClrMapping/>
+  </p:clrMapOvr>
+</p:notes>
+</file>
+
+<file path=ppt/notesSlides/notesSlide17.xml><?xml version="1.0" encoding="utf-8"?>
+<p:notes xmlns:a="http://schemas.openxmlformats.org/drawingml/2006/main" xmlns:r="http://schemas.openxmlformats.org/officeDocument/2006/relationships" xmlns:p="http://schemas.openxmlformats.org/presentationml/2006/main">
+  <p:cSld>
+    <p:spTree>
+      <p:nvGrpSpPr>
+        <p:cNvPr id="1" name=""/>
+        <p:cNvGrpSpPr/>
+        <p:nvPr/>
+      </p:nvGrpSpPr>
+      <p:grpSpPr>
+        <a:xfrm>
+          <a:off x="0" y="0"/>
+          <a:ext cx="0" cy="0"/>
+          <a:chOff x="0" y="0"/>
+          <a:chExt cx="0" cy="0"/>
+        </a:xfrm>
+      </p:grpSpPr>
+      <p:sp>
+        <p:nvSpPr>
+          <p:cNvPr id="2" name="Folienbildplatzhalter 1"/>
+          <p:cNvSpPr>
+            <a:spLocks noGrp="1" noRot="1" noChangeAspect="1"/>
+          </p:cNvSpPr>
+          <p:nvPr>
+            <p:ph type="sldImg"/>
+          </p:nvPr>
+        </p:nvSpPr>
+        <p:spPr/>
+      </p:sp>
+      <p:sp>
+        <p:nvSpPr>
+          <p:cNvPr id="3" name="Notizenplatzhalter 2"/>
+          <p:cNvSpPr>
+            <a:spLocks noGrp="1"/>
+          </p:cNvSpPr>
+          <p:nvPr>
+            <p:ph type="body" idx="1"/>
+          </p:nvPr>
+        </p:nvSpPr>
+        <p:spPr/>
+        <p:txBody>
+          <a:bodyPr/>
+          <a:lstStyle/>
+          <a:p>
+            <a:endParaRPr lang="de-DE"/>
+          </a:p>
+        </p:txBody>
+      </p:sp>
+      <p:sp>
+        <p:nvSpPr>
+          <p:cNvPr id="4" name="Foliennummernplatzhalter 3"/>
+          <p:cNvSpPr>
+            <a:spLocks noGrp="1"/>
+          </p:cNvSpPr>
+          <p:nvPr>
+            <p:ph type="sldNum" sz="quarter" idx="10"/>
+          </p:nvPr>
+        </p:nvSpPr>
+        <p:spPr/>
+        <p:txBody>
+          <a:bodyPr/>
+          <a:lstStyle/>
+          <a:p>
+            <a:fld id="{446AC1AA-0751-8243-836D-342D444A6997}" type="slidenum">
+              <a:rPr lang="de-DE" smtClean="0"/>
+              <a:pPr/>
+              <a:t>17</a:t>
+            </a:fld>
+            <a:endParaRPr lang="de-DE"/>
+          </a:p>
+        </p:txBody>
+      </p:sp>
+    </p:spTree>
+    <p:extLst>
+      <p:ext uri="{BB962C8B-B14F-4D97-AF65-F5344CB8AC3E}">
+        <p14:creationId xmlns:p14="http://schemas.microsoft.com/office/powerpoint/2010/main" val="2446523474"/>
+      </p:ext>
+    </p:extLst>
+  </p:cSld>
+  <p:clrMapOvr>
+    <a:masterClrMapping/>
+  </p:clrMapOvr>
+</p:notes>
+</file>
+
+<file path=ppt/notesSlides/notesSlide18.xml><?xml version="1.0" encoding="utf-8"?>
+<p:notes xmlns:a="http://schemas.openxmlformats.org/drawingml/2006/main" xmlns:r="http://schemas.openxmlformats.org/officeDocument/2006/relationships" xmlns:p="http://schemas.openxmlformats.org/presentationml/2006/main">
+  <p:cSld>
+    <p:spTree>
+      <p:nvGrpSpPr>
+        <p:cNvPr id="1" name=""/>
+        <p:cNvGrpSpPr/>
+        <p:nvPr/>
+      </p:nvGrpSpPr>
+      <p:grpSpPr>
+        <a:xfrm>
+          <a:off x="0" y="0"/>
+          <a:ext cx="0" cy="0"/>
+          <a:chOff x="0" y="0"/>
+          <a:chExt cx="0" cy="0"/>
+        </a:xfrm>
+      </p:grpSpPr>
+      <p:sp>
+        <p:nvSpPr>
+          <p:cNvPr id="2" name="Folienbildplatzhalter 1"/>
+          <p:cNvSpPr>
+            <a:spLocks noGrp="1" noRot="1" noChangeAspect="1"/>
+          </p:cNvSpPr>
+          <p:nvPr>
+            <p:ph type="sldImg"/>
+          </p:nvPr>
+        </p:nvSpPr>
+        <p:spPr/>
+      </p:sp>
+      <p:sp>
+        <p:nvSpPr>
+          <p:cNvPr id="3" name="Notizenplatzhalter 2"/>
+          <p:cNvSpPr>
+            <a:spLocks noGrp="1"/>
+          </p:cNvSpPr>
+          <p:nvPr>
+            <p:ph type="body" idx="1"/>
+          </p:nvPr>
+        </p:nvSpPr>
+        <p:spPr/>
+        <p:txBody>
+          <a:bodyPr/>
+          <a:lstStyle/>
+          <a:p>
+            <a:endParaRPr lang="de-DE"/>
+          </a:p>
+        </p:txBody>
+      </p:sp>
+      <p:sp>
+        <p:nvSpPr>
+          <p:cNvPr id="4" name="Foliennummernplatzhalter 3"/>
+          <p:cNvSpPr>
+            <a:spLocks noGrp="1"/>
+          </p:cNvSpPr>
+          <p:nvPr>
+            <p:ph type="sldNum" sz="quarter" idx="10"/>
+          </p:nvPr>
+        </p:nvSpPr>
+        <p:spPr/>
+        <p:txBody>
+          <a:bodyPr/>
+          <a:lstStyle/>
+          <a:p>
+            <a:fld id="{446AC1AA-0751-8243-836D-342D444A6997}" type="slidenum">
+              <a:rPr lang="de-DE" smtClean="0"/>
+              <a:pPr/>
+              <a:t>18</a:t>
+            </a:fld>
+            <a:endParaRPr lang="de-DE"/>
+          </a:p>
+        </p:txBody>
+      </p:sp>
+    </p:spTree>
+    <p:extLst>
+      <p:ext uri="{BB962C8B-B14F-4D97-AF65-F5344CB8AC3E}">
+        <p14:creationId xmlns:p14="http://schemas.microsoft.com/office/powerpoint/2010/main" val="50904158"/>
+      </p:ext>
+    </p:extLst>
+  </p:cSld>
+  <p:clrMapOvr>
+    <a:masterClrMapping/>
+  </p:clrMapOvr>
+</p:notes>
+</file>
+
+<file path=ppt/notesSlides/notesSlide19.xml><?xml version="1.0" encoding="utf-8"?>
+<p:notes xmlns:a="http://schemas.openxmlformats.org/drawingml/2006/main" xmlns:r="http://schemas.openxmlformats.org/officeDocument/2006/relationships" xmlns:p="http://schemas.openxmlformats.org/presentationml/2006/main">
+  <p:cSld>
+    <p:spTree>
+      <p:nvGrpSpPr>
+        <p:cNvPr id="1" name=""/>
+        <p:cNvGrpSpPr/>
+        <p:nvPr/>
+      </p:nvGrpSpPr>
+      <p:grpSpPr>
+        <a:xfrm>
+          <a:off x="0" y="0"/>
+          <a:ext cx="0" cy="0"/>
+          <a:chOff x="0" y="0"/>
+          <a:chExt cx="0" cy="0"/>
+        </a:xfrm>
+      </p:grpSpPr>
+      <p:sp>
+        <p:nvSpPr>
+          <p:cNvPr id="2" name="Folienbildplatzhalter 1"/>
+          <p:cNvSpPr>
+            <a:spLocks noGrp="1" noRot="1" noChangeAspect="1"/>
+          </p:cNvSpPr>
+          <p:nvPr>
+            <p:ph type="sldImg"/>
+          </p:nvPr>
+        </p:nvSpPr>
+        <p:spPr/>
+      </p:sp>
+      <p:sp>
+        <p:nvSpPr>
+          <p:cNvPr id="3" name="Notizenplatzhalter 2"/>
+          <p:cNvSpPr>
+            <a:spLocks noGrp="1"/>
+          </p:cNvSpPr>
+          <p:nvPr>
+            <p:ph type="body" idx="1"/>
+          </p:nvPr>
+        </p:nvSpPr>
+        <p:spPr/>
+        <p:txBody>
+          <a:bodyPr/>
+          <a:lstStyle/>
+          <a:p>
+            <a:endParaRPr lang="de-DE"/>
+          </a:p>
+        </p:txBody>
+      </p:sp>
+      <p:sp>
+        <p:nvSpPr>
+          <p:cNvPr id="4" name="Foliennummernplatzhalter 3"/>
+          <p:cNvSpPr>
+            <a:spLocks noGrp="1"/>
+          </p:cNvSpPr>
+          <p:nvPr>
+            <p:ph type="sldNum" sz="quarter" idx="10"/>
+          </p:nvPr>
+        </p:nvSpPr>
+        <p:spPr/>
+        <p:txBody>
+          <a:bodyPr/>
+          <a:lstStyle/>
+          <a:p>
+            <a:fld id="{446AC1AA-0751-8243-836D-342D444A6997}" type="slidenum">
+              <a:rPr lang="de-DE" smtClean="0"/>
+              <a:pPr/>
+              <a:t>19</a:t>
+            </a:fld>
+            <a:endParaRPr lang="de-DE"/>
+          </a:p>
+        </p:txBody>
+      </p:sp>
+    </p:spTree>
+    <p:extLst>
+      <p:ext uri="{BB962C8B-B14F-4D97-AF65-F5344CB8AC3E}">
+        <p14:creationId xmlns:p14="http://schemas.microsoft.com/office/powerpoint/2010/main" val="2404286141"/>
       </p:ext>
     </p:extLst>
   </p:cSld>
@@ -805,11 +1649,7 @@
           <a:bodyPr/>
           <a:lstStyle/>
           <a:p>
-            <a:r>
-              <a:rPr lang="de-DE" dirty="0" smtClean="0"/>
-              <a:t>RENE</a:t>
-            </a:r>
-            <a:endParaRPr lang="de-DE" dirty="0"/>
+            <a:endParaRPr lang="de-DE"/>
           </a:p>
         </p:txBody>
       </p:sp>
@@ -828,10 +1668,10 @@
           <a:bodyPr/>
           <a:lstStyle/>
           <a:p>
-            <a:fld id="{D86164CF-F871-3D47-A661-2FEA5BB7AC1F}" type="slidenum">
+            <a:fld id="{446AC1AA-0751-8243-836D-342D444A6997}" type="slidenum">
               <a:rPr lang="de-DE" smtClean="0"/>
               <a:pPr/>
-              <a:t>4</a:t>
+              <a:t>2</a:t>
             </a:fld>
             <a:endParaRPr lang="de-DE"/>
           </a:p>
@@ -840,7 +1680,347 @@
     </p:spTree>
     <p:extLst>
       <p:ext uri="{BB962C8B-B14F-4D97-AF65-F5344CB8AC3E}">
-        <p14:creationId xmlns:p14="http://schemas.microsoft.com/office/powerpoint/2010/main" val="3749290873"/>
+        <p14:creationId xmlns:p14="http://schemas.microsoft.com/office/powerpoint/2010/main" val="1600971513"/>
+      </p:ext>
+    </p:extLst>
+  </p:cSld>
+  <p:clrMapOvr>
+    <a:masterClrMapping/>
+  </p:clrMapOvr>
+</p:notes>
+</file>
+
+<file path=ppt/notesSlides/notesSlide20.xml><?xml version="1.0" encoding="utf-8"?>
+<p:notes xmlns:a="http://schemas.openxmlformats.org/drawingml/2006/main" xmlns:r="http://schemas.openxmlformats.org/officeDocument/2006/relationships" xmlns:p="http://schemas.openxmlformats.org/presentationml/2006/main">
+  <p:cSld>
+    <p:spTree>
+      <p:nvGrpSpPr>
+        <p:cNvPr id="1" name=""/>
+        <p:cNvGrpSpPr/>
+        <p:nvPr/>
+      </p:nvGrpSpPr>
+      <p:grpSpPr>
+        <a:xfrm>
+          <a:off x="0" y="0"/>
+          <a:ext cx="0" cy="0"/>
+          <a:chOff x="0" y="0"/>
+          <a:chExt cx="0" cy="0"/>
+        </a:xfrm>
+      </p:grpSpPr>
+      <p:sp>
+        <p:nvSpPr>
+          <p:cNvPr id="2" name="Folienbildplatzhalter 1"/>
+          <p:cNvSpPr>
+            <a:spLocks noGrp="1" noRot="1" noChangeAspect="1"/>
+          </p:cNvSpPr>
+          <p:nvPr>
+            <p:ph type="sldImg"/>
+          </p:nvPr>
+        </p:nvSpPr>
+        <p:spPr/>
+      </p:sp>
+      <p:sp>
+        <p:nvSpPr>
+          <p:cNvPr id="3" name="Notizenplatzhalter 2"/>
+          <p:cNvSpPr>
+            <a:spLocks noGrp="1"/>
+          </p:cNvSpPr>
+          <p:nvPr>
+            <p:ph type="body" idx="1"/>
+          </p:nvPr>
+        </p:nvSpPr>
+        <p:spPr/>
+        <p:txBody>
+          <a:bodyPr/>
+          <a:lstStyle/>
+          <a:p>
+            <a:endParaRPr lang="de-DE"/>
+          </a:p>
+        </p:txBody>
+      </p:sp>
+      <p:sp>
+        <p:nvSpPr>
+          <p:cNvPr id="4" name="Foliennummernplatzhalter 3"/>
+          <p:cNvSpPr>
+            <a:spLocks noGrp="1"/>
+          </p:cNvSpPr>
+          <p:nvPr>
+            <p:ph type="sldNum" sz="quarter" idx="10"/>
+          </p:nvPr>
+        </p:nvSpPr>
+        <p:spPr/>
+        <p:txBody>
+          <a:bodyPr/>
+          <a:lstStyle/>
+          <a:p>
+            <a:fld id="{446AC1AA-0751-8243-836D-342D444A6997}" type="slidenum">
+              <a:rPr lang="de-DE" smtClean="0"/>
+              <a:pPr/>
+              <a:t>20</a:t>
+            </a:fld>
+            <a:endParaRPr lang="de-DE"/>
+          </a:p>
+        </p:txBody>
+      </p:sp>
+    </p:spTree>
+    <p:extLst>
+      <p:ext uri="{BB962C8B-B14F-4D97-AF65-F5344CB8AC3E}">
+        <p14:creationId xmlns:p14="http://schemas.microsoft.com/office/powerpoint/2010/main" val="4047369405"/>
+      </p:ext>
+    </p:extLst>
+  </p:cSld>
+  <p:clrMapOvr>
+    <a:masterClrMapping/>
+  </p:clrMapOvr>
+</p:notes>
+</file>
+
+<file path=ppt/notesSlides/notesSlide21.xml><?xml version="1.0" encoding="utf-8"?>
+<p:notes xmlns:a="http://schemas.openxmlformats.org/drawingml/2006/main" xmlns:r="http://schemas.openxmlformats.org/officeDocument/2006/relationships" xmlns:p="http://schemas.openxmlformats.org/presentationml/2006/main">
+  <p:cSld>
+    <p:spTree>
+      <p:nvGrpSpPr>
+        <p:cNvPr id="1" name=""/>
+        <p:cNvGrpSpPr/>
+        <p:nvPr/>
+      </p:nvGrpSpPr>
+      <p:grpSpPr>
+        <a:xfrm>
+          <a:off x="0" y="0"/>
+          <a:ext cx="0" cy="0"/>
+          <a:chOff x="0" y="0"/>
+          <a:chExt cx="0" cy="0"/>
+        </a:xfrm>
+      </p:grpSpPr>
+      <p:sp>
+        <p:nvSpPr>
+          <p:cNvPr id="2" name="Folienbildplatzhalter 1"/>
+          <p:cNvSpPr>
+            <a:spLocks noGrp="1" noRot="1" noChangeAspect="1"/>
+          </p:cNvSpPr>
+          <p:nvPr>
+            <p:ph type="sldImg"/>
+          </p:nvPr>
+        </p:nvSpPr>
+        <p:spPr/>
+      </p:sp>
+      <p:sp>
+        <p:nvSpPr>
+          <p:cNvPr id="3" name="Notizenplatzhalter 2"/>
+          <p:cNvSpPr>
+            <a:spLocks noGrp="1"/>
+          </p:cNvSpPr>
+          <p:nvPr>
+            <p:ph type="body" idx="1"/>
+          </p:nvPr>
+        </p:nvSpPr>
+        <p:spPr/>
+        <p:txBody>
+          <a:bodyPr/>
+          <a:lstStyle/>
+          <a:p>
+            <a:endParaRPr lang="de-DE"/>
+          </a:p>
+        </p:txBody>
+      </p:sp>
+      <p:sp>
+        <p:nvSpPr>
+          <p:cNvPr id="4" name="Foliennummernplatzhalter 3"/>
+          <p:cNvSpPr>
+            <a:spLocks noGrp="1"/>
+          </p:cNvSpPr>
+          <p:nvPr>
+            <p:ph type="sldNum" sz="quarter" idx="10"/>
+          </p:nvPr>
+        </p:nvSpPr>
+        <p:spPr/>
+        <p:txBody>
+          <a:bodyPr/>
+          <a:lstStyle/>
+          <a:p>
+            <a:fld id="{446AC1AA-0751-8243-836D-342D444A6997}" type="slidenum">
+              <a:rPr lang="de-DE" smtClean="0"/>
+              <a:pPr/>
+              <a:t>21</a:t>
+            </a:fld>
+            <a:endParaRPr lang="de-DE"/>
+          </a:p>
+        </p:txBody>
+      </p:sp>
+    </p:spTree>
+    <p:extLst>
+      <p:ext uri="{BB962C8B-B14F-4D97-AF65-F5344CB8AC3E}">
+        <p14:creationId xmlns:p14="http://schemas.microsoft.com/office/powerpoint/2010/main" val="3089942434"/>
+      </p:ext>
+    </p:extLst>
+  </p:cSld>
+  <p:clrMapOvr>
+    <a:masterClrMapping/>
+  </p:clrMapOvr>
+</p:notes>
+</file>
+
+<file path=ppt/notesSlides/notesSlide22.xml><?xml version="1.0" encoding="utf-8"?>
+<p:notes xmlns:a="http://schemas.openxmlformats.org/drawingml/2006/main" xmlns:r="http://schemas.openxmlformats.org/officeDocument/2006/relationships" xmlns:p="http://schemas.openxmlformats.org/presentationml/2006/main">
+  <p:cSld>
+    <p:spTree>
+      <p:nvGrpSpPr>
+        <p:cNvPr id="1" name=""/>
+        <p:cNvGrpSpPr/>
+        <p:nvPr/>
+      </p:nvGrpSpPr>
+      <p:grpSpPr>
+        <a:xfrm>
+          <a:off x="0" y="0"/>
+          <a:ext cx="0" cy="0"/>
+          <a:chOff x="0" y="0"/>
+          <a:chExt cx="0" cy="0"/>
+        </a:xfrm>
+      </p:grpSpPr>
+      <p:sp>
+        <p:nvSpPr>
+          <p:cNvPr id="2" name="Folienbildplatzhalter 1"/>
+          <p:cNvSpPr>
+            <a:spLocks noGrp="1" noRot="1" noChangeAspect="1"/>
+          </p:cNvSpPr>
+          <p:nvPr>
+            <p:ph type="sldImg"/>
+          </p:nvPr>
+        </p:nvSpPr>
+        <p:spPr/>
+      </p:sp>
+      <p:sp>
+        <p:nvSpPr>
+          <p:cNvPr id="3" name="Notizenplatzhalter 2"/>
+          <p:cNvSpPr>
+            <a:spLocks noGrp="1"/>
+          </p:cNvSpPr>
+          <p:nvPr>
+            <p:ph type="body" idx="1"/>
+          </p:nvPr>
+        </p:nvSpPr>
+        <p:spPr/>
+        <p:txBody>
+          <a:bodyPr/>
+          <a:lstStyle/>
+          <a:p>
+            <a:endParaRPr lang="de-DE"/>
+          </a:p>
+        </p:txBody>
+      </p:sp>
+      <p:sp>
+        <p:nvSpPr>
+          <p:cNvPr id="4" name="Foliennummernplatzhalter 3"/>
+          <p:cNvSpPr>
+            <a:spLocks noGrp="1"/>
+          </p:cNvSpPr>
+          <p:nvPr>
+            <p:ph type="sldNum" sz="quarter" idx="10"/>
+          </p:nvPr>
+        </p:nvSpPr>
+        <p:spPr/>
+        <p:txBody>
+          <a:bodyPr/>
+          <a:lstStyle/>
+          <a:p>
+            <a:fld id="{446AC1AA-0751-8243-836D-342D444A6997}" type="slidenum">
+              <a:rPr lang="de-DE" smtClean="0"/>
+              <a:pPr/>
+              <a:t>22</a:t>
+            </a:fld>
+            <a:endParaRPr lang="de-DE"/>
+          </a:p>
+        </p:txBody>
+      </p:sp>
+    </p:spTree>
+    <p:extLst>
+      <p:ext uri="{BB962C8B-B14F-4D97-AF65-F5344CB8AC3E}">
+        <p14:creationId xmlns:p14="http://schemas.microsoft.com/office/powerpoint/2010/main" val="27834752"/>
+      </p:ext>
+    </p:extLst>
+  </p:cSld>
+  <p:clrMapOvr>
+    <a:masterClrMapping/>
+  </p:clrMapOvr>
+</p:notes>
+</file>
+
+<file path=ppt/notesSlides/notesSlide23.xml><?xml version="1.0" encoding="utf-8"?>
+<p:notes xmlns:a="http://schemas.openxmlformats.org/drawingml/2006/main" xmlns:r="http://schemas.openxmlformats.org/officeDocument/2006/relationships" xmlns:p="http://schemas.openxmlformats.org/presentationml/2006/main">
+  <p:cSld>
+    <p:spTree>
+      <p:nvGrpSpPr>
+        <p:cNvPr id="1" name=""/>
+        <p:cNvGrpSpPr/>
+        <p:nvPr/>
+      </p:nvGrpSpPr>
+      <p:grpSpPr>
+        <a:xfrm>
+          <a:off x="0" y="0"/>
+          <a:ext cx="0" cy="0"/>
+          <a:chOff x="0" y="0"/>
+          <a:chExt cx="0" cy="0"/>
+        </a:xfrm>
+      </p:grpSpPr>
+      <p:sp>
+        <p:nvSpPr>
+          <p:cNvPr id="2" name="Folienbildplatzhalter 1"/>
+          <p:cNvSpPr>
+            <a:spLocks noGrp="1" noRot="1" noChangeAspect="1"/>
+          </p:cNvSpPr>
+          <p:nvPr>
+            <p:ph type="sldImg"/>
+          </p:nvPr>
+        </p:nvSpPr>
+        <p:spPr/>
+      </p:sp>
+      <p:sp>
+        <p:nvSpPr>
+          <p:cNvPr id="3" name="Notizenplatzhalter 2"/>
+          <p:cNvSpPr>
+            <a:spLocks noGrp="1"/>
+          </p:cNvSpPr>
+          <p:nvPr>
+            <p:ph type="body" idx="1"/>
+          </p:nvPr>
+        </p:nvSpPr>
+        <p:spPr/>
+        <p:txBody>
+          <a:bodyPr/>
+          <a:lstStyle/>
+          <a:p>
+            <a:endParaRPr lang="de-DE"/>
+          </a:p>
+        </p:txBody>
+      </p:sp>
+      <p:sp>
+        <p:nvSpPr>
+          <p:cNvPr id="4" name="Foliennummernplatzhalter 3"/>
+          <p:cNvSpPr>
+            <a:spLocks noGrp="1"/>
+          </p:cNvSpPr>
+          <p:nvPr>
+            <p:ph type="sldNum" sz="quarter" idx="10"/>
+          </p:nvPr>
+        </p:nvSpPr>
+        <p:spPr/>
+        <p:txBody>
+          <a:bodyPr/>
+          <a:lstStyle/>
+          <a:p>
+            <a:fld id="{446AC1AA-0751-8243-836D-342D444A6997}" type="slidenum">
+              <a:rPr lang="de-DE" smtClean="0"/>
+              <a:pPr/>
+              <a:t>23</a:t>
+            </a:fld>
+            <a:endParaRPr lang="de-DE"/>
+          </a:p>
+        </p:txBody>
+      </p:sp>
+    </p:spTree>
+    <p:extLst>
+      <p:ext uri="{BB962C8B-B14F-4D97-AF65-F5344CB8AC3E}">
+        <p14:creationId xmlns:p14="http://schemas.microsoft.com/office/powerpoint/2010/main" val="1195052172"/>
       </p:ext>
     </p:extLst>
   </p:cSld>
@@ -881,12 +2061,12 @@
       </p:sp>
       <p:sp>
         <p:nvSpPr>
-          <p:cNvPr id="3" name="Notizenplatzhalter 2"/>
+          <p:cNvPr id="4" name="Foliennummernplatzhalter 3"/>
           <p:cNvSpPr>
             <a:spLocks noGrp="1"/>
           </p:cNvSpPr>
           <p:nvPr>
-            <p:ph type="body" idx="1"/>
+            <p:ph type="sldNum" sz="quarter" idx="10"/>
           </p:nvPr>
         </p:nvSpPr>
         <p:spPr/>
@@ -894,13 +2074,160 @@
           <a:bodyPr/>
           <a:lstStyle/>
           <a:p>
-            <a:r>
-              <a:rPr lang="de-DE" dirty="0" smtClean="0"/>
-              <a:t>RENE</a:t>
-            </a:r>
-            <a:endParaRPr lang="de-DE" dirty="0"/>
-          </a:p>
-        </p:txBody>
+            <a:fld id="{D86164CF-F871-3D47-A661-2FEA5BB7AC1F}" type="slidenum">
+              <a:rPr lang="de-DE" smtClean="0"/>
+              <a:pPr/>
+              <a:t>3</a:t>
+            </a:fld>
+            <a:endParaRPr lang="de-DE"/>
+          </a:p>
+        </p:txBody>
+      </p:sp>
+      <p:sp>
+        <p:nvSpPr>
+          <p:cNvPr id="5" name="Notizenplatzhalter 4"/>
+          <p:cNvSpPr>
+            <a:spLocks noGrp="1"/>
+          </p:cNvSpPr>
+          <p:nvPr>
+            <p:ph type="body" sz="quarter" idx="11"/>
+          </p:nvPr>
+        </p:nvSpPr>
+        <p:spPr/>
+        <p:txBody>
+          <a:bodyPr/>
+          <a:lstStyle/>
+          <a:p>
+            <a:endParaRPr lang="de-DE"/>
+          </a:p>
+        </p:txBody>
+      </p:sp>
+    </p:spTree>
+    <p:extLst>
+      <p:ext uri="{BB962C8B-B14F-4D97-AF65-F5344CB8AC3E}">
+        <p14:creationId xmlns:p14="http://schemas.microsoft.com/office/powerpoint/2010/main" val="3749290873"/>
+      </p:ext>
+    </p:extLst>
+  </p:cSld>
+  <p:clrMapOvr>
+    <a:masterClrMapping/>
+  </p:clrMapOvr>
+</p:notes>
+</file>
+
+<file path=ppt/notesSlides/notesSlide4.xml><?xml version="1.0" encoding="utf-8"?>
+<p:notes xmlns:a="http://schemas.openxmlformats.org/drawingml/2006/main" xmlns:r="http://schemas.openxmlformats.org/officeDocument/2006/relationships" xmlns:p="http://schemas.openxmlformats.org/presentationml/2006/main">
+  <p:cSld>
+    <p:spTree>
+      <p:nvGrpSpPr>
+        <p:cNvPr id="1" name=""/>
+        <p:cNvGrpSpPr/>
+        <p:nvPr/>
+      </p:nvGrpSpPr>
+      <p:grpSpPr>
+        <a:xfrm>
+          <a:off x="0" y="0"/>
+          <a:ext cx="0" cy="0"/>
+          <a:chOff x="0" y="0"/>
+          <a:chExt cx="0" cy="0"/>
+        </a:xfrm>
+      </p:grpSpPr>
+      <p:sp>
+        <p:nvSpPr>
+          <p:cNvPr id="2" name="Folienbildplatzhalter 1"/>
+          <p:cNvSpPr>
+            <a:spLocks noGrp="1" noRot="1" noChangeAspect="1"/>
+          </p:cNvSpPr>
+          <p:nvPr>
+            <p:ph type="sldImg"/>
+          </p:nvPr>
+        </p:nvSpPr>
+        <p:spPr/>
+      </p:sp>
+      <p:sp>
+        <p:nvSpPr>
+          <p:cNvPr id="4" name="Foliennummernplatzhalter 3"/>
+          <p:cNvSpPr>
+            <a:spLocks noGrp="1"/>
+          </p:cNvSpPr>
+          <p:nvPr>
+            <p:ph type="sldNum" sz="quarter" idx="10"/>
+          </p:nvPr>
+        </p:nvSpPr>
+        <p:spPr/>
+        <p:txBody>
+          <a:bodyPr/>
+          <a:lstStyle/>
+          <a:p>
+            <a:fld id="{D86164CF-F871-3D47-A661-2FEA5BB7AC1F}" type="slidenum">
+              <a:rPr lang="de-DE" smtClean="0"/>
+              <a:pPr/>
+              <a:t>4</a:t>
+            </a:fld>
+            <a:endParaRPr lang="de-DE"/>
+          </a:p>
+        </p:txBody>
+      </p:sp>
+      <p:sp>
+        <p:nvSpPr>
+          <p:cNvPr id="5" name="Notizenplatzhalter 4"/>
+          <p:cNvSpPr>
+            <a:spLocks noGrp="1"/>
+          </p:cNvSpPr>
+          <p:nvPr>
+            <p:ph type="body" sz="quarter" idx="11"/>
+          </p:nvPr>
+        </p:nvSpPr>
+        <p:spPr/>
+        <p:txBody>
+          <a:bodyPr/>
+          <a:lstStyle/>
+          <a:p>
+            <a:endParaRPr lang="de-DE"/>
+          </a:p>
+        </p:txBody>
+      </p:sp>
+    </p:spTree>
+    <p:extLst>
+      <p:ext uri="{BB962C8B-B14F-4D97-AF65-F5344CB8AC3E}">
+        <p14:creationId xmlns:p14="http://schemas.microsoft.com/office/powerpoint/2010/main" val="3749290873"/>
+      </p:ext>
+    </p:extLst>
+  </p:cSld>
+  <p:clrMapOvr>
+    <a:masterClrMapping/>
+  </p:clrMapOvr>
+</p:notes>
+</file>
+
+<file path=ppt/notesSlides/notesSlide5.xml><?xml version="1.0" encoding="utf-8"?>
+<p:notes xmlns:a="http://schemas.openxmlformats.org/drawingml/2006/main" xmlns:r="http://schemas.openxmlformats.org/officeDocument/2006/relationships" xmlns:p="http://schemas.openxmlformats.org/presentationml/2006/main">
+  <p:cSld>
+    <p:spTree>
+      <p:nvGrpSpPr>
+        <p:cNvPr id="1" name=""/>
+        <p:cNvGrpSpPr/>
+        <p:nvPr/>
+      </p:nvGrpSpPr>
+      <p:grpSpPr>
+        <a:xfrm>
+          <a:off x="0" y="0"/>
+          <a:ext cx="0" cy="0"/>
+          <a:chOff x="0" y="0"/>
+          <a:chExt cx="0" cy="0"/>
+        </a:xfrm>
+      </p:grpSpPr>
+      <p:sp>
+        <p:nvSpPr>
+          <p:cNvPr id="2" name="Folienbildplatzhalter 1"/>
+          <p:cNvSpPr>
+            <a:spLocks noGrp="1" noRot="1" noChangeAspect="1"/>
+          </p:cNvSpPr>
+          <p:nvPr>
+            <p:ph type="sldImg"/>
+          </p:nvPr>
+        </p:nvSpPr>
+        <p:spPr/>
       </p:sp>
       <p:sp>
         <p:nvSpPr>
@@ -926,10 +2253,369 @@
           </a:p>
         </p:txBody>
       </p:sp>
+      <p:sp>
+        <p:nvSpPr>
+          <p:cNvPr id="5" name="Notizenplatzhalter 4"/>
+          <p:cNvSpPr>
+            <a:spLocks noGrp="1"/>
+          </p:cNvSpPr>
+          <p:nvPr>
+            <p:ph type="body" sz="quarter" idx="11"/>
+          </p:nvPr>
+        </p:nvSpPr>
+        <p:spPr/>
+        <p:txBody>
+          <a:bodyPr/>
+          <a:lstStyle/>
+          <a:p>
+            <a:endParaRPr lang="de-DE"/>
+          </a:p>
+        </p:txBody>
+      </p:sp>
     </p:spTree>
     <p:extLst>
       <p:ext uri="{BB962C8B-B14F-4D97-AF65-F5344CB8AC3E}">
         <p14:creationId xmlns:p14="http://schemas.microsoft.com/office/powerpoint/2010/main" val="3749290873"/>
+      </p:ext>
+    </p:extLst>
+  </p:cSld>
+  <p:clrMapOvr>
+    <a:masterClrMapping/>
+  </p:clrMapOvr>
+</p:notes>
+</file>
+
+<file path=ppt/notesSlides/notesSlide6.xml><?xml version="1.0" encoding="utf-8"?>
+<p:notes xmlns:a="http://schemas.openxmlformats.org/drawingml/2006/main" xmlns:r="http://schemas.openxmlformats.org/officeDocument/2006/relationships" xmlns:p="http://schemas.openxmlformats.org/presentationml/2006/main">
+  <p:cSld>
+    <p:spTree>
+      <p:nvGrpSpPr>
+        <p:cNvPr id="1" name=""/>
+        <p:cNvGrpSpPr/>
+        <p:nvPr/>
+      </p:nvGrpSpPr>
+      <p:grpSpPr>
+        <a:xfrm>
+          <a:off x="0" y="0"/>
+          <a:ext cx="0" cy="0"/>
+          <a:chOff x="0" y="0"/>
+          <a:chExt cx="0" cy="0"/>
+        </a:xfrm>
+      </p:grpSpPr>
+      <p:sp>
+        <p:nvSpPr>
+          <p:cNvPr id="2" name="Folienbildplatzhalter 1"/>
+          <p:cNvSpPr>
+            <a:spLocks noGrp="1" noRot="1" noChangeAspect="1"/>
+          </p:cNvSpPr>
+          <p:nvPr>
+            <p:ph type="sldImg"/>
+          </p:nvPr>
+        </p:nvSpPr>
+        <p:spPr/>
+      </p:sp>
+      <p:sp>
+        <p:nvSpPr>
+          <p:cNvPr id="3" name="Notizenplatzhalter 2"/>
+          <p:cNvSpPr>
+            <a:spLocks noGrp="1"/>
+          </p:cNvSpPr>
+          <p:nvPr>
+            <p:ph type="body" idx="1"/>
+          </p:nvPr>
+        </p:nvSpPr>
+        <p:spPr/>
+        <p:txBody>
+          <a:bodyPr/>
+          <a:lstStyle/>
+          <a:p>
+            <a:endParaRPr lang="de-DE"/>
+          </a:p>
+        </p:txBody>
+      </p:sp>
+      <p:sp>
+        <p:nvSpPr>
+          <p:cNvPr id="4" name="Foliennummernplatzhalter 3"/>
+          <p:cNvSpPr>
+            <a:spLocks noGrp="1"/>
+          </p:cNvSpPr>
+          <p:nvPr>
+            <p:ph type="sldNum" sz="quarter" idx="10"/>
+          </p:nvPr>
+        </p:nvSpPr>
+        <p:spPr/>
+        <p:txBody>
+          <a:bodyPr/>
+          <a:lstStyle/>
+          <a:p>
+            <a:fld id="{446AC1AA-0751-8243-836D-342D444A6997}" type="slidenum">
+              <a:rPr lang="de-DE" smtClean="0"/>
+              <a:pPr/>
+              <a:t>6</a:t>
+            </a:fld>
+            <a:endParaRPr lang="de-DE"/>
+          </a:p>
+        </p:txBody>
+      </p:sp>
+    </p:spTree>
+    <p:extLst>
+      <p:ext uri="{BB962C8B-B14F-4D97-AF65-F5344CB8AC3E}">
+        <p14:creationId xmlns:p14="http://schemas.microsoft.com/office/powerpoint/2010/main" val="4077694333"/>
+      </p:ext>
+    </p:extLst>
+  </p:cSld>
+  <p:clrMapOvr>
+    <a:masterClrMapping/>
+  </p:clrMapOvr>
+</p:notes>
+</file>
+
+<file path=ppt/notesSlides/notesSlide7.xml><?xml version="1.0" encoding="utf-8"?>
+<p:notes xmlns:a="http://schemas.openxmlformats.org/drawingml/2006/main" xmlns:r="http://schemas.openxmlformats.org/officeDocument/2006/relationships" xmlns:p="http://schemas.openxmlformats.org/presentationml/2006/main">
+  <p:cSld>
+    <p:spTree>
+      <p:nvGrpSpPr>
+        <p:cNvPr id="1" name=""/>
+        <p:cNvGrpSpPr/>
+        <p:nvPr/>
+      </p:nvGrpSpPr>
+      <p:grpSpPr>
+        <a:xfrm>
+          <a:off x="0" y="0"/>
+          <a:ext cx="0" cy="0"/>
+          <a:chOff x="0" y="0"/>
+          <a:chExt cx="0" cy="0"/>
+        </a:xfrm>
+      </p:grpSpPr>
+      <p:sp>
+        <p:nvSpPr>
+          <p:cNvPr id="2" name="Folienbildplatzhalter 1"/>
+          <p:cNvSpPr>
+            <a:spLocks noGrp="1" noRot="1" noChangeAspect="1"/>
+          </p:cNvSpPr>
+          <p:nvPr>
+            <p:ph type="sldImg"/>
+          </p:nvPr>
+        </p:nvSpPr>
+        <p:spPr/>
+      </p:sp>
+      <p:sp>
+        <p:nvSpPr>
+          <p:cNvPr id="3" name="Notizenplatzhalter 2"/>
+          <p:cNvSpPr>
+            <a:spLocks noGrp="1"/>
+          </p:cNvSpPr>
+          <p:nvPr>
+            <p:ph type="body" idx="1"/>
+          </p:nvPr>
+        </p:nvSpPr>
+        <p:spPr/>
+        <p:txBody>
+          <a:bodyPr/>
+          <a:lstStyle/>
+          <a:p>
+            <a:endParaRPr lang="de-DE"/>
+          </a:p>
+        </p:txBody>
+      </p:sp>
+      <p:sp>
+        <p:nvSpPr>
+          <p:cNvPr id="4" name="Foliennummernplatzhalter 3"/>
+          <p:cNvSpPr>
+            <a:spLocks noGrp="1"/>
+          </p:cNvSpPr>
+          <p:nvPr>
+            <p:ph type="sldNum" sz="quarter" idx="10"/>
+          </p:nvPr>
+        </p:nvSpPr>
+        <p:spPr/>
+        <p:txBody>
+          <a:bodyPr/>
+          <a:lstStyle/>
+          <a:p>
+            <a:fld id="{446AC1AA-0751-8243-836D-342D444A6997}" type="slidenum">
+              <a:rPr lang="de-DE" smtClean="0"/>
+              <a:pPr/>
+              <a:t>7</a:t>
+            </a:fld>
+            <a:endParaRPr lang="de-DE"/>
+          </a:p>
+        </p:txBody>
+      </p:sp>
+    </p:spTree>
+    <p:extLst>
+      <p:ext uri="{BB962C8B-B14F-4D97-AF65-F5344CB8AC3E}">
+        <p14:creationId xmlns:p14="http://schemas.microsoft.com/office/powerpoint/2010/main" val="3950569783"/>
+      </p:ext>
+    </p:extLst>
+  </p:cSld>
+  <p:clrMapOvr>
+    <a:masterClrMapping/>
+  </p:clrMapOvr>
+</p:notes>
+</file>
+
+<file path=ppt/notesSlides/notesSlide8.xml><?xml version="1.0" encoding="utf-8"?>
+<p:notes xmlns:a="http://schemas.openxmlformats.org/drawingml/2006/main" xmlns:r="http://schemas.openxmlformats.org/officeDocument/2006/relationships" xmlns:p="http://schemas.openxmlformats.org/presentationml/2006/main">
+  <p:cSld>
+    <p:spTree>
+      <p:nvGrpSpPr>
+        <p:cNvPr id="1" name=""/>
+        <p:cNvGrpSpPr/>
+        <p:nvPr/>
+      </p:nvGrpSpPr>
+      <p:grpSpPr>
+        <a:xfrm>
+          <a:off x="0" y="0"/>
+          <a:ext cx="0" cy="0"/>
+          <a:chOff x="0" y="0"/>
+          <a:chExt cx="0" cy="0"/>
+        </a:xfrm>
+      </p:grpSpPr>
+      <p:sp>
+        <p:nvSpPr>
+          <p:cNvPr id="2" name="Folienbildplatzhalter 1"/>
+          <p:cNvSpPr>
+            <a:spLocks noGrp="1" noRot="1" noChangeAspect="1"/>
+          </p:cNvSpPr>
+          <p:nvPr>
+            <p:ph type="sldImg"/>
+          </p:nvPr>
+        </p:nvSpPr>
+        <p:spPr/>
+      </p:sp>
+      <p:sp>
+        <p:nvSpPr>
+          <p:cNvPr id="3" name="Notizenplatzhalter 2"/>
+          <p:cNvSpPr>
+            <a:spLocks noGrp="1"/>
+          </p:cNvSpPr>
+          <p:nvPr>
+            <p:ph type="body" idx="1"/>
+          </p:nvPr>
+        </p:nvSpPr>
+        <p:spPr/>
+        <p:txBody>
+          <a:bodyPr/>
+          <a:lstStyle/>
+          <a:p>
+            <a:endParaRPr lang="de-DE"/>
+          </a:p>
+        </p:txBody>
+      </p:sp>
+      <p:sp>
+        <p:nvSpPr>
+          <p:cNvPr id="4" name="Foliennummernplatzhalter 3"/>
+          <p:cNvSpPr>
+            <a:spLocks noGrp="1"/>
+          </p:cNvSpPr>
+          <p:nvPr>
+            <p:ph type="sldNum" sz="quarter" idx="10"/>
+          </p:nvPr>
+        </p:nvSpPr>
+        <p:spPr/>
+        <p:txBody>
+          <a:bodyPr/>
+          <a:lstStyle/>
+          <a:p>
+            <a:fld id="{446AC1AA-0751-8243-836D-342D444A6997}" type="slidenum">
+              <a:rPr lang="de-DE" smtClean="0"/>
+              <a:pPr/>
+              <a:t>8</a:t>
+            </a:fld>
+            <a:endParaRPr lang="de-DE"/>
+          </a:p>
+        </p:txBody>
+      </p:sp>
+    </p:spTree>
+    <p:extLst>
+      <p:ext uri="{BB962C8B-B14F-4D97-AF65-F5344CB8AC3E}">
+        <p14:creationId xmlns:p14="http://schemas.microsoft.com/office/powerpoint/2010/main" val="881681360"/>
+      </p:ext>
+    </p:extLst>
+  </p:cSld>
+  <p:clrMapOvr>
+    <a:masterClrMapping/>
+  </p:clrMapOvr>
+</p:notes>
+</file>
+
+<file path=ppt/notesSlides/notesSlide9.xml><?xml version="1.0" encoding="utf-8"?>
+<p:notes xmlns:a="http://schemas.openxmlformats.org/drawingml/2006/main" xmlns:r="http://schemas.openxmlformats.org/officeDocument/2006/relationships" xmlns:p="http://schemas.openxmlformats.org/presentationml/2006/main">
+  <p:cSld>
+    <p:spTree>
+      <p:nvGrpSpPr>
+        <p:cNvPr id="1" name=""/>
+        <p:cNvGrpSpPr/>
+        <p:nvPr/>
+      </p:nvGrpSpPr>
+      <p:grpSpPr>
+        <a:xfrm>
+          <a:off x="0" y="0"/>
+          <a:ext cx="0" cy="0"/>
+          <a:chOff x="0" y="0"/>
+          <a:chExt cx="0" cy="0"/>
+        </a:xfrm>
+      </p:grpSpPr>
+      <p:sp>
+        <p:nvSpPr>
+          <p:cNvPr id="2" name="Folienbildplatzhalter 1"/>
+          <p:cNvSpPr>
+            <a:spLocks noGrp="1" noRot="1" noChangeAspect="1"/>
+          </p:cNvSpPr>
+          <p:nvPr>
+            <p:ph type="sldImg"/>
+          </p:nvPr>
+        </p:nvSpPr>
+        <p:spPr/>
+      </p:sp>
+      <p:sp>
+        <p:nvSpPr>
+          <p:cNvPr id="3" name="Notizenplatzhalter 2"/>
+          <p:cNvSpPr>
+            <a:spLocks noGrp="1"/>
+          </p:cNvSpPr>
+          <p:nvPr>
+            <p:ph type="body" idx="1"/>
+          </p:nvPr>
+        </p:nvSpPr>
+        <p:spPr/>
+        <p:txBody>
+          <a:bodyPr/>
+          <a:lstStyle/>
+          <a:p>
+            <a:endParaRPr lang="de-DE"/>
+          </a:p>
+        </p:txBody>
+      </p:sp>
+      <p:sp>
+        <p:nvSpPr>
+          <p:cNvPr id="4" name="Foliennummernplatzhalter 3"/>
+          <p:cNvSpPr>
+            <a:spLocks noGrp="1"/>
+          </p:cNvSpPr>
+          <p:nvPr>
+            <p:ph type="sldNum" sz="quarter" idx="10"/>
+          </p:nvPr>
+        </p:nvSpPr>
+        <p:spPr/>
+        <p:txBody>
+          <a:bodyPr/>
+          <a:lstStyle/>
+          <a:p>
+            <a:fld id="{446AC1AA-0751-8243-836D-342D444A6997}" type="slidenum">
+              <a:rPr lang="de-DE" smtClean="0"/>
+              <a:pPr/>
+              <a:t>9</a:t>
+            </a:fld>
+            <a:endParaRPr lang="de-DE"/>
+          </a:p>
+        </p:txBody>
+      </p:sp>
+    </p:spTree>
+    <p:extLst>
+      <p:ext uri="{BB962C8B-B14F-4D97-AF65-F5344CB8AC3E}">
+        <p14:creationId xmlns:p14="http://schemas.microsoft.com/office/powerpoint/2010/main" val="1214753716"/>
       </p:ext>
     </p:extLst>
   </p:cSld>
@@ -3199,7 +4885,7 @@
           <p:nvPr/>
         </p:nvPicPr>
         <p:blipFill>
-          <a:blip r:embed="rId2"/>
+          <a:blip r:embed="rId3"/>
           <a:stretch>
             <a:fillRect/>
           </a:stretch>
@@ -3760,7 +5446,7 @@
           <p:nvPr/>
         </p:nvPicPr>
         <p:blipFill>
-          <a:blip r:embed="rId2"/>
+          <a:blip r:embed="rId3"/>
           <a:stretch>
             <a:fillRect/>
           </a:stretch>
@@ -4178,7 +5864,7 @@
           <p:nvPr/>
         </p:nvPicPr>
         <p:blipFill>
-          <a:blip r:embed="rId2"/>
+          <a:blip r:embed="rId3"/>
           <a:stretch>
             <a:fillRect/>
           </a:stretch>
@@ -4349,149 +6035,6 @@
         <p:spPr>
           <a:xfrm>
             <a:off x="315884" y="1041400"/>
-            <a:ext cx="8497916" cy="5339928"/>
-          </a:xfrm>
-        </p:spPr>
-        <p:txBody>
-          <a:bodyPr>
-            <a:normAutofit/>
-          </a:bodyPr>
-          <a:lstStyle/>
-          <a:p>
-            <a:pPr marL="0" indent="0">
-              <a:buNone/>
-            </a:pPr>
-            <a:r>
-              <a:rPr lang="de-DE" sz="2800" b="1" dirty="0" smtClean="0"/>
-              <a:t>„Regular“ </a:t>
-            </a:r>
-            <a:r>
-              <a:rPr lang="de-DE" sz="2800" b="1" dirty="0" err="1" smtClean="0"/>
-              <a:t>React</a:t>
-            </a:r>
-            <a:r>
-              <a:rPr lang="de-DE" sz="2800" b="1" dirty="0" smtClean="0"/>
-              <a:t> </a:t>
-            </a:r>
-            <a:r>
-              <a:rPr lang="de-DE" sz="2800" b="1" dirty="0" err="1" smtClean="0"/>
-              <a:t>component</a:t>
-            </a:r>
-            <a:endParaRPr lang="de-DE" sz="2800" b="1" dirty="0" smtClean="0"/>
-          </a:p>
-          <a:p>
-            <a:r>
-              <a:rPr lang="de-DE" sz="2800" dirty="0" smtClean="0"/>
-              <a:t>Triggers an </a:t>
-            </a:r>
-            <a:r>
-              <a:rPr lang="de-DE" sz="2800" dirty="0" err="1" smtClean="0"/>
-              <a:t>action</a:t>
-            </a:r>
-            <a:r>
-              <a:rPr lang="de-DE" sz="2800" dirty="0" smtClean="0"/>
-              <a:t>, e.g. on </a:t>
-            </a:r>
-            <a:r>
-              <a:rPr lang="de-DE" sz="2800" dirty="0" err="1" smtClean="0"/>
-              <a:t>user</a:t>
-            </a:r>
-            <a:r>
-              <a:rPr lang="de-DE" sz="2800" dirty="0" smtClean="0"/>
-              <a:t> </a:t>
-            </a:r>
-            <a:r>
-              <a:rPr lang="de-DE" sz="2800" dirty="0" err="1" smtClean="0"/>
-              <a:t>interaction</a:t>
-            </a:r>
-            <a:r>
-              <a:rPr lang="de-DE" sz="2800" dirty="0" smtClean="0"/>
-              <a:t> </a:t>
-            </a:r>
-          </a:p>
-          <a:p>
-            <a:pPr marL="0" indent="0">
-              <a:buNone/>
-            </a:pPr>
-            <a:endParaRPr lang="de-DE" dirty="0" smtClean="0"/>
-          </a:p>
-        </p:txBody>
-      </p:sp>
-      <p:sp>
-        <p:nvSpPr>
-          <p:cNvPr id="3" name="Titel 2"/>
-          <p:cNvSpPr>
-            <a:spLocks noGrp="1"/>
-          </p:cNvSpPr>
-          <p:nvPr>
-            <p:ph type="title"/>
-          </p:nvPr>
-        </p:nvSpPr>
-        <p:spPr/>
-        <p:txBody>
-          <a:bodyPr>
-            <a:normAutofit fontScale="90000"/>
-          </a:bodyPr>
-          <a:lstStyle/>
-          <a:p>
-            <a:r>
-              <a:rPr lang="de-DE" dirty="0" smtClean="0"/>
-              <a:t>COMPONENT</a:t>
-            </a:r>
-            <a:endParaRPr lang="de-DE" dirty="0"/>
-          </a:p>
-        </p:txBody>
-      </p:sp>
-    </p:spTree>
-    <p:extLst>
-      <p:ext uri="{BB962C8B-B14F-4D97-AF65-F5344CB8AC3E}">
-        <p14:creationId xmlns:p14="http://schemas.microsoft.com/office/powerpoint/2010/main" val="3091869641"/>
-      </p:ext>
-    </p:extLst>
-  </p:cSld>
-  <p:clrMapOvr>
-    <a:masterClrMapping/>
-  </p:clrMapOvr>
-  <p:timing>
-    <p:tnLst>
-      <p:par>
-        <p:cTn xmlns:p14="http://schemas.microsoft.com/office/powerpoint/2010/main" id="1" dur="indefinite" restart="never" nodeType="tmRoot"/>
-      </p:par>
-    </p:tnLst>
-  </p:timing>
-</p:sld>
-</file>
-
-<file path=ppt/slides/slide15.xml><?xml version="1.0" encoding="utf-8"?>
-<p:sld xmlns:a="http://schemas.openxmlformats.org/drawingml/2006/main" xmlns:r="http://schemas.openxmlformats.org/officeDocument/2006/relationships" xmlns:p="http://schemas.openxmlformats.org/presentationml/2006/main">
-  <p:cSld>
-    <p:spTree>
-      <p:nvGrpSpPr>
-        <p:cNvPr id="1" name=""/>
-        <p:cNvGrpSpPr/>
-        <p:nvPr/>
-      </p:nvGrpSpPr>
-      <p:grpSpPr>
-        <a:xfrm>
-          <a:off x="0" y="0"/>
-          <a:ext cx="0" cy="0"/>
-          <a:chOff x="0" y="0"/>
-          <a:chExt cx="0" cy="0"/>
-        </a:xfrm>
-      </p:grpSpPr>
-      <p:sp>
-        <p:nvSpPr>
-          <p:cNvPr id="2" name="Inhaltsplatzhalter 1"/>
-          <p:cNvSpPr>
-            <a:spLocks noGrp="1"/>
-          </p:cNvSpPr>
-          <p:nvPr>
-            <p:ph idx="1"/>
-          </p:nvPr>
-        </p:nvSpPr>
-        <p:spPr>
-          <a:xfrm>
-            <a:off x="315884" y="1041400"/>
             <a:ext cx="5348316" cy="5339928"/>
           </a:xfrm>
         </p:spPr>
@@ -4537,11 +6080,7 @@
             <a:pPr lvl="1"/>
             <a:r>
               <a:rPr lang="de-DE" sz="2400" dirty="0" smtClean="0"/>
-              <a:t>e.g</a:t>
-            </a:r>
-            <a:r>
-              <a:rPr lang="de-DE" sz="2400" dirty="0" smtClean="0"/>
-              <a:t>. on </a:t>
+              <a:t>e.g. on </a:t>
             </a:r>
             <a:r>
               <a:rPr lang="de-DE" sz="2400" dirty="0" err="1" smtClean="0"/>
@@ -4821,7 +6360,7 @@
           <p:nvPr/>
         </p:nvPicPr>
         <p:blipFill>
-          <a:blip r:embed="rId2"/>
+          <a:blip r:embed="rId3"/>
           <a:stretch>
             <a:fillRect/>
           </a:stretch>
@@ -4856,7 +6395,7 @@
 </p:sld>
 </file>
 
-<file path=ppt/slides/slide16.xml><?xml version="1.0" encoding="utf-8"?>
+<file path=ppt/slides/slide15.xml><?xml version="1.0" encoding="utf-8"?>
 <p:sld xmlns:a="http://schemas.openxmlformats.org/drawingml/2006/main" xmlns:r="http://schemas.openxmlformats.org/officeDocument/2006/relationships" xmlns:p="http://schemas.openxmlformats.org/presentationml/2006/main">
   <p:cSld>
     <p:spTree>
@@ -4983,11 +6522,7 @@
             </a:r>
             <a:r>
               <a:rPr lang="de-DE" sz="2800" dirty="0" smtClean="0"/>
-              <a:t> </a:t>
-            </a:r>
-            <a:r>
-              <a:rPr lang="de-DE" sz="2800" dirty="0" smtClean="0"/>
-              <a:t>happend (</a:t>
+              <a:t> happend (</a:t>
             </a:r>
             <a:r>
               <a:rPr lang="de-DE" sz="2800" dirty="0" err="1" smtClean="0"/>
@@ -5021,11 +6556,7 @@
             </a:r>
             <a:r>
               <a:rPr lang="de-DE" sz="2800" dirty="0" smtClean="0"/>
-              <a:t>omponents</a:t>
-            </a:r>
-            <a:r>
-              <a:rPr lang="de-DE" sz="2800" dirty="0" smtClean="0"/>
-              <a:t> </a:t>
+              <a:t>omponents </a:t>
             </a:r>
           </a:p>
           <a:p>
@@ -5122,16 +6653,11 @@
               <a:rPr lang="de-DE" sz="2800" dirty="0" smtClean="0"/>
               <a:t> </a:t>
             </a:r>
-            <a:endParaRPr lang="de-DE" sz="2800" dirty="0" smtClean="0"/>
           </a:p>
           <a:p>
             <a:r>
               <a:rPr lang="de-DE" sz="2800" dirty="0" smtClean="0"/>
-              <a:t>Pass </a:t>
-            </a:r>
-            <a:r>
-              <a:rPr lang="de-DE" sz="2800" dirty="0" smtClean="0"/>
-              <a:t>Action </a:t>
+              <a:t>Pass Action </a:t>
             </a:r>
             <a:r>
               <a:rPr lang="de-DE" sz="2800" dirty="0" err="1" smtClean="0"/>
@@ -5197,7 +6723,7 @@
           <p:nvPr/>
         </p:nvPicPr>
         <p:blipFill>
-          <a:blip r:embed="rId2"/>
+          <a:blip r:embed="rId3"/>
           <a:stretch>
             <a:fillRect/>
           </a:stretch>
@@ -5232,7 +6758,7 @@
 </p:sld>
 </file>
 
-<file path=ppt/slides/slide17.xml><?xml version="1.0" encoding="utf-8"?>
+<file path=ppt/slides/slide16.xml><?xml version="1.0" encoding="utf-8"?>
 <p:sld xmlns:a="http://schemas.openxmlformats.org/drawingml/2006/main" xmlns:r="http://schemas.openxmlformats.org/officeDocument/2006/relationships" xmlns:p="http://schemas.openxmlformats.org/presentationml/2006/main">
   <p:cSld>
     <p:spTree>
@@ -5343,11 +6869,7 @@
           <a:p>
             <a:r>
               <a:rPr lang="de-DE" sz="2800" dirty="0" smtClean="0"/>
-              <a:t>Forwards </a:t>
-            </a:r>
-            <a:r>
-              <a:rPr lang="de-DE" sz="2800" dirty="0" smtClean="0"/>
-              <a:t>Actions </a:t>
+              <a:t>Forwards Actions </a:t>
             </a:r>
             <a:r>
               <a:rPr lang="de-DE" sz="2800" dirty="0" err="1" smtClean="0"/>
@@ -5363,11 +6885,7 @@
             </a:r>
             <a:r>
               <a:rPr lang="de-DE" sz="2800" dirty="0" smtClean="0"/>
-              <a:t> </a:t>
-            </a:r>
-            <a:r>
-              <a:rPr lang="de-DE" sz="2800" dirty="0" smtClean="0"/>
-              <a:t>registered Stores</a:t>
+              <a:t> registered Stores</a:t>
             </a:r>
           </a:p>
           <a:p>
@@ -5383,7 +6901,6 @@
               <a:rPr lang="de-DE" sz="2800" dirty="0" smtClean="0"/>
               <a:t>  </a:t>
             </a:r>
-            <a:endParaRPr lang="de-DE" sz="2800" dirty="0" smtClean="0"/>
           </a:p>
           <a:p>
             <a:pPr marL="0" indent="0">
@@ -5427,7 +6944,7 @@
           <p:nvPr/>
         </p:nvPicPr>
         <p:blipFill>
-          <a:blip r:embed="rId2"/>
+          <a:blip r:embed="rId3"/>
           <a:stretch>
             <a:fillRect/>
           </a:stretch>
@@ -5462,7 +6979,7 @@
 </p:sld>
 </file>
 
-<file path=ppt/slides/slide18.xml><?xml version="1.0" encoding="utf-8"?>
+<file path=ppt/slides/slide17.xml><?xml version="1.0" encoding="utf-8"?>
 <p:sld xmlns:a="http://schemas.openxmlformats.org/drawingml/2006/main" xmlns:r="http://schemas.openxmlformats.org/officeDocument/2006/relationships" xmlns:p="http://schemas.openxmlformats.org/presentationml/2006/main">
   <p:cSld>
     <p:spTree>
@@ -5746,7 +7263,7 @@
           <p:nvPr/>
         </p:nvPicPr>
         <p:blipFill>
-          <a:blip r:embed="rId2"/>
+          <a:blip r:embed="rId3"/>
           <a:stretch>
             <a:fillRect/>
           </a:stretch>
@@ -5781,7 +7298,7 @@
 </p:sld>
 </file>
 
-<file path=ppt/slides/slide19.xml><?xml version="1.0" encoding="utf-8"?>
+<file path=ppt/slides/slide18.xml><?xml version="1.0" encoding="utf-8"?>
 <p:sld xmlns:a="http://schemas.openxmlformats.org/drawingml/2006/main" xmlns:r="http://schemas.openxmlformats.org/officeDocument/2006/relationships" xmlns:p="http://schemas.openxmlformats.org/presentationml/2006/main">
   <p:cSld>
     <p:spTree>
@@ -5886,7 +7403,7 @@
           <p:nvPr/>
         </p:nvPicPr>
         <p:blipFill>
-          <a:blip r:embed="rId2"/>
+          <a:blip r:embed="rId3"/>
           <a:stretch>
             <a:fillRect/>
           </a:stretch>
@@ -5905,6 +7422,206 @@
     <p:extLst>
       <p:ext uri="{BB962C8B-B14F-4D97-AF65-F5344CB8AC3E}">
         <p14:creationId xmlns:p14="http://schemas.microsoft.com/office/powerpoint/2010/main" val="2995986788"/>
+      </p:ext>
+    </p:extLst>
+  </p:cSld>
+  <p:clrMapOvr>
+    <a:masterClrMapping/>
+  </p:clrMapOvr>
+  <p:timing>
+    <p:tnLst>
+      <p:par>
+        <p:cTn xmlns:p14="http://schemas.microsoft.com/office/powerpoint/2010/main" id="1" dur="indefinite" restart="never" nodeType="tmRoot"/>
+      </p:par>
+    </p:tnLst>
+  </p:timing>
+</p:sld>
+</file>
+
+<file path=ppt/slides/slide19.xml><?xml version="1.0" encoding="utf-8"?>
+<p:sld xmlns:a="http://schemas.openxmlformats.org/drawingml/2006/main" xmlns:r="http://schemas.openxmlformats.org/officeDocument/2006/relationships" xmlns:p="http://schemas.openxmlformats.org/presentationml/2006/main">
+  <p:cSld>
+    <p:spTree>
+      <p:nvGrpSpPr>
+        <p:cNvPr id="1" name=""/>
+        <p:cNvGrpSpPr/>
+        <p:nvPr/>
+      </p:nvGrpSpPr>
+      <p:grpSpPr>
+        <a:xfrm>
+          <a:off x="0" y="0"/>
+          <a:ext cx="0" cy="0"/>
+          <a:chOff x="0" y="0"/>
+          <a:chExt cx="0" cy="0"/>
+        </a:xfrm>
+      </p:grpSpPr>
+      <p:sp>
+        <p:nvSpPr>
+          <p:cNvPr id="2" name="Inhaltsplatzhalter 1"/>
+          <p:cNvSpPr>
+            <a:spLocks noGrp="1"/>
+          </p:cNvSpPr>
+          <p:nvPr>
+            <p:ph idx="1"/>
+          </p:nvPr>
+        </p:nvSpPr>
+        <p:spPr>
+          <a:xfrm>
+            <a:off x="315884" y="5445224"/>
+            <a:ext cx="8512232" cy="1192643"/>
+          </a:xfrm>
+        </p:spPr>
+        <p:txBody>
+          <a:bodyPr/>
+          <a:lstStyle/>
+          <a:p>
+            <a:pPr marL="0" indent="0">
+              <a:buNone/>
+            </a:pPr>
+            <a:r>
+              <a:rPr lang="de-DE" dirty="0" smtClean="0"/>
+              <a:t>...Action </a:t>
+            </a:r>
+            <a:r>
+              <a:rPr lang="de-DE" dirty="0" err="1" smtClean="0"/>
+              <a:t>can</a:t>
+            </a:r>
+            <a:r>
+              <a:rPr lang="de-DE" dirty="0" smtClean="0"/>
+              <a:t> </a:t>
+            </a:r>
+            <a:r>
+              <a:rPr lang="de-DE" dirty="0" err="1" smtClean="0"/>
+              <a:t>be</a:t>
+            </a:r>
+            <a:r>
+              <a:rPr lang="de-DE" dirty="0" smtClean="0"/>
+              <a:t> </a:t>
+            </a:r>
+            <a:r>
+              <a:rPr lang="de-DE" dirty="0" err="1" smtClean="0"/>
+              <a:t>dispatched</a:t>
+            </a:r>
+            <a:r>
+              <a:rPr lang="de-DE" dirty="0" smtClean="0"/>
+              <a:t> </a:t>
+            </a:r>
+            <a:r>
+              <a:rPr lang="de-DE" dirty="0" err="1" smtClean="0"/>
+              <a:t>to</a:t>
+            </a:r>
+            <a:r>
+              <a:rPr lang="de-DE" dirty="0" smtClean="0"/>
+              <a:t> multiple </a:t>
+            </a:r>
+            <a:r>
+              <a:rPr lang="de-DE" dirty="0" err="1" smtClean="0"/>
+              <a:t>stores</a:t>
+            </a:r>
+            <a:endParaRPr lang="de-DE" dirty="0" smtClean="0"/>
+          </a:p>
+          <a:p>
+            <a:pPr marL="0" indent="0">
+              <a:buNone/>
+            </a:pPr>
+            <a:r>
+              <a:rPr lang="de-DE" dirty="0" smtClean="0"/>
+              <a:t>...A </a:t>
+            </a:r>
+            <a:r>
+              <a:rPr lang="de-DE" dirty="0" err="1" smtClean="0"/>
+              <a:t>component</a:t>
+            </a:r>
+            <a:r>
+              <a:rPr lang="de-DE" dirty="0" smtClean="0"/>
+              <a:t> </a:t>
+            </a:r>
+            <a:r>
+              <a:rPr lang="de-DE" dirty="0" err="1" smtClean="0"/>
+              <a:t>can</a:t>
+            </a:r>
+            <a:r>
+              <a:rPr lang="de-DE" dirty="0" smtClean="0"/>
+              <a:t> listen </a:t>
+            </a:r>
+            <a:r>
+              <a:rPr lang="de-DE" dirty="0" err="1" smtClean="0"/>
+              <a:t>to</a:t>
+            </a:r>
+            <a:r>
+              <a:rPr lang="de-DE" dirty="0" smtClean="0"/>
+              <a:t> multiple </a:t>
+            </a:r>
+            <a:r>
+              <a:rPr lang="de-DE" dirty="0" err="1" smtClean="0"/>
+              <a:t>stores</a:t>
+            </a:r>
+            <a:r>
+              <a:rPr lang="de-DE" dirty="0" smtClean="0"/>
+              <a:t>...</a:t>
+            </a:r>
+          </a:p>
+          <a:p>
+            <a:pPr marL="0" indent="0">
+              <a:buNone/>
+            </a:pPr>
+            <a:endParaRPr lang="de-DE" dirty="0"/>
+          </a:p>
+        </p:txBody>
+      </p:sp>
+      <p:sp>
+        <p:nvSpPr>
+          <p:cNvPr id="3" name="Titel 2"/>
+          <p:cNvSpPr>
+            <a:spLocks noGrp="1"/>
+          </p:cNvSpPr>
+          <p:nvPr>
+            <p:ph type="title"/>
+          </p:nvPr>
+        </p:nvSpPr>
+        <p:spPr/>
+        <p:txBody>
+          <a:bodyPr>
+            <a:normAutofit fontScale="90000"/>
+          </a:bodyPr>
+          <a:lstStyle/>
+          <a:p>
+            <a:r>
+              <a:rPr lang="de-DE" dirty="0" smtClean="0"/>
+              <a:t>UNI-DIRECTIONAL DATA FLOW - EXAMPLE 1</a:t>
+            </a:r>
+            <a:endParaRPr lang="de-DE" dirty="0"/>
+          </a:p>
+        </p:txBody>
+      </p:sp>
+      <p:pic>
+        <p:nvPicPr>
+          <p:cNvPr id="4" name="Bild 3"/>
+          <p:cNvPicPr>
+            <a:picLocks noChangeAspect="1"/>
+          </p:cNvPicPr>
+          <p:nvPr/>
+        </p:nvPicPr>
+        <p:blipFill>
+          <a:blip r:embed="rId3"/>
+          <a:stretch>
+            <a:fillRect/>
+          </a:stretch>
+        </p:blipFill>
+        <p:spPr>
+          <a:xfrm>
+            <a:off x="392322" y="1371600"/>
+            <a:ext cx="8435794" cy="3785592"/>
+          </a:xfrm>
+          <a:prstGeom prst="rect">
+            <a:avLst/>
+          </a:prstGeom>
+        </p:spPr>
+      </p:pic>
+    </p:spTree>
+    <p:extLst>
+      <p:ext uri="{BB962C8B-B14F-4D97-AF65-F5344CB8AC3E}">
+        <p14:creationId xmlns:p14="http://schemas.microsoft.com/office/powerpoint/2010/main" val="2277398810"/>
       </p:ext>
     </p:extLst>
   </p:cSld>
@@ -6499,206 +8216,6 @@
             </a:pPr>
             <a:r>
               <a:rPr lang="de-DE" dirty="0" smtClean="0"/>
-              <a:t>...Action </a:t>
-            </a:r>
-            <a:r>
-              <a:rPr lang="de-DE" dirty="0" err="1" smtClean="0"/>
-              <a:t>can</a:t>
-            </a:r>
-            <a:r>
-              <a:rPr lang="de-DE" dirty="0" smtClean="0"/>
-              <a:t> </a:t>
-            </a:r>
-            <a:r>
-              <a:rPr lang="de-DE" dirty="0" err="1" smtClean="0"/>
-              <a:t>be</a:t>
-            </a:r>
-            <a:r>
-              <a:rPr lang="de-DE" dirty="0" smtClean="0"/>
-              <a:t> </a:t>
-            </a:r>
-            <a:r>
-              <a:rPr lang="de-DE" dirty="0" err="1" smtClean="0"/>
-              <a:t>dispatched</a:t>
-            </a:r>
-            <a:r>
-              <a:rPr lang="de-DE" dirty="0" smtClean="0"/>
-              <a:t> </a:t>
-            </a:r>
-            <a:r>
-              <a:rPr lang="de-DE" dirty="0" err="1" smtClean="0"/>
-              <a:t>to</a:t>
-            </a:r>
-            <a:r>
-              <a:rPr lang="de-DE" dirty="0" smtClean="0"/>
-              <a:t> multiple </a:t>
-            </a:r>
-            <a:r>
-              <a:rPr lang="de-DE" dirty="0" err="1" smtClean="0"/>
-              <a:t>stores</a:t>
-            </a:r>
-            <a:endParaRPr lang="de-DE" dirty="0" smtClean="0"/>
-          </a:p>
-          <a:p>
-            <a:pPr marL="0" indent="0">
-              <a:buNone/>
-            </a:pPr>
-            <a:r>
-              <a:rPr lang="de-DE" dirty="0" smtClean="0"/>
-              <a:t>...A </a:t>
-            </a:r>
-            <a:r>
-              <a:rPr lang="de-DE" dirty="0" err="1" smtClean="0"/>
-              <a:t>component</a:t>
-            </a:r>
-            <a:r>
-              <a:rPr lang="de-DE" dirty="0" smtClean="0"/>
-              <a:t> </a:t>
-            </a:r>
-            <a:r>
-              <a:rPr lang="de-DE" dirty="0" err="1" smtClean="0"/>
-              <a:t>can</a:t>
-            </a:r>
-            <a:r>
-              <a:rPr lang="de-DE" dirty="0" smtClean="0"/>
-              <a:t> listen </a:t>
-            </a:r>
-            <a:r>
-              <a:rPr lang="de-DE" dirty="0" err="1" smtClean="0"/>
-              <a:t>to</a:t>
-            </a:r>
-            <a:r>
-              <a:rPr lang="de-DE" dirty="0" smtClean="0"/>
-              <a:t> multiple </a:t>
-            </a:r>
-            <a:r>
-              <a:rPr lang="de-DE" dirty="0" err="1" smtClean="0"/>
-              <a:t>stores</a:t>
-            </a:r>
-            <a:r>
-              <a:rPr lang="de-DE" dirty="0" smtClean="0"/>
-              <a:t>...</a:t>
-            </a:r>
-          </a:p>
-          <a:p>
-            <a:pPr marL="0" indent="0">
-              <a:buNone/>
-            </a:pPr>
-            <a:endParaRPr lang="de-DE" dirty="0"/>
-          </a:p>
-        </p:txBody>
-      </p:sp>
-      <p:sp>
-        <p:nvSpPr>
-          <p:cNvPr id="3" name="Titel 2"/>
-          <p:cNvSpPr>
-            <a:spLocks noGrp="1"/>
-          </p:cNvSpPr>
-          <p:nvPr>
-            <p:ph type="title"/>
-          </p:nvPr>
-        </p:nvSpPr>
-        <p:spPr/>
-        <p:txBody>
-          <a:bodyPr>
-            <a:normAutofit fontScale="90000"/>
-          </a:bodyPr>
-          <a:lstStyle/>
-          <a:p>
-            <a:r>
-              <a:rPr lang="de-DE" dirty="0" smtClean="0"/>
-              <a:t>UNI-DIRECTIONAL DATA FLOW - EXAMPLE 1</a:t>
-            </a:r>
-            <a:endParaRPr lang="de-DE" dirty="0"/>
-          </a:p>
-        </p:txBody>
-      </p:sp>
-      <p:pic>
-        <p:nvPicPr>
-          <p:cNvPr id="4" name="Bild 3"/>
-          <p:cNvPicPr>
-            <a:picLocks noChangeAspect="1"/>
-          </p:cNvPicPr>
-          <p:nvPr/>
-        </p:nvPicPr>
-        <p:blipFill>
-          <a:blip r:embed="rId2"/>
-          <a:stretch>
-            <a:fillRect/>
-          </a:stretch>
-        </p:blipFill>
-        <p:spPr>
-          <a:xfrm>
-            <a:off x="392322" y="1371600"/>
-            <a:ext cx="8435794" cy="3785592"/>
-          </a:xfrm>
-          <a:prstGeom prst="rect">
-            <a:avLst/>
-          </a:prstGeom>
-        </p:spPr>
-      </p:pic>
-    </p:spTree>
-    <p:extLst>
-      <p:ext uri="{BB962C8B-B14F-4D97-AF65-F5344CB8AC3E}">
-        <p14:creationId xmlns:p14="http://schemas.microsoft.com/office/powerpoint/2010/main" val="2277398810"/>
-      </p:ext>
-    </p:extLst>
-  </p:cSld>
-  <p:clrMapOvr>
-    <a:masterClrMapping/>
-  </p:clrMapOvr>
-  <p:timing>
-    <p:tnLst>
-      <p:par>
-        <p:cTn xmlns:p14="http://schemas.microsoft.com/office/powerpoint/2010/main" id="1" dur="indefinite" restart="never" nodeType="tmRoot"/>
-      </p:par>
-    </p:tnLst>
-  </p:timing>
-</p:sld>
-</file>
-
-<file path=ppt/slides/slide21.xml><?xml version="1.0" encoding="utf-8"?>
-<p:sld xmlns:a="http://schemas.openxmlformats.org/drawingml/2006/main" xmlns:r="http://schemas.openxmlformats.org/officeDocument/2006/relationships" xmlns:p="http://schemas.openxmlformats.org/presentationml/2006/main">
-  <p:cSld>
-    <p:spTree>
-      <p:nvGrpSpPr>
-        <p:cNvPr id="1" name=""/>
-        <p:cNvGrpSpPr/>
-        <p:nvPr/>
-      </p:nvGrpSpPr>
-      <p:grpSpPr>
-        <a:xfrm>
-          <a:off x="0" y="0"/>
-          <a:ext cx="0" cy="0"/>
-          <a:chOff x="0" y="0"/>
-          <a:chExt cx="0" cy="0"/>
-        </a:xfrm>
-      </p:grpSpPr>
-      <p:sp>
-        <p:nvSpPr>
-          <p:cNvPr id="2" name="Inhaltsplatzhalter 1"/>
-          <p:cNvSpPr>
-            <a:spLocks noGrp="1"/>
-          </p:cNvSpPr>
-          <p:nvPr>
-            <p:ph idx="1"/>
-          </p:nvPr>
-        </p:nvSpPr>
-        <p:spPr>
-          <a:xfrm>
-            <a:off x="315884" y="5445224"/>
-            <a:ext cx="8512232" cy="1192643"/>
-          </a:xfrm>
-        </p:spPr>
-        <p:txBody>
-          <a:bodyPr/>
-          <a:lstStyle/>
-          <a:p>
-            <a:pPr marL="0" indent="0">
-              <a:buNone/>
-            </a:pPr>
-            <a:r>
-              <a:rPr lang="de-DE" dirty="0" smtClean="0"/>
               <a:t>...</a:t>
             </a:r>
             <a:r>
@@ -6808,7 +8325,7 @@
           <p:nvPr/>
         </p:nvPicPr>
         <p:blipFill>
-          <a:blip r:embed="rId2"/>
+          <a:blip r:embed="rId3"/>
           <a:stretch>
             <a:fillRect/>
           </a:stretch>
@@ -6843,7 +8360,7 @@
 </p:sld>
 </file>
 
-<file path=ppt/slides/slide22.xml><?xml version="1.0" encoding="utf-8"?>
+<file path=ppt/slides/slide21.xml><?xml version="1.0" encoding="utf-8"?>
 <p:sld xmlns:a="http://schemas.openxmlformats.org/drawingml/2006/main" xmlns:r="http://schemas.openxmlformats.org/officeDocument/2006/relationships" xmlns:p="http://schemas.openxmlformats.org/presentationml/2006/main">
   <p:cSld>
     <p:spTree>
@@ -7015,7 +8532,7 @@
           <p:nvPr/>
         </p:nvPicPr>
         <p:blipFill>
-          <a:blip r:embed="rId2"/>
+          <a:blip r:embed="rId3"/>
           <a:stretch>
             <a:fillRect/>
           </a:stretch>
@@ -7050,7 +8567,7 @@
 </p:sld>
 </file>
 
-<file path=ppt/slides/slide23.xml><?xml version="1.0" encoding="utf-8"?>
+<file path=ppt/slides/slide22.xml><?xml version="1.0" encoding="utf-8"?>
 <p:sld xmlns:a="http://schemas.openxmlformats.org/drawingml/2006/main" xmlns:r="http://schemas.openxmlformats.org/officeDocument/2006/relationships" xmlns:p="http://schemas.openxmlformats.org/presentationml/2006/main">
   <p:cSld>
     <p:spTree>
@@ -7077,217 +8594,44 @@
             <p:ph idx="1"/>
           </p:nvPr>
         </p:nvSpPr>
-        <p:spPr>
-          <a:xfrm>
-            <a:off x="315884" y="5445224"/>
-            <a:ext cx="8512232" cy="1192643"/>
-          </a:xfrm>
-        </p:spPr>
-        <p:txBody>
-          <a:bodyPr>
-            <a:normAutofit fontScale="85000" lnSpcReduction="20000"/>
-          </a:bodyPr>
+        <p:spPr/>
+        <p:txBody>
+          <a:bodyPr/>
           <a:lstStyle/>
           <a:p>
             <a:pPr marL="0" indent="0">
               <a:buNone/>
             </a:pPr>
             <a:r>
-              <a:rPr lang="de-DE" dirty="0" smtClean="0"/>
-              <a:t>...“</a:t>
-            </a:r>
-            <a:r>
-              <a:rPr lang="de-DE" dirty="0" err="1" smtClean="0"/>
-              <a:t>external</a:t>
-            </a:r>
-            <a:r>
-              <a:rPr lang="de-DE" dirty="0" smtClean="0"/>
-              <a:t> </a:t>
-            </a:r>
-            <a:r>
-              <a:rPr lang="de-DE" dirty="0" err="1" smtClean="0"/>
-              <a:t>events</a:t>
-            </a:r>
-            <a:r>
-              <a:rPr lang="de-DE" dirty="0" smtClean="0"/>
-              <a:t>“ (e.g. </a:t>
-            </a:r>
-            <a:r>
-              <a:rPr lang="de-DE" dirty="0" err="1" smtClean="0"/>
-              <a:t>response</a:t>
-            </a:r>
-            <a:r>
-              <a:rPr lang="de-DE" dirty="0" smtClean="0"/>
-              <a:t> </a:t>
-            </a:r>
-            <a:r>
-              <a:rPr lang="de-DE" dirty="0" err="1" smtClean="0"/>
-              <a:t>from</a:t>
-            </a:r>
-            <a:r>
-              <a:rPr lang="de-DE" dirty="0" smtClean="0"/>
-              <a:t> </a:t>
-            </a:r>
-            <a:r>
-              <a:rPr lang="de-DE" dirty="0" err="1" smtClean="0"/>
-              <a:t>server</a:t>
-            </a:r>
-            <a:r>
-              <a:rPr lang="de-DE" dirty="0" smtClean="0"/>
-              <a:t>) </a:t>
-            </a:r>
-            <a:r>
-              <a:rPr lang="de-DE" dirty="0" err="1" smtClean="0"/>
-              <a:t>can</a:t>
-            </a:r>
-            <a:r>
-              <a:rPr lang="de-DE" dirty="0" smtClean="0"/>
-              <a:t> </a:t>
-            </a:r>
-            <a:r>
-              <a:rPr lang="de-DE" dirty="0" err="1" smtClean="0"/>
-              <a:t>trigger</a:t>
-            </a:r>
-            <a:r>
-              <a:rPr lang="de-DE" dirty="0" smtClean="0"/>
-              <a:t> </a:t>
-            </a:r>
-            <a:r>
-              <a:rPr lang="de-DE" dirty="0" err="1" smtClean="0"/>
-              <a:t>actions</a:t>
-            </a:r>
-            <a:endParaRPr lang="de-DE" dirty="0" smtClean="0"/>
-          </a:p>
-          <a:p>
-            <a:r>
-              <a:rPr lang="de-DE" dirty="0" smtClean="0"/>
-              <a:t>Flow </a:t>
-            </a:r>
-            <a:r>
-              <a:rPr lang="de-DE" dirty="0" err="1" smtClean="0"/>
-              <a:t>is</a:t>
-            </a:r>
-            <a:r>
-              <a:rPr lang="de-DE" dirty="0" smtClean="0"/>
-              <a:t> still </a:t>
-            </a:r>
-            <a:r>
-              <a:rPr lang="de-DE" dirty="0" err="1" smtClean="0"/>
-              <a:t>the</a:t>
-            </a:r>
-            <a:r>
-              <a:rPr lang="de-DE" dirty="0" smtClean="0"/>
-              <a:t> same</a:t>
-            </a:r>
-          </a:p>
-          <a:p>
-            <a:pPr marL="0" indent="0">
-              <a:buNone/>
-            </a:pPr>
-            <a:endParaRPr lang="de-DE" dirty="0"/>
-          </a:p>
-        </p:txBody>
-      </p:sp>
-      <p:sp>
-        <p:nvSpPr>
-          <p:cNvPr id="3" name="Titel 2"/>
-          <p:cNvSpPr>
-            <a:spLocks noGrp="1"/>
-          </p:cNvSpPr>
-          <p:nvPr>
-            <p:ph type="title"/>
-          </p:nvPr>
-        </p:nvSpPr>
-        <p:spPr/>
-        <p:txBody>
-          <a:bodyPr>
-            <a:normAutofit fontScale="90000"/>
-          </a:bodyPr>
-          <a:lstStyle/>
-          <a:p>
-            <a:r>
-              <a:rPr lang="de-DE" dirty="0" smtClean="0"/>
-              <a:t>UNI-DIRECTIONAL DATA FLOW - EXAMPLE 3</a:t>
-            </a:r>
-            <a:endParaRPr lang="de-DE" dirty="0"/>
-          </a:p>
-        </p:txBody>
-      </p:sp>
-      <p:pic>
-        <p:nvPicPr>
-          <p:cNvPr id="5" name="Bild 4"/>
-          <p:cNvPicPr>
-            <a:picLocks noChangeAspect="1"/>
-          </p:cNvPicPr>
-          <p:nvPr/>
-        </p:nvPicPr>
-        <p:blipFill>
-          <a:blip r:embed="rId2"/>
-          <a:stretch>
-            <a:fillRect/>
-          </a:stretch>
-        </p:blipFill>
-        <p:spPr>
-          <a:xfrm>
-            <a:off x="683568" y="879793"/>
-            <a:ext cx="7416824" cy="4298496"/>
-          </a:xfrm>
-          <a:prstGeom prst="rect">
-            <a:avLst/>
-          </a:prstGeom>
-        </p:spPr>
-      </p:pic>
-    </p:spTree>
-    <p:extLst>
-      <p:ext uri="{BB962C8B-B14F-4D97-AF65-F5344CB8AC3E}">
-        <p14:creationId xmlns:p14="http://schemas.microsoft.com/office/powerpoint/2010/main" val="1407086859"/>
-      </p:ext>
-    </p:extLst>
-  </p:cSld>
-  <p:clrMapOvr>
-    <a:masterClrMapping/>
-  </p:clrMapOvr>
-  <p:timing>
-    <p:tnLst>
-      <p:par>
-        <p:cTn xmlns:p14="http://schemas.microsoft.com/office/powerpoint/2010/main" id="1" dur="indefinite" restart="never" nodeType="tmRoot"/>
-      </p:par>
-    </p:tnLst>
-  </p:timing>
-</p:sld>
-</file>
-
-<file path=ppt/slides/slide24.xml><?xml version="1.0" encoding="utf-8"?>
-<p:sld xmlns:a="http://schemas.openxmlformats.org/drawingml/2006/main" xmlns:r="http://schemas.openxmlformats.org/officeDocument/2006/relationships" xmlns:p="http://schemas.openxmlformats.org/presentationml/2006/main">
-  <p:cSld>
-    <p:spTree>
-      <p:nvGrpSpPr>
-        <p:cNvPr id="1" name=""/>
-        <p:cNvGrpSpPr/>
-        <p:nvPr/>
-      </p:nvGrpSpPr>
-      <p:grpSpPr>
-        <a:xfrm>
-          <a:off x="0" y="0"/>
-          <a:ext cx="0" cy="0"/>
-          <a:chOff x="0" y="0"/>
-          <a:chExt cx="0" cy="0"/>
-        </a:xfrm>
-      </p:grpSpPr>
-      <p:sp>
-        <p:nvSpPr>
-          <p:cNvPr id="2" name="Inhaltsplatzhalter 1"/>
-          <p:cNvSpPr>
-            <a:spLocks noGrp="1"/>
-          </p:cNvSpPr>
-          <p:nvPr>
-            <p:ph idx="1"/>
-          </p:nvPr>
-        </p:nvSpPr>
-        <p:spPr/>
-        <p:txBody>
-          <a:bodyPr/>
-          <a:lstStyle/>
+              <a:rPr lang="de-DE" sz="2800" b="1" dirty="0" err="1" smtClean="0"/>
+              <a:t>Useful</a:t>
+            </a:r>
+            <a:r>
+              <a:rPr lang="de-DE" sz="2800" b="1" dirty="0" smtClean="0"/>
+              <a:t> </a:t>
+            </a:r>
+            <a:r>
+              <a:rPr lang="de-DE" sz="2800" b="1" dirty="0" err="1" smtClean="0"/>
+              <a:t>when</a:t>
+            </a:r>
+            <a:r>
+              <a:rPr lang="de-DE" sz="2800" b="1" dirty="0" smtClean="0"/>
+              <a:t> </a:t>
+            </a:r>
+            <a:r>
+              <a:rPr lang="de-DE" sz="2800" b="1" dirty="0" err="1" smtClean="0"/>
+              <a:t>working</a:t>
+            </a:r>
+            <a:r>
+              <a:rPr lang="de-DE" sz="2800" b="1" dirty="0" smtClean="0"/>
+              <a:t> on same </a:t>
+            </a:r>
+            <a:r>
+              <a:rPr lang="de-DE" sz="2800" b="1" dirty="0" err="1" smtClean="0"/>
+              <a:t>model</a:t>
+            </a:r>
+            <a:endParaRPr lang="de-DE" sz="2800" b="1" dirty="0" smtClean="0"/>
+          </a:p>
           <a:p>
             <a:pPr marL="0" indent="0">
               <a:buNone/>
@@ -7355,6 +8699,9 @@
             <a:endParaRPr lang="de-DE" sz="2800" dirty="0" smtClean="0"/>
           </a:p>
           <a:p>
+            <a:endParaRPr lang="de-DE" sz="2800" dirty="0" smtClean="0"/>
+          </a:p>
+          <a:p>
             <a:pPr marL="0" indent="0">
               <a:buNone/>
             </a:pPr>
@@ -7431,10 +8778,55 @@
             </a:r>
             <a:r>
               <a:rPr lang="de-DE" sz="2800" dirty="0" smtClean="0"/>
-              <a:t> a Store?</a:t>
-            </a:r>
-          </a:p>
-          <a:p>
+              <a:t> a Store</a:t>
+            </a:r>
+            <a:r>
+              <a:rPr lang="de-DE" sz="2800" dirty="0" smtClean="0"/>
+              <a:t>?</a:t>
+            </a:r>
+          </a:p>
+          <a:p>
+            <a:endParaRPr lang="de-DE" sz="2800" dirty="0" smtClean="0"/>
+          </a:p>
+          <a:p>
+            <a:pPr marL="0" indent="0">
+              <a:buNone/>
+            </a:pPr>
+            <a:r>
+              <a:rPr lang="de-DE" sz="2800" b="1" dirty="0" err="1" smtClean="0"/>
+              <a:t>Many</a:t>
+            </a:r>
+            <a:r>
+              <a:rPr lang="de-DE" sz="2800" b="1" dirty="0" smtClean="0"/>
+              <a:t> </a:t>
+            </a:r>
+            <a:r>
+              <a:rPr lang="de-DE" sz="2800" b="1" dirty="0" err="1" smtClean="0"/>
+              <a:t>implemenations</a:t>
+            </a:r>
+            <a:endParaRPr lang="de-DE" sz="2800" b="1" dirty="0" smtClean="0"/>
+          </a:p>
+          <a:p>
+            <a:r>
+              <a:rPr lang="de-DE" sz="2800" dirty="0" err="1" smtClean="0"/>
+              <a:t>No</a:t>
+            </a:r>
+            <a:r>
+              <a:rPr lang="de-DE" sz="2800" dirty="0" smtClean="0"/>
+              <a:t> „</a:t>
+            </a:r>
+            <a:r>
+              <a:rPr lang="de-DE" sz="2800" dirty="0" err="1" smtClean="0"/>
+              <a:t>standard</a:t>
+            </a:r>
+            <a:r>
+              <a:rPr lang="de-DE" sz="2800" dirty="0" smtClean="0"/>
+              <a:t>“ </a:t>
+            </a:r>
+            <a:r>
+              <a:rPr lang="de-DE" sz="2800" dirty="0" err="1" smtClean="0"/>
+              <a:t>implementation</a:t>
+            </a:r>
             <a:endParaRPr lang="de-DE" sz="2800" dirty="0" smtClean="0"/>
           </a:p>
           <a:p>
@@ -7493,7 +8885,7 @@
 </p:sld>
 </file>
 
-<file path=ppt/slides/slide25.xml><?xml version="1.0" encoding="utf-8"?>
+<file path=ppt/slides/slide23.xml><?xml version="1.0" encoding="utf-8"?>
 <p:sld xmlns:a="http://schemas.openxmlformats.org/drawingml/2006/main" xmlns:r="http://schemas.openxmlformats.org/officeDocument/2006/relationships" xmlns:p="http://schemas.openxmlformats.org/presentationml/2006/main">
   <p:cSld>
     <p:spTree>
@@ -7956,8 +9348,8 @@
           </a:p>
           <a:p>
             <a:r>
-              <a:rPr lang="de-DE" sz="2000" dirty="0" smtClean="0"/>
-              <a:t>https://github.dst.tk-inline.net/nilshartmann/flux-intro</a:t>
+              <a:rPr lang="de-DE" sz="2000" dirty="0" err="1" smtClean="0"/>
+              <a:t>tbd</a:t>
             </a:r>
             <a:endParaRPr lang="de-DE" sz="2000" dirty="0"/>
           </a:p>
@@ -9850,7 +11242,7 @@
           <p:nvPr/>
         </p:nvPicPr>
         <p:blipFill>
-          <a:blip r:embed="rId2"/>
+          <a:blip r:embed="rId3"/>
           <a:stretch>
             <a:fillRect/>
           </a:stretch>
@@ -10336,7 +11728,7 @@
           <p:nvPr/>
         </p:nvPicPr>
         <p:blipFill>
-          <a:blip r:embed="rId2"/>
+          <a:blip r:embed="rId3"/>
           <a:stretch>
             <a:fillRect/>
           </a:stretch>
